--- a/cs534L-SAGmf.pptx
+++ b/cs534L-SAGmf.pptx
@@ -11423,6 +11423,10 @@
               <a:t>many </a:t>
             </a:r>
             <a:r>
+              <a:rPr lang="en-CA" dirty="0" smtClean="0"/>
+              <a:t>model-based </a:t>
+            </a:r>
+            <a:r>
               <a:rPr lang="en-CA" dirty="0" err="1" smtClean="0"/>
               <a:t>RecSys</a:t>
             </a:r>
@@ -11716,8 +11720,13 @@
             </a:pPr>
             <a:r>
               <a:rPr lang="en-US" dirty="0" smtClean="0"/>
-              <a:t>Binary Data</a:t>
-            </a:r>
+              <a:t>Binary </a:t>
+            </a:r>
+            <a:r>
+              <a:rPr lang="en-US" dirty="0" smtClean="0"/>
+              <a:t>Data</a:t>
+            </a:r>
+            <a:endParaRPr lang="en-US" dirty="0" smtClean="0"/>
           </a:p>
           <a:p>
             <a:r>
@@ -11752,23 +11761,6 @@
               <a:buNone/>
             </a:pPr>
             <a:endParaRPr lang="en-US" dirty="0" smtClean="0"/>
-          </a:p>
-          <a:p>
-            <a:pPr marL="0" indent="0" algn="ctr">
-              <a:buNone/>
-            </a:pPr>
-            <a:r>
-              <a:rPr lang="en-US" dirty="0" smtClean="0"/>
-              <a:t>Numerical Data</a:t>
-            </a:r>
-            <a:endParaRPr lang="en-US" dirty="0"/>
-          </a:p>
-          <a:p>
-            <a:r>
-              <a:rPr lang="en-US" dirty="0" smtClean="0"/>
-              <a:t>MNAR</a:t>
-            </a:r>
-            <a:endParaRPr lang="en-US" dirty="0"/>
           </a:p>
           <a:p>
             <a:endParaRPr lang="en-US" dirty="0"/>
@@ -11819,8 +11811,13 @@
             </a:pPr>
             <a:r>
               <a:rPr lang="en-US" dirty="0" smtClean="0"/>
-              <a:t>Binary Data</a:t>
-            </a:r>
+              <a:t>Binary </a:t>
+            </a:r>
+            <a:r>
+              <a:rPr lang="en-US" dirty="0"/>
+              <a:t>Data: Implicit feedback</a:t>
+            </a:r>
+            <a:endParaRPr lang="en-US" dirty="0" smtClean="0"/>
           </a:p>
           <a:p>
             <a:r>
@@ -13803,30 +13800,14 @@
             <a:pPr lvl="1"/>
             <a:r>
               <a:rPr lang="en-US" dirty="0" smtClean="0"/>
-              <a:t>Fast </a:t>
-            </a:r>
+              <a:t>Fast Convergence: similar to Full gradient</a:t>
+            </a:r>
+          </a:p>
+          <a:p>
+            <a:pPr lvl="1"/>
             <a:r>
               <a:rPr lang="en-US" dirty="0" smtClean="0"/>
-              <a:t>Convergence: </a:t>
-            </a:r>
-            <a:r>
-              <a:rPr lang="en-US" dirty="0" smtClean="0"/>
-              <a:t>similar to Full gradient</a:t>
-            </a:r>
-          </a:p>
-          <a:p>
-            <a:pPr lvl="1"/>
-            <a:r>
-              <a:rPr lang="en-US" dirty="0" smtClean="0"/>
-              <a:t>O(1) samples per </a:t>
-            </a:r>
-            <a:r>
-              <a:rPr lang="en-US" dirty="0" smtClean="0"/>
-              <a:t>iteration: </a:t>
-            </a:r>
-            <a:r>
-              <a:rPr lang="en-US" dirty="0" smtClean="0"/>
-              <a:t>similar to Stochastic</a:t>
+              <a:t>O(1) samples per iteration: similar to Stochastic</a:t>
             </a:r>
           </a:p>
           <a:p>
@@ -13900,11 +13881,7 @@
           <a:p>
             <a:r>
               <a:rPr lang="en-US" dirty="0" smtClean="0"/>
-              <a:t>Space </a:t>
-            </a:r>
-            <a:r>
-              <a:rPr lang="en-US" dirty="0" smtClean="0"/>
-              <a:t>Complexity</a:t>
+              <a:t>Space Complexity</a:t>
             </a:r>
             <a:r>
               <a:rPr lang="en-US" smtClean="0"/>
@@ -13937,8 +13914,8 @@
           </a:p>
         </p:txBody>
       </p:sp>
-      <mc:AlternateContent xmlns:mc="http://schemas.openxmlformats.org/markup-compatibility/2006">
-        <mc:Choice xmlns:a14="http://schemas.microsoft.com/office/drawing/2010/main" Requires="a14">
+      <mc:AlternateContent xmlns:mc="http://schemas.openxmlformats.org/markup-compatibility/2006" xmlns:a14="http://schemas.microsoft.com/office/drawing/2010/main">
+        <mc:Choice Requires="a14">
           <p:sp>
             <p:nvSpPr>
               <p:cNvPr id="3" name="Content Placeholder 2"/>
@@ -14797,7 +14774,7 @@
             </p:txBody>
           </p:sp>
         </mc:Choice>
-        <mc:Fallback>
+        <mc:Fallback xmlns="">
           <p:sp>
             <p:nvSpPr>
               <p:cNvPr id="3" name="Content Placeholder 2"/>
@@ -15051,11 +15028,7 @@
             </a:r>
             <a:r>
               <a:rPr lang="en-CA" dirty="0" smtClean="0"/>
-              <a:t>limited, </a:t>
-            </a:r>
-            <a:r>
-              <a:rPr lang="en-CA" dirty="0" smtClean="0"/>
-              <a:t>page faults</a:t>
+              <a:t>limited, page faults</a:t>
             </a:r>
             <a:endParaRPr lang="en-CA" dirty="0"/>
           </a:p>

--- a/cs534L-SAGmf.pptx
+++ b/cs534L-SAGmf.pptx
@@ -237,7 +237,7 @@
           <a:p>
             <a:fld id="{2A931F9A-C6D5-4EB2-9441-7E80231123F5}" type="datetimeFigureOut">
               <a:rPr lang="en-US" smtClean="0"/>
-              <a:t>12/2/2014</a:t>
+              <a:t>12/7/2014</a:t>
             </a:fld>
             <a:endParaRPr lang="en-US"/>
           </a:p>
@@ -1188,7 +1188,7 @@
           <a:p>
             <a:fld id="{43E95751-F7ED-4DC6-B252-D061684897A9}" type="datetimeFigureOut">
               <a:rPr lang="en-US" smtClean="0"/>
-              <a:t>12/2/2014</a:t>
+              <a:t>12/7/2014</a:t>
             </a:fld>
             <a:endParaRPr lang="en-US"/>
           </a:p>
@@ -1358,7 +1358,7 @@
           <a:p>
             <a:fld id="{43E95751-F7ED-4DC6-B252-D061684897A9}" type="datetimeFigureOut">
               <a:rPr lang="en-US" smtClean="0"/>
-              <a:t>12/2/2014</a:t>
+              <a:t>12/7/2014</a:t>
             </a:fld>
             <a:endParaRPr lang="en-US"/>
           </a:p>
@@ -1538,7 +1538,7 @@
           <a:p>
             <a:fld id="{43E95751-F7ED-4DC6-B252-D061684897A9}" type="datetimeFigureOut">
               <a:rPr lang="en-US" smtClean="0"/>
-              <a:t>12/2/2014</a:t>
+              <a:t>12/7/2014</a:t>
             </a:fld>
             <a:endParaRPr lang="en-US"/>
           </a:p>
@@ -1708,7 +1708,7 @@
           <a:p>
             <a:fld id="{43E95751-F7ED-4DC6-B252-D061684897A9}" type="datetimeFigureOut">
               <a:rPr lang="en-US" smtClean="0"/>
-              <a:t>12/2/2014</a:t>
+              <a:t>12/7/2014</a:t>
             </a:fld>
             <a:endParaRPr lang="en-US"/>
           </a:p>
@@ -1954,7 +1954,7 @@
           <a:p>
             <a:fld id="{43E95751-F7ED-4DC6-B252-D061684897A9}" type="datetimeFigureOut">
               <a:rPr lang="en-US" smtClean="0"/>
-              <a:t>12/2/2014</a:t>
+              <a:t>12/7/2014</a:t>
             </a:fld>
             <a:endParaRPr lang="en-US"/>
           </a:p>
@@ -2242,7 +2242,7 @@
           <a:p>
             <a:fld id="{43E95751-F7ED-4DC6-B252-D061684897A9}" type="datetimeFigureOut">
               <a:rPr lang="en-US" smtClean="0"/>
-              <a:t>12/2/2014</a:t>
+              <a:t>12/7/2014</a:t>
             </a:fld>
             <a:endParaRPr lang="en-US"/>
           </a:p>
@@ -2664,7 +2664,7 @@
           <a:p>
             <a:fld id="{43E95751-F7ED-4DC6-B252-D061684897A9}" type="datetimeFigureOut">
               <a:rPr lang="en-US" smtClean="0"/>
-              <a:t>12/2/2014</a:t>
+              <a:t>12/7/2014</a:t>
             </a:fld>
             <a:endParaRPr lang="en-US"/>
           </a:p>
@@ -2782,7 +2782,7 @@
           <a:p>
             <a:fld id="{43E95751-F7ED-4DC6-B252-D061684897A9}" type="datetimeFigureOut">
               <a:rPr lang="en-US" smtClean="0"/>
-              <a:t>12/2/2014</a:t>
+              <a:t>12/7/2014</a:t>
             </a:fld>
             <a:endParaRPr lang="en-US"/>
           </a:p>
@@ -2877,7 +2877,7 @@
           <a:p>
             <a:fld id="{43E95751-F7ED-4DC6-B252-D061684897A9}" type="datetimeFigureOut">
               <a:rPr lang="en-US" smtClean="0"/>
-              <a:t>12/2/2014</a:t>
+              <a:t>12/7/2014</a:t>
             </a:fld>
             <a:endParaRPr lang="en-US"/>
           </a:p>
@@ -3154,7 +3154,7 @@
           <a:p>
             <a:fld id="{43E95751-F7ED-4DC6-B252-D061684897A9}" type="datetimeFigureOut">
               <a:rPr lang="en-US" smtClean="0"/>
-              <a:t>12/2/2014</a:t>
+              <a:t>12/7/2014</a:t>
             </a:fld>
             <a:endParaRPr lang="en-US"/>
           </a:p>
@@ -3407,7 +3407,7 @@
           <a:p>
             <a:fld id="{43E95751-F7ED-4DC6-B252-D061684897A9}" type="datetimeFigureOut">
               <a:rPr lang="en-US" smtClean="0"/>
-              <a:t>12/2/2014</a:t>
+              <a:t>12/7/2014</a:t>
             </a:fld>
             <a:endParaRPr lang="en-US"/>
           </a:p>
@@ -3620,7 +3620,7 @@
           <a:p>
             <a:fld id="{43E95751-F7ED-4DC6-B252-D061684897A9}" type="datetimeFigureOut">
               <a:rPr lang="en-US" smtClean="0"/>
-              <a:t>12/2/2014</a:t>
+              <a:t>12/7/2014</a:t>
             </a:fld>
             <a:endParaRPr lang="en-US"/>
           </a:p>
@@ -4022,14 +4022,15 @@
             </a:r>
             <a:r>
               <a:rPr lang="en-US" dirty="0" smtClean="0"/>
-              <a:t>onvergence in Matrix Factorization</a:t>
-            </a:r>
-            <a:br>
+              <a:t>onvergence in </a:t>
+            </a:r>
+            <a:r>
+              <a:rPr lang="en-US" smtClean="0"/>
+              <a:t>Matrix Factorization using </a:t>
+            </a:r>
+            <a:r>
               <a:rPr lang="en-US" dirty="0" smtClean="0"/>
-            </a:br>
-            <a:r>
-              <a:rPr lang="en-US" dirty="0" smtClean="0"/>
-              <a:t>using SAG-MF and Parallel SAG-MF</a:t>
+              <a:t>SAG-MF</a:t>
             </a:r>
             <a:endParaRPr lang="en-US" dirty="0"/>
           </a:p>
@@ -9817,15 +9818,7 @@
             </a:r>
             <a:r>
               <a:rPr lang="en-CA" dirty="0" smtClean="0"/>
-              <a:t>: SAG-</a:t>
-            </a:r>
-            <a:r>
-              <a:rPr lang="en-CA" dirty="0" err="1" smtClean="0"/>
-              <a:t>MFforgetful</a:t>
-            </a:r>
-            <a:r>
-              <a:rPr lang="en-CA" dirty="0" smtClean="0"/>
-              <a:t/>
+              <a:t>: SAG-MF forgetful</a:t>
             </a:r>
             <a:br>
               <a:rPr lang="en-CA" dirty="0" smtClean="0"/>
@@ -10866,14 +10859,14 @@
           <p:nvPr>
             <p:extLst>
               <p:ext uri="{D42A27DB-BD31-4B8C-83A1-F6EECF244321}">
-                <p14:modId xmlns:p14="http://schemas.microsoft.com/office/powerpoint/2010/main" val="3609468472"/>
+                <p14:modId xmlns:p14="http://schemas.microsoft.com/office/powerpoint/2010/main" val="4243298010"/>
               </p:ext>
             </p:extLst>
           </p:nvPr>
         </p:nvGraphicFramePr>
         <p:xfrm>
           <a:off x="251520" y="1397000"/>
-          <a:ext cx="8640960" cy="2392680"/>
+          <a:ext cx="8640960" cy="2123440"/>
         </p:xfrm>
         <a:graphic>
           <a:graphicData uri="http://schemas.openxmlformats.org/drawingml/2006/table">
@@ -11191,14 +11184,7 @@
                       <a:pPr algn="ctr"/>
                       <a:r>
                         <a:rPr lang="en-CA" dirty="0" smtClean="0"/>
-                        <a:t>O( 2*N</a:t>
-                      </a:r>
-                    </a:p>
-                    <a:p>
-                      <a:pPr algn="ctr"/>
-                      <a:r>
-                        <a:rPr lang="en-CA" dirty="0" smtClean="0"/>
-                        <a:t>+(</a:t>
+                        <a:t>O((</a:t>
                       </a:r>
                       <a:r>
                         <a:rPr lang="en-CA" dirty="0" err="1" smtClean="0"/>
@@ -11222,7 +11208,7 @@
                       </a:r>
                       <a:r>
                         <a:rPr lang="en-CA" dirty="0" smtClean="0"/>
-                        <a:t>+2*</a:t>
+                        <a:t>+</a:t>
                       </a:r>
                       <a:r>
                         <a:rPr lang="en-CA" dirty="0" err="1" smtClean="0"/>
@@ -11420,11 +11406,7 @@
             <a:pPr lvl="1"/>
             <a:r>
               <a:rPr lang="en-CA" dirty="0" smtClean="0"/>
-              <a:t>many </a:t>
-            </a:r>
-            <a:r>
-              <a:rPr lang="en-CA" dirty="0" smtClean="0"/>
-              <a:t>model-based </a:t>
+              <a:t>many model-based </a:t>
             </a:r>
             <a:r>
               <a:rPr lang="en-CA" dirty="0" err="1" smtClean="0"/>
@@ -11533,7 +11515,7 @@
         <p:spPr/>
         <p:txBody>
           <a:bodyPr>
-            <a:normAutofit fontScale="92500" lnSpcReduction="10000"/>
+            <a:normAutofit/>
           </a:bodyPr>
           <a:lstStyle/>
           <a:p>
@@ -11572,7 +11554,7 @@
             </a:pPr>
             <a:r>
               <a:rPr lang="en-US" dirty="0" smtClean="0"/>
-              <a:t>Does SAG work equally well in different objective functions?</a:t>
+              <a:t>Can SAG work in different objective functions?</a:t>
             </a:r>
           </a:p>
           <a:p>
@@ -11582,36 +11564,9 @@
             </a:pPr>
             <a:r>
               <a:rPr lang="en-US" dirty="0" smtClean="0"/>
-              <a:t>Does </a:t>
-            </a:r>
-            <a:r>
-              <a:rPr lang="en-US" dirty="0"/>
-              <a:t>SAG </a:t>
-            </a:r>
-            <a:r>
-              <a:rPr lang="en-US" dirty="0" smtClean="0"/>
-              <a:t>scale to large datasets?</a:t>
-            </a:r>
-          </a:p>
-          <a:p>
-            <a:pPr marL="514350" indent="-514350">
-              <a:buFont typeface="+mj-lt"/>
-              <a:buAutoNum type="arabicPeriod"/>
-            </a:pPr>
-            <a:r>
-              <a:rPr lang="en-US" dirty="0" smtClean="0"/>
-              <a:t>Are performances of SAG-general vs. SAG-MF distinguishable?</a:t>
-            </a:r>
-          </a:p>
-          <a:p>
-            <a:pPr marL="514350" indent="-514350">
-              <a:buFont typeface="+mj-lt"/>
-              <a:buAutoNum type="arabicPeriod"/>
-            </a:pPr>
-            <a:r>
-              <a:rPr lang="en-US" dirty="0" smtClean="0"/>
-              <a:t>How about Parallel Full, Stochastic, SAG?</a:t>
-            </a:r>
+              <a:t>Does SAG work with different datasets</a:t>
+            </a:r>
+            <a:endParaRPr lang="en-US" dirty="0"/>
           </a:p>
           <a:p>
             <a:pPr marL="514350" indent="-514350">
@@ -11720,40 +11675,38 @@
             </a:pPr>
             <a:r>
               <a:rPr lang="en-US" dirty="0" smtClean="0"/>
-              <a:t>Binary </a:t>
-            </a:r>
+              <a:t>Binary Data</a:t>
+            </a:r>
+          </a:p>
+          <a:p>
+            <a:r>
+              <a:rPr lang="en-US" dirty="0" err="1"/>
+              <a:t>CLiMF</a:t>
+            </a:r>
+            <a:r>
+              <a:rPr lang="en-US" dirty="0"/>
+              <a:t>: ordinal logistic </a:t>
+            </a:r>
+          </a:p>
+          <a:p>
             <a:r>
               <a:rPr lang="en-US" dirty="0" smtClean="0"/>
-              <a:t>Data</a:t>
-            </a:r>
-            <a:endParaRPr lang="en-US" dirty="0" smtClean="0"/>
+              <a:t>L2: squared </a:t>
+            </a:r>
+            <a:r>
+              <a:rPr lang="en-US" dirty="0" smtClean="0"/>
+              <a:t>loss</a:t>
+            </a:r>
+            <a:endParaRPr lang="en-US" dirty="0"/>
           </a:p>
           <a:p>
             <a:r>
               <a:rPr lang="en-US" dirty="0" err="1" smtClean="0"/>
-              <a:t>iMF</a:t>
+              <a:t>CofiRank</a:t>
             </a:r>
             <a:r>
               <a:rPr lang="en-US" dirty="0" smtClean="0"/>
-              <a:t>: squared/L2 loss</a:t>
-            </a:r>
-            <a:endParaRPr lang="en-US" dirty="0"/>
-          </a:p>
-          <a:p>
-            <a:r>
-              <a:rPr lang="en-US" dirty="0" err="1" smtClean="0"/>
-              <a:t>CLiMF</a:t>
-            </a:r>
-            <a:r>
-              <a:rPr lang="en-US" dirty="0" smtClean="0"/>
-              <a:t>: ordinal logistic </a:t>
-            </a:r>
-            <a:endParaRPr lang="en-US" dirty="0"/>
-          </a:p>
-          <a:p>
-            <a:r>
-              <a:rPr lang="en-US" dirty="0" smtClean="0"/>
-              <a:t>BPR-MF: AUC</a:t>
+              <a:t>: SVM-like loss</a:t>
             </a:r>
           </a:p>
           <a:p>
@@ -11824,6 +11777,15 @@
               <a:rPr lang="en-US" dirty="0" err="1" smtClean="0"/>
               <a:t>Epinions</a:t>
             </a:r>
+            <a:endParaRPr lang="en-US" dirty="0" smtClean="0"/>
+          </a:p>
+          <a:p>
+            <a:r>
+              <a:rPr lang="en-US" dirty="0" smtClean="0"/>
+              <a:t>Digg</a:t>
+            </a:r>
+          </a:p>
+          <a:p>
             <a:endParaRPr lang="en-US" dirty="0" smtClean="0"/>
           </a:p>
           <a:p>

--- a/cs534L-SAGmf.pptx
+++ b/cs534L-SAGmf.pptx
@@ -5,7 +5,7 @@
     <p:sldMasterId id="2147483648" r:id="rId1"/>
   </p:sldMasterIdLst>
   <p:notesMasterIdLst>
-    <p:notesMasterId r:id="rId32"/>
+    <p:notesMasterId r:id="rId33"/>
   </p:notesMasterIdLst>
   <p:sldIdLst>
     <p:sldId id="256" r:id="rId2"/>
@@ -29,15 +29,16 @@
     <p:sldId id="262" r:id="rId20"/>
     <p:sldId id="260" r:id="rId21"/>
     <p:sldId id="264" r:id="rId22"/>
-    <p:sldId id="272" r:id="rId23"/>
-    <p:sldId id="280" r:id="rId24"/>
-    <p:sldId id="267" r:id="rId25"/>
+    <p:sldId id="267" r:id="rId23"/>
+    <p:sldId id="289" r:id="rId24"/>
+    <p:sldId id="287" r:id="rId25"/>
     <p:sldId id="283" r:id="rId26"/>
     <p:sldId id="284" r:id="rId27"/>
     <p:sldId id="285" r:id="rId28"/>
     <p:sldId id="286" r:id="rId29"/>
     <p:sldId id="278" r:id="rId30"/>
     <p:sldId id="266" r:id="rId31"/>
+    <p:sldId id="272" r:id="rId32"/>
   </p:sldIdLst>
   <p:sldSz cx="9144000" cy="6858000" type="screen4x3"/>
   <p:notesSz cx="6858000" cy="9144000"/>
@@ -237,7 +238,7 @@
           <a:p>
             <a:fld id="{2A931F9A-C6D5-4EB2-9441-7E80231123F5}" type="datetimeFigureOut">
               <a:rPr lang="en-US" smtClean="0"/>
-              <a:t>12/7/2014</a:t>
+              <a:t>12/8/2014</a:t>
             </a:fld>
             <a:endParaRPr lang="en-US"/>
           </a:p>
@@ -834,7 +835,7 @@
           <a:p>
             <a:fld id="{EA5C61F1-C4D7-4183-9419-26D6C7EA246C}" type="slidenum">
               <a:rPr lang="en-US" smtClean="0"/>
-              <a:t>24</a:t>
+              <a:t>22</a:t>
             </a:fld>
             <a:endParaRPr lang="en-US"/>
           </a:p>
@@ -854,6 +855,90 @@
 </file>
 
 <file path=ppt/notesSlides/notesSlide5.xml><?xml version="1.0" encoding="utf-8"?>
+<p:notes xmlns:a="http://schemas.openxmlformats.org/drawingml/2006/main" xmlns:r="http://schemas.openxmlformats.org/officeDocument/2006/relationships" xmlns:p="http://schemas.openxmlformats.org/presentationml/2006/main">
+  <p:cSld>
+    <p:spTree>
+      <p:nvGrpSpPr>
+        <p:cNvPr id="1" name=""/>
+        <p:cNvGrpSpPr/>
+        <p:nvPr/>
+      </p:nvGrpSpPr>
+      <p:grpSpPr>
+        <a:xfrm>
+          <a:off x="0" y="0"/>
+          <a:ext cx="0" cy="0"/>
+          <a:chOff x="0" y="0"/>
+          <a:chExt cx="0" cy="0"/>
+        </a:xfrm>
+      </p:grpSpPr>
+      <p:sp>
+        <p:nvSpPr>
+          <p:cNvPr id="2" name="Slide Image Placeholder 1"/>
+          <p:cNvSpPr>
+            <a:spLocks noGrp="1" noRot="1" noChangeAspect="1"/>
+          </p:cNvSpPr>
+          <p:nvPr>
+            <p:ph type="sldImg"/>
+          </p:nvPr>
+        </p:nvSpPr>
+        <p:spPr/>
+      </p:sp>
+      <p:sp>
+        <p:nvSpPr>
+          <p:cNvPr id="3" name="Notes Placeholder 2"/>
+          <p:cNvSpPr>
+            <a:spLocks noGrp="1"/>
+          </p:cNvSpPr>
+          <p:nvPr>
+            <p:ph type="body" idx="1"/>
+          </p:nvPr>
+        </p:nvSpPr>
+        <p:spPr/>
+        <p:txBody>
+          <a:bodyPr/>
+          <a:lstStyle/>
+          <a:p>
+            <a:endParaRPr lang="en-CA" dirty="0"/>
+          </a:p>
+        </p:txBody>
+      </p:sp>
+      <p:sp>
+        <p:nvSpPr>
+          <p:cNvPr id="4" name="Slide Number Placeholder 3"/>
+          <p:cNvSpPr>
+            <a:spLocks noGrp="1"/>
+          </p:cNvSpPr>
+          <p:nvPr>
+            <p:ph type="sldNum" sz="quarter" idx="10"/>
+          </p:nvPr>
+        </p:nvSpPr>
+        <p:spPr/>
+        <p:txBody>
+          <a:bodyPr/>
+          <a:lstStyle/>
+          <a:p>
+            <a:fld id="{EA5C61F1-C4D7-4183-9419-26D6C7EA246C}" type="slidenum">
+              <a:rPr lang="en-US" smtClean="0"/>
+              <a:t>24</a:t>
+            </a:fld>
+            <a:endParaRPr lang="en-US"/>
+          </a:p>
+        </p:txBody>
+      </p:sp>
+    </p:spTree>
+    <p:extLst>
+      <p:ext uri="{BB962C8B-B14F-4D97-AF65-F5344CB8AC3E}">
+        <p14:creationId xmlns:p14="http://schemas.microsoft.com/office/powerpoint/2010/main" val="2777014960"/>
+      </p:ext>
+    </p:extLst>
+  </p:cSld>
+  <p:clrMapOvr>
+    <a:masterClrMapping/>
+  </p:clrMapOvr>
+</p:notes>
+</file>
+
+<file path=ppt/notesSlides/notesSlide6.xml><?xml version="1.0" encoding="utf-8"?>
 <p:notes xmlns:a="http://schemas.openxmlformats.org/drawingml/2006/main" xmlns:r="http://schemas.openxmlformats.org/officeDocument/2006/relationships" xmlns:p="http://schemas.openxmlformats.org/presentationml/2006/main">
   <p:cSld>
     <p:spTree>
@@ -1188,7 +1273,7 @@
           <a:p>
             <a:fld id="{43E95751-F7ED-4DC6-B252-D061684897A9}" type="datetimeFigureOut">
               <a:rPr lang="en-US" smtClean="0"/>
-              <a:t>12/7/2014</a:t>
+              <a:t>12/8/2014</a:t>
             </a:fld>
             <a:endParaRPr lang="en-US"/>
           </a:p>
@@ -1358,7 +1443,7 @@
           <a:p>
             <a:fld id="{43E95751-F7ED-4DC6-B252-D061684897A9}" type="datetimeFigureOut">
               <a:rPr lang="en-US" smtClean="0"/>
-              <a:t>12/7/2014</a:t>
+              <a:t>12/8/2014</a:t>
             </a:fld>
             <a:endParaRPr lang="en-US"/>
           </a:p>
@@ -1538,7 +1623,7 @@
           <a:p>
             <a:fld id="{43E95751-F7ED-4DC6-B252-D061684897A9}" type="datetimeFigureOut">
               <a:rPr lang="en-US" smtClean="0"/>
-              <a:t>12/7/2014</a:t>
+              <a:t>12/8/2014</a:t>
             </a:fld>
             <a:endParaRPr lang="en-US"/>
           </a:p>
@@ -1708,7 +1793,7 @@
           <a:p>
             <a:fld id="{43E95751-F7ED-4DC6-B252-D061684897A9}" type="datetimeFigureOut">
               <a:rPr lang="en-US" smtClean="0"/>
-              <a:t>12/7/2014</a:t>
+              <a:t>12/8/2014</a:t>
             </a:fld>
             <a:endParaRPr lang="en-US"/>
           </a:p>
@@ -1954,7 +2039,7 @@
           <a:p>
             <a:fld id="{43E95751-F7ED-4DC6-B252-D061684897A9}" type="datetimeFigureOut">
               <a:rPr lang="en-US" smtClean="0"/>
-              <a:t>12/7/2014</a:t>
+              <a:t>12/8/2014</a:t>
             </a:fld>
             <a:endParaRPr lang="en-US"/>
           </a:p>
@@ -2242,7 +2327,7 @@
           <a:p>
             <a:fld id="{43E95751-F7ED-4DC6-B252-D061684897A9}" type="datetimeFigureOut">
               <a:rPr lang="en-US" smtClean="0"/>
-              <a:t>12/7/2014</a:t>
+              <a:t>12/8/2014</a:t>
             </a:fld>
             <a:endParaRPr lang="en-US"/>
           </a:p>
@@ -2664,7 +2749,7 @@
           <a:p>
             <a:fld id="{43E95751-F7ED-4DC6-B252-D061684897A9}" type="datetimeFigureOut">
               <a:rPr lang="en-US" smtClean="0"/>
-              <a:t>12/7/2014</a:t>
+              <a:t>12/8/2014</a:t>
             </a:fld>
             <a:endParaRPr lang="en-US"/>
           </a:p>
@@ -2782,7 +2867,7 @@
           <a:p>
             <a:fld id="{43E95751-F7ED-4DC6-B252-D061684897A9}" type="datetimeFigureOut">
               <a:rPr lang="en-US" smtClean="0"/>
-              <a:t>12/7/2014</a:t>
+              <a:t>12/8/2014</a:t>
             </a:fld>
             <a:endParaRPr lang="en-US"/>
           </a:p>
@@ -2877,7 +2962,7 @@
           <a:p>
             <a:fld id="{43E95751-F7ED-4DC6-B252-D061684897A9}" type="datetimeFigureOut">
               <a:rPr lang="en-US" smtClean="0"/>
-              <a:t>12/7/2014</a:t>
+              <a:t>12/8/2014</a:t>
             </a:fld>
             <a:endParaRPr lang="en-US"/>
           </a:p>
@@ -3154,7 +3239,7 @@
           <a:p>
             <a:fld id="{43E95751-F7ED-4DC6-B252-D061684897A9}" type="datetimeFigureOut">
               <a:rPr lang="en-US" smtClean="0"/>
-              <a:t>12/7/2014</a:t>
+              <a:t>12/8/2014</a:t>
             </a:fld>
             <a:endParaRPr lang="en-US"/>
           </a:p>
@@ -3407,7 +3492,7 @@
           <a:p>
             <a:fld id="{43E95751-F7ED-4DC6-B252-D061684897A9}" type="datetimeFigureOut">
               <a:rPr lang="en-US" smtClean="0"/>
-              <a:t>12/7/2014</a:t>
+              <a:t>12/8/2014</a:t>
             </a:fld>
             <a:endParaRPr lang="en-US"/>
           </a:p>
@@ -3620,7 +3705,7 @@
           <a:p>
             <a:fld id="{43E95751-F7ED-4DC6-B252-D061684897A9}" type="datetimeFigureOut">
               <a:rPr lang="en-US" smtClean="0"/>
-              <a:t>12/7/2014</a:t>
+              <a:t>12/8/2014</a:t>
             </a:fld>
             <a:endParaRPr lang="en-US"/>
           </a:p>
@@ -11680,24 +11765,32 @@
           </a:p>
           <a:p>
             <a:r>
-              <a:rPr lang="en-US" dirty="0" err="1"/>
+              <a:rPr lang="en-US" dirty="0"/>
+              <a:t>L2: </a:t>
+            </a:r>
+            <a:r>
+              <a:rPr lang="en-US" sz="2000" dirty="0" smtClean="0"/>
+              <a:t>square </a:t>
+            </a:r>
+            <a:r>
+              <a:rPr lang="en-US" sz="2000" dirty="0"/>
+              <a:t>loss</a:t>
+            </a:r>
+          </a:p>
+          <a:p>
+            <a:r>
+              <a:rPr lang="en-US" dirty="0" err="1" smtClean="0"/>
               <a:t>CLiMF</a:t>
             </a:r>
             <a:r>
-              <a:rPr lang="en-US" dirty="0"/>
-              <a:t>: ordinal logistic </a:t>
-            </a:r>
-          </a:p>
-          <a:p>
-            <a:r>
               <a:rPr lang="en-US" dirty="0" smtClean="0"/>
-              <a:t>L2: squared </a:t>
-            </a:r>
-            <a:r>
-              <a:rPr lang="en-US" dirty="0" smtClean="0"/>
-              <a:t>loss</a:t>
-            </a:r>
-            <a:endParaRPr lang="en-US" dirty="0"/>
+              <a:t>: </a:t>
+            </a:r>
+            <a:r>
+              <a:rPr lang="en-US" sz="2000" dirty="0" smtClean="0"/>
+              <a:t>ordinal logistic </a:t>
+            </a:r>
+            <a:endParaRPr lang="en-US" sz="2000" dirty="0"/>
           </a:p>
           <a:p>
             <a:r>
@@ -11706,14 +11799,24 @@
             </a:r>
             <a:r>
               <a:rPr lang="en-US" dirty="0" smtClean="0"/>
-              <a:t>: SVM-like loss</a:t>
-            </a:r>
-          </a:p>
-          <a:p>
-            <a:pPr marL="0" indent="0" algn="ctr">
-              <a:buNone/>
-            </a:pPr>
-            <a:endParaRPr lang="en-US" dirty="0" smtClean="0"/>
+              <a:t>: </a:t>
+            </a:r>
+            <a:r>
+              <a:rPr lang="en-US" sz="2000" dirty="0" smtClean="0"/>
+              <a:t>SVM-like </a:t>
+            </a:r>
+            <a:r>
+              <a:rPr lang="en-US" sz="2000" dirty="0" smtClean="0"/>
+              <a:t>loss</a:t>
+            </a:r>
+            <a:br>
+              <a:rPr lang="en-US" sz="2000" dirty="0" smtClean="0"/>
+            </a:br>
+            <a:r>
+              <a:rPr lang="en-US" sz="2000" dirty="0" smtClean="0"/>
+              <a:t>aka Max Margin MF</a:t>
+            </a:r>
+            <a:endParaRPr lang="en-US" sz="2000" dirty="0" smtClean="0"/>
           </a:p>
           <a:p>
             <a:endParaRPr lang="en-US" dirty="0"/>
@@ -11784,9 +11887,25 @@
               <a:rPr lang="en-US" dirty="0" smtClean="0"/>
               <a:t>Digg</a:t>
             </a:r>
-          </a:p>
-          <a:p>
-            <a:endParaRPr lang="en-US" dirty="0" smtClean="0"/>
+            <a:endParaRPr lang="en-US" dirty="0"/>
+          </a:p>
+          <a:p>
+            <a:r>
+              <a:rPr lang="en-US" dirty="0" smtClean="0"/>
+              <a:t>IMDB</a:t>
+            </a:r>
+          </a:p>
+          <a:p>
+            <a:r>
+              <a:rPr lang="en-US" dirty="0" smtClean="0"/>
+              <a:t>Live Journal</a:t>
+            </a:r>
+          </a:p>
+          <a:p>
+            <a:r>
+              <a:rPr lang="en-US" dirty="0" smtClean="0"/>
+              <a:t>Wikipedia</a:t>
+            </a:r>
           </a:p>
           <a:p>
             <a:endParaRPr lang="en-US" dirty="0"/>
@@ -11807,119 +11926,7 @@
 </file>
 
 <file path=ppt/slides/slide22.xml><?xml version="1.0" encoding="utf-8"?>
-<p:sld xmlns:a="http://schemas.openxmlformats.org/drawingml/2006/main" xmlns:r="http://schemas.openxmlformats.org/officeDocument/2006/relationships" xmlns:p="http://schemas.openxmlformats.org/presentationml/2006/main" show="0">
-  <p:cSld>
-    <p:spTree>
-      <p:nvGrpSpPr>
-        <p:cNvPr id="1" name=""/>
-        <p:cNvGrpSpPr/>
-        <p:nvPr/>
-      </p:nvGrpSpPr>
-      <p:grpSpPr>
-        <a:xfrm>
-          <a:off x="0" y="0"/>
-          <a:ext cx="0" cy="0"/>
-          <a:chOff x="0" y="0"/>
-          <a:chExt cx="0" cy="0"/>
-        </a:xfrm>
-      </p:grpSpPr>
-      <p:sp>
-        <p:nvSpPr>
-          <p:cNvPr id="2" name="Title 1"/>
-          <p:cNvSpPr>
-            <a:spLocks noGrp="1"/>
-          </p:cNvSpPr>
-          <p:nvPr>
-            <p:ph type="title"/>
-          </p:nvPr>
-        </p:nvSpPr>
-        <p:spPr/>
-        <p:txBody>
-          <a:bodyPr>
-            <a:normAutofit fontScale="90000"/>
-          </a:bodyPr>
-          <a:lstStyle/>
-          <a:p>
-            <a:r>
-              <a:rPr lang="en-CA" dirty="0" smtClean="0"/>
-              <a:t>SAG-MF+</a:t>
-            </a:r>
-            <a:br>
-              <a:rPr lang="en-CA" dirty="0" smtClean="0"/>
-            </a:br>
-            <a:r>
-              <a:rPr lang="en-CA" dirty="0" smtClean="0"/>
-              <a:t>What if N is big ~ </a:t>
-            </a:r>
-            <a:r>
-              <a:rPr lang="en-CA" dirty="0" err="1" smtClean="0"/>
-              <a:t>nRows</a:t>
-            </a:r>
-            <a:r>
-              <a:rPr lang="en-CA" dirty="0" smtClean="0"/>
-              <a:t>*</a:t>
-            </a:r>
-            <a:r>
-              <a:rPr lang="en-CA" dirty="0" err="1" smtClean="0"/>
-              <a:t>nCols</a:t>
-            </a:r>
-            <a:r>
-              <a:rPr lang="en-CA" dirty="0" smtClean="0"/>
-              <a:t>?</a:t>
-            </a:r>
-            <a:endParaRPr lang="en-CA" dirty="0"/>
-          </a:p>
-        </p:txBody>
-      </p:sp>
-      <p:sp>
-        <p:nvSpPr>
-          <p:cNvPr id="3" name="Content Placeholder 2"/>
-          <p:cNvSpPr>
-            <a:spLocks noGrp="1"/>
-          </p:cNvSpPr>
-          <p:nvPr>
-            <p:ph idx="1"/>
-          </p:nvPr>
-        </p:nvSpPr>
-        <p:spPr/>
-        <p:txBody>
-          <a:bodyPr/>
-          <a:lstStyle/>
-          <a:p>
-            <a:endParaRPr lang="en-CA" dirty="0"/>
-          </a:p>
-        </p:txBody>
-      </p:sp>
-    </p:spTree>
-    <p:extLst>
-      <p:ext uri="{BB962C8B-B14F-4D97-AF65-F5344CB8AC3E}">
-        <p14:creationId xmlns:p14="http://schemas.microsoft.com/office/powerpoint/2010/main" val="3911759171"/>
-      </p:ext>
-    </p:extLst>
-  </p:cSld>
-  <p:clrMapOvr>
-    <a:masterClrMapping/>
-  </p:clrMapOvr>
-  <mc:AlternateContent xmlns:mc="http://schemas.openxmlformats.org/markup-compatibility/2006" xmlns:p14="http://schemas.microsoft.com/office/powerpoint/2010/main">
-    <mc:Choice Requires="p14">
-      <p:transition spd="slow" p14:dur="2000"/>
-    </mc:Choice>
-    <mc:Fallback xmlns="">
-      <p:transition spd="slow"/>
-    </mc:Fallback>
-  </mc:AlternateContent>
-  <p:timing>
-    <p:tnLst>
-      <p:par>
-        <p:cTn id="1" dur="indefinite" restart="never" nodeType="tmRoot"/>
-      </p:par>
-    </p:tnLst>
-  </p:timing>
-</p:sld>
-</file>
-
-<file path=ppt/slides/slide23.xml><?xml version="1.0" encoding="utf-8"?>
-<p:sld xmlns:a="http://schemas.openxmlformats.org/drawingml/2006/main" xmlns:r="http://schemas.openxmlformats.org/officeDocument/2006/relationships" xmlns:p="http://schemas.openxmlformats.org/presentationml/2006/main" show="0">
+<p:sld xmlns:a="http://schemas.openxmlformats.org/drawingml/2006/main" xmlns:r="http://schemas.openxmlformats.org/officeDocument/2006/relationships" xmlns:p="http://schemas.openxmlformats.org/presentationml/2006/main">
   <p:cSld>
     <p:spTree>
       <p:nvGrpSpPr>
@@ -11952,7 +11959,7 @@
           <a:p>
             <a:r>
               <a:rPr lang="en-CA" dirty="0" smtClean="0"/>
-              <a:t>Related Work</a:t>
+              <a:t>Ongoing Work</a:t>
             </a:r>
             <a:endParaRPr lang="en-CA" dirty="0"/>
           </a:p>
@@ -11970,31 +11977,523 @@
         </p:nvSpPr>
         <p:spPr/>
         <p:txBody>
-          <a:bodyPr/>
+          <a:bodyPr>
+            <a:normAutofit lnSpcReduction="10000"/>
+          </a:bodyPr>
           <a:lstStyle/>
           <a:p>
-            <a:endParaRPr lang="en-CA"/>
+            <a:pPr marL="514350" indent="-514350">
+              <a:buFont typeface="+mj-lt"/>
+              <a:buAutoNum type="arabicPeriod"/>
+            </a:pPr>
+            <a:r>
+              <a:rPr lang="en-CA" dirty="0" smtClean="0"/>
+              <a:t>Parallel SAG(-SML supervised machine learning): </a:t>
+            </a:r>
+            <a:r>
+              <a:rPr lang="en-CA" dirty="0" err="1" smtClean="0"/>
+              <a:t>OpenMP</a:t>
+            </a:r>
+            <a:r>
+              <a:rPr lang="en-CA" dirty="0" smtClean="0"/>
+              <a:t>, C/C++ (w. Scott </a:t>
+            </a:r>
+            <a:r>
+              <a:rPr lang="en-CA" dirty="0" err="1" smtClean="0"/>
+              <a:t>Sallinen</a:t>
+            </a:r>
+            <a:r>
+              <a:rPr lang="en-CA" dirty="0" smtClean="0"/>
+              <a:t>)</a:t>
+            </a:r>
+          </a:p>
+          <a:p>
+            <a:pPr marL="514350" indent="-514350">
+              <a:buFont typeface="+mj-lt"/>
+              <a:buAutoNum type="arabicPeriod"/>
+            </a:pPr>
+            <a:r>
+              <a:rPr lang="en-CA" dirty="0" smtClean="0"/>
+              <a:t>Does faster/better convergence really give better recommendations?</a:t>
+            </a:r>
+          </a:p>
+          <a:p>
+            <a:pPr marL="514350" indent="-514350">
+              <a:buFont typeface="+mj-lt"/>
+              <a:buAutoNum type="arabicPeriod"/>
+            </a:pPr>
+            <a:r>
+              <a:rPr lang="en-CA" i="1" dirty="0" err="1" smtClean="0"/>
+              <a:t>mixNmatchMF</a:t>
+            </a:r>
+            <a:r>
+              <a:rPr lang="en-CA" dirty="0" smtClean="0"/>
+              <a:t>: allow data-scientists to quickly mix and match MF algorithms for quick iteration</a:t>
+            </a:r>
+          </a:p>
+          <a:p>
+            <a:pPr marL="514350" indent="-514350">
+              <a:buFont typeface="+mj-lt"/>
+              <a:buAutoNum type="arabicPeriod"/>
+            </a:pPr>
+            <a:r>
+              <a:rPr lang="en-CA" dirty="0" smtClean="0"/>
+              <a:t>SAG-MF+ and Parallel SAG-MF+: use even less space for running MF on GPUs</a:t>
+            </a:r>
           </a:p>
         </p:txBody>
       </p:sp>
     </p:spTree>
     <p:extLst>
       <p:ext uri="{BB962C8B-B14F-4D97-AF65-F5344CB8AC3E}">
-        <p14:creationId xmlns:p14="http://schemas.microsoft.com/office/powerpoint/2010/main" val="4030498173"/>
+        <p14:creationId xmlns:p14="http://schemas.microsoft.com/office/powerpoint/2010/main" val="1896972947"/>
       </p:ext>
     </p:extLst>
   </p:cSld>
   <p:clrMapOvr>
     <a:masterClrMapping/>
   </p:clrMapOvr>
-  <mc:AlternateContent xmlns:mc="http://schemas.openxmlformats.org/markup-compatibility/2006" xmlns:p14="http://schemas.microsoft.com/office/powerpoint/2010/main">
-    <mc:Choice Requires="p14">
-      <p:transition spd="slow" p14:dur="2000"/>
-    </mc:Choice>
-    <mc:Fallback xmlns="">
-      <p:transition spd="slow"/>
-    </mc:Fallback>
-  </mc:AlternateContent>
+</p:sld>
+</file>
+
+<file path=ppt/slides/slide23.xml><?xml version="1.0" encoding="utf-8"?>
+<p:sld xmlns:a="http://schemas.openxmlformats.org/drawingml/2006/main" xmlns:r="http://schemas.openxmlformats.org/officeDocument/2006/relationships" xmlns:p="http://schemas.openxmlformats.org/presentationml/2006/main">
+  <p:cSld>
+    <p:spTree>
+      <p:nvGrpSpPr>
+        <p:cNvPr id="1" name=""/>
+        <p:cNvGrpSpPr/>
+        <p:nvPr/>
+      </p:nvGrpSpPr>
+      <p:grpSpPr>
+        <a:xfrm>
+          <a:off x="0" y="0"/>
+          <a:ext cx="0" cy="0"/>
+          <a:chOff x="0" y="0"/>
+          <a:chExt cx="0" cy="0"/>
+        </a:xfrm>
+      </p:grpSpPr>
+      <mc:AlternateContent xmlns:mc="http://schemas.openxmlformats.org/markup-compatibility/2006">
+        <mc:Choice xmlns:a14="http://schemas.microsoft.com/office/drawing/2010/main" Requires="a14">
+          <p:sp>
+            <p:nvSpPr>
+              <p:cNvPr id="2" name="Title 1"/>
+              <p:cNvSpPr>
+                <a:spLocks noGrp="1"/>
+              </p:cNvSpPr>
+              <p:nvPr>
+                <p:ph type="title"/>
+              </p:nvPr>
+            </p:nvSpPr>
+            <p:spPr/>
+            <p:txBody>
+              <a:bodyPr>
+                <a:normAutofit fontScale="90000"/>
+              </a:bodyPr>
+              <a:lstStyle/>
+              <a:p>
+                <a14:m>
+                  <m:oMathPara xmlns:m="http://schemas.openxmlformats.org/officeDocument/2006/math">
+                    <m:oMathParaPr>
+                      <m:jc m:val="centerGroup"/>
+                    </m:oMathParaPr>
+                    <m:oMath xmlns:m="http://schemas.openxmlformats.org/officeDocument/2006/math">
+                      <m:sSub>
+                        <m:sSubPr>
+                          <m:ctrlPr>
+                            <a:rPr lang="en-CA" i="1" smtClean="0">
+                              <a:latin typeface="Cambria Math" panose="02040503050406030204" pitchFamily="18" charset="0"/>
+                            </a:rPr>
+                          </m:ctrlPr>
+                        </m:sSubPr>
+                        <m:e>
+                          <m:acc>
+                            <m:accPr>
+                              <m:chr m:val="̂"/>
+                              <m:ctrlPr>
+                                <a:rPr lang="en-CA" i="1">
+                                  <a:latin typeface="Cambria Math" panose="02040503050406030204" pitchFamily="18" charset="0"/>
+                                </a:rPr>
+                              </m:ctrlPr>
+                            </m:accPr>
+                            <m:e>
+                              <m:r>
+                                <a:rPr lang="en-CA" i="1">
+                                  <a:latin typeface="Cambria Math" panose="02040503050406030204" pitchFamily="18" charset="0"/>
+                                </a:rPr>
+                                <m:t>𝑀</m:t>
+                              </m:r>
+                            </m:e>
+                          </m:acc>
+                        </m:e>
+                        <m:sub/>
+                      </m:sSub>
+                      <m:r>
+                        <a:rPr lang="en-CA" b="0" i="1" smtClean="0">
+                          <a:latin typeface="Cambria Math" panose="02040503050406030204" pitchFamily="18" charset="0"/>
+                        </a:rPr>
+                        <m:t>=</m:t>
+                      </m:r>
+                      <m:sSub>
+                        <m:sSubPr>
+                          <m:ctrlPr>
+                            <a:rPr lang="en-CA" b="0" i="1" smtClean="0">
+                              <a:latin typeface="Cambria Math" panose="02040503050406030204" pitchFamily="18" charset="0"/>
+                            </a:rPr>
+                          </m:ctrlPr>
+                        </m:sSubPr>
+                        <m:e>
+                          <m:r>
+                            <a:rPr lang="en-CA" b="0" i="1" smtClean="0">
+                              <a:latin typeface="Cambria Math" panose="02040503050406030204" pitchFamily="18" charset="0"/>
+                            </a:rPr>
+                            <m:t>𝑈</m:t>
+                          </m:r>
+                        </m:e>
+                        <m:sub>
+                          <m:r>
+                            <a:rPr lang="en-CA" b="0" i="1" smtClean="0">
+                              <a:latin typeface="Cambria Math" panose="02040503050406030204" pitchFamily="18" charset="0"/>
+                            </a:rPr>
+                            <m:t>𝑛𝑅𝑜𝑤𝑠</m:t>
+                          </m:r>
+                          <m:r>
+                            <a:rPr lang="en-CA" b="0" i="1" smtClean="0">
+                              <a:latin typeface="Cambria Math" panose="02040503050406030204" pitchFamily="18" charset="0"/>
+                            </a:rPr>
+                            <m:t> </m:t>
+                          </m:r>
+                          <m:r>
+                            <a:rPr lang="en-CA" b="0" i="1" smtClean="0">
+                              <a:latin typeface="Cambria Math" panose="02040503050406030204" pitchFamily="18" charset="0"/>
+                            </a:rPr>
+                            <m:t>𝑥</m:t>
+                          </m:r>
+                          <m:r>
+                            <a:rPr lang="en-CA" b="0" i="1" smtClean="0">
+                              <a:latin typeface="Cambria Math" panose="02040503050406030204" pitchFamily="18" charset="0"/>
+                            </a:rPr>
+                            <m:t> </m:t>
+                          </m:r>
+                          <m:r>
+                            <a:rPr lang="en-CA" b="0" i="1" smtClean="0">
+                              <a:latin typeface="Cambria Math" panose="02040503050406030204" pitchFamily="18" charset="0"/>
+                            </a:rPr>
+                            <m:t>𝑛𝐷𝑖𝑚𝑠</m:t>
+                          </m:r>
+                        </m:sub>
+                      </m:sSub>
+                      <m:r>
+                        <a:rPr lang="en-CA" b="0" i="1" smtClean="0">
+                          <a:latin typeface="Cambria Math" panose="02040503050406030204" pitchFamily="18" charset="0"/>
+                        </a:rPr>
+                        <m:t>∗</m:t>
+                      </m:r>
+                      <m:sSub>
+                        <m:sSubPr>
+                          <m:ctrlPr>
+                            <a:rPr lang="en-CA" b="0" i="1" smtClean="0">
+                              <a:latin typeface="Cambria Math" panose="02040503050406030204" pitchFamily="18" charset="0"/>
+                            </a:rPr>
+                          </m:ctrlPr>
+                        </m:sSubPr>
+                        <m:e>
+                          <m:r>
+                            <a:rPr lang="en-CA" b="0" i="1" smtClean="0">
+                              <a:latin typeface="Cambria Math" panose="02040503050406030204" pitchFamily="18" charset="0"/>
+                            </a:rPr>
+                            <m:t>𝑉</m:t>
+                          </m:r>
+                        </m:e>
+                        <m:sub>
+                          <m:r>
+                            <a:rPr lang="en-CA" b="0" i="1" smtClean="0">
+                              <a:latin typeface="Cambria Math" panose="02040503050406030204" pitchFamily="18" charset="0"/>
+                            </a:rPr>
+                            <m:t>𝑛𝐷𝑖𝑚𝑠</m:t>
+                          </m:r>
+                          <m:r>
+                            <a:rPr lang="en-CA" b="0" i="1" smtClean="0">
+                              <a:latin typeface="Cambria Math" panose="02040503050406030204" pitchFamily="18" charset="0"/>
+                            </a:rPr>
+                            <m:t> </m:t>
+                          </m:r>
+                          <m:r>
+                            <a:rPr lang="en-CA" b="0" i="1" smtClean="0">
+                              <a:latin typeface="Cambria Math" panose="02040503050406030204" pitchFamily="18" charset="0"/>
+                            </a:rPr>
+                            <m:t>𝑥</m:t>
+                          </m:r>
+                          <m:r>
+                            <a:rPr lang="en-CA" b="0" i="1" smtClean="0">
+                              <a:latin typeface="Cambria Math" panose="02040503050406030204" pitchFamily="18" charset="0"/>
+                            </a:rPr>
+                            <m:t> </m:t>
+                          </m:r>
+                          <m:r>
+                            <a:rPr lang="en-CA" b="0" i="1" smtClean="0">
+                              <a:latin typeface="Cambria Math" panose="02040503050406030204" pitchFamily="18" charset="0"/>
+                            </a:rPr>
+                            <m:t>𝑛𝐶𝑜𝑙𝑠</m:t>
+                          </m:r>
+                        </m:sub>
+                      </m:sSub>
+                    </m:oMath>
+                  </m:oMathPara>
+                </a14:m>
+                <a:endParaRPr lang="en-CA" dirty="0"/>
+              </a:p>
+            </p:txBody>
+          </p:sp>
+        </mc:Choice>
+        <mc:Fallback>
+          <p:sp>
+            <p:nvSpPr>
+              <p:cNvPr id="2" name="Title 1"/>
+              <p:cNvSpPr>
+                <a:spLocks noGrp="1" noRot="1" noChangeAspect="1" noMove="1" noResize="1" noEditPoints="1" noAdjustHandles="1" noChangeArrowheads="1" noChangeShapeType="1" noTextEdit="1"/>
+              </p:cNvSpPr>
+              <p:nvPr>
+                <p:ph type="title"/>
+              </p:nvPr>
+            </p:nvSpPr>
+            <p:spPr>
+              <a:blipFill rotWithShape="0">
+                <a:blip r:embed="rId2"/>
+                <a:stretch>
+                  <a:fillRect/>
+                </a:stretch>
+              </a:blipFill>
+            </p:spPr>
+            <p:txBody>
+              <a:bodyPr/>
+              <a:lstStyle/>
+              <a:p>
+                <a:r>
+                  <a:rPr lang="en-CA">
+                    <a:noFill/>
+                  </a:rPr>
+                  <a:t> </a:t>
+                </a:r>
+              </a:p>
+            </p:txBody>
+          </p:sp>
+        </mc:Fallback>
+      </mc:AlternateContent>
+      <p:sp>
+        <p:nvSpPr>
+          <p:cNvPr id="3" name="Text Placeholder 2"/>
+          <p:cNvSpPr>
+            <a:spLocks noGrp="1"/>
+          </p:cNvSpPr>
+          <p:nvPr>
+            <p:ph type="body" idx="1"/>
+          </p:nvPr>
+        </p:nvSpPr>
+        <p:spPr/>
+        <p:txBody>
+          <a:bodyPr/>
+          <a:lstStyle/>
+          <a:p>
+            <a:pPr algn="ctr"/>
+            <a:r>
+              <a:rPr lang="en-CA" dirty="0" smtClean="0"/>
+              <a:t>Gradient Descent</a:t>
+            </a:r>
+            <a:endParaRPr lang="en-CA" dirty="0"/>
+          </a:p>
+        </p:txBody>
+      </p:sp>
+      <p:sp>
+        <p:nvSpPr>
+          <p:cNvPr id="4" name="Content Placeholder 3"/>
+          <p:cNvSpPr>
+            <a:spLocks noGrp="1"/>
+          </p:cNvSpPr>
+          <p:nvPr>
+            <p:ph sz="half" idx="2"/>
+          </p:nvPr>
+        </p:nvSpPr>
+        <p:spPr/>
+        <p:txBody>
+          <a:bodyPr/>
+          <a:lstStyle/>
+          <a:p>
+            <a:pPr marL="0" indent="0" algn="ctr">
+              <a:buNone/>
+            </a:pPr>
+            <a:r>
+              <a:rPr lang="en-CA" dirty="0" smtClean="0"/>
+              <a:t>L2, MMMF</a:t>
+            </a:r>
+          </a:p>
+          <a:p>
+            <a:r>
+              <a:rPr lang="en-CA" dirty="0" smtClean="0"/>
+              <a:t>Step size	= -0.0001</a:t>
+            </a:r>
+            <a:r>
+              <a:rPr lang="en-CA" dirty="0"/>
+              <a:t>;</a:t>
+            </a:r>
+          </a:p>
+          <a:p>
+            <a:r>
+              <a:rPr lang="en-CA" dirty="0" err="1" smtClean="0"/>
+              <a:t>LambdaU</a:t>
+            </a:r>
+            <a:r>
+              <a:rPr lang="en-CA" dirty="0" smtClean="0"/>
+              <a:t>	= +0.001</a:t>
+            </a:r>
+            <a:endParaRPr lang="en-CA" dirty="0"/>
+          </a:p>
+          <a:p>
+            <a:r>
+              <a:rPr lang="en-CA" dirty="0" err="1" smtClean="0"/>
+              <a:t>LambdaV</a:t>
+            </a:r>
+            <a:r>
+              <a:rPr lang="en-CA" dirty="0" smtClean="0"/>
+              <a:t>	= +0.001;</a:t>
+            </a:r>
+          </a:p>
+          <a:p>
+            <a:r>
+              <a:rPr lang="en-CA" dirty="0" err="1" smtClean="0"/>
+              <a:t>nDims</a:t>
+            </a:r>
+            <a:r>
+              <a:rPr lang="en-CA" dirty="0" smtClean="0"/>
+              <a:t>	= 5;</a:t>
+            </a:r>
+            <a:endParaRPr lang="en-CA" dirty="0"/>
+          </a:p>
+          <a:p>
+            <a:endParaRPr lang="en-CA" dirty="0" smtClean="0"/>
+          </a:p>
+          <a:p>
+            <a:endParaRPr lang="en-CA" dirty="0" smtClean="0"/>
+          </a:p>
+        </p:txBody>
+      </p:sp>
+      <p:sp>
+        <p:nvSpPr>
+          <p:cNvPr id="5" name="Text Placeholder 4"/>
+          <p:cNvSpPr>
+            <a:spLocks noGrp="1"/>
+          </p:cNvSpPr>
+          <p:nvPr>
+            <p:ph type="body" sz="quarter" idx="3"/>
+          </p:nvPr>
+        </p:nvSpPr>
+        <p:spPr/>
+        <p:txBody>
+          <a:bodyPr/>
+          <a:lstStyle/>
+          <a:p>
+            <a:pPr algn="ctr"/>
+            <a:r>
+              <a:rPr lang="en-CA" dirty="0" smtClean="0"/>
+              <a:t>Gradient Ascent</a:t>
+            </a:r>
+            <a:endParaRPr lang="en-CA" dirty="0"/>
+          </a:p>
+        </p:txBody>
+      </p:sp>
+      <p:sp>
+        <p:nvSpPr>
+          <p:cNvPr id="6" name="Content Placeholder 5"/>
+          <p:cNvSpPr>
+            <a:spLocks noGrp="1"/>
+          </p:cNvSpPr>
+          <p:nvPr>
+            <p:ph sz="quarter" idx="4"/>
+          </p:nvPr>
+        </p:nvSpPr>
+        <p:spPr/>
+        <p:txBody>
+          <a:bodyPr/>
+          <a:lstStyle/>
+          <a:p>
+            <a:pPr marL="0" indent="0" algn="ctr">
+              <a:buNone/>
+            </a:pPr>
+            <a:r>
+              <a:rPr lang="en-CA" dirty="0" err="1" smtClean="0"/>
+              <a:t>CLiMF</a:t>
+            </a:r>
+            <a:endParaRPr lang="en-CA" dirty="0" smtClean="0"/>
+          </a:p>
+          <a:p>
+            <a:r>
+              <a:rPr lang="en-CA" dirty="0"/>
+              <a:t>Step </a:t>
+            </a:r>
+            <a:r>
+              <a:rPr lang="en-CA" dirty="0" smtClean="0"/>
+              <a:t>size	= +0.0001</a:t>
+            </a:r>
+            <a:r>
+              <a:rPr lang="en-CA" dirty="0"/>
+              <a:t>;</a:t>
+            </a:r>
+          </a:p>
+          <a:p>
+            <a:r>
+              <a:rPr lang="en-CA" dirty="0" err="1" smtClean="0"/>
+              <a:t>LambdaU</a:t>
+            </a:r>
+            <a:r>
+              <a:rPr lang="en-CA" dirty="0"/>
+              <a:t>	</a:t>
+            </a:r>
+            <a:r>
+              <a:rPr lang="en-CA" dirty="0" smtClean="0"/>
+              <a:t>= -0.001</a:t>
+            </a:r>
+            <a:endParaRPr lang="en-CA" dirty="0"/>
+          </a:p>
+          <a:p>
+            <a:r>
+              <a:rPr lang="en-CA" dirty="0" err="1" smtClean="0"/>
+              <a:t>LambdaV</a:t>
+            </a:r>
+            <a:r>
+              <a:rPr lang="en-CA" dirty="0"/>
+              <a:t>	</a:t>
+            </a:r>
+            <a:r>
+              <a:rPr lang="en-CA" dirty="0" smtClean="0"/>
+              <a:t>= -0.001;</a:t>
+            </a:r>
+          </a:p>
+          <a:p>
+            <a:r>
+              <a:rPr lang="en-CA" dirty="0" err="1" smtClean="0"/>
+              <a:t>nDims</a:t>
+            </a:r>
+            <a:r>
+              <a:rPr lang="en-CA" dirty="0" smtClean="0"/>
+              <a:t>	= 5;</a:t>
+            </a:r>
+            <a:endParaRPr lang="en-CA" dirty="0"/>
+          </a:p>
+          <a:p>
+            <a:endParaRPr lang="en-CA" dirty="0"/>
+          </a:p>
+        </p:txBody>
+      </p:sp>
+    </p:spTree>
+    <p:extLst>
+      <p:ext uri="{BB962C8B-B14F-4D97-AF65-F5344CB8AC3E}">
+        <p14:creationId xmlns:p14="http://schemas.microsoft.com/office/powerpoint/2010/main" val="1944541057"/>
+      </p:ext>
+    </p:extLst>
+  </p:cSld>
+  <p:clrMapOvr>
+    <a:masterClrMapping/>
+  </p:clrMapOvr>
 </p:sld>
 </file>
 
@@ -12031,101 +12530,233 @@
           <a:lstStyle/>
           <a:p>
             <a:r>
-              <a:rPr lang="en-CA" dirty="0" smtClean="0"/>
+              <a:rPr lang="en-US" dirty="0" smtClean="0"/>
               <a:t>Ongoing Work</a:t>
             </a:r>
-            <a:endParaRPr lang="en-CA" dirty="0"/>
+            <a:endParaRPr lang="en-US" dirty="0"/>
           </a:p>
         </p:txBody>
       </p:sp>
       <p:sp>
         <p:nvSpPr>
-          <p:cNvPr id="3" name="Content Placeholder 2"/>
+          <p:cNvPr id="3" name="Text Placeholder 2"/>
           <p:cNvSpPr>
             <a:spLocks noGrp="1"/>
           </p:cNvSpPr>
           <p:nvPr>
-            <p:ph idx="1"/>
+            <p:ph type="body" idx="1"/>
+          </p:nvPr>
+        </p:nvSpPr>
+        <p:spPr/>
+        <p:txBody>
+          <a:bodyPr/>
+          <a:lstStyle/>
+          <a:p>
+            <a:pPr algn="ctr"/>
+            <a:r>
+              <a:rPr lang="en-US" dirty="0" smtClean="0"/>
+              <a:t>RQ#3: Objective Functions</a:t>
+            </a:r>
+            <a:endParaRPr lang="en-US" dirty="0"/>
+          </a:p>
+        </p:txBody>
+      </p:sp>
+      <p:sp>
+        <p:nvSpPr>
+          <p:cNvPr id="4" name="Content Placeholder 3"/>
+          <p:cNvSpPr>
+            <a:spLocks noGrp="1"/>
+          </p:cNvSpPr>
+          <p:nvPr>
+            <p:ph sz="half" idx="2"/>
+          </p:nvPr>
+        </p:nvSpPr>
+        <p:spPr/>
+        <p:txBody>
+          <a:bodyPr/>
+          <a:lstStyle/>
+          <a:p>
+            <a:endParaRPr lang="en-US" dirty="0" smtClean="0"/>
+          </a:p>
+          <a:p>
+            <a:pPr marL="0" indent="0" algn="ctr">
+              <a:buNone/>
+            </a:pPr>
+            <a:r>
+              <a:rPr lang="en-US" dirty="0" smtClean="0"/>
+              <a:t>(implemented, not evaluated)</a:t>
+            </a:r>
+            <a:endParaRPr lang="en-US" dirty="0" smtClean="0"/>
+          </a:p>
+          <a:p>
+            <a:pPr marL="0" indent="0" algn="ctr">
+              <a:buNone/>
+            </a:pPr>
+            <a:r>
+              <a:rPr lang="en-US" dirty="0" smtClean="0"/>
+              <a:t>Binary</a:t>
+            </a:r>
+            <a:r>
+              <a:rPr lang="en-US" dirty="0" smtClean="0"/>
+              <a:t> Data</a:t>
+            </a:r>
+            <a:endParaRPr lang="en-US" dirty="0" smtClean="0"/>
+          </a:p>
+          <a:p>
+            <a:r>
+              <a:rPr lang="en-US" dirty="0"/>
+              <a:t>WR-MF:</a:t>
+            </a:r>
+            <a:r>
+              <a:rPr lang="en-US" sz="2000" dirty="0"/>
+              <a:t> </a:t>
+            </a:r>
+            <a:r>
+              <a:rPr lang="en-US" sz="2000" dirty="0" smtClean="0"/>
+              <a:t>Weighted Regularized Matrix Factorization (Hu et al.)</a:t>
+            </a:r>
+            <a:endParaRPr lang="en-US" sz="2000" dirty="0"/>
+          </a:p>
+          <a:p>
+            <a:r>
+              <a:rPr lang="en-US" dirty="0" smtClean="0"/>
+              <a:t>MNAR: </a:t>
+            </a:r>
+            <a:r>
+              <a:rPr lang="en-US" sz="2000" dirty="0" smtClean="0"/>
+              <a:t>Missing Not At Random</a:t>
+            </a:r>
+          </a:p>
+        </p:txBody>
+      </p:sp>
+      <p:sp>
+        <p:nvSpPr>
+          <p:cNvPr id="5" name="Text Placeholder 4"/>
+          <p:cNvSpPr>
+            <a:spLocks noGrp="1"/>
+          </p:cNvSpPr>
+          <p:nvPr>
+            <p:ph type="body" sz="quarter" idx="3"/>
+          </p:nvPr>
+        </p:nvSpPr>
+        <p:spPr/>
+        <p:txBody>
+          <a:bodyPr/>
+          <a:lstStyle/>
+          <a:p>
+            <a:pPr algn="ctr"/>
+            <a:r>
+              <a:rPr lang="en-US" dirty="0" smtClean="0"/>
+              <a:t>RQ#4: Datasets</a:t>
+            </a:r>
+            <a:endParaRPr lang="en-US" dirty="0"/>
+          </a:p>
+        </p:txBody>
+      </p:sp>
+      <p:sp>
+        <p:nvSpPr>
+          <p:cNvPr id="6" name="Content Placeholder 5"/>
+          <p:cNvSpPr>
+            <a:spLocks noGrp="1"/>
+          </p:cNvSpPr>
+          <p:nvPr>
+            <p:ph sz="quarter" idx="4"/>
           </p:nvPr>
         </p:nvSpPr>
         <p:spPr/>
         <p:txBody>
           <a:bodyPr>
-            <a:normAutofit lnSpcReduction="10000"/>
+            <a:normAutofit/>
           </a:bodyPr>
           <a:lstStyle/>
           <a:p>
-            <a:pPr marL="514350" indent="-514350">
-              <a:buFont typeface="+mj-lt"/>
-              <a:buAutoNum type="arabicPeriod"/>
+            <a:pPr marL="0" indent="0" algn="ctr">
+              <a:buNone/>
             </a:pPr>
-            <a:r>
-              <a:rPr lang="en-CA" dirty="0" smtClean="0"/>
-              <a:t>Parallel SAG(-SML supervised machine learning): </a:t>
-            </a:r>
-            <a:r>
-              <a:rPr lang="en-CA" dirty="0" err="1" smtClean="0"/>
-              <a:t>OpenMP</a:t>
-            </a:r>
-            <a:r>
-              <a:rPr lang="en-CA" dirty="0" smtClean="0"/>
-              <a:t>, C/C++ (w. Scott </a:t>
-            </a:r>
-            <a:r>
-              <a:rPr lang="en-CA" dirty="0" err="1" smtClean="0"/>
-              <a:t>Sallinen</a:t>
-            </a:r>
-            <a:r>
-              <a:rPr lang="en-CA" dirty="0" smtClean="0"/>
-              <a:t>)</a:t>
-            </a:r>
-          </a:p>
-          <a:p>
-            <a:pPr marL="514350" indent="-514350">
-              <a:buFont typeface="+mj-lt"/>
-              <a:buAutoNum type="arabicPeriod"/>
+            <a:endParaRPr lang="en-US" dirty="0" smtClean="0"/>
+          </a:p>
+          <a:p>
+            <a:pPr marL="0" indent="0" algn="ctr">
+              <a:buNone/>
             </a:pPr>
             <a:r>
-              <a:rPr lang="en-CA" dirty="0" smtClean="0"/>
-              <a:t>Does faster/better convergence really give better recommendations?</a:t>
-            </a:r>
-          </a:p>
-          <a:p>
-            <a:pPr marL="514350" indent="-514350">
-              <a:buFont typeface="+mj-lt"/>
-              <a:buAutoNum type="arabicPeriod"/>
+              <a:rPr lang="en-US" dirty="0" smtClean="0"/>
+              <a:t>(available, </a:t>
+            </a:r>
+            <a:r>
+              <a:rPr lang="en-US" dirty="0"/>
+              <a:t>not evaluated)</a:t>
+            </a:r>
+          </a:p>
+          <a:p>
+            <a:pPr marL="0" indent="0" algn="ctr">
+              <a:buNone/>
             </a:pPr>
             <a:r>
-              <a:rPr lang="en-CA" i="1" dirty="0" err="1" smtClean="0"/>
-              <a:t>mixNmatchMF</a:t>
-            </a:r>
-            <a:r>
-              <a:rPr lang="en-CA" dirty="0" smtClean="0"/>
-              <a:t>: allow data-scientists to quickly mix and match MF algorithms for quick iteration</a:t>
-            </a:r>
-          </a:p>
-          <a:p>
-            <a:pPr marL="514350" indent="-514350">
-              <a:buFont typeface="+mj-lt"/>
-              <a:buAutoNum type="arabicPeriod"/>
-            </a:pPr>
-            <a:r>
-              <a:rPr lang="en-CA" dirty="0" smtClean="0"/>
-              <a:t>SAG-MF+ and Parallel SAG-MF+: use even less space for running MF on GPUs</a:t>
-            </a:r>
+              <a:rPr lang="en-US" dirty="0" smtClean="0"/>
+              <a:t>Binary Data</a:t>
+            </a:r>
+          </a:p>
+          <a:p>
+            <a:r>
+              <a:rPr lang="en-US" dirty="0" smtClean="0"/>
+              <a:t>Datasets are full scale</a:t>
+            </a:r>
+          </a:p>
+          <a:p>
+            <a:r>
+              <a:rPr lang="en-US" dirty="0" smtClean="0"/>
+              <a:t>Amazon-2008</a:t>
+            </a:r>
+          </a:p>
+          <a:p>
+            <a:r>
+              <a:rPr lang="en-US" dirty="0" smtClean="0"/>
+              <a:t>.</a:t>
+            </a:r>
+            <a:r>
+              <a:rPr lang="en-US" dirty="0" err="1" smtClean="0"/>
+              <a:t>sk</a:t>
+            </a:r>
+            <a:r>
+              <a:rPr lang="en-US" dirty="0" smtClean="0"/>
+              <a:t> domain crawl 2005</a:t>
+            </a:r>
+          </a:p>
+          <a:p>
+            <a:r>
+              <a:rPr lang="en-US" dirty="0" smtClean="0"/>
+              <a:t>Patent citations</a:t>
+            </a:r>
+          </a:p>
+          <a:p>
+            <a:r>
+              <a:rPr lang="en-US" dirty="0" smtClean="0"/>
+              <a:t>Paper citations</a:t>
+            </a:r>
+          </a:p>
+          <a:p>
+            <a:endParaRPr lang="en-US" dirty="0" smtClean="0"/>
           </a:p>
         </p:txBody>
       </p:sp>
     </p:spTree>
     <p:extLst>
       <p:ext uri="{BB962C8B-B14F-4D97-AF65-F5344CB8AC3E}">
-        <p14:creationId xmlns:p14="http://schemas.microsoft.com/office/powerpoint/2010/main" val="1896972947"/>
+        <p14:creationId xmlns:p14="http://schemas.microsoft.com/office/powerpoint/2010/main" val="1091472287"/>
       </p:ext>
     </p:extLst>
   </p:cSld>
   <p:clrMapOvr>
     <a:masterClrMapping/>
   </p:clrMapOvr>
+  <p:timing>
+    <p:tnLst>
+      <p:par>
+        <p:cTn id="1" dur="indefinite" restart="never" nodeType="tmRoot"/>
+      </p:par>
+    </p:tnLst>
+  </p:timing>
 </p:sld>
 </file>
 
@@ -12225,17 +12856,11 @@
             </a:pPr>
             <a:r>
               <a:rPr lang="en-US" dirty="0" smtClean="0"/>
-              <a:t>Numerical Data</a:t>
-            </a:r>
-          </a:p>
-          <a:p>
+              <a:t>Numerical </a:t>
+            </a:r>
             <a:r>
               <a:rPr lang="en-US" dirty="0" smtClean="0"/>
-              <a:t>MNAR: </a:t>
-            </a:r>
-            <a:r>
-              <a:rPr lang="en-US" sz="2000" dirty="0" smtClean="0"/>
-              <a:t>Missing Not At Random</a:t>
+              <a:t>Data</a:t>
             </a:r>
           </a:p>
           <a:p>
@@ -12321,7 +12946,11 @@
             </a:pPr>
             <a:r>
               <a:rPr lang="en-US" dirty="0" smtClean="0"/>
-              <a:t>Numerical Data</a:t>
+              <a:t>Numerical </a:t>
+            </a:r>
+            <a:r>
+              <a:rPr lang="en-US" dirty="0" smtClean="0"/>
+              <a:t>Data</a:t>
             </a:r>
           </a:p>
           <a:p>
@@ -12333,13 +12962,10 @@
           </a:p>
           <a:p>
             <a:r>
-              <a:rPr lang="en-US" dirty="0" err="1" smtClean="0"/>
-              <a:t>NetFlix</a:t>
-            </a:r>
-            <a:r>
-              <a:rPr lang="en-US" dirty="0" smtClean="0"/>
-              <a:t> (still have yet to parse it from .txt files)</a:t>
-            </a:r>
+              <a:rPr lang="en-US" smtClean="0"/>
+              <a:t>NetFlix (still have yet to parse it from .txt files)</a:t>
+            </a:r>
+            <a:endParaRPr lang="en-US" dirty="0" smtClean="0"/>
           </a:p>
         </p:txBody>
       </p:sp>
@@ -13513,6 +14139,118 @@
       <p:transition spd="slow"/>
     </mc:Fallback>
   </mc:AlternateContent>
+</p:sld>
+</file>
+
+<file path=ppt/slides/slide31.xml><?xml version="1.0" encoding="utf-8"?>
+<p:sld xmlns:a="http://schemas.openxmlformats.org/drawingml/2006/main" xmlns:r="http://schemas.openxmlformats.org/officeDocument/2006/relationships" xmlns:p="http://schemas.openxmlformats.org/presentationml/2006/main" show="0">
+  <p:cSld>
+    <p:spTree>
+      <p:nvGrpSpPr>
+        <p:cNvPr id="1" name=""/>
+        <p:cNvGrpSpPr/>
+        <p:nvPr/>
+      </p:nvGrpSpPr>
+      <p:grpSpPr>
+        <a:xfrm>
+          <a:off x="0" y="0"/>
+          <a:ext cx="0" cy="0"/>
+          <a:chOff x="0" y="0"/>
+          <a:chExt cx="0" cy="0"/>
+        </a:xfrm>
+      </p:grpSpPr>
+      <p:sp>
+        <p:nvSpPr>
+          <p:cNvPr id="2" name="Title 1"/>
+          <p:cNvSpPr>
+            <a:spLocks noGrp="1"/>
+          </p:cNvSpPr>
+          <p:nvPr>
+            <p:ph type="title"/>
+          </p:nvPr>
+        </p:nvSpPr>
+        <p:spPr/>
+        <p:txBody>
+          <a:bodyPr>
+            <a:normAutofit fontScale="90000"/>
+          </a:bodyPr>
+          <a:lstStyle/>
+          <a:p>
+            <a:r>
+              <a:rPr lang="en-CA" dirty="0" smtClean="0"/>
+              <a:t>SAG-MF+</a:t>
+            </a:r>
+            <a:br>
+              <a:rPr lang="en-CA" dirty="0" smtClean="0"/>
+            </a:br>
+            <a:r>
+              <a:rPr lang="en-CA" dirty="0" smtClean="0"/>
+              <a:t>What if N is big ~ </a:t>
+            </a:r>
+            <a:r>
+              <a:rPr lang="en-CA" dirty="0" err="1" smtClean="0"/>
+              <a:t>nRows</a:t>
+            </a:r>
+            <a:r>
+              <a:rPr lang="en-CA" dirty="0" smtClean="0"/>
+              <a:t>*</a:t>
+            </a:r>
+            <a:r>
+              <a:rPr lang="en-CA" dirty="0" err="1" smtClean="0"/>
+              <a:t>nCols</a:t>
+            </a:r>
+            <a:r>
+              <a:rPr lang="en-CA" dirty="0" smtClean="0"/>
+              <a:t>?</a:t>
+            </a:r>
+            <a:endParaRPr lang="en-CA" dirty="0"/>
+          </a:p>
+        </p:txBody>
+      </p:sp>
+      <p:sp>
+        <p:nvSpPr>
+          <p:cNvPr id="3" name="Content Placeholder 2"/>
+          <p:cNvSpPr>
+            <a:spLocks noGrp="1"/>
+          </p:cNvSpPr>
+          <p:nvPr>
+            <p:ph idx="1"/>
+          </p:nvPr>
+        </p:nvSpPr>
+        <p:spPr/>
+        <p:txBody>
+          <a:bodyPr/>
+          <a:lstStyle/>
+          <a:p>
+            <a:endParaRPr lang="en-CA" dirty="0"/>
+          </a:p>
+        </p:txBody>
+      </p:sp>
+    </p:spTree>
+    <p:extLst>
+      <p:ext uri="{BB962C8B-B14F-4D97-AF65-F5344CB8AC3E}">
+        <p14:creationId xmlns:p14="http://schemas.microsoft.com/office/powerpoint/2010/main" val="3911759171"/>
+      </p:ext>
+    </p:extLst>
+  </p:cSld>
+  <p:clrMapOvr>
+    <a:masterClrMapping/>
+  </p:clrMapOvr>
+  <mc:AlternateContent xmlns:mc="http://schemas.openxmlformats.org/markup-compatibility/2006" xmlns:p14="http://schemas.microsoft.com/office/powerpoint/2010/main">
+    <mc:Choice Requires="p14">
+      <p:transition spd="slow" p14:dur="2000"/>
+    </mc:Choice>
+    <mc:Fallback xmlns="">
+      <p:transition spd="slow"/>
+    </mc:Fallback>
+  </mc:AlternateContent>
+  <p:timing>
+    <p:tnLst>
+      <p:par>
+        <p:cTn id="1" dur="indefinite" restart="never" nodeType="tmRoot"/>
+      </p:par>
+    </p:tnLst>
+  </p:timing>
 </p:sld>
 </file>
 

--- a/cs534L-SAGmf.pptx
+++ b/cs534L-SAGmf.pptx
@@ -29,10 +29,10 @@
     <p:sldId id="262" r:id="rId20"/>
     <p:sldId id="260" r:id="rId21"/>
     <p:sldId id="264" r:id="rId22"/>
-    <p:sldId id="267" r:id="rId23"/>
-    <p:sldId id="289" r:id="rId24"/>
-    <p:sldId id="287" r:id="rId25"/>
-    <p:sldId id="283" r:id="rId26"/>
+    <p:sldId id="289" r:id="rId23"/>
+    <p:sldId id="287" r:id="rId24"/>
+    <p:sldId id="283" r:id="rId25"/>
+    <p:sldId id="267" r:id="rId26"/>
     <p:sldId id="284" r:id="rId27"/>
     <p:sldId id="285" r:id="rId28"/>
     <p:sldId id="286" r:id="rId29"/>
@@ -571,7 +571,7 @@
           <a:p>
             <a:fld id="{EA5C61F1-C4D7-4183-9419-26D6C7EA246C}" type="slidenum">
               <a:rPr lang="en-US" smtClean="0"/>
-              <a:t>13</a:t>
+              <a:t>11</a:t>
             </a:fld>
             <a:endParaRPr lang="en-US"/>
           </a:p>
@@ -580,7 +580,7 @@
     </p:spTree>
     <p:extLst>
       <p:ext uri="{BB962C8B-B14F-4D97-AF65-F5344CB8AC3E}">
-        <p14:creationId xmlns:p14="http://schemas.microsoft.com/office/powerpoint/2010/main" val="2818273299"/>
+        <p14:creationId xmlns:p14="http://schemas.microsoft.com/office/powerpoint/2010/main" val="2932816029"/>
       </p:ext>
     </p:extLst>
   </p:cSld>
@@ -655,7 +655,7 @@
           <a:p>
             <a:fld id="{EA5C61F1-C4D7-4183-9419-26D6C7EA246C}" type="slidenum">
               <a:rPr lang="en-US" smtClean="0"/>
-              <a:t>15</a:t>
+              <a:t>13</a:t>
             </a:fld>
             <a:endParaRPr lang="en-US"/>
           </a:p>
@@ -664,7 +664,7 @@
     </p:spTree>
     <p:extLst>
       <p:ext uri="{BB962C8B-B14F-4D97-AF65-F5344CB8AC3E}">
-        <p14:creationId xmlns:p14="http://schemas.microsoft.com/office/powerpoint/2010/main" val="4104386114"/>
+        <p14:creationId xmlns:p14="http://schemas.microsoft.com/office/powerpoint/2010/main" val="2818273299"/>
       </p:ext>
     </p:extLst>
   </p:cSld>
@@ -718,10 +718,6 @@
           <a:bodyPr/>
           <a:lstStyle/>
           <a:p>
-            <a:r>
-              <a:rPr lang="en-CA" dirty="0" smtClean="0"/>
-              <a:t>Have to report some memory usage</a:t>
-            </a:r>
             <a:endParaRPr lang="en-CA" dirty="0"/>
           </a:p>
         </p:txBody>
@@ -743,7 +739,7 @@
           <a:p>
             <a:fld id="{EA5C61F1-C4D7-4183-9419-26D6C7EA246C}" type="slidenum">
               <a:rPr lang="en-US" smtClean="0"/>
-              <a:t>20</a:t>
+              <a:t>15</a:t>
             </a:fld>
             <a:endParaRPr lang="en-US"/>
           </a:p>
@@ -752,7 +748,7 @@
     </p:spTree>
     <p:extLst>
       <p:ext uri="{BB962C8B-B14F-4D97-AF65-F5344CB8AC3E}">
-        <p14:creationId xmlns:p14="http://schemas.microsoft.com/office/powerpoint/2010/main" val="1139346347"/>
+        <p14:creationId xmlns:p14="http://schemas.microsoft.com/office/powerpoint/2010/main" val="4104386114"/>
       </p:ext>
     </p:extLst>
   </p:cSld>
@@ -807,12 +803,8 @@
           <a:lstStyle/>
           <a:p>
             <a:r>
-              <a:rPr lang="en-CA" dirty="0" err="1" smtClean="0"/>
-              <a:t>OpenMP</a:t>
-            </a:r>
-            <a:r>
               <a:rPr lang="en-CA" dirty="0" smtClean="0"/>
-              <a:t> ARM</a:t>
+              <a:t>Have to report some memory usage</a:t>
             </a:r>
             <a:endParaRPr lang="en-CA" dirty="0"/>
           </a:p>
@@ -835,7 +827,7 @@
           <a:p>
             <a:fld id="{EA5C61F1-C4D7-4183-9419-26D6C7EA246C}" type="slidenum">
               <a:rPr lang="en-US" smtClean="0"/>
-              <a:t>22</a:t>
+              <a:t>20</a:t>
             </a:fld>
             <a:endParaRPr lang="en-US"/>
           </a:p>
@@ -844,7 +836,7 @@
     </p:spTree>
     <p:extLst>
       <p:ext uri="{BB962C8B-B14F-4D97-AF65-F5344CB8AC3E}">
-        <p14:creationId xmlns:p14="http://schemas.microsoft.com/office/powerpoint/2010/main" val="2824141602"/>
+        <p14:creationId xmlns:p14="http://schemas.microsoft.com/office/powerpoint/2010/main" val="1139346347"/>
       </p:ext>
     </p:extLst>
   </p:cSld>
@@ -919,7 +911,7 @@
           <a:p>
             <a:fld id="{EA5C61F1-C4D7-4183-9419-26D6C7EA246C}" type="slidenum">
               <a:rPr lang="en-US" smtClean="0"/>
-              <a:t>24</a:t>
+              <a:t>23</a:t>
             </a:fld>
             <a:endParaRPr lang="en-US"/>
           </a:p>
@@ -939,6 +931,98 @@
 </file>
 
 <file path=ppt/notesSlides/notesSlide6.xml><?xml version="1.0" encoding="utf-8"?>
+<p:notes xmlns:a="http://schemas.openxmlformats.org/drawingml/2006/main" xmlns:r="http://schemas.openxmlformats.org/officeDocument/2006/relationships" xmlns:p="http://schemas.openxmlformats.org/presentationml/2006/main">
+  <p:cSld>
+    <p:spTree>
+      <p:nvGrpSpPr>
+        <p:cNvPr id="1" name=""/>
+        <p:cNvGrpSpPr/>
+        <p:nvPr/>
+      </p:nvGrpSpPr>
+      <p:grpSpPr>
+        <a:xfrm>
+          <a:off x="0" y="0"/>
+          <a:ext cx="0" cy="0"/>
+          <a:chOff x="0" y="0"/>
+          <a:chExt cx="0" cy="0"/>
+        </a:xfrm>
+      </p:grpSpPr>
+      <p:sp>
+        <p:nvSpPr>
+          <p:cNvPr id="2" name="Slide Image Placeholder 1"/>
+          <p:cNvSpPr>
+            <a:spLocks noGrp="1" noRot="1" noChangeAspect="1"/>
+          </p:cNvSpPr>
+          <p:nvPr>
+            <p:ph type="sldImg"/>
+          </p:nvPr>
+        </p:nvSpPr>
+        <p:spPr/>
+      </p:sp>
+      <p:sp>
+        <p:nvSpPr>
+          <p:cNvPr id="3" name="Notes Placeholder 2"/>
+          <p:cNvSpPr>
+            <a:spLocks noGrp="1"/>
+          </p:cNvSpPr>
+          <p:nvPr>
+            <p:ph type="body" idx="1"/>
+          </p:nvPr>
+        </p:nvSpPr>
+        <p:spPr/>
+        <p:txBody>
+          <a:bodyPr/>
+          <a:lstStyle/>
+          <a:p>
+            <a:r>
+              <a:rPr lang="en-CA" dirty="0" err="1" smtClean="0"/>
+              <a:t>OpenMP</a:t>
+            </a:r>
+            <a:r>
+              <a:rPr lang="en-CA" dirty="0" smtClean="0"/>
+              <a:t> ARM</a:t>
+            </a:r>
+            <a:endParaRPr lang="en-CA" dirty="0"/>
+          </a:p>
+        </p:txBody>
+      </p:sp>
+      <p:sp>
+        <p:nvSpPr>
+          <p:cNvPr id="4" name="Slide Number Placeholder 3"/>
+          <p:cNvSpPr>
+            <a:spLocks noGrp="1"/>
+          </p:cNvSpPr>
+          <p:nvPr>
+            <p:ph type="sldNum" sz="quarter" idx="10"/>
+          </p:nvPr>
+        </p:nvSpPr>
+        <p:spPr/>
+        <p:txBody>
+          <a:bodyPr/>
+          <a:lstStyle/>
+          <a:p>
+            <a:fld id="{EA5C61F1-C4D7-4183-9419-26D6C7EA246C}" type="slidenum">
+              <a:rPr lang="en-US" smtClean="0"/>
+              <a:t>25</a:t>
+            </a:fld>
+            <a:endParaRPr lang="en-US"/>
+          </a:p>
+        </p:txBody>
+      </p:sp>
+    </p:spTree>
+    <p:extLst>
+      <p:ext uri="{BB962C8B-B14F-4D97-AF65-F5344CB8AC3E}">
+        <p14:creationId xmlns:p14="http://schemas.microsoft.com/office/powerpoint/2010/main" val="2824141602"/>
+      </p:ext>
+    </p:extLst>
+  </p:cSld>
+  <p:clrMapOvr>
+    <a:masterClrMapping/>
+  </p:clrMapOvr>
+</p:notes>
+</file>
+
+<file path=ppt/notesSlides/notesSlide7.xml><?xml version="1.0" encoding="utf-8"?>
 <p:notes xmlns:a="http://schemas.openxmlformats.org/drawingml/2006/main" xmlns:r="http://schemas.openxmlformats.org/officeDocument/2006/relationships" xmlns:p="http://schemas.openxmlformats.org/presentationml/2006/main">
   <p:cSld>
     <p:spTree>
@@ -5756,7 +5840,7 @@
 </file>
 
 <file path=ppt/slides/slide12.xml><?xml version="1.0" encoding="utf-8"?>
-<p:sld xmlns:a="http://schemas.openxmlformats.org/drawingml/2006/main" xmlns:r="http://schemas.openxmlformats.org/officeDocument/2006/relationships" xmlns:p="http://schemas.openxmlformats.org/presentationml/2006/main" show="0">
+<p:sld xmlns:a="http://schemas.openxmlformats.org/drawingml/2006/main" xmlns:r="http://schemas.openxmlformats.org/officeDocument/2006/relationships" xmlns:p="http://schemas.openxmlformats.org/presentationml/2006/main">
   <p:cSld>
     <p:spTree>
       <p:nvGrpSpPr>
@@ -6489,11 +6573,11 @@
   <p:clrMapOvr>
     <a:masterClrMapping/>
   </p:clrMapOvr>
-  <mc:AlternateContent xmlns:mc="http://schemas.openxmlformats.org/markup-compatibility/2006" xmlns:p14="http://schemas.microsoft.com/office/powerpoint/2010/main">
-    <mc:Choice Requires="p14">
+  <mc:AlternateContent xmlns:mc="http://schemas.openxmlformats.org/markup-compatibility/2006">
+    <mc:Choice xmlns:p14="http://schemas.microsoft.com/office/powerpoint/2010/main" Requires="p14">
       <p:transition spd="slow" p14:dur="2000"/>
     </mc:Choice>
-    <mc:Fallback xmlns="">
+    <mc:Fallback>
       <p:transition spd="slow"/>
     </mc:Fallback>
   </mc:AlternateContent>
@@ -6508,7 +6592,7 @@
 </file>
 
 <file path=ppt/slides/slide13.xml><?xml version="1.0" encoding="utf-8"?>
-<p:sld xmlns:a="http://schemas.openxmlformats.org/drawingml/2006/main" xmlns:r="http://schemas.openxmlformats.org/officeDocument/2006/relationships" xmlns:p="http://schemas.openxmlformats.org/presentationml/2006/main" show="0">
+<p:sld xmlns:a="http://schemas.openxmlformats.org/drawingml/2006/main" xmlns:r="http://schemas.openxmlformats.org/officeDocument/2006/relationships" xmlns:p="http://schemas.openxmlformats.org/presentationml/2006/main">
   <p:cSld>
     <p:spTree>
       <p:nvGrpSpPr>
@@ -8039,11 +8123,11 @@
   <p:clrMapOvr>
     <a:masterClrMapping/>
   </p:clrMapOvr>
-  <mc:AlternateContent xmlns:mc="http://schemas.openxmlformats.org/markup-compatibility/2006" xmlns:p14="http://schemas.microsoft.com/office/powerpoint/2010/main">
-    <mc:Choice Requires="p14">
+  <mc:AlternateContent xmlns:mc="http://schemas.openxmlformats.org/markup-compatibility/2006">
+    <mc:Choice xmlns:p14="http://schemas.microsoft.com/office/powerpoint/2010/main" Requires="p14">
       <p:transition spd="slow" p14:dur="2000"/>
     </mc:Choice>
-    <mc:Fallback xmlns="">
+    <mc:Fallback>
       <p:transition spd="slow"/>
     </mc:Fallback>
   </mc:AlternateContent>
@@ -8424,7 +8508,7 @@
 </file>
 
 <file path=ppt/slides/slide14.xml><?xml version="1.0" encoding="utf-8"?>
-<p:sld xmlns:a="http://schemas.openxmlformats.org/drawingml/2006/main" xmlns:r="http://schemas.openxmlformats.org/officeDocument/2006/relationships" xmlns:p="http://schemas.openxmlformats.org/presentationml/2006/main" show="0">
+<p:sld xmlns:a="http://schemas.openxmlformats.org/drawingml/2006/main" xmlns:r="http://schemas.openxmlformats.org/officeDocument/2006/relationships" xmlns:p="http://schemas.openxmlformats.org/presentationml/2006/main">
   <p:cSld>
     <p:spTree>
       <p:nvGrpSpPr>
@@ -8680,11 +8764,11 @@
   <p:clrMapOvr>
     <a:masterClrMapping/>
   </p:clrMapOvr>
-  <mc:AlternateContent xmlns:mc="http://schemas.openxmlformats.org/markup-compatibility/2006" xmlns:p14="http://schemas.microsoft.com/office/powerpoint/2010/main">
-    <mc:Choice Requires="p14">
+  <mc:AlternateContent xmlns:mc="http://schemas.openxmlformats.org/markup-compatibility/2006">
+    <mc:Choice xmlns:p14="http://schemas.microsoft.com/office/powerpoint/2010/main" Requires="p14">
       <p:transition spd="slow" p14:dur="2000"/>
     </mc:Choice>
-    <mc:Fallback xmlns="">
+    <mc:Fallback>
       <p:transition spd="slow"/>
     </mc:Fallback>
   </mc:AlternateContent>
@@ -9978,8 +10062,17 @@
             <a:pPr lvl="1"/>
             <a:r>
               <a:rPr lang="en-CA" dirty="0" smtClean="0"/>
-              <a:t>Because at t=0, we are accessing all data-points</a:t>
-            </a:r>
+              <a:t>At 1st iteration, </a:t>
+            </a:r>
+            <a:r>
+              <a:rPr lang="en-CA" dirty="0" smtClean="0"/>
+              <a:t>we are accessing all </a:t>
+            </a:r>
+            <a:r>
+              <a:rPr lang="en-CA" dirty="0" smtClean="0"/>
+              <a:t>data-points</a:t>
+            </a:r>
+            <a:endParaRPr lang="en-CA" dirty="0" smtClean="0"/>
           </a:p>
           <a:p>
             <a:r>
@@ -10018,8 +10111,13 @@
             </a:r>
             <a:r>
               <a:rPr lang="en-CA" dirty="0" smtClean="0"/>
-              <a:t>=t) &lt;&lt; N</a:t>
-            </a:r>
+              <a:t>=t) &lt;&lt; </a:t>
+            </a:r>
+            <a:r>
+              <a:rPr lang="en-CA" dirty="0" smtClean="0"/>
+              <a:t>N</a:t>
+            </a:r>
+            <a:endParaRPr lang="en-CA" dirty="0" smtClean="0"/>
           </a:p>
           <a:p>
             <a:r>
@@ -11765,7 +11863,7 @@
           </a:p>
           <a:p>
             <a:r>
-              <a:rPr lang="en-US" dirty="0"/>
+              <a:rPr lang="en-US" dirty="0" smtClean="0"/>
               <a:t>L2: </a:t>
             </a:r>
             <a:r>
@@ -11773,9 +11871,10 @@
               <a:t>square </a:t>
             </a:r>
             <a:r>
-              <a:rPr lang="en-US" sz="2000" dirty="0"/>
-              <a:t>loss</a:t>
-            </a:r>
+              <a:rPr lang="en-US" sz="2000" dirty="0" smtClean="0"/>
+              <a:t>loss SVD</a:t>
+            </a:r>
+            <a:endParaRPr lang="en-US" sz="2000" dirty="0"/>
           </a:p>
           <a:p>
             <a:r>
@@ -11790,33 +11889,24 @@
               <a:rPr lang="en-US" sz="2000" dirty="0" smtClean="0"/>
               <a:t>ordinal logistic </a:t>
             </a:r>
+            <a:endParaRPr lang="en-US" sz="2000" dirty="0" smtClean="0"/>
+          </a:p>
+          <a:p>
+            <a:r>
+              <a:rPr lang="en-US" dirty="0" smtClean="0"/>
+              <a:t>BPR: </a:t>
+            </a:r>
+            <a:r>
+              <a:rPr lang="en-US" sz="2000" dirty="0" err="1" smtClean="0"/>
+              <a:t>Bayseian</a:t>
+            </a:r>
+            <a:r>
+              <a:rPr lang="en-US" sz="2000" dirty="0" smtClean="0"/>
+              <a:t> Personalized Ranking </a:t>
+            </a:r>
+          </a:p>
+          <a:p>
             <a:endParaRPr lang="en-US" sz="2000" dirty="0"/>
-          </a:p>
-          <a:p>
-            <a:r>
-              <a:rPr lang="en-US" dirty="0" err="1" smtClean="0"/>
-              <a:t>CofiRank</a:t>
-            </a:r>
-            <a:r>
-              <a:rPr lang="en-US" dirty="0" smtClean="0"/>
-              <a:t>: </a:t>
-            </a:r>
-            <a:r>
-              <a:rPr lang="en-US" sz="2000" dirty="0" smtClean="0"/>
-              <a:t>SVM-like </a:t>
-            </a:r>
-            <a:r>
-              <a:rPr lang="en-US" sz="2000" dirty="0" smtClean="0"/>
-              <a:t>loss</a:t>
-            </a:r>
-            <a:br>
-              <a:rPr lang="en-US" sz="2000" dirty="0" smtClean="0"/>
-            </a:br>
-            <a:r>
-              <a:rPr lang="en-US" sz="2000" dirty="0" smtClean="0"/>
-              <a:t>aka Max Margin MF</a:t>
-            </a:r>
-            <a:endParaRPr lang="en-US" sz="2000" dirty="0" smtClean="0"/>
           </a:p>
           <a:p>
             <a:endParaRPr lang="en-US" dirty="0"/>
@@ -11942,139 +12032,8 @@
           <a:chExt cx="0" cy="0"/>
         </a:xfrm>
       </p:grpSpPr>
-      <p:sp>
-        <p:nvSpPr>
-          <p:cNvPr id="2" name="Title 1"/>
-          <p:cNvSpPr>
-            <a:spLocks noGrp="1"/>
-          </p:cNvSpPr>
-          <p:nvPr>
-            <p:ph type="title"/>
-          </p:nvPr>
-        </p:nvSpPr>
-        <p:spPr/>
-        <p:txBody>
-          <a:bodyPr/>
-          <a:lstStyle/>
-          <a:p>
-            <a:r>
-              <a:rPr lang="en-CA" dirty="0" smtClean="0"/>
-              <a:t>Ongoing Work</a:t>
-            </a:r>
-            <a:endParaRPr lang="en-CA" dirty="0"/>
-          </a:p>
-        </p:txBody>
-      </p:sp>
-      <p:sp>
-        <p:nvSpPr>
-          <p:cNvPr id="3" name="Content Placeholder 2"/>
-          <p:cNvSpPr>
-            <a:spLocks noGrp="1"/>
-          </p:cNvSpPr>
-          <p:nvPr>
-            <p:ph idx="1"/>
-          </p:nvPr>
-        </p:nvSpPr>
-        <p:spPr/>
-        <p:txBody>
-          <a:bodyPr>
-            <a:normAutofit lnSpcReduction="10000"/>
-          </a:bodyPr>
-          <a:lstStyle/>
-          <a:p>
-            <a:pPr marL="514350" indent="-514350">
-              <a:buFont typeface="+mj-lt"/>
-              <a:buAutoNum type="arabicPeriod"/>
-            </a:pPr>
-            <a:r>
-              <a:rPr lang="en-CA" dirty="0" smtClean="0"/>
-              <a:t>Parallel SAG(-SML supervised machine learning): </a:t>
-            </a:r>
-            <a:r>
-              <a:rPr lang="en-CA" dirty="0" err="1" smtClean="0"/>
-              <a:t>OpenMP</a:t>
-            </a:r>
-            <a:r>
-              <a:rPr lang="en-CA" dirty="0" smtClean="0"/>
-              <a:t>, C/C++ (w. Scott </a:t>
-            </a:r>
-            <a:r>
-              <a:rPr lang="en-CA" dirty="0" err="1" smtClean="0"/>
-              <a:t>Sallinen</a:t>
-            </a:r>
-            <a:r>
-              <a:rPr lang="en-CA" dirty="0" smtClean="0"/>
-              <a:t>)</a:t>
-            </a:r>
-          </a:p>
-          <a:p>
-            <a:pPr marL="514350" indent="-514350">
-              <a:buFont typeface="+mj-lt"/>
-              <a:buAutoNum type="arabicPeriod"/>
-            </a:pPr>
-            <a:r>
-              <a:rPr lang="en-CA" dirty="0" smtClean="0"/>
-              <a:t>Does faster/better convergence really give better recommendations?</a:t>
-            </a:r>
-          </a:p>
-          <a:p>
-            <a:pPr marL="514350" indent="-514350">
-              <a:buFont typeface="+mj-lt"/>
-              <a:buAutoNum type="arabicPeriod"/>
-            </a:pPr>
-            <a:r>
-              <a:rPr lang="en-CA" i="1" dirty="0" err="1" smtClean="0"/>
-              <a:t>mixNmatchMF</a:t>
-            </a:r>
-            <a:r>
-              <a:rPr lang="en-CA" dirty="0" smtClean="0"/>
-              <a:t>: allow data-scientists to quickly mix and match MF algorithms for quick iteration</a:t>
-            </a:r>
-          </a:p>
-          <a:p>
-            <a:pPr marL="514350" indent="-514350">
-              <a:buFont typeface="+mj-lt"/>
-              <a:buAutoNum type="arabicPeriod"/>
-            </a:pPr>
-            <a:r>
-              <a:rPr lang="en-CA" dirty="0" smtClean="0"/>
-              <a:t>SAG-MF+ and Parallel SAG-MF+: use even less space for running MF on GPUs</a:t>
-            </a:r>
-          </a:p>
-        </p:txBody>
-      </p:sp>
-    </p:spTree>
-    <p:extLst>
-      <p:ext uri="{BB962C8B-B14F-4D97-AF65-F5344CB8AC3E}">
-        <p14:creationId xmlns:p14="http://schemas.microsoft.com/office/powerpoint/2010/main" val="1896972947"/>
-      </p:ext>
-    </p:extLst>
-  </p:cSld>
-  <p:clrMapOvr>
-    <a:masterClrMapping/>
-  </p:clrMapOvr>
-</p:sld>
-</file>
-
-<file path=ppt/slides/slide23.xml><?xml version="1.0" encoding="utf-8"?>
-<p:sld xmlns:a="http://schemas.openxmlformats.org/drawingml/2006/main" xmlns:r="http://schemas.openxmlformats.org/officeDocument/2006/relationships" xmlns:p="http://schemas.openxmlformats.org/presentationml/2006/main">
-  <p:cSld>
-    <p:spTree>
-      <p:nvGrpSpPr>
-        <p:cNvPr id="1" name=""/>
-        <p:cNvGrpSpPr/>
-        <p:nvPr/>
-      </p:nvGrpSpPr>
-      <p:grpSpPr>
-        <a:xfrm>
-          <a:off x="0" y="0"/>
-          <a:ext cx="0" cy="0"/>
-          <a:chOff x="0" y="0"/>
-          <a:chExt cx="0" cy="0"/>
-        </a:xfrm>
-      </p:grpSpPr>
-      <mc:AlternateContent xmlns:mc="http://schemas.openxmlformats.org/markup-compatibility/2006">
-        <mc:Choice xmlns:a14="http://schemas.microsoft.com/office/drawing/2010/main" Requires="a14">
+      <mc:AlternateContent xmlns:mc="http://schemas.openxmlformats.org/markup-compatibility/2006" xmlns:a14="http://schemas.microsoft.com/office/drawing/2010/main">
+        <mc:Choice Requires="a14">
           <p:sp>
             <p:nvSpPr>
               <p:cNvPr id="2" name="Title 1"/>
@@ -12092,6 +12051,7 @@
               </a:bodyPr>
               <a:lstStyle/>
               <a:p>
+                <a:pPr/>
                 <a14:m>
                   <m:oMathPara xmlns:m="http://schemas.openxmlformats.org/officeDocument/2006/math">
                     <m:oMathParaPr>
@@ -12246,7 +12206,7 @@
             </p:txBody>
           </p:sp>
         </mc:Choice>
-        <mc:Fallback>
+        <mc:Fallback xmlns="">
           <p:sp>
             <p:nvSpPr>
               <p:cNvPr id="2" name="Title 1"/>
@@ -12497,6 +12457,270 @@
 </p:sld>
 </file>
 
+<file path=ppt/slides/slide23.xml><?xml version="1.0" encoding="utf-8"?>
+<p:sld xmlns:a="http://schemas.openxmlformats.org/drawingml/2006/main" xmlns:r="http://schemas.openxmlformats.org/officeDocument/2006/relationships" xmlns:p="http://schemas.openxmlformats.org/presentationml/2006/main">
+  <p:cSld>
+    <p:spTree>
+      <p:nvGrpSpPr>
+        <p:cNvPr id="1" name=""/>
+        <p:cNvGrpSpPr/>
+        <p:nvPr/>
+      </p:nvGrpSpPr>
+      <p:grpSpPr>
+        <a:xfrm>
+          <a:off x="0" y="0"/>
+          <a:ext cx="0" cy="0"/>
+          <a:chOff x="0" y="0"/>
+          <a:chExt cx="0" cy="0"/>
+        </a:xfrm>
+      </p:grpSpPr>
+      <p:sp>
+        <p:nvSpPr>
+          <p:cNvPr id="2" name="Title 1"/>
+          <p:cNvSpPr>
+            <a:spLocks noGrp="1"/>
+          </p:cNvSpPr>
+          <p:nvPr>
+            <p:ph type="title"/>
+          </p:nvPr>
+        </p:nvSpPr>
+        <p:spPr/>
+        <p:txBody>
+          <a:bodyPr/>
+          <a:lstStyle/>
+          <a:p>
+            <a:r>
+              <a:rPr lang="en-US" dirty="0" smtClean="0"/>
+              <a:t>Ongoing Work</a:t>
+            </a:r>
+            <a:endParaRPr lang="en-US" dirty="0"/>
+          </a:p>
+        </p:txBody>
+      </p:sp>
+      <p:sp>
+        <p:nvSpPr>
+          <p:cNvPr id="3" name="Text Placeholder 2"/>
+          <p:cNvSpPr>
+            <a:spLocks noGrp="1"/>
+          </p:cNvSpPr>
+          <p:nvPr>
+            <p:ph type="body" idx="1"/>
+          </p:nvPr>
+        </p:nvSpPr>
+        <p:spPr/>
+        <p:txBody>
+          <a:bodyPr/>
+          <a:lstStyle/>
+          <a:p>
+            <a:pPr algn="ctr"/>
+            <a:r>
+              <a:rPr lang="en-US" dirty="0" smtClean="0"/>
+              <a:t>RQ#3: Objective Functions</a:t>
+            </a:r>
+            <a:endParaRPr lang="en-US" dirty="0"/>
+          </a:p>
+        </p:txBody>
+      </p:sp>
+      <p:sp>
+        <p:nvSpPr>
+          <p:cNvPr id="4" name="Content Placeholder 3"/>
+          <p:cNvSpPr>
+            <a:spLocks noGrp="1"/>
+          </p:cNvSpPr>
+          <p:nvPr>
+            <p:ph sz="half" idx="2"/>
+          </p:nvPr>
+        </p:nvSpPr>
+        <p:spPr/>
+        <p:txBody>
+          <a:bodyPr/>
+          <a:lstStyle/>
+          <a:p>
+            <a:endParaRPr lang="en-US" dirty="0" smtClean="0"/>
+          </a:p>
+          <a:p>
+            <a:pPr marL="0" indent="0" algn="ctr">
+              <a:buNone/>
+            </a:pPr>
+            <a:r>
+              <a:rPr lang="en-US" dirty="0" smtClean="0"/>
+              <a:t>(implemented, not evaluated)</a:t>
+            </a:r>
+          </a:p>
+          <a:p>
+            <a:pPr marL="0" indent="0" algn="ctr">
+              <a:buNone/>
+            </a:pPr>
+            <a:r>
+              <a:rPr lang="en-US" dirty="0" smtClean="0"/>
+              <a:t>Binary Data</a:t>
+            </a:r>
+          </a:p>
+          <a:p>
+            <a:r>
+              <a:rPr lang="en-US" dirty="0"/>
+              <a:t>WR-MF:</a:t>
+            </a:r>
+            <a:r>
+              <a:rPr lang="en-US" sz="2000" dirty="0"/>
+              <a:t> </a:t>
+            </a:r>
+            <a:r>
+              <a:rPr lang="en-US" sz="2000" dirty="0" smtClean="0"/>
+              <a:t>Weighted Regularized Matrix Factorization (Hu et al.)</a:t>
+            </a:r>
+            <a:endParaRPr lang="en-US" sz="2000" dirty="0"/>
+          </a:p>
+          <a:p>
+            <a:r>
+              <a:rPr lang="en-US" dirty="0" smtClean="0"/>
+              <a:t>MNAR: </a:t>
+            </a:r>
+            <a:r>
+              <a:rPr lang="en-US" sz="2000" dirty="0" smtClean="0"/>
+              <a:t>Missing Not At </a:t>
+            </a:r>
+            <a:r>
+              <a:rPr lang="en-US" sz="2000" dirty="0" smtClean="0"/>
+              <a:t>Random</a:t>
+            </a:r>
+          </a:p>
+          <a:p>
+            <a:endParaRPr lang="en-US" sz="2000" dirty="0" smtClean="0"/>
+          </a:p>
+        </p:txBody>
+      </p:sp>
+      <p:sp>
+        <p:nvSpPr>
+          <p:cNvPr id="5" name="Text Placeholder 4"/>
+          <p:cNvSpPr>
+            <a:spLocks noGrp="1"/>
+          </p:cNvSpPr>
+          <p:nvPr>
+            <p:ph type="body" sz="quarter" idx="3"/>
+          </p:nvPr>
+        </p:nvSpPr>
+        <p:spPr/>
+        <p:txBody>
+          <a:bodyPr/>
+          <a:lstStyle/>
+          <a:p>
+            <a:pPr algn="ctr"/>
+            <a:r>
+              <a:rPr lang="en-US" dirty="0" smtClean="0"/>
+              <a:t>RQ#4: Datasets</a:t>
+            </a:r>
+            <a:endParaRPr lang="en-US" dirty="0"/>
+          </a:p>
+        </p:txBody>
+      </p:sp>
+      <p:sp>
+        <p:nvSpPr>
+          <p:cNvPr id="6" name="Content Placeholder 5"/>
+          <p:cNvSpPr>
+            <a:spLocks noGrp="1"/>
+          </p:cNvSpPr>
+          <p:nvPr>
+            <p:ph sz="quarter" idx="4"/>
+          </p:nvPr>
+        </p:nvSpPr>
+        <p:spPr/>
+        <p:txBody>
+          <a:bodyPr>
+            <a:normAutofit/>
+          </a:bodyPr>
+          <a:lstStyle/>
+          <a:p>
+            <a:pPr marL="0" indent="0" algn="ctr">
+              <a:buNone/>
+            </a:pPr>
+            <a:endParaRPr lang="en-US" dirty="0" smtClean="0"/>
+          </a:p>
+          <a:p>
+            <a:pPr marL="0" indent="0" algn="ctr">
+              <a:buNone/>
+            </a:pPr>
+            <a:r>
+              <a:rPr lang="en-US" dirty="0" smtClean="0"/>
+              <a:t>(available, </a:t>
+            </a:r>
+            <a:r>
+              <a:rPr lang="en-US" dirty="0"/>
+              <a:t>not evaluated)</a:t>
+            </a:r>
+          </a:p>
+          <a:p>
+            <a:pPr marL="0" indent="0" algn="ctr">
+              <a:buNone/>
+            </a:pPr>
+            <a:r>
+              <a:rPr lang="en-US" dirty="0" smtClean="0"/>
+              <a:t>Binary Data</a:t>
+            </a:r>
+          </a:p>
+          <a:p>
+            <a:r>
+              <a:rPr lang="en-US" dirty="0" smtClean="0"/>
+              <a:t>Datasets are full scale</a:t>
+            </a:r>
+          </a:p>
+          <a:p>
+            <a:r>
+              <a:rPr lang="en-US" dirty="0" smtClean="0"/>
+              <a:t>Amazon-2008</a:t>
+            </a:r>
+          </a:p>
+          <a:p>
+            <a:r>
+              <a:rPr lang="en-US" dirty="0" smtClean="0"/>
+              <a:t>.</a:t>
+            </a:r>
+            <a:r>
+              <a:rPr lang="en-US" dirty="0" err="1" smtClean="0"/>
+              <a:t>sk</a:t>
+            </a:r>
+            <a:r>
+              <a:rPr lang="en-US" dirty="0" smtClean="0"/>
+              <a:t> domain crawl 2005</a:t>
+            </a:r>
+          </a:p>
+          <a:p>
+            <a:r>
+              <a:rPr lang="en-US" dirty="0" smtClean="0"/>
+              <a:t>Patent citations</a:t>
+            </a:r>
+          </a:p>
+          <a:p>
+            <a:r>
+              <a:rPr lang="en-US" dirty="0" smtClean="0"/>
+              <a:t>Paper citations</a:t>
+            </a:r>
+          </a:p>
+          <a:p>
+            <a:endParaRPr lang="en-US" dirty="0" smtClean="0"/>
+          </a:p>
+        </p:txBody>
+      </p:sp>
+    </p:spTree>
+    <p:extLst>
+      <p:ext uri="{BB962C8B-B14F-4D97-AF65-F5344CB8AC3E}">
+        <p14:creationId xmlns:p14="http://schemas.microsoft.com/office/powerpoint/2010/main" val="1091472287"/>
+      </p:ext>
+    </p:extLst>
+  </p:cSld>
+  <p:clrMapOvr>
+    <a:masterClrMapping/>
+  </p:clrMapOvr>
+  <p:timing>
+    <p:tnLst>
+      <p:par>
+        <p:cTn id="1" dur="indefinite" restart="never" nodeType="tmRoot"/>
+      </p:par>
+    </p:tnLst>
+  </p:timing>
+</p:sld>
+</file>
+
 <file path=ppt/slides/slide24.xml><?xml version="1.0" encoding="utf-8"?>
 <p:sld xmlns:a="http://schemas.openxmlformats.org/drawingml/2006/main" xmlns:r="http://schemas.openxmlformats.org/officeDocument/2006/relationships" xmlns:p="http://schemas.openxmlformats.org/presentationml/2006/main">
   <p:cSld>
@@ -12531,7 +12755,7 @@
           <a:p>
             <a:r>
               <a:rPr lang="en-US" dirty="0" smtClean="0"/>
-              <a:t>Ongoing Work</a:t>
+              <a:t>Future Work: Numerical Data</a:t>
             </a:r>
             <a:endParaRPr lang="en-US" dirty="0"/>
           </a:p>
@@ -12584,9 +12808,8 @@
             </a:pPr>
             <a:r>
               <a:rPr lang="en-US" dirty="0" smtClean="0"/>
-              <a:t>(implemented, not evaluated)</a:t>
-            </a:r>
-            <a:endParaRPr lang="en-US" dirty="0" smtClean="0"/>
+              <a:t>(coming soon)</a:t>
+            </a:r>
           </a:p>
           <a:p>
             <a:pPr marL="0" indent="0" algn="ctr">
@@ -12594,38 +12817,58 @@
             </a:pPr>
             <a:r>
               <a:rPr lang="en-US" dirty="0" smtClean="0"/>
-              <a:t>Binary</a:t>
+              <a:t>Numerical Data</a:t>
+            </a:r>
+          </a:p>
+          <a:p>
+            <a:r>
+              <a:rPr lang="en-US" dirty="0" err="1" smtClean="0"/>
+              <a:t>GAPfm</a:t>
             </a:r>
             <a:r>
               <a:rPr lang="en-US" dirty="0" smtClean="0"/>
-              <a:t> Data</a:t>
-            </a:r>
-            <a:endParaRPr lang="en-US" dirty="0" smtClean="0"/>
-          </a:p>
-          <a:p>
+              <a:t>: </a:t>
+            </a:r>
+            <a:r>
+              <a:rPr lang="en-US" sz="2000" dirty="0" smtClean="0"/>
+              <a:t>Graded </a:t>
+            </a:r>
+            <a:r>
+              <a:rPr lang="en-US" sz="2000" dirty="0" err="1" smtClean="0"/>
+              <a:t>Avg</a:t>
+            </a:r>
+            <a:r>
+              <a:rPr lang="en-US" sz="2000" dirty="0" smtClean="0"/>
+              <a:t> </a:t>
+            </a:r>
+            <a:r>
+              <a:rPr lang="en-US" sz="2000" dirty="0" smtClean="0"/>
+              <a:t>Precision</a:t>
+            </a:r>
+          </a:p>
+          <a:p>
+            <a:r>
+              <a:rPr lang="en-US" dirty="0" err="1"/>
+              <a:t>CofiRank</a:t>
+            </a:r>
             <a:r>
               <a:rPr lang="en-US" dirty="0"/>
-              <a:t>WR-MF:</a:t>
+              <a:t>:</a:t>
             </a:r>
             <a:r>
               <a:rPr lang="en-US" sz="2000" dirty="0"/>
-              <a:t> </a:t>
-            </a:r>
-            <a:r>
-              <a:rPr lang="en-US" sz="2000" dirty="0" smtClean="0"/>
-              <a:t>Weighted Regularized Matrix Factorization (Hu et al.)</a:t>
-            </a:r>
-            <a:endParaRPr lang="en-US" sz="2000" dirty="0"/>
-          </a:p>
-          <a:p>
-            <a:r>
-              <a:rPr lang="en-US" dirty="0" smtClean="0"/>
-              <a:t>MNAR: </a:t>
-            </a:r>
-            <a:r>
-              <a:rPr lang="en-US" sz="2000" dirty="0" smtClean="0"/>
-              <a:t>Missing Not At Random</a:t>
-            </a:r>
+              <a:t> SVM-like loss</a:t>
+            </a:r>
+            <a:br>
+              <a:rPr lang="en-US" sz="2000" dirty="0"/>
+            </a:br>
+            <a:r>
+              <a:rPr lang="en-US" sz="2000" dirty="0"/>
+              <a:t>aka Max Margin MF</a:t>
+            </a:r>
+          </a:p>
+          <a:p>
+            <a:endParaRPr lang="en-US" sz="2000" dirty="0" smtClean="0"/>
           </a:p>
         </p:txBody>
       </p:sp>
@@ -12665,9 +12908,7 @@
         </p:nvSpPr>
         <p:spPr/>
         <p:txBody>
-          <a:bodyPr>
-            <a:normAutofit/>
-          </a:bodyPr>
+          <a:bodyPr/>
           <a:lstStyle/>
           <a:p>
             <a:pPr marL="0" indent="0" algn="ctr">
@@ -12681,11 +12922,7 @@
             </a:pPr>
             <a:r>
               <a:rPr lang="en-US" dirty="0" smtClean="0"/>
-              <a:t>(available, </a:t>
-            </a:r>
-            <a:r>
-              <a:rPr lang="en-US" dirty="0"/>
-              <a:t>not evaluated)</a:t>
+              <a:t>(coming soon)</a:t>
             </a:r>
           </a:p>
           <a:p>
@@ -12694,48 +12931,21 @@
             </a:pPr>
             <a:r>
               <a:rPr lang="en-US" dirty="0" smtClean="0"/>
-              <a:t>Binary Data</a:t>
-            </a:r>
-          </a:p>
-          <a:p>
-            <a:r>
-              <a:rPr lang="en-US" dirty="0" smtClean="0"/>
-              <a:t>Datasets are full scale</a:t>
-            </a:r>
-          </a:p>
-          <a:p>
-            <a:r>
-              <a:rPr lang="en-US" dirty="0" smtClean="0"/>
-              <a:t>Amazon-2008</a:t>
-            </a:r>
-          </a:p>
-          <a:p>
-            <a:r>
-              <a:rPr lang="en-US" dirty="0" smtClean="0"/>
-              <a:t>.</a:t>
-            </a:r>
+              <a:t>Numerical Data</a:t>
+            </a:r>
+          </a:p>
+          <a:p>
             <a:r>
               <a:rPr lang="en-US" dirty="0" err="1" smtClean="0"/>
-              <a:t>sk</a:t>
-            </a:r>
-            <a:r>
-              <a:rPr lang="en-US" dirty="0" smtClean="0"/>
-              <a:t> domain crawl 2005</a:t>
-            </a:r>
-          </a:p>
-          <a:p>
-            <a:r>
-              <a:rPr lang="en-US" dirty="0" smtClean="0"/>
-              <a:t>Patent citations</a:t>
-            </a:r>
-          </a:p>
-          <a:p>
-            <a:r>
-              <a:rPr lang="en-US" dirty="0" smtClean="0"/>
-              <a:t>Paper citations</a:t>
-            </a:r>
-          </a:p>
-          <a:p>
+              <a:t>MovieLens</a:t>
+            </a:r>
+            <a:endParaRPr lang="en-US" dirty="0" smtClean="0"/>
+          </a:p>
+          <a:p>
+            <a:r>
+              <a:rPr lang="en-US" smtClean="0"/>
+              <a:t>NetFlix (still have yet to parse it from .txt files)</a:t>
+            </a:r>
             <a:endParaRPr lang="en-US" dirty="0" smtClean="0"/>
           </a:p>
         </p:txBody>
@@ -12743,7 +12953,7 @@
     </p:spTree>
     <p:extLst>
       <p:ext uri="{BB962C8B-B14F-4D97-AF65-F5344CB8AC3E}">
-        <p14:creationId xmlns:p14="http://schemas.microsoft.com/office/powerpoint/2010/main" val="1091472287"/>
+        <p14:creationId xmlns:p14="http://schemas.microsoft.com/office/powerpoint/2010/main" val="456452255"/>
       </p:ext>
     </p:extLst>
   </p:cSld>
@@ -12793,199 +13003,101 @@
           <a:lstStyle/>
           <a:p>
             <a:r>
-              <a:rPr lang="en-US" dirty="0" smtClean="0"/>
-              <a:t>Future Work: Numerical Data</a:t>
-            </a:r>
-            <a:endParaRPr lang="en-US" dirty="0"/>
+              <a:rPr lang="en-CA" dirty="0" smtClean="0"/>
+              <a:t>Ongoing Work</a:t>
+            </a:r>
+            <a:endParaRPr lang="en-CA" dirty="0"/>
           </a:p>
         </p:txBody>
       </p:sp>
       <p:sp>
         <p:nvSpPr>
-          <p:cNvPr id="3" name="Text Placeholder 2"/>
+          <p:cNvPr id="3" name="Content Placeholder 2"/>
           <p:cNvSpPr>
             <a:spLocks noGrp="1"/>
           </p:cNvSpPr>
           <p:nvPr>
-            <p:ph type="body" idx="1"/>
+            <p:ph idx="1"/>
           </p:nvPr>
         </p:nvSpPr>
         <p:spPr/>
         <p:txBody>
-          <a:bodyPr/>
+          <a:bodyPr>
+            <a:normAutofit lnSpcReduction="10000"/>
+          </a:bodyPr>
           <a:lstStyle/>
           <a:p>
-            <a:pPr algn="ctr"/>
-            <a:r>
-              <a:rPr lang="en-US" dirty="0" smtClean="0"/>
-              <a:t>RQ#3: Objective Functions</a:t>
-            </a:r>
-            <a:endParaRPr lang="en-US" dirty="0"/>
-          </a:p>
-        </p:txBody>
-      </p:sp>
-      <p:sp>
-        <p:nvSpPr>
-          <p:cNvPr id="4" name="Content Placeholder 3"/>
-          <p:cNvSpPr>
-            <a:spLocks noGrp="1"/>
-          </p:cNvSpPr>
-          <p:nvPr>
-            <p:ph sz="half" idx="2"/>
-          </p:nvPr>
-        </p:nvSpPr>
-        <p:spPr/>
-        <p:txBody>
-          <a:bodyPr/>
-          <a:lstStyle/>
-          <a:p>
-            <a:endParaRPr lang="en-US" dirty="0" smtClean="0"/>
-          </a:p>
-          <a:p>
-            <a:pPr marL="0" indent="0" algn="ctr">
-              <a:buNone/>
+            <a:pPr marL="514350" indent="-514350">
+              <a:buFont typeface="+mj-lt"/>
+              <a:buAutoNum type="arabicPeriod"/>
             </a:pPr>
             <a:r>
-              <a:rPr lang="en-US" dirty="0" smtClean="0"/>
-              <a:t>(coming soon)</a:t>
-            </a:r>
-          </a:p>
-          <a:p>
-            <a:pPr marL="0" indent="0" algn="ctr">
-              <a:buNone/>
+              <a:rPr lang="en-CA" dirty="0" smtClean="0"/>
+              <a:t>Parallel SAG(-SML supervised machine learning): </a:t>
+            </a:r>
+            <a:r>
+              <a:rPr lang="en-CA" dirty="0" err="1" smtClean="0"/>
+              <a:t>OpenMP</a:t>
+            </a:r>
+            <a:r>
+              <a:rPr lang="en-CA" dirty="0" smtClean="0"/>
+              <a:t>, C/C++ (w. Scott </a:t>
+            </a:r>
+            <a:r>
+              <a:rPr lang="en-CA" dirty="0" err="1" smtClean="0"/>
+              <a:t>Sallinen</a:t>
+            </a:r>
+            <a:r>
+              <a:rPr lang="en-CA" dirty="0" smtClean="0"/>
+              <a:t>)</a:t>
+            </a:r>
+          </a:p>
+          <a:p>
+            <a:pPr marL="514350" indent="-514350">
+              <a:buFont typeface="+mj-lt"/>
+              <a:buAutoNum type="arabicPeriod"/>
             </a:pPr>
             <a:r>
-              <a:rPr lang="en-US" dirty="0" smtClean="0"/>
-              <a:t>Numerical </a:t>
-            </a:r>
-            <a:r>
-              <a:rPr lang="en-US" dirty="0" smtClean="0"/>
-              <a:t>Data</a:t>
-            </a:r>
-          </a:p>
-          <a:p>
-            <a:r>
-              <a:rPr lang="en-US" dirty="0" err="1" smtClean="0"/>
-              <a:t>GAPfm</a:t>
-            </a:r>
-            <a:r>
-              <a:rPr lang="en-US" dirty="0" smtClean="0"/>
-              <a:t>: </a:t>
-            </a:r>
-            <a:r>
-              <a:rPr lang="en-US" sz="2000" dirty="0" smtClean="0"/>
-              <a:t>Graded </a:t>
-            </a:r>
-            <a:r>
-              <a:rPr lang="en-US" sz="2000" dirty="0" err="1" smtClean="0"/>
-              <a:t>Avg</a:t>
-            </a:r>
-            <a:r>
-              <a:rPr lang="en-US" sz="2000" dirty="0" smtClean="0"/>
-              <a:t> Precision</a:t>
-            </a:r>
-          </a:p>
-        </p:txBody>
-      </p:sp>
-      <p:sp>
-        <p:nvSpPr>
-          <p:cNvPr id="5" name="Text Placeholder 4"/>
-          <p:cNvSpPr>
-            <a:spLocks noGrp="1"/>
-          </p:cNvSpPr>
-          <p:nvPr>
-            <p:ph type="body" sz="quarter" idx="3"/>
-          </p:nvPr>
-        </p:nvSpPr>
-        <p:spPr/>
-        <p:txBody>
-          <a:bodyPr/>
-          <a:lstStyle/>
-          <a:p>
-            <a:pPr algn="ctr"/>
-            <a:r>
-              <a:rPr lang="en-US" dirty="0" smtClean="0"/>
-              <a:t>RQ#4: Datasets</a:t>
-            </a:r>
-            <a:endParaRPr lang="en-US" dirty="0"/>
-          </a:p>
-        </p:txBody>
-      </p:sp>
-      <p:sp>
-        <p:nvSpPr>
-          <p:cNvPr id="6" name="Content Placeholder 5"/>
-          <p:cNvSpPr>
-            <a:spLocks noGrp="1"/>
-          </p:cNvSpPr>
-          <p:nvPr>
-            <p:ph sz="quarter" idx="4"/>
-          </p:nvPr>
-        </p:nvSpPr>
-        <p:spPr/>
-        <p:txBody>
-          <a:bodyPr/>
-          <a:lstStyle/>
-          <a:p>
-            <a:pPr marL="0" indent="0" algn="ctr">
-              <a:buNone/>
+              <a:rPr lang="en-CA" dirty="0" smtClean="0"/>
+              <a:t>Does faster/better convergence really give better recommendations?</a:t>
+            </a:r>
+          </a:p>
+          <a:p>
+            <a:pPr marL="514350" indent="-514350">
+              <a:buFont typeface="+mj-lt"/>
+              <a:buAutoNum type="arabicPeriod"/>
             </a:pPr>
-            <a:endParaRPr lang="en-US" dirty="0" smtClean="0"/>
-          </a:p>
-          <a:p>
-            <a:pPr marL="0" indent="0" algn="ctr">
-              <a:buNone/>
+            <a:r>
+              <a:rPr lang="en-CA" i="1" dirty="0" err="1" smtClean="0"/>
+              <a:t>mixNmatchMF</a:t>
+            </a:r>
+            <a:r>
+              <a:rPr lang="en-CA" dirty="0" smtClean="0"/>
+              <a:t>: allow data-scientists to quickly mix and match MF algorithms for quick iteration</a:t>
+            </a:r>
+          </a:p>
+          <a:p>
+            <a:pPr marL="514350" indent="-514350">
+              <a:buFont typeface="+mj-lt"/>
+              <a:buAutoNum type="arabicPeriod"/>
             </a:pPr>
             <a:r>
-              <a:rPr lang="en-US" dirty="0" smtClean="0"/>
-              <a:t>(coming soon)</a:t>
-            </a:r>
-          </a:p>
-          <a:p>
-            <a:pPr marL="0" indent="0" algn="ctr">
-              <a:buNone/>
-            </a:pPr>
-            <a:r>
-              <a:rPr lang="en-US" dirty="0" smtClean="0"/>
-              <a:t>Numerical </a:t>
-            </a:r>
-            <a:r>
-              <a:rPr lang="en-US" dirty="0" smtClean="0"/>
-              <a:t>Data</a:t>
-            </a:r>
-          </a:p>
-          <a:p>
-            <a:r>
-              <a:rPr lang="en-US" dirty="0" err="1" smtClean="0"/>
-              <a:t>MovieLens</a:t>
-            </a:r>
-            <a:endParaRPr lang="en-US" dirty="0" smtClean="0"/>
-          </a:p>
-          <a:p>
-            <a:r>
-              <a:rPr lang="en-US" smtClean="0"/>
-              <a:t>NetFlix (still have yet to parse it from .txt files)</a:t>
-            </a:r>
-            <a:endParaRPr lang="en-US" dirty="0" smtClean="0"/>
+              <a:rPr lang="en-CA" dirty="0" smtClean="0"/>
+              <a:t>SAG-MF+ and Parallel SAG-MF+: use even less space for running MF on GPUs</a:t>
+            </a:r>
           </a:p>
         </p:txBody>
       </p:sp>
     </p:spTree>
     <p:extLst>
       <p:ext uri="{BB962C8B-B14F-4D97-AF65-F5344CB8AC3E}">
-        <p14:creationId xmlns:p14="http://schemas.microsoft.com/office/powerpoint/2010/main" val="456452255"/>
+        <p14:creationId xmlns:p14="http://schemas.microsoft.com/office/powerpoint/2010/main" val="1896972947"/>
       </p:ext>
     </p:extLst>
   </p:cSld>
   <p:clrMapOvr>
     <a:masterClrMapping/>
   </p:clrMapOvr>
-  <p:timing>
-    <p:tnLst>
-      <p:par>
-        <p:cTn id="1" dur="indefinite" restart="never" nodeType="tmRoot"/>
-      </p:par>
-    </p:tnLst>
-  </p:timing>
 </p:sld>
 </file>
 

--- a/cs534L-SAGmf.pptx
+++ b/cs534L-SAGmf.pptx
@@ -5,7 +5,7 @@
     <p:sldMasterId id="2147483648" r:id="rId1"/>
   </p:sldMasterIdLst>
   <p:notesMasterIdLst>
-    <p:notesMasterId r:id="rId33"/>
+    <p:notesMasterId r:id="rId32"/>
   </p:notesMasterIdLst>
   <p:sldIdLst>
     <p:sldId id="256" r:id="rId2"/>
@@ -31,14 +31,13 @@
     <p:sldId id="264" r:id="rId22"/>
     <p:sldId id="289" r:id="rId23"/>
     <p:sldId id="287" r:id="rId24"/>
-    <p:sldId id="283" r:id="rId25"/>
-    <p:sldId id="267" r:id="rId26"/>
+    <p:sldId id="267" r:id="rId25"/>
+    <p:sldId id="283" r:id="rId26"/>
     <p:sldId id="284" r:id="rId27"/>
     <p:sldId id="285" r:id="rId28"/>
     <p:sldId id="286" r:id="rId29"/>
-    <p:sldId id="278" r:id="rId30"/>
-    <p:sldId id="266" r:id="rId31"/>
-    <p:sldId id="272" r:id="rId32"/>
+    <p:sldId id="266" r:id="rId30"/>
+    <p:sldId id="272" r:id="rId31"/>
   </p:sldIdLst>
   <p:sldSz cx="9144000" cy="6858000" type="screen4x3"/>
   <p:notesSz cx="6858000" cy="9144000"/>
@@ -1003,7 +1002,7 @@
           <a:p>
             <a:fld id="{EA5C61F1-C4D7-4183-9419-26D6C7EA246C}" type="slidenum">
               <a:rPr lang="en-US" smtClean="0"/>
-              <a:t>25</a:t>
+              <a:t>24</a:t>
             </a:fld>
             <a:endParaRPr lang="en-US"/>
           </a:p>
@@ -1013,160 +1012,6 @@
     <p:extLst>
       <p:ext uri="{BB962C8B-B14F-4D97-AF65-F5344CB8AC3E}">
         <p14:creationId xmlns:p14="http://schemas.microsoft.com/office/powerpoint/2010/main" val="2824141602"/>
-      </p:ext>
-    </p:extLst>
-  </p:cSld>
-  <p:clrMapOvr>
-    <a:masterClrMapping/>
-  </p:clrMapOvr>
-</p:notes>
-</file>
-
-<file path=ppt/notesSlides/notesSlide7.xml><?xml version="1.0" encoding="utf-8"?>
-<p:notes xmlns:a="http://schemas.openxmlformats.org/drawingml/2006/main" xmlns:r="http://schemas.openxmlformats.org/officeDocument/2006/relationships" xmlns:p="http://schemas.openxmlformats.org/presentationml/2006/main">
-  <p:cSld>
-    <p:spTree>
-      <p:nvGrpSpPr>
-        <p:cNvPr id="1" name=""/>
-        <p:cNvGrpSpPr/>
-        <p:nvPr/>
-      </p:nvGrpSpPr>
-      <p:grpSpPr>
-        <a:xfrm>
-          <a:off x="0" y="0"/>
-          <a:ext cx="0" cy="0"/>
-          <a:chOff x="0" y="0"/>
-          <a:chExt cx="0" cy="0"/>
-        </a:xfrm>
-      </p:grpSpPr>
-      <p:sp>
-        <p:nvSpPr>
-          <p:cNvPr id="2" name="Slide Image Placeholder 1"/>
-          <p:cNvSpPr>
-            <a:spLocks noGrp="1" noRot="1" noChangeAspect="1"/>
-          </p:cNvSpPr>
-          <p:nvPr>
-            <p:ph type="sldImg"/>
-          </p:nvPr>
-        </p:nvSpPr>
-        <p:spPr/>
-      </p:sp>
-      <p:sp>
-        <p:nvSpPr>
-          <p:cNvPr id="3" name="Notes Placeholder 2"/>
-          <p:cNvSpPr>
-            <a:spLocks noGrp="1"/>
-          </p:cNvSpPr>
-          <p:nvPr>
-            <p:ph type="body" idx="1"/>
-          </p:nvPr>
-        </p:nvSpPr>
-        <p:spPr/>
-        <p:txBody>
-          <a:bodyPr/>
-          <a:lstStyle/>
-          <a:p>
-            <a:r>
-              <a:rPr lang="en-CA" dirty="0" smtClean="0"/>
-              <a:t>Contribution (Novelty)</a:t>
-            </a:r>
-          </a:p>
-          <a:p>
-            <a:r>
-              <a:rPr lang="en-CA" dirty="0" smtClean="0"/>
-              <a:t>Technical Merit</a:t>
-            </a:r>
-          </a:p>
-          <a:p>
-            <a:r>
-              <a:rPr lang="en-CA" dirty="0" smtClean="0"/>
-              <a:t>Overall presentation</a:t>
-            </a:r>
-          </a:p>
-          <a:p>
-            <a:endParaRPr lang="en-CA" dirty="0" smtClean="0"/>
-          </a:p>
-          <a:p>
-            <a:pPr marL="228600" indent="-228600">
-              <a:buFont typeface="+mj-lt"/>
-              <a:buAutoNum type="arabicPeriod"/>
-            </a:pPr>
-            <a:r>
-              <a:rPr lang="en-CA" dirty="0" smtClean="0"/>
-              <a:t>Apply and adapt the SAG algorithm into iterative optimization for matrix factorization (MF).</a:t>
-            </a:r>
-          </a:p>
-          <a:p>
-            <a:pPr marL="228600" indent="-228600">
-              <a:buFont typeface="+mj-lt"/>
-              <a:buAutoNum type="arabicPeriod"/>
-            </a:pPr>
-            <a:r>
-              <a:rPr lang="en-CA" dirty="0" smtClean="0"/>
-              <a:t>Extend the general SAG algorithm into a specialized SAG algorithm (SAG-MF) for better space complexity in memory overhead.</a:t>
-            </a:r>
-          </a:p>
-          <a:p>
-            <a:pPr marL="228600" indent="-228600">
-              <a:buFont typeface="+mj-lt"/>
-              <a:buAutoNum type="arabicPeriod"/>
-            </a:pPr>
-            <a:r>
-              <a:rPr lang="en-CA" dirty="0" smtClean="0"/>
-              <a:t>Parallelize both the SAG-general and SAG-MF, specifically for matrix factorization</a:t>
-            </a:r>
-            <a:r>
-              <a:rPr lang="en-CA" baseline="0" dirty="0" smtClean="0"/>
-              <a:t> tasks.</a:t>
-            </a:r>
-            <a:endParaRPr lang="en-CA" dirty="0" smtClean="0"/>
-          </a:p>
-          <a:p>
-            <a:pPr marL="228600" indent="-228600">
-              <a:buFont typeface="+mj-lt"/>
-              <a:buAutoNum type="arabicPeriod"/>
-            </a:pPr>
-            <a:r>
-              <a:rPr lang="en-CA" dirty="0" smtClean="0"/>
-              <a:t>Through extensive evaluation, demonstrated that the general SAG and SAG-MF algorithms yield both faster and better convergence across various objective functions.</a:t>
-            </a:r>
-          </a:p>
-          <a:p>
-            <a:pPr marL="228600" indent="-228600">
-              <a:buFont typeface="+mj-lt"/>
-              <a:buAutoNum type="arabicPeriod"/>
-            </a:pPr>
-            <a:endParaRPr lang="en-CA" dirty="0"/>
-          </a:p>
-        </p:txBody>
-      </p:sp>
-      <p:sp>
-        <p:nvSpPr>
-          <p:cNvPr id="4" name="Slide Number Placeholder 3"/>
-          <p:cNvSpPr>
-            <a:spLocks noGrp="1"/>
-          </p:cNvSpPr>
-          <p:nvPr>
-            <p:ph type="sldNum" sz="quarter" idx="10"/>
-          </p:nvPr>
-        </p:nvSpPr>
-        <p:spPr/>
-        <p:txBody>
-          <a:bodyPr/>
-          <a:lstStyle/>
-          <a:p>
-            <a:fld id="{EA5C61F1-C4D7-4183-9419-26D6C7EA246C}" type="slidenum">
-              <a:rPr lang="en-US" smtClean="0"/>
-              <a:t>29</a:t>
-            </a:fld>
-            <a:endParaRPr lang="en-US"/>
-          </a:p>
-        </p:txBody>
-      </p:sp>
-    </p:spTree>
-    <p:extLst>
-      <p:ext uri="{BB962C8B-B14F-4D97-AF65-F5344CB8AC3E}">
-        <p14:creationId xmlns:p14="http://schemas.microsoft.com/office/powerpoint/2010/main" val="340296906"/>
       </p:ext>
     </p:extLst>
   </p:cSld>
@@ -6573,11 +6418,11 @@
   <p:clrMapOvr>
     <a:masterClrMapping/>
   </p:clrMapOvr>
-  <mc:AlternateContent xmlns:mc="http://schemas.openxmlformats.org/markup-compatibility/2006">
-    <mc:Choice xmlns:p14="http://schemas.microsoft.com/office/powerpoint/2010/main" Requires="p14">
+  <mc:AlternateContent xmlns:mc="http://schemas.openxmlformats.org/markup-compatibility/2006" xmlns:p14="http://schemas.microsoft.com/office/powerpoint/2010/main">
+    <mc:Choice Requires="p14">
       <p:transition spd="slow" p14:dur="2000"/>
     </mc:Choice>
-    <mc:Fallback>
+    <mc:Fallback xmlns="">
       <p:transition spd="slow"/>
     </mc:Fallback>
   </mc:AlternateContent>
@@ -8123,11 +7968,11 @@
   <p:clrMapOvr>
     <a:masterClrMapping/>
   </p:clrMapOvr>
-  <mc:AlternateContent xmlns:mc="http://schemas.openxmlformats.org/markup-compatibility/2006">
-    <mc:Choice xmlns:p14="http://schemas.microsoft.com/office/powerpoint/2010/main" Requires="p14">
+  <mc:AlternateContent xmlns:mc="http://schemas.openxmlformats.org/markup-compatibility/2006" xmlns:p14="http://schemas.microsoft.com/office/powerpoint/2010/main">
+    <mc:Choice Requires="p14">
       <p:transition spd="slow" p14:dur="2000"/>
     </mc:Choice>
-    <mc:Fallback>
+    <mc:Fallback xmlns="">
       <p:transition spd="slow"/>
     </mc:Fallback>
   </mc:AlternateContent>
@@ -8537,7 +8382,7 @@
         <p:spPr/>
         <p:txBody>
           <a:bodyPr>
-            <a:normAutofit fontScale="90000"/>
+            <a:normAutofit/>
           </a:bodyPr>
           <a:lstStyle/>
           <a:p>
@@ -8562,57 +8407,15 @@
               <a:t>N</a:t>
             </a:r>
             <a:r>
-              <a:rPr lang="en-CA" dirty="0"/>
+              <a:rPr lang="en-CA" dirty="0" smtClean="0"/>
               <a:t>}</a:t>
             </a:r>
-            <a:br>
-              <a:rPr lang="en-CA" dirty="0"/>
-            </a:br>
-            <a:r>
-              <a:rPr lang="en-CA" sz="3600" dirty="0" smtClean="0"/>
-              <a:t>So lower </a:t>
-            </a:r>
-            <a:r>
-              <a:rPr lang="en-CA" sz="3600" dirty="0"/>
-              <a:t>bound </a:t>
-            </a:r>
-            <a:r>
-              <a:rPr lang="en-CA" sz="3600" dirty="0" smtClean="0"/>
-              <a:t>doesn’t </a:t>
-            </a:r>
-            <a:r>
-              <a:rPr lang="en-CA" sz="3600" i="1" dirty="0" err="1"/>
-              <a:t>nMems</a:t>
-            </a:r>
-            <a:r>
-              <a:rPr lang="en-CA" sz="3600" dirty="0"/>
-              <a:t> </a:t>
-            </a:r>
-            <a:r>
-              <a:rPr lang="en-CA" sz="3600" dirty="0" smtClean="0"/>
-              <a:t>depend </a:t>
-            </a:r>
-            <a:r>
-              <a:rPr lang="en-CA" sz="3600" dirty="0"/>
-              <a:t>on </a:t>
-            </a:r>
-            <a:r>
-              <a:rPr lang="en-CA" sz="3600" i="1" dirty="0"/>
-              <a:t>N</a:t>
-            </a:r>
-            <a:r>
-              <a:rPr lang="en-CA" sz="3600" dirty="0"/>
-              <a:t>?</a:t>
-            </a:r>
-            <a:br>
-              <a:rPr lang="en-CA" sz="3600" dirty="0"/>
-            </a:br>
             <a:endParaRPr lang="en-CA" sz="3600" dirty="0"/>
           </a:p>
         </p:txBody>
       </p:sp>
-      <mc:AlternateContent xmlns:mc="http://schemas.openxmlformats.org/markup-compatibility/2006" xmlns:a14="http://schemas.microsoft.com/office/drawing/2010/main">
-        <mc:Choice Requires="a14">
+      <mc:AlternateContent xmlns:mc="http://schemas.openxmlformats.org/markup-compatibility/2006">
+        <mc:Choice xmlns:a14="http://schemas.microsoft.com/office/drawing/2010/main" Requires="a14">
           <p:sp>
             <p:nvSpPr>
               <p:cNvPr id="3" name="Content Placeholder 2"/>
@@ -8628,72 +8431,216 @@
               <a:bodyPr/>
               <a:lstStyle/>
               <a:p>
+                <a:pPr marL="0" indent="0">
+                  <a:buNone/>
+                </a:pPr>
                 <a:r>
-                  <a:rPr lang="en-CA" dirty="0" smtClean="0"/>
-                  <a:t>In each iteration </a:t>
+                  <a:rPr lang="en-CA" dirty="0"/>
+                  <a:t>Lower bound of </a:t>
                 </a:r>
                 <a:r>
-                  <a:rPr lang="en-CA" i="1" dirty="0" smtClean="0"/>
-                  <a:t>t</a:t>
+                  <a:rPr lang="en-CA" i="1" dirty="0" err="1"/>
+                  <a:t>nMems</a:t>
+                </a:r>
+                <a:r>
+                  <a:rPr lang="en-CA" dirty="0"/>
+                  <a:t> depends </a:t>
                 </a:r>
                 <a:r>
                   <a:rPr lang="en-CA" dirty="0" smtClean="0"/>
-                  <a:t>, we sample 1 data point</a:t>
-                </a:r>
-              </a:p>
-              <a:p>
-                <a:pPr lvl="1"/>
-                <a:r>
-                  <a:rPr lang="en-CA" dirty="0" smtClean="0"/>
-                  <a:t>sample with replacement</a:t>
+                  <a:t>on</a:t>
                 </a:r>
               </a:p>
               <a:p>
                 <a:r>
                   <a:rPr lang="en-CA" dirty="0" smtClean="0"/>
-                  <a:t># of iterations = # of data points sampled</a:t>
-                </a:r>
-              </a:p>
-              <a:p>
-                <a:r>
-                  <a:rPr lang="en-CA" dirty="0" smtClean="0"/>
-                  <a:t>Larger </a:t>
-                </a:r>
-                <a:r>
-                  <a:rPr lang="en-CA" i="1" dirty="0" smtClean="0"/>
-                  <a:t>N</a:t>
-                </a:r>
-                <a:r>
-                  <a:rPr lang="en-CA" dirty="0" smtClean="0"/>
-                  <a:t> or more data that we can sample, means we can let epsilon </a:t>
+                  <a:t>convergence rate: </a:t>
                 </a:r>
                 <a14:m>
                   <m:oMath xmlns:m="http://schemas.openxmlformats.org/officeDocument/2006/math">
                     <m:r>
                       <a:rPr lang="en-CA" i="1">
                         <a:latin typeface="Cambria Math" panose="02040503050406030204" pitchFamily="18" charset="0"/>
-                        <a:ea typeface="Cambria Math" panose="02040503050406030204" pitchFamily="18" charset="0"/>
                       </a:rPr>
-                      <m:t>𝜀</m:t>
+                      <m:t>𝐸</m:t>
                     </m:r>
-                    <m:r>
-                      <a:rPr lang="en-CA" i="1">
-                        <a:latin typeface="Cambria Math" panose="02040503050406030204" pitchFamily="18" charset="0"/>
-                        <a:ea typeface="Cambria Math" panose="02040503050406030204" pitchFamily="18" charset="0"/>
-                      </a:rPr>
-                      <m:t> </m:t>
-                    </m:r>
+                    <m:d>
+                      <m:dPr>
+                        <m:begChr m:val="["/>
+                        <m:endChr m:val="]"/>
+                        <m:ctrlPr>
+                          <a:rPr lang="en-CA" i="1">
+                            <a:latin typeface="Cambria Math" panose="02040503050406030204" pitchFamily="18" charset="0"/>
+                          </a:rPr>
+                        </m:ctrlPr>
+                      </m:dPr>
+                      <m:e>
+                        <m:r>
+                          <a:rPr lang="en-CA" i="1">
+                            <a:latin typeface="Cambria Math" panose="02040503050406030204" pitchFamily="18" charset="0"/>
+                          </a:rPr>
+                          <m:t>𝑓</m:t>
+                        </m:r>
+                        <m:d>
+                          <m:dPr>
+                            <m:ctrlPr>
+                              <a:rPr lang="en-CA" i="1">
+                                <a:latin typeface="Cambria Math" panose="02040503050406030204" pitchFamily="18" charset="0"/>
+                              </a:rPr>
+                            </m:ctrlPr>
+                          </m:dPr>
+                          <m:e>
+                            <m:sSup>
+                              <m:sSupPr>
+                                <m:ctrlPr>
+                                  <a:rPr lang="en-CA" i="1">
+                                    <a:latin typeface="Cambria Math" panose="02040503050406030204" pitchFamily="18" charset="0"/>
+                                  </a:rPr>
+                                </m:ctrlPr>
+                              </m:sSupPr>
+                              <m:e>
+                                <m:r>
+                                  <a:rPr lang="en-CA" i="1">
+                                    <a:latin typeface="Cambria Math" panose="02040503050406030204" pitchFamily="18" charset="0"/>
+                                  </a:rPr>
+                                  <m:t>𝑈</m:t>
+                                </m:r>
+                              </m:e>
+                              <m:sup>
+                                <m:r>
+                                  <a:rPr lang="en-CA" i="1">
+                                    <a:latin typeface="Cambria Math" panose="02040503050406030204" pitchFamily="18" charset="0"/>
+                                  </a:rPr>
+                                  <m:t>𝑡</m:t>
+                                </m:r>
+                              </m:sup>
+                            </m:sSup>
+                            <m:r>
+                              <a:rPr lang="en-CA" i="1">
+                                <a:latin typeface="Cambria Math" panose="02040503050406030204" pitchFamily="18" charset="0"/>
+                              </a:rPr>
+                              <m:t>,</m:t>
+                            </m:r>
+                            <m:sSup>
+                              <m:sSupPr>
+                                <m:ctrlPr>
+                                  <a:rPr lang="en-CA" i="1">
+                                    <a:latin typeface="Cambria Math" panose="02040503050406030204" pitchFamily="18" charset="0"/>
+                                  </a:rPr>
+                                </m:ctrlPr>
+                              </m:sSupPr>
+                              <m:e>
+                                <m:r>
+                                  <a:rPr lang="en-CA" i="1">
+                                    <a:latin typeface="Cambria Math" panose="02040503050406030204" pitchFamily="18" charset="0"/>
+                                  </a:rPr>
+                                  <m:t>𝑉</m:t>
+                                </m:r>
+                              </m:e>
+                              <m:sup>
+                                <m:r>
+                                  <a:rPr lang="en-CA" i="1">
+                                    <a:latin typeface="Cambria Math" panose="02040503050406030204" pitchFamily="18" charset="0"/>
+                                  </a:rPr>
+                                  <m:t>𝑡</m:t>
+                                </m:r>
+                              </m:sup>
+                            </m:sSup>
+                          </m:e>
+                        </m:d>
+                        <m:r>
+                          <a:rPr lang="en-CA" i="1">
+                            <a:latin typeface="Cambria Math" panose="02040503050406030204" pitchFamily="18" charset="0"/>
+                          </a:rPr>
+                          <m:t>−</m:t>
+                        </m:r>
+                        <m:r>
+                          <a:rPr lang="en-CA" i="1">
+                            <a:latin typeface="Cambria Math" panose="02040503050406030204" pitchFamily="18" charset="0"/>
+                          </a:rPr>
+                          <m:t>𝑓</m:t>
+                        </m:r>
+                        <m:d>
+                          <m:dPr>
+                            <m:ctrlPr>
+                              <a:rPr lang="en-CA" i="1">
+                                <a:latin typeface="Cambria Math" panose="02040503050406030204" pitchFamily="18" charset="0"/>
+                              </a:rPr>
+                            </m:ctrlPr>
+                          </m:dPr>
+                          <m:e>
+                            <m:sSup>
+                              <m:sSupPr>
+                                <m:ctrlPr>
+                                  <a:rPr lang="en-CA" i="1">
+                                    <a:latin typeface="Cambria Math" panose="02040503050406030204" pitchFamily="18" charset="0"/>
+                                  </a:rPr>
+                                </m:ctrlPr>
+                              </m:sSupPr>
+                              <m:e>
+                                <m:r>
+                                  <a:rPr lang="en-CA" i="1">
+                                    <a:latin typeface="Cambria Math" panose="02040503050406030204" pitchFamily="18" charset="0"/>
+                                  </a:rPr>
+                                  <m:t>𝑈</m:t>
+                                </m:r>
+                              </m:e>
+                              <m:sup>
+                                <m:r>
+                                  <a:rPr lang="en-CA" i="1">
+                                    <a:latin typeface="Cambria Math" panose="02040503050406030204" pitchFamily="18" charset="0"/>
+                                  </a:rPr>
+                                  <m:t>∗</m:t>
+                                </m:r>
+                              </m:sup>
+                            </m:sSup>
+                            <m:r>
+                              <a:rPr lang="en-CA" i="1">
+                                <a:latin typeface="Cambria Math" panose="02040503050406030204" pitchFamily="18" charset="0"/>
+                              </a:rPr>
+                              <m:t>,</m:t>
+                            </m:r>
+                            <m:sSup>
+                              <m:sSupPr>
+                                <m:ctrlPr>
+                                  <a:rPr lang="en-CA" i="1">
+                                    <a:latin typeface="Cambria Math" panose="02040503050406030204" pitchFamily="18" charset="0"/>
+                                  </a:rPr>
+                                </m:ctrlPr>
+                              </m:sSupPr>
+                              <m:e>
+                                <m:r>
+                                  <a:rPr lang="en-CA" i="1">
+                                    <a:latin typeface="Cambria Math" panose="02040503050406030204" pitchFamily="18" charset="0"/>
+                                  </a:rPr>
+                                  <m:t>𝑉</m:t>
+                                </m:r>
+                              </m:e>
+                              <m:sup>
+                                <m:r>
+                                  <a:rPr lang="en-CA" i="1">
+                                    <a:latin typeface="Cambria Math" panose="02040503050406030204" pitchFamily="18" charset="0"/>
+                                  </a:rPr>
+                                  <m:t>∗</m:t>
+                                </m:r>
+                              </m:sup>
+                            </m:sSup>
+                          </m:e>
+                        </m:d>
+                      </m:e>
+                    </m:d>
                   </m:oMath>
                 </a14:m>
                 <a:r>
-                  <a:rPr lang="en-CA" dirty="0" smtClean="0"/>
-                  <a:t>to be smaller.</a:t>
+                  <a:rPr lang="en-CA" dirty="0"/>
+                  <a:t> </a:t>
                 </a:r>
+                <a:endParaRPr lang="en-CA" dirty="0" smtClean="0"/>
               </a:p>
               <a:p>
                 <a:r>
                   <a:rPr lang="en-CA" dirty="0" smtClean="0"/>
-                  <a:t>If we have a good enough epsilon </a:t>
+                  <a:t>error tolerance: </a:t>
                 </a:r>
                 <a14:m>
                   <m:oMath xmlns:m="http://schemas.openxmlformats.org/officeDocument/2006/math">
@@ -8706,10 +8653,18 @@
                     </m:r>
                   </m:oMath>
                 </a14:m>
+                <a:endParaRPr lang="en-CA" dirty="0" smtClean="0"/>
+              </a:p>
+              <a:p>
                 <a:r>
                   <a:rPr lang="en-CA" dirty="0" smtClean="0"/>
-                  <a:t>, we can just iteratively optimize our approximation on a sampled subset of the data: filter data </a:t>
+                  <a:t>not </a:t>
                 </a:r>
+                <a:r>
+                  <a:rPr lang="en-CA" dirty="0"/>
+                  <a:t>N</a:t>
+                </a:r>
+                <a:endParaRPr lang="en-CA" dirty="0" smtClean="0"/>
               </a:p>
               <a:p>
                 <a:endParaRPr lang="en-CA" dirty="0" smtClean="0"/>
@@ -8720,7 +8675,7 @@
             </p:txBody>
           </p:sp>
         </mc:Choice>
-        <mc:Fallback xmlns="">
+        <mc:Fallback>
           <p:sp>
             <p:nvSpPr>
               <p:cNvPr id="3" name="Content Placeholder 2"/>
@@ -8735,7 +8690,7 @@
               <a:blipFill rotWithShape="0">
                 <a:blip r:embed="rId2"/>
                 <a:stretch>
-                  <a:fillRect l="-1704" t="-1752" r="-963"/>
+                  <a:fillRect l="-1852" t="-1752"/>
                 </a:stretch>
               </a:blipFill>
             </p:spPr>
@@ -8764,11 +8719,11 @@
   <p:clrMapOvr>
     <a:masterClrMapping/>
   </p:clrMapOvr>
-  <mc:AlternateContent xmlns:mc="http://schemas.openxmlformats.org/markup-compatibility/2006">
-    <mc:Choice xmlns:p14="http://schemas.microsoft.com/office/powerpoint/2010/main" Requires="p14">
+  <mc:AlternateContent xmlns:mc="http://schemas.openxmlformats.org/markup-compatibility/2006" xmlns:p14="http://schemas.microsoft.com/office/powerpoint/2010/main">
+    <mc:Choice Requires="p14">
       <p:transition spd="slow" p14:dur="2000"/>
     </mc:Choice>
-    <mc:Fallback>
+    <mc:Fallback xmlns="">
       <p:transition spd="slow"/>
     </mc:Fallback>
   </mc:AlternateContent>
@@ -8871,8 +8826,8 @@
           </a:p>
         </p:txBody>
       </p:sp>
-      <mc:AlternateContent xmlns:mc="http://schemas.openxmlformats.org/markup-compatibility/2006" xmlns:a14="http://schemas.microsoft.com/office/drawing/2010/main">
-        <mc:Choice Requires="a14">
+      <mc:AlternateContent xmlns:mc="http://schemas.openxmlformats.org/markup-compatibility/2006">
+        <mc:Choice xmlns:a14="http://schemas.microsoft.com/office/drawing/2010/main" Requires="a14">
           <p:sp>
             <p:nvSpPr>
               <p:cNvPr id="3" name="Content Placeholder 2"/>
@@ -8894,8 +8849,16 @@
                   <a:buNone/>
                 </a:pPr>
                 <a:r>
+                  <a:rPr lang="en-CA" dirty="0" smtClean="0">
+                    <a:solidFill>
+                      <a:srgbClr val="FF0000"/>
+                    </a:solidFill>
+                  </a:rPr>
+                  <a:t>Norm-based Regularization</a:t>
+                </a:r>
+                <a:r>
                   <a:rPr lang="en-CA" dirty="0" smtClean="0"/>
-                  <a:t>Norm-based Regularization: </a:t>
+                  <a:t>: </a:t>
                 </a:r>
               </a:p>
               <a:p>
@@ -9885,7 +9848,7 @@
             </p:txBody>
           </p:sp>
         </mc:Choice>
-        <mc:Fallback xmlns="">
+        <mc:Fallback>
           <p:sp>
             <p:nvSpPr>
               <p:cNvPr id="3" name="Content Placeholder 2"/>
@@ -10009,19 +9972,11 @@
               <a:t> +</a:t>
             </a:r>
             <a:r>
-              <a:rPr lang="en-US" dirty="0" err="1"/>
+              <a:rPr lang="en-US" dirty="0" err="1" smtClean="0"/>
               <a:t>nCols</a:t>
             </a:r>
             <a:r>
-              <a:rPr lang="en-US" dirty="0"/>
-              <a:t> +</a:t>
-            </a:r>
-            <a:r>
-              <a:rPr lang="en-US" dirty="0" err="1"/>
-              <a:t>nMems</a:t>
-            </a:r>
-            <a:r>
-              <a:rPr lang="en-US" dirty="0"/>
+              <a:rPr lang="en-US" dirty="0" smtClean="0"/>
               <a:t>)*</a:t>
             </a:r>
             <a:r>
@@ -10049,30 +10004,29 @@
         <p:spPr/>
         <p:txBody>
           <a:bodyPr>
-            <a:normAutofit fontScale="92500"/>
+            <a:normAutofit/>
           </a:bodyPr>
           <a:lstStyle/>
           <a:p>
             <a:r>
               <a:rPr lang="en-CA" dirty="0" smtClean="0"/>
-              <a:t>Only SAG_U, SAG_V at t=0 can be compressed</a:t>
+              <a:t>Only SAG_U, SAG_V at </a:t>
+            </a:r>
+            <a:r>
+              <a:rPr lang="en-CA" dirty="0" smtClean="0"/>
+              <a:t>t=0 </a:t>
+            </a:r>
+            <a:r>
+              <a:rPr lang="en-CA" dirty="0" smtClean="0"/>
+              <a:t>can be compressed</a:t>
             </a:r>
           </a:p>
           <a:p>
             <a:pPr lvl="1"/>
             <a:r>
               <a:rPr lang="en-CA" dirty="0" smtClean="0"/>
-              <a:t>At 1st iteration, </a:t>
-            </a:r>
-            <a:r>
-              <a:rPr lang="en-CA" dirty="0" smtClean="0"/>
-              <a:t>we are accessing all </a:t>
-            </a:r>
-            <a:r>
-              <a:rPr lang="en-CA" dirty="0" smtClean="0"/>
-              <a:t>data-points</a:t>
-            </a:r>
-            <a:endParaRPr lang="en-CA" dirty="0" smtClean="0"/>
+              <a:t>At 1st iteration, we are accessing all data-points</a:t>
+            </a:r>
           </a:p>
           <a:p>
             <a:r>
@@ -10091,56 +10045,30 @@
           <a:p>
             <a:r>
               <a:rPr lang="en-CA" dirty="0" smtClean="0"/>
-              <a:t>Re-compute gradients(Ui_0, Vj_0) on the fly</a:t>
-            </a:r>
-          </a:p>
-          <a:p>
+              <a:t>Re-compute gradients(Ui_0, Vj_0) on the </a:t>
+            </a:r>
             <a:r>
               <a:rPr lang="en-CA" dirty="0" smtClean="0"/>
-              <a:t>Big-O runtime does not change</a:t>
+              <a:t>fly</a:t>
             </a:r>
           </a:p>
           <a:p>
             <a:r>
               <a:rPr lang="en-CA" dirty="0" smtClean="0"/>
-              <a:t>Works well when (</a:t>
-            </a:r>
-            <a:r>
-              <a:rPr lang="en-CA" dirty="0" err="1" smtClean="0"/>
-              <a:t>nMems</a:t>
-            </a:r>
+              <a:t>If we converge without touching each data point more than once (t &lt;&lt; N), store only U_0, V_0</a:t>
+            </a:r>
+            <a:endParaRPr lang="en-CA" dirty="0" smtClean="0"/>
+          </a:p>
+          <a:p>
             <a:r>
               <a:rPr lang="en-CA" dirty="0" smtClean="0"/>
-              <a:t>=t) &lt;&lt; </a:t>
+              <a:t>Big-O runtime does not </a:t>
             </a:r>
             <a:r>
               <a:rPr lang="en-CA" dirty="0" smtClean="0"/>
-              <a:t>N</a:t>
+              <a:t>change</a:t>
             </a:r>
             <a:endParaRPr lang="en-CA" dirty="0" smtClean="0"/>
-          </a:p>
-          <a:p>
-            <a:r>
-              <a:rPr lang="en-CA" dirty="0"/>
-              <a:t>SAG-MF may still be better than SAG-</a:t>
-            </a:r>
-            <a:r>
-              <a:rPr lang="en-CA" dirty="0" err="1"/>
-              <a:t>MFforgetful</a:t>
-            </a:r>
-            <a:r>
-              <a:rPr lang="en-CA" dirty="0"/>
-              <a:t> when objective function is expensive (e.g. </a:t>
-            </a:r>
-            <a:r>
-              <a:rPr lang="en-CA" dirty="0" err="1"/>
-              <a:t>CLiMF</a:t>
-            </a:r>
-            <a:r>
-              <a:rPr lang="en-CA" dirty="0" smtClean="0"/>
-              <a:t>)</a:t>
-            </a:r>
-            <a:endParaRPr lang="en-CA" dirty="0"/>
           </a:p>
         </p:txBody>
       </p:sp>
@@ -11042,7 +10970,7 @@
           <p:nvPr>
             <p:extLst>
               <p:ext uri="{D42A27DB-BD31-4B8C-83A1-F6EECF244321}">
-                <p14:modId xmlns:p14="http://schemas.microsoft.com/office/powerpoint/2010/main" val="4243298010"/>
+                <p14:modId xmlns:p14="http://schemas.microsoft.com/office/powerpoint/2010/main" val="2451918586"/>
               </p:ext>
             </p:extLst>
           </p:nvPr>
@@ -11332,6 +11260,10 @@
                         <a:rPr lang="en-CA" dirty="0" smtClean="0"/>
                         <a:t>SAG-MF</a:t>
                       </a:r>
+                      <a:r>
+                        <a:rPr lang="en-CA" dirty="0"/>
+                        <a:t>0</a:t>
+                      </a:r>
                       <a:endParaRPr lang="en-CA" dirty="0"/>
                     </a:p>
                   </a:txBody>
@@ -11384,18 +11316,6 @@
                       <a:r>
                         <a:rPr lang="en-CA" dirty="0" err="1" smtClean="0"/>
                         <a:t>nCols</a:t>
-                      </a:r>
-                      <a:r>
-                        <a:rPr lang="en-CA" baseline="0" dirty="0" smtClean="0"/>
-                        <a:t> </a:t>
-                      </a:r>
-                      <a:r>
-                        <a:rPr lang="en-CA" dirty="0" smtClean="0"/>
-                        <a:t>+</a:t>
-                      </a:r>
-                      <a:r>
-                        <a:rPr lang="en-CA" dirty="0" err="1" smtClean="0"/>
-                        <a:t>nMems</a:t>
                       </a:r>
                       <a:r>
                         <a:rPr lang="en-CA" dirty="0" smtClean="0"/>
@@ -11475,7 +11395,15 @@
           <a:p>
             <a:r>
               <a:rPr lang="en-US" dirty="0" smtClean="0"/>
-              <a:t>Parallelization</a:t>
+              <a:t>Implementation: Why </a:t>
+            </a:r>
+            <a:r>
+              <a:rPr lang="en-US" dirty="0" err="1" smtClean="0"/>
+              <a:t>MatLab</a:t>
+            </a:r>
+            <a:r>
+              <a:rPr lang="en-US" dirty="0" smtClean="0"/>
+              <a:t>?</a:t>
             </a:r>
             <a:endParaRPr lang="en-US" dirty="0"/>
           </a:p>
@@ -11498,16 +11426,56 @@
           <a:p>
             <a:r>
               <a:rPr lang="en-US" dirty="0" smtClean="0"/>
-              <a:t>Why </a:t>
+              <a:t>Almost a standard for rapid prototyping</a:t>
+            </a:r>
+          </a:p>
+          <a:p>
+            <a:r>
+              <a:rPr lang="en-US" dirty="0" smtClean="0"/>
+              <a:t>System model (code) closely matches mental model (developer).</a:t>
+            </a:r>
+          </a:p>
+          <a:p>
+            <a:r>
+              <a:rPr lang="en-US" dirty="0" smtClean="0"/>
+              <a:t>Matrix multiplication </a:t>
             </a:r>
             <a:r>
               <a:rPr lang="en-US" dirty="0" err="1" smtClean="0"/>
-              <a:t>MatLab</a:t>
+              <a:t>Matlab</a:t>
             </a:r>
             <a:r>
               <a:rPr lang="en-US" dirty="0" smtClean="0"/>
-              <a:t>:</a:t>
-            </a:r>
+              <a:t>: M = U*V;</a:t>
+            </a:r>
+          </a:p>
+          <a:p>
+            <a:r>
+              <a:rPr lang="en-US" dirty="0" smtClean="0"/>
+              <a:t>C++ has additional mental overhead:</a:t>
+            </a:r>
+          </a:p>
+          <a:p>
+            <a:pPr lvl="1"/>
+            <a:r>
+              <a:rPr lang="en-US" dirty="0" smtClean="0"/>
+              <a:t>memory allocation, variable typing, correct function name, order of inputs…</a:t>
+            </a:r>
+          </a:p>
+          <a:p>
+            <a:r>
+              <a:rPr lang="en-US" dirty="0" err="1" smtClean="0"/>
+              <a:t>Vectorized</a:t>
+            </a:r>
+            <a:r>
+              <a:rPr lang="en-US" dirty="0" smtClean="0"/>
+              <a:t> computation, parallel CPU/GPU</a:t>
+            </a:r>
+          </a:p>
+          <a:p>
+            <a:endParaRPr lang="en-US" dirty="0" smtClean="0"/>
+          </a:p>
+          <a:p>
             <a:endParaRPr lang="en-US" dirty="0"/>
           </a:p>
         </p:txBody>
@@ -11522,6 +11490,13 @@
   <p:clrMapOvr>
     <a:masterClrMapping/>
   </p:clrMapOvr>
+  <p:timing>
+    <p:tnLst>
+      <p:par>
+        <p:cTn id="1" dur="indefinite" restart="never" nodeType="tmRoot"/>
+      </p:par>
+    </p:tnLst>
+  </p:timing>
 </p:sld>
 </file>
 
@@ -11672,14 +11647,11 @@
           <a:p>
             <a:r>
               <a:rPr lang="en-US" dirty="0" smtClean="0"/>
-              <a:t>Evaluation: Research Questions</a:t>
-            </a:r>
-            <a:br>
+              <a:t>Evaluation: Research </a:t>
+            </a:r>
+            <a:r>
               <a:rPr lang="en-US" dirty="0" smtClean="0"/>
-            </a:br>
-            <a:r>
-              <a:rPr lang="en-US" sz="2400" dirty="0" smtClean="0"/>
-              <a:t>*SAG = SAG-general &amp; SAG-MF</a:t>
+              <a:t>Questions</a:t>
             </a:r>
             <a:endParaRPr lang="en-US" sz="2400" dirty="0"/>
           </a:p>
@@ -11717,7 +11689,15 @@
             </a:pPr>
             <a:r>
               <a:rPr lang="en-US" dirty="0" smtClean="0"/>
-              <a:t>Can *SAG converge more quickly?</a:t>
+              <a:t>Can </a:t>
+            </a:r>
+            <a:r>
+              <a:rPr lang="en-US" dirty="0" smtClean="0"/>
+              <a:t>SAG </a:t>
+            </a:r>
+            <a:r>
+              <a:rPr lang="en-US" dirty="0" smtClean="0"/>
+              <a:t>converge more quickly?</a:t>
             </a:r>
           </a:p>
           <a:p>
@@ -11727,7 +11707,15 @@
             </a:pPr>
             <a:r>
               <a:rPr lang="en-US" dirty="0" smtClean="0"/>
-              <a:t>Can SAG give lower error after convergence?</a:t>
+              <a:t>Can </a:t>
+            </a:r>
+            <a:r>
+              <a:rPr lang="en-US" dirty="0" smtClean="0"/>
+              <a:t>SAG </a:t>
+            </a:r>
+            <a:r>
+              <a:rPr lang="en-US" dirty="0" smtClean="0"/>
+              <a:t>give lower error after convergence?</a:t>
             </a:r>
           </a:p>
           <a:p>
@@ -11747,15 +11735,22 @@
             </a:pPr>
             <a:r>
               <a:rPr lang="en-US" dirty="0" smtClean="0"/>
-              <a:t>Does SAG work with different datasets</a:t>
-            </a:r>
-            <a:endParaRPr lang="en-US" dirty="0"/>
+              <a:t>Does SAG work with different </a:t>
+            </a:r>
+            <a:r>
+              <a:rPr lang="en-US" dirty="0" smtClean="0"/>
+              <a:t>datasets?</a:t>
+            </a:r>
           </a:p>
           <a:p>
             <a:pPr marL="514350" indent="-514350">
               <a:buFont typeface="+mj-lt"/>
               <a:buAutoNum type="arabicPeriod"/>
             </a:pPr>
+            <a:r>
+              <a:rPr lang="en-US" dirty="0" smtClean="0"/>
+              <a:t>Is SAG-MF0 practical?</a:t>
+            </a:r>
             <a:endParaRPr lang="en-US" dirty="0" smtClean="0"/>
           </a:p>
         </p:txBody>
@@ -11770,6 +11765,13 @@
   <p:clrMapOvr>
     <a:masterClrMapping/>
   </p:clrMapOvr>
+  <p:timing>
+    <p:tnLst>
+      <p:par>
+        <p:cTn id="1" dur="indefinite" restart="never" nodeType="tmRoot"/>
+      </p:par>
+    </p:tnLst>
+  </p:timing>
 </p:sld>
 </file>
 
@@ -11868,11 +11870,7 @@
             </a:r>
             <a:r>
               <a:rPr lang="en-US" sz="2000" dirty="0" smtClean="0"/>
-              <a:t>square </a:t>
-            </a:r>
-            <a:r>
-              <a:rPr lang="en-US" sz="2000" dirty="0" smtClean="0"/>
-              <a:t>loss SVD</a:t>
+              <a:t>square loss SVD</a:t>
             </a:r>
             <a:endParaRPr lang="en-US" sz="2000" dirty="0"/>
           </a:p>
@@ -11889,7 +11887,6 @@
               <a:rPr lang="en-US" sz="2000" dirty="0" smtClean="0"/>
               <a:t>ordinal logistic </a:t>
             </a:r>
-            <a:endParaRPr lang="en-US" sz="2000" dirty="0" smtClean="0"/>
           </a:p>
           <a:p>
             <a:r>
@@ -12012,6 +12009,13 @@
   <p:clrMapOvr>
     <a:masterClrMapping/>
   </p:clrMapOvr>
+  <p:timing>
+    <p:tnLst>
+      <p:par>
+        <p:cTn id="1" dur="indefinite" restart="never" nodeType="tmRoot"/>
+      </p:par>
+    </p:tnLst>
+  </p:timing>
 </p:sld>
 </file>
 
@@ -12032,8 +12036,8 @@
           <a:chExt cx="0" cy="0"/>
         </a:xfrm>
       </p:grpSpPr>
-      <mc:AlternateContent xmlns:mc="http://schemas.openxmlformats.org/markup-compatibility/2006" xmlns:a14="http://schemas.microsoft.com/office/drawing/2010/main">
-        <mc:Choice Requires="a14">
+      <mc:AlternateContent xmlns:mc="http://schemas.openxmlformats.org/markup-compatibility/2006">
+        <mc:Choice xmlns:a14="http://schemas.microsoft.com/office/drawing/2010/main" Requires="a14">
           <p:sp>
             <p:nvSpPr>
               <p:cNvPr id="2" name="Title 1"/>
@@ -12058,36 +12062,24 @@
                       <m:jc m:val="centerGroup"/>
                     </m:oMathParaPr>
                     <m:oMath xmlns:m="http://schemas.openxmlformats.org/officeDocument/2006/math">
-                      <m:sSub>
-                        <m:sSubPr>
+                      <m:acc>
+                        <m:accPr>
+                          <m:chr m:val="̂"/>
                           <m:ctrlPr>
-                            <a:rPr lang="en-CA" i="1" smtClean="0">
+                            <a:rPr lang="en-CA" i="1">
                               <a:latin typeface="Cambria Math" panose="02040503050406030204" pitchFamily="18" charset="0"/>
                             </a:rPr>
                           </m:ctrlPr>
-                        </m:sSubPr>
+                        </m:accPr>
                         <m:e>
-                          <m:acc>
-                            <m:accPr>
-                              <m:chr m:val="̂"/>
-                              <m:ctrlPr>
-                                <a:rPr lang="en-CA" i="1">
-                                  <a:latin typeface="Cambria Math" panose="02040503050406030204" pitchFamily="18" charset="0"/>
-                                </a:rPr>
-                              </m:ctrlPr>
-                            </m:accPr>
-                            <m:e>
-                              <m:r>
-                                <a:rPr lang="en-CA" i="1">
-                                  <a:latin typeface="Cambria Math" panose="02040503050406030204" pitchFamily="18" charset="0"/>
-                                </a:rPr>
-                                <m:t>𝑀</m:t>
-                              </m:r>
-                            </m:e>
-                          </m:acc>
+                          <m:r>
+                            <a:rPr lang="en-CA" i="1">
+                              <a:latin typeface="Cambria Math" panose="02040503050406030204" pitchFamily="18" charset="0"/>
+                            </a:rPr>
+                            <m:t>𝑀</m:t>
+                          </m:r>
                         </m:e>
-                        <m:sub/>
-                      </m:sSub>
+                      </m:acc>
                       <m:r>
                         <a:rPr lang="en-CA" b="0" i="1" smtClean="0">
                           <a:latin typeface="Cambria Math" panose="02040503050406030204" pitchFamily="18" charset="0"/>
@@ -12206,7 +12198,7 @@
             </p:txBody>
           </p:sp>
         </mc:Choice>
-        <mc:Fallback xmlns="">
+        <mc:Fallback>
           <p:sp>
             <p:nvSpPr>
               <p:cNvPr id="2" name="Title 1"/>
@@ -12284,8 +12276,13 @@
             </a:pPr>
             <a:r>
               <a:rPr lang="en-CA" dirty="0" smtClean="0"/>
-              <a:t>L2, MMMF</a:t>
-            </a:r>
+              <a:t>L2, </a:t>
+            </a:r>
+            <a:r>
+              <a:rPr lang="en-CA" dirty="0" smtClean="0"/>
+              <a:t>BPR</a:t>
+            </a:r>
+            <a:endParaRPr lang="en-CA" dirty="0" smtClean="0"/>
           </a:p>
           <a:p>
             <a:r>
@@ -12454,6 +12451,13 @@
   <p:clrMapOvr>
     <a:masterClrMapping/>
   </p:clrMapOvr>
+  <p:timing>
+    <p:tnLst>
+      <p:par>
+        <p:cTn id="1" dur="indefinite" restart="never" nodeType="tmRoot"/>
+      </p:par>
+    </p:tnLst>
+  </p:timing>
 </p:sld>
 </file>
 
@@ -12578,11 +12582,7 @@
             </a:r>
             <a:r>
               <a:rPr lang="en-US" sz="2000" dirty="0" smtClean="0"/>
-              <a:t>Missing Not At </a:t>
-            </a:r>
-            <a:r>
-              <a:rPr lang="en-US" sz="2000" dirty="0" smtClean="0"/>
-              <a:t>Random</a:t>
+              <a:t>Missing Not At Random</a:t>
             </a:r>
           </a:p>
           <a:p>
@@ -12754,206 +12754,103 @@
           <a:lstStyle/>
           <a:p>
             <a:r>
-              <a:rPr lang="en-US" dirty="0" smtClean="0"/>
-              <a:t>Future Work: Numerical Data</a:t>
-            </a:r>
-            <a:endParaRPr lang="en-US" dirty="0"/>
+              <a:rPr lang="en-CA" dirty="0" smtClean="0"/>
+              <a:t>Ongoing Work</a:t>
+            </a:r>
+            <a:endParaRPr lang="en-CA" dirty="0"/>
           </a:p>
         </p:txBody>
       </p:sp>
       <p:sp>
         <p:nvSpPr>
-          <p:cNvPr id="3" name="Text Placeholder 2"/>
+          <p:cNvPr id="3" name="Content Placeholder 2"/>
           <p:cNvSpPr>
             <a:spLocks noGrp="1"/>
           </p:cNvSpPr>
           <p:nvPr>
-            <p:ph type="body" idx="1"/>
+            <p:ph idx="1"/>
           </p:nvPr>
         </p:nvSpPr>
         <p:spPr/>
         <p:txBody>
-          <a:bodyPr/>
+          <a:bodyPr>
+            <a:normAutofit lnSpcReduction="10000"/>
+          </a:bodyPr>
           <a:lstStyle/>
           <a:p>
-            <a:pPr algn="ctr"/>
-            <a:r>
-              <a:rPr lang="en-US" dirty="0" smtClean="0"/>
-              <a:t>RQ#3: Objective Functions</a:t>
-            </a:r>
-            <a:endParaRPr lang="en-US" dirty="0"/>
-          </a:p>
-        </p:txBody>
-      </p:sp>
-      <p:sp>
-        <p:nvSpPr>
-          <p:cNvPr id="4" name="Content Placeholder 3"/>
-          <p:cNvSpPr>
-            <a:spLocks noGrp="1"/>
-          </p:cNvSpPr>
-          <p:nvPr>
-            <p:ph sz="half" idx="2"/>
-          </p:nvPr>
-        </p:nvSpPr>
-        <p:spPr/>
-        <p:txBody>
-          <a:bodyPr/>
-          <a:lstStyle/>
-          <a:p>
-            <a:endParaRPr lang="en-US" dirty="0" smtClean="0"/>
-          </a:p>
-          <a:p>
-            <a:pPr marL="0" indent="0" algn="ctr">
-              <a:buNone/>
+            <a:pPr marL="514350" indent="-514350">
+              <a:buFont typeface="+mj-lt"/>
+              <a:buAutoNum type="arabicPeriod"/>
             </a:pPr>
             <a:r>
-              <a:rPr lang="en-US" dirty="0" smtClean="0"/>
-              <a:t>(coming soon)</a:t>
-            </a:r>
-          </a:p>
-          <a:p>
-            <a:pPr marL="0" indent="0" algn="ctr">
-              <a:buNone/>
+              <a:rPr lang="en-CA" dirty="0" smtClean="0"/>
+              <a:t>Parallel SAG(-SML supervised machine learning): </a:t>
+            </a:r>
+            <a:r>
+              <a:rPr lang="en-CA" dirty="0" err="1" smtClean="0"/>
+              <a:t>OpenMP</a:t>
+            </a:r>
+            <a:r>
+              <a:rPr lang="en-CA" dirty="0" smtClean="0"/>
+              <a:t>, C/C++ (w. Scott </a:t>
+            </a:r>
+            <a:r>
+              <a:rPr lang="en-CA" dirty="0" err="1" smtClean="0"/>
+              <a:t>Sallinen</a:t>
+            </a:r>
+            <a:r>
+              <a:rPr lang="en-CA" dirty="0" smtClean="0"/>
+              <a:t>)</a:t>
+            </a:r>
+          </a:p>
+          <a:p>
+            <a:pPr marL="514350" indent="-514350">
+              <a:buFont typeface="+mj-lt"/>
+              <a:buAutoNum type="arabicPeriod"/>
             </a:pPr>
             <a:r>
-              <a:rPr lang="en-US" dirty="0" smtClean="0"/>
-              <a:t>Numerical Data</a:t>
-            </a:r>
-          </a:p>
-          <a:p>
-            <a:r>
-              <a:rPr lang="en-US" dirty="0" err="1" smtClean="0"/>
-              <a:t>GAPfm</a:t>
-            </a:r>
-            <a:r>
-              <a:rPr lang="en-US" dirty="0" smtClean="0"/>
-              <a:t>: </a:t>
-            </a:r>
-            <a:r>
-              <a:rPr lang="en-US" sz="2000" dirty="0" smtClean="0"/>
-              <a:t>Graded </a:t>
-            </a:r>
-            <a:r>
-              <a:rPr lang="en-US" sz="2000" dirty="0" err="1" smtClean="0"/>
-              <a:t>Avg</a:t>
-            </a:r>
-            <a:r>
-              <a:rPr lang="en-US" sz="2000" dirty="0" smtClean="0"/>
-              <a:t> </a:t>
-            </a:r>
-            <a:r>
-              <a:rPr lang="en-US" sz="2000" dirty="0" smtClean="0"/>
-              <a:t>Precision</a:t>
-            </a:r>
-          </a:p>
-          <a:p>
-            <a:r>
-              <a:rPr lang="en-US" dirty="0" err="1"/>
-              <a:t>CofiRank</a:t>
-            </a:r>
-            <a:r>
-              <a:rPr lang="en-US" dirty="0"/>
-              <a:t>:</a:t>
-            </a:r>
-            <a:r>
-              <a:rPr lang="en-US" sz="2000" dirty="0"/>
-              <a:t> SVM-like loss</a:t>
-            </a:r>
-            <a:br>
-              <a:rPr lang="en-US" sz="2000" dirty="0"/>
-            </a:br>
-            <a:r>
-              <a:rPr lang="en-US" sz="2000" dirty="0"/>
-              <a:t>aka Max Margin MF</a:t>
-            </a:r>
-          </a:p>
-          <a:p>
-            <a:endParaRPr lang="en-US" sz="2000" dirty="0" smtClean="0"/>
-          </a:p>
-        </p:txBody>
-      </p:sp>
-      <p:sp>
-        <p:nvSpPr>
-          <p:cNvPr id="5" name="Text Placeholder 4"/>
-          <p:cNvSpPr>
-            <a:spLocks noGrp="1"/>
-          </p:cNvSpPr>
-          <p:nvPr>
-            <p:ph type="body" sz="quarter" idx="3"/>
-          </p:nvPr>
-        </p:nvSpPr>
-        <p:spPr/>
-        <p:txBody>
-          <a:bodyPr/>
-          <a:lstStyle/>
-          <a:p>
-            <a:pPr algn="ctr"/>
-            <a:r>
-              <a:rPr lang="en-US" dirty="0" smtClean="0"/>
-              <a:t>RQ#4: Datasets</a:t>
-            </a:r>
-            <a:endParaRPr lang="en-US" dirty="0"/>
-          </a:p>
-        </p:txBody>
-      </p:sp>
-      <p:sp>
-        <p:nvSpPr>
-          <p:cNvPr id="6" name="Content Placeholder 5"/>
-          <p:cNvSpPr>
-            <a:spLocks noGrp="1"/>
-          </p:cNvSpPr>
-          <p:nvPr>
-            <p:ph sz="quarter" idx="4"/>
-          </p:nvPr>
-        </p:nvSpPr>
-        <p:spPr/>
-        <p:txBody>
-          <a:bodyPr/>
-          <a:lstStyle/>
-          <a:p>
-            <a:pPr marL="0" indent="0" algn="ctr">
-              <a:buNone/>
+              <a:rPr lang="en-CA" dirty="0" smtClean="0"/>
+              <a:t>Does faster/better convergence really give better recommendations?</a:t>
+            </a:r>
+          </a:p>
+          <a:p>
+            <a:pPr marL="514350" indent="-514350">
+              <a:buFont typeface="+mj-lt"/>
+              <a:buAutoNum type="arabicPeriod"/>
             </a:pPr>
-            <a:endParaRPr lang="en-US" dirty="0" smtClean="0"/>
-          </a:p>
-          <a:p>
-            <a:pPr marL="0" indent="0" algn="ctr">
-              <a:buNone/>
+            <a:r>
+              <a:rPr lang="en-CA" i="1" dirty="0" err="1" smtClean="0"/>
+              <a:t>mixNmatchMF</a:t>
+            </a:r>
+            <a:r>
+              <a:rPr lang="en-CA" dirty="0" smtClean="0"/>
+              <a:t>: allow data-scientists to quickly mix and match MF algorithms for quick iteration</a:t>
+            </a:r>
+          </a:p>
+          <a:p>
+            <a:pPr marL="514350" indent="-514350">
+              <a:buFont typeface="+mj-lt"/>
+              <a:buAutoNum type="arabicPeriod"/>
             </a:pPr>
             <a:r>
-              <a:rPr lang="en-US" dirty="0" smtClean="0"/>
-              <a:t>(coming soon)</a:t>
-            </a:r>
-          </a:p>
-          <a:p>
-            <a:pPr marL="0" indent="0" algn="ctr">
-              <a:buNone/>
-            </a:pPr>
-            <a:r>
-              <a:rPr lang="en-US" dirty="0" smtClean="0"/>
-              <a:t>Numerical Data</a:t>
-            </a:r>
-          </a:p>
-          <a:p>
-            <a:r>
-              <a:rPr lang="en-US" dirty="0" err="1" smtClean="0"/>
-              <a:t>MovieLens</a:t>
-            </a:r>
-            <a:endParaRPr lang="en-US" dirty="0" smtClean="0"/>
-          </a:p>
-          <a:p>
-            <a:r>
-              <a:rPr lang="en-US" smtClean="0"/>
-              <a:t>NetFlix (still have yet to parse it from .txt files)</a:t>
-            </a:r>
-            <a:endParaRPr lang="en-US" dirty="0" smtClean="0"/>
+              <a:rPr lang="en-CA" dirty="0" smtClean="0"/>
+              <a:t>SAG-MF</a:t>
+            </a:r>
+            <a:r>
+              <a:rPr lang="en-CA" dirty="0" smtClean="0"/>
+              <a:t>+: </a:t>
+            </a:r>
+            <a:r>
+              <a:rPr lang="en-CA" dirty="0" smtClean="0"/>
+              <a:t>use even less space for running MF on GPUs</a:t>
+            </a:r>
           </a:p>
         </p:txBody>
       </p:sp>
     </p:spTree>
     <p:extLst>
       <p:ext uri="{BB962C8B-B14F-4D97-AF65-F5344CB8AC3E}">
-        <p14:creationId xmlns:p14="http://schemas.microsoft.com/office/powerpoint/2010/main" val="456452255"/>
+        <p14:creationId xmlns:p14="http://schemas.microsoft.com/office/powerpoint/2010/main" val="1896972947"/>
       </p:ext>
     </p:extLst>
   </p:cSld>
@@ -13003,101 +12900,215 @@
           <a:lstStyle/>
           <a:p>
             <a:r>
-              <a:rPr lang="en-CA" dirty="0" smtClean="0"/>
-              <a:t>Ongoing Work</a:t>
-            </a:r>
-            <a:endParaRPr lang="en-CA" dirty="0"/>
+              <a:rPr lang="en-US" dirty="0" smtClean="0"/>
+              <a:t>Future Work: Numerical Data</a:t>
+            </a:r>
+            <a:endParaRPr lang="en-US" dirty="0"/>
           </a:p>
         </p:txBody>
       </p:sp>
       <p:sp>
         <p:nvSpPr>
-          <p:cNvPr id="3" name="Content Placeholder 2"/>
+          <p:cNvPr id="3" name="Text Placeholder 2"/>
           <p:cNvSpPr>
             <a:spLocks noGrp="1"/>
           </p:cNvSpPr>
           <p:nvPr>
-            <p:ph idx="1"/>
+            <p:ph type="body" idx="1"/>
           </p:nvPr>
         </p:nvSpPr>
         <p:spPr/>
         <p:txBody>
-          <a:bodyPr>
-            <a:normAutofit lnSpcReduction="10000"/>
-          </a:bodyPr>
+          <a:bodyPr/>
           <a:lstStyle/>
           <a:p>
-            <a:pPr marL="514350" indent="-514350">
-              <a:buFont typeface="+mj-lt"/>
-              <a:buAutoNum type="arabicPeriod"/>
+            <a:pPr algn="ctr"/>
+            <a:r>
+              <a:rPr lang="en-US" dirty="0" smtClean="0"/>
+              <a:t>RQ#3: Objective Functions</a:t>
+            </a:r>
+            <a:endParaRPr lang="en-US" dirty="0"/>
+          </a:p>
+        </p:txBody>
+      </p:sp>
+      <p:sp>
+        <p:nvSpPr>
+          <p:cNvPr id="4" name="Content Placeholder 3"/>
+          <p:cNvSpPr>
+            <a:spLocks noGrp="1"/>
+          </p:cNvSpPr>
+          <p:nvPr>
+            <p:ph sz="half" idx="2"/>
+          </p:nvPr>
+        </p:nvSpPr>
+        <p:spPr/>
+        <p:txBody>
+          <a:bodyPr/>
+          <a:lstStyle/>
+          <a:p>
+            <a:endParaRPr lang="en-US" dirty="0" smtClean="0"/>
+          </a:p>
+          <a:p>
+            <a:pPr marL="0" indent="0" algn="ctr">
+              <a:buNone/>
             </a:pPr>
             <a:r>
-              <a:rPr lang="en-CA" dirty="0" smtClean="0"/>
-              <a:t>Parallel SAG(-SML supervised machine learning): </a:t>
-            </a:r>
-            <a:r>
-              <a:rPr lang="en-CA" dirty="0" err="1" smtClean="0"/>
-              <a:t>OpenMP</a:t>
-            </a:r>
-            <a:r>
-              <a:rPr lang="en-CA" dirty="0" smtClean="0"/>
-              <a:t>, C/C++ (w. Scott </a:t>
-            </a:r>
-            <a:r>
-              <a:rPr lang="en-CA" dirty="0" err="1" smtClean="0"/>
-              <a:t>Sallinen</a:t>
-            </a:r>
-            <a:r>
-              <a:rPr lang="en-CA" dirty="0" smtClean="0"/>
-              <a:t>)</a:t>
-            </a:r>
-          </a:p>
-          <a:p>
-            <a:pPr marL="514350" indent="-514350">
-              <a:buFont typeface="+mj-lt"/>
-              <a:buAutoNum type="arabicPeriod"/>
+              <a:rPr lang="en-US" dirty="0" smtClean="0"/>
+              <a:t>(coming soon)</a:t>
+            </a:r>
+          </a:p>
+          <a:p>
+            <a:pPr marL="0" indent="0" algn="ctr">
+              <a:buNone/>
             </a:pPr>
             <a:r>
-              <a:rPr lang="en-CA" dirty="0" smtClean="0"/>
-              <a:t>Does faster/better convergence really give better recommendations?</a:t>
-            </a:r>
-          </a:p>
-          <a:p>
-            <a:pPr marL="514350" indent="-514350">
-              <a:buFont typeface="+mj-lt"/>
-              <a:buAutoNum type="arabicPeriod"/>
+              <a:rPr lang="en-US" dirty="0" smtClean="0"/>
+              <a:t>Numerical Data</a:t>
+            </a:r>
+          </a:p>
+          <a:p>
+            <a:r>
+              <a:rPr lang="en-US" dirty="0" err="1" smtClean="0"/>
+              <a:t>GAPfm</a:t>
+            </a:r>
+            <a:r>
+              <a:rPr lang="en-US" dirty="0" smtClean="0"/>
+              <a:t>: </a:t>
+            </a:r>
+            <a:r>
+              <a:rPr lang="en-US" sz="2000" dirty="0" smtClean="0"/>
+              <a:t>Graded </a:t>
+            </a:r>
+            <a:r>
+              <a:rPr lang="en-US" sz="2000" dirty="0" err="1" smtClean="0"/>
+              <a:t>Avg</a:t>
+            </a:r>
+            <a:r>
+              <a:rPr lang="en-US" sz="2000" dirty="0" smtClean="0"/>
+              <a:t> Precision</a:t>
+            </a:r>
+          </a:p>
+          <a:p>
+            <a:r>
+              <a:rPr lang="en-US" dirty="0" err="1"/>
+              <a:t>CofiRank</a:t>
+            </a:r>
+            <a:r>
+              <a:rPr lang="en-US" dirty="0"/>
+              <a:t>:</a:t>
+            </a:r>
+            <a:r>
+              <a:rPr lang="en-US" sz="2000" dirty="0"/>
+              <a:t> SVM-like loss</a:t>
+            </a:r>
+            <a:br>
+              <a:rPr lang="en-US" sz="2000" dirty="0"/>
+            </a:br>
+            <a:r>
+              <a:rPr lang="en-US" sz="2000" dirty="0"/>
+              <a:t>aka Max Margin MF</a:t>
+            </a:r>
+          </a:p>
+          <a:p>
+            <a:endParaRPr lang="en-US" sz="2000" dirty="0" smtClean="0"/>
+          </a:p>
+        </p:txBody>
+      </p:sp>
+      <p:sp>
+        <p:nvSpPr>
+          <p:cNvPr id="5" name="Text Placeholder 4"/>
+          <p:cNvSpPr>
+            <a:spLocks noGrp="1"/>
+          </p:cNvSpPr>
+          <p:nvPr>
+            <p:ph type="body" sz="quarter" idx="3"/>
+          </p:nvPr>
+        </p:nvSpPr>
+        <p:spPr/>
+        <p:txBody>
+          <a:bodyPr/>
+          <a:lstStyle/>
+          <a:p>
+            <a:pPr algn="ctr"/>
+            <a:r>
+              <a:rPr lang="en-US" dirty="0" smtClean="0"/>
+              <a:t>RQ#4: Datasets</a:t>
+            </a:r>
+            <a:endParaRPr lang="en-US" dirty="0"/>
+          </a:p>
+        </p:txBody>
+      </p:sp>
+      <p:sp>
+        <p:nvSpPr>
+          <p:cNvPr id="6" name="Content Placeholder 5"/>
+          <p:cNvSpPr>
+            <a:spLocks noGrp="1"/>
+          </p:cNvSpPr>
+          <p:nvPr>
+            <p:ph sz="quarter" idx="4"/>
+          </p:nvPr>
+        </p:nvSpPr>
+        <p:spPr/>
+        <p:txBody>
+          <a:bodyPr/>
+          <a:lstStyle/>
+          <a:p>
+            <a:pPr marL="0" indent="0" algn="ctr">
+              <a:buNone/>
             </a:pPr>
-            <a:r>
-              <a:rPr lang="en-CA" i="1" dirty="0" err="1" smtClean="0"/>
-              <a:t>mixNmatchMF</a:t>
-            </a:r>
-            <a:r>
-              <a:rPr lang="en-CA" dirty="0" smtClean="0"/>
-              <a:t>: allow data-scientists to quickly mix and match MF algorithms for quick iteration</a:t>
-            </a:r>
-          </a:p>
-          <a:p>
-            <a:pPr marL="514350" indent="-514350">
-              <a:buFont typeface="+mj-lt"/>
-              <a:buAutoNum type="arabicPeriod"/>
+            <a:endParaRPr lang="en-US" dirty="0" smtClean="0"/>
+          </a:p>
+          <a:p>
+            <a:pPr marL="0" indent="0" algn="ctr">
+              <a:buNone/>
             </a:pPr>
             <a:r>
-              <a:rPr lang="en-CA" dirty="0" smtClean="0"/>
-              <a:t>SAG-MF+ and Parallel SAG-MF+: use even less space for running MF on GPUs</a:t>
-            </a:r>
+              <a:rPr lang="en-US" dirty="0" smtClean="0"/>
+              <a:t>(coming soon)</a:t>
+            </a:r>
+          </a:p>
+          <a:p>
+            <a:pPr marL="0" indent="0" algn="ctr">
+              <a:buNone/>
+            </a:pPr>
+            <a:r>
+              <a:rPr lang="en-US" dirty="0" smtClean="0"/>
+              <a:t>Numerical Data</a:t>
+            </a:r>
+          </a:p>
+          <a:p>
+            <a:r>
+              <a:rPr lang="en-US" dirty="0" err="1" smtClean="0"/>
+              <a:t>MovieLens</a:t>
+            </a:r>
+            <a:endParaRPr lang="en-US" dirty="0" smtClean="0"/>
+          </a:p>
+          <a:p>
+            <a:r>
+              <a:rPr lang="en-US" smtClean="0"/>
+              <a:t>NetFlix (still have yet to parse it from .txt files)</a:t>
+            </a:r>
+            <a:endParaRPr lang="en-US" dirty="0" smtClean="0"/>
           </a:p>
         </p:txBody>
       </p:sp>
     </p:spTree>
     <p:extLst>
       <p:ext uri="{BB962C8B-B14F-4D97-AF65-F5344CB8AC3E}">
-        <p14:creationId xmlns:p14="http://schemas.microsoft.com/office/powerpoint/2010/main" val="1896972947"/>
+        <p14:creationId xmlns:p14="http://schemas.microsoft.com/office/powerpoint/2010/main" val="456452255"/>
       </p:ext>
     </p:extLst>
   </p:cSld>
   <p:clrMapOvr>
     <a:masterClrMapping/>
   </p:clrMapOvr>
+  <p:timing>
+    <p:tnLst>
+      <p:par>
+        <p:cTn id="1" dur="indefinite" restart="never" nodeType="tmRoot"/>
+      </p:par>
+    </p:tnLst>
+  </p:timing>
 </p:sld>
 </file>
 
@@ -13186,8 +13197,13 @@
             <a:pPr lvl="1"/>
             <a:r>
               <a:rPr lang="en-US" dirty="0" smtClean="0"/>
-              <a:t>Scientific computing: numerical optimization for sparse matrices</a:t>
-            </a:r>
+              <a:t>Scientific computing: numerical optimization for sparse </a:t>
+            </a:r>
+            <a:r>
+              <a:rPr lang="en-US" dirty="0" smtClean="0"/>
+              <a:t>matrices e.g. CSPARSE API?</a:t>
+            </a:r>
+            <a:endParaRPr lang="en-US" dirty="0" smtClean="0"/>
           </a:p>
           <a:p>
             <a:pPr lvl="1"/>
@@ -13209,6 +13225,13 @@
   <p:clrMapOvr>
     <a:masterClrMapping/>
   </p:clrMapOvr>
+  <p:timing>
+    <p:tnLst>
+      <p:par>
+        <p:cTn id="1" dur="indefinite" restart="never" nodeType="tmRoot"/>
+      </p:par>
+    </p:tnLst>
+  </p:timing>
 </p:sld>
 </file>
 
@@ -13441,6 +13464,13 @@
   <p:clrMapOvr>
     <a:masterClrMapping/>
   </p:clrMapOvr>
+  <p:timing>
+    <p:tnLst>
+      <p:par>
+        <p:cTn id="1" dur="indefinite" restart="never" nodeType="tmRoot"/>
+      </p:par>
+    </p:tnLst>
+  </p:timing>
 </p:sld>
 </file>
 
@@ -13511,7 +13541,7 @@
         </p:spPr>
         <p:txBody>
           <a:bodyPr>
-            <a:normAutofit fontScale="92500" lnSpcReduction="20000"/>
+            <a:normAutofit fontScale="92500"/>
           </a:bodyPr>
           <a:lstStyle/>
           <a:p>
@@ -13521,8 +13551,13 @@
             </a:pPr>
             <a:r>
               <a:rPr lang="en-US" dirty="0" smtClean="0"/>
-              <a:t>Adapt the Stochastic Average Gradient (SAG) method from Supervised Machine Learning into Matrix Factorization.</a:t>
-            </a:r>
+              <a:t>Adapt the Stochastic Average Gradient (SAG) method from Supervised Machine Learning into Matrix </a:t>
+            </a:r>
+            <a:r>
+              <a:rPr lang="en-US" dirty="0" smtClean="0"/>
+              <a:t>Factorization</a:t>
+            </a:r>
+            <a:endParaRPr lang="en-US" dirty="0" smtClean="0"/>
           </a:p>
           <a:p>
             <a:pPr marL="514350" indent="-514350">
@@ -13531,8 +13566,25 @@
             </a:pPr>
             <a:r>
               <a:rPr lang="en-US" dirty="0" smtClean="0"/>
-              <a:t>Extend, specialize and parallelize SAG into a series of SAG-MF algorithms for utilizing the SAG method in Matrix Factorization</a:t>
-            </a:r>
+              <a:t>Extend and </a:t>
+            </a:r>
+            <a:r>
+              <a:rPr lang="en-US" dirty="0" smtClean="0"/>
+              <a:t>specialize </a:t>
+            </a:r>
+            <a:r>
+              <a:rPr lang="en-US" dirty="0" smtClean="0"/>
+              <a:t>SAG </a:t>
+            </a:r>
+            <a:r>
+              <a:rPr lang="en-US" dirty="0" smtClean="0"/>
+              <a:t>into </a:t>
+            </a:r>
+            <a:r>
+              <a:rPr lang="en-US" dirty="0" smtClean="0"/>
+              <a:t>SAG-MF for Matrix Factorization (space complexity).</a:t>
+            </a:r>
+            <a:endParaRPr lang="en-US" dirty="0" smtClean="0"/>
           </a:p>
           <a:p>
             <a:pPr marL="514350" indent="-514350">
@@ -13541,8 +13593,13 @@
             </a:pPr>
             <a:r>
               <a:rPr lang="en-US" dirty="0" smtClean="0"/>
-              <a:t>Extensively evaluated and compared SAG-MF across multiple objective functions and large datasets</a:t>
-            </a:r>
+              <a:t>Extensively evaluated and compared SAG-MF across multiple objective functions and </a:t>
+            </a:r>
+            <a:r>
+              <a:rPr lang="en-US" dirty="0" smtClean="0"/>
+              <a:t>datasets</a:t>
+            </a:r>
+            <a:endParaRPr lang="en-US" dirty="0" smtClean="0"/>
           </a:p>
           <a:p>
             <a:pPr marL="514350" indent="-514350">
@@ -13551,7 +13608,15 @@
             </a:pPr>
             <a:r>
               <a:rPr lang="en-US" dirty="0" smtClean="0"/>
-              <a:t>Demonstrated that SAG-MF can yield faster and better convergence in matrix factorization.</a:t>
+              <a:t>Demonstrated that SAG-MF can yield faster </a:t>
+            </a:r>
+            <a:r>
+              <a:rPr lang="en-US" dirty="0" smtClean="0"/>
+              <a:t>convergence </a:t>
+            </a:r>
+            <a:r>
+              <a:rPr lang="en-US" dirty="0" smtClean="0"/>
+              <a:t>in matrix factorization.</a:t>
             </a:r>
           </a:p>
           <a:p>
@@ -13626,15 +13691,33 @@
                                   </p:childTnLst>
                                 </p:cTn>
                               </p:par>
+                            </p:childTnLst>
+                          </p:cTn>
+                        </p:par>
+                      </p:childTnLst>
+                    </p:cTn>
+                  </p:par>
+                  <p:par>
+                    <p:cTn id="7" fill="hold">
+                      <p:stCondLst>
+                        <p:cond delay="indefinite"/>
+                      </p:stCondLst>
+                      <p:childTnLst>
+                        <p:par>
+                          <p:cTn id="8" fill="hold">
+                            <p:stCondLst>
+                              <p:cond delay="0"/>
+                            </p:stCondLst>
+                            <p:childTnLst>
                               <p:par>
-                                <p:cTn id="7" presetID="1" presetClass="entr" presetSubtype="0" fill="hold" nodeType="withEffect">
+                                <p:cTn id="9" presetID="1" presetClass="entr" presetSubtype="0" fill="hold" nodeType="clickEffect">
                                   <p:stCondLst>
                                     <p:cond delay="0"/>
                                   </p:stCondLst>
                                   <p:childTnLst>
                                     <p:set>
                                       <p:cBhvr>
-                                        <p:cTn id="8" dur="1" fill="hold">
+                                        <p:cTn id="10" dur="1" fill="hold">
                                           <p:stCondLst>
                                             <p:cond delay="0"/>
                                           </p:stCondLst>
@@ -13657,15 +13740,33 @@
                                   </p:childTnLst>
                                 </p:cTn>
                               </p:par>
+                            </p:childTnLst>
+                          </p:cTn>
+                        </p:par>
+                      </p:childTnLst>
+                    </p:cTn>
+                  </p:par>
+                  <p:par>
+                    <p:cTn id="11" fill="hold">
+                      <p:stCondLst>
+                        <p:cond delay="indefinite"/>
+                      </p:stCondLst>
+                      <p:childTnLst>
+                        <p:par>
+                          <p:cTn id="12" fill="hold">
+                            <p:stCondLst>
+                              <p:cond delay="0"/>
+                            </p:stCondLst>
+                            <p:childTnLst>
                               <p:par>
-                                <p:cTn id="9" presetID="1" presetClass="entr" presetSubtype="0" fill="hold" nodeType="withEffect">
+                                <p:cTn id="13" presetID="1" presetClass="entr" presetSubtype="0" fill="hold" nodeType="clickEffect">
                                   <p:stCondLst>
                                     <p:cond delay="0"/>
                                   </p:stCondLst>
                                   <p:childTnLst>
                                     <p:set>
                                       <p:cBhvr>
-                                        <p:cTn id="10" dur="1" fill="hold">
+                                        <p:cTn id="14" dur="1" fill="hold">
                                           <p:stCondLst>
                                             <p:cond delay="0"/>
                                           </p:stCondLst>
@@ -13688,15 +13789,33 @@
                                   </p:childTnLst>
                                 </p:cTn>
                               </p:par>
+                            </p:childTnLst>
+                          </p:cTn>
+                        </p:par>
+                      </p:childTnLst>
+                    </p:cTn>
+                  </p:par>
+                  <p:par>
+                    <p:cTn id="15" fill="hold">
+                      <p:stCondLst>
+                        <p:cond delay="indefinite"/>
+                      </p:stCondLst>
+                      <p:childTnLst>
+                        <p:par>
+                          <p:cTn id="16" fill="hold">
+                            <p:stCondLst>
+                              <p:cond delay="0"/>
+                            </p:stCondLst>
+                            <p:childTnLst>
                               <p:par>
-                                <p:cTn id="11" presetID="1" presetClass="entr" presetSubtype="0" fill="hold" nodeType="withEffect">
+                                <p:cTn id="17" presetID="1" presetClass="entr" presetSubtype="0" fill="hold" nodeType="clickEffect">
                                   <p:stCondLst>
                                     <p:cond delay="0"/>
                                   </p:stCondLst>
                                   <p:childTnLst>
                                     <p:set>
                                       <p:cBhvr>
-                                        <p:cTn id="12" dur="1" fill="hold">
+                                        <p:cTn id="18" dur="1" fill="hold">
                                           <p:stCondLst>
                                             <p:cond delay="0"/>
                                           </p:stCondLst>
@@ -13780,21 +13899,15 @@
         <p:spPr/>
         <p:txBody>
           <a:bodyPr>
-            <a:normAutofit/>
+            <a:normAutofit fontScale="90000"/>
           </a:bodyPr>
           <a:lstStyle/>
           <a:p>
             <a:r>
               <a:rPr lang="en-CA" dirty="0" smtClean="0"/>
-              <a:t>Contributions</a:t>
-            </a:r>
-            <a:br>
-              <a:rPr lang="en-CA" dirty="0" smtClean="0"/>
-            </a:br>
-            <a:r>
-              <a:rPr lang="en-CA" sz="2400" dirty="0"/>
-              <a:t>We are the first to </a:t>
-            </a:r>
+              <a:t>Does faster/better convergence give better recommendations?</a:t>
+            </a:r>
+            <a:endParaRPr lang="en-CA" dirty="0"/>
           </a:p>
         </p:txBody>
       </p:sp>
@@ -13811,78 +13924,67 @@
         <p:spPr/>
         <p:txBody>
           <a:bodyPr>
-            <a:normAutofit fontScale="92500" lnSpcReduction="10000"/>
+            <a:normAutofit fontScale="85000" lnSpcReduction="20000"/>
           </a:bodyPr>
           <a:lstStyle/>
           <a:p>
-            <a:pPr marL="514350" indent="-514350">
-              <a:buFont typeface="+mj-lt"/>
-              <a:buAutoNum type="arabicPeriod"/>
-            </a:pPr>
             <a:r>
               <a:rPr lang="en-CA" dirty="0" smtClean="0"/>
-              <a:t>Apply and adapt the SAG method from supervised machine learning into MF</a:t>
-            </a:r>
-          </a:p>
-          <a:p>
-            <a:pPr marL="514350" indent="-514350">
-              <a:buFont typeface="+mj-lt"/>
-              <a:buAutoNum type="arabicPeriod"/>
-            </a:pPr>
+              <a:t>So far we focused only on getting faster &amp; better convergence thru SAG-MF</a:t>
+            </a:r>
+          </a:p>
+          <a:p>
+            <a:r>
+              <a:rPr lang="en-CA" dirty="0" smtClean="0"/>
+              <a:t>Intuition makes sense that faster/better convergence leads to better recommendations.</a:t>
+            </a:r>
+          </a:p>
+          <a:p>
+            <a:r>
+              <a:rPr lang="en-CA" dirty="0" smtClean="0"/>
+              <a:t>But… to what extend does faster or better convergence correlated with </a:t>
+            </a:r>
+          </a:p>
+          <a:p>
+            <a:pPr lvl="1"/>
+            <a:r>
+              <a:rPr lang="en-CA" dirty="0" smtClean="0"/>
+              <a:t>higher </a:t>
+            </a:r>
             <a:r>
               <a:rPr lang="en-CA" dirty="0"/>
-              <a:t>Extend </a:t>
+              <a:t>productivity </a:t>
             </a:r>
             <a:r>
               <a:rPr lang="en-CA" dirty="0" smtClean="0"/>
-              <a:t>SAG-general into specialized SAG-MF for better space complexity in memory overhead</a:t>
-            </a:r>
-          </a:p>
-          <a:p>
-            <a:pPr marL="514350" indent="-514350">
-              <a:buFont typeface="+mj-lt"/>
-              <a:buAutoNum type="arabicPeriod"/>
-            </a:pPr>
+              <a:t>of data scientists, or</a:t>
+            </a:r>
+          </a:p>
+          <a:p>
+            <a:pPr lvl="1"/>
             <a:r>
               <a:rPr lang="en-CA" dirty="0" smtClean="0"/>
-              <a:t>Parallelize both the SAG-general and SAG-MF specifically for MF tasks.</a:t>
-            </a:r>
-          </a:p>
-          <a:p>
-            <a:pPr marL="514350" indent="-514350">
-              <a:buFont typeface="+mj-lt"/>
-              <a:buAutoNum type="arabicPeriod"/>
-            </a:pPr>
+              <a:t>better recommendations? </a:t>
+            </a:r>
+          </a:p>
+          <a:p>
             <a:r>
               <a:rPr lang="en-CA" dirty="0" smtClean="0"/>
-              <a:t>Through extensive evaluation, demonstrated that SAG-general and SAG-MF yield faster and better convergence rate </a:t>
-            </a:r>
-            <a:r>
-              <a:rPr lang="en-CA" dirty="0"/>
-              <a:t>across </a:t>
-            </a:r>
+              <a:t>Is there a sufficient, or “good-enough” bound</a:t>
+            </a:r>
+          </a:p>
+          <a:p>
             <a:r>
               <a:rPr lang="en-CA" dirty="0" smtClean="0"/>
-              <a:t>various objective </a:t>
-            </a:r>
-            <a:r>
-              <a:rPr lang="en-CA" dirty="0"/>
-              <a:t>functions</a:t>
-            </a:r>
-            <a:r>
-              <a:rPr lang="en-CA" dirty="0" smtClean="0"/>
-              <a:t>.</a:t>
-            </a:r>
-          </a:p>
-          <a:p>
-            <a:endParaRPr lang="en-CA" dirty="0" smtClean="0"/>
+              <a:t>Approach: plug converged approx. into metrics, and compare: MRR, P@5, 1-call@5, etc.</a:t>
+            </a:r>
           </a:p>
         </p:txBody>
       </p:sp>
     </p:spTree>
     <p:extLst>
       <p:ext uri="{BB962C8B-B14F-4D97-AF65-F5344CB8AC3E}">
-        <p14:creationId xmlns:p14="http://schemas.microsoft.com/office/powerpoint/2010/main" val="1041705720"/>
+        <p14:creationId xmlns:p14="http://schemas.microsoft.com/office/powerpoint/2010/main" val="2924231425"/>
       </p:ext>
     </p:extLst>
   </p:cSld>
@@ -13897,6 +13999,13 @@
       <p:transition spd="slow"/>
     </mc:Fallback>
   </mc:AlternateContent>
+  <p:timing>
+    <p:tnLst>
+      <p:par>
+        <p:cTn id="1" dur="indefinite" restart="never" nodeType="tmRoot"/>
+      </p:par>
+    </p:tnLst>
+  </p:timing>
 </p:sld>
 </file>
 
@@ -14122,139 +14231,6 @@
 </file>
 
 <file path=ppt/slides/slide30.xml><?xml version="1.0" encoding="utf-8"?>
-<p:sld xmlns:a="http://schemas.openxmlformats.org/drawingml/2006/main" xmlns:r="http://schemas.openxmlformats.org/officeDocument/2006/relationships" xmlns:p="http://schemas.openxmlformats.org/presentationml/2006/main" show="0">
-  <p:cSld>
-    <p:spTree>
-      <p:nvGrpSpPr>
-        <p:cNvPr id="1" name=""/>
-        <p:cNvGrpSpPr/>
-        <p:nvPr/>
-      </p:nvGrpSpPr>
-      <p:grpSpPr>
-        <a:xfrm>
-          <a:off x="0" y="0"/>
-          <a:ext cx="0" cy="0"/>
-          <a:chOff x="0" y="0"/>
-          <a:chExt cx="0" cy="0"/>
-        </a:xfrm>
-      </p:grpSpPr>
-      <p:sp>
-        <p:nvSpPr>
-          <p:cNvPr id="2" name="Title 1"/>
-          <p:cNvSpPr>
-            <a:spLocks noGrp="1"/>
-          </p:cNvSpPr>
-          <p:nvPr>
-            <p:ph type="title"/>
-          </p:nvPr>
-        </p:nvSpPr>
-        <p:spPr/>
-        <p:txBody>
-          <a:bodyPr>
-            <a:normAutofit fontScale="90000"/>
-          </a:bodyPr>
-          <a:lstStyle/>
-          <a:p>
-            <a:r>
-              <a:rPr lang="en-CA" dirty="0" smtClean="0"/>
-              <a:t>Does faster/better convergence give better recommendations?</a:t>
-            </a:r>
-            <a:endParaRPr lang="en-CA" dirty="0"/>
-          </a:p>
-        </p:txBody>
-      </p:sp>
-      <p:sp>
-        <p:nvSpPr>
-          <p:cNvPr id="3" name="Content Placeholder 2"/>
-          <p:cNvSpPr>
-            <a:spLocks noGrp="1"/>
-          </p:cNvSpPr>
-          <p:nvPr>
-            <p:ph idx="1"/>
-          </p:nvPr>
-        </p:nvSpPr>
-        <p:spPr/>
-        <p:txBody>
-          <a:bodyPr>
-            <a:normAutofit fontScale="85000" lnSpcReduction="20000"/>
-          </a:bodyPr>
-          <a:lstStyle/>
-          <a:p>
-            <a:r>
-              <a:rPr lang="en-CA" dirty="0" smtClean="0"/>
-              <a:t>So far we focused only on getting faster &amp; better convergence thru SAG-MF</a:t>
-            </a:r>
-          </a:p>
-          <a:p>
-            <a:r>
-              <a:rPr lang="en-CA" dirty="0" smtClean="0"/>
-              <a:t>Intuition makes sense that faster/better convergence leads to better recommendations.</a:t>
-            </a:r>
-          </a:p>
-          <a:p>
-            <a:r>
-              <a:rPr lang="en-CA" dirty="0" smtClean="0"/>
-              <a:t>But… to what extend does faster or better convergence correlated with </a:t>
-            </a:r>
-          </a:p>
-          <a:p>
-            <a:pPr lvl="1"/>
-            <a:r>
-              <a:rPr lang="en-CA" dirty="0" smtClean="0"/>
-              <a:t>higher </a:t>
-            </a:r>
-            <a:r>
-              <a:rPr lang="en-CA" dirty="0"/>
-              <a:t>productivity </a:t>
-            </a:r>
-            <a:r>
-              <a:rPr lang="en-CA" dirty="0" smtClean="0"/>
-              <a:t>of data scientists, or</a:t>
-            </a:r>
-          </a:p>
-          <a:p>
-            <a:pPr lvl="1"/>
-            <a:r>
-              <a:rPr lang="en-CA" dirty="0" smtClean="0"/>
-              <a:t>better recommendations? </a:t>
-            </a:r>
-          </a:p>
-          <a:p>
-            <a:r>
-              <a:rPr lang="en-CA" dirty="0" smtClean="0"/>
-              <a:t>Is there a sufficient, or “good-enough” bound</a:t>
-            </a:r>
-          </a:p>
-          <a:p>
-            <a:r>
-              <a:rPr lang="en-CA" dirty="0" smtClean="0"/>
-              <a:t>Approach: plug converged approx. into metrics, and compare: MRR, P@5, 1-call@5, etc.</a:t>
-            </a:r>
-          </a:p>
-        </p:txBody>
-      </p:sp>
-    </p:spTree>
-    <p:extLst>
-      <p:ext uri="{BB962C8B-B14F-4D97-AF65-F5344CB8AC3E}">
-        <p14:creationId xmlns:p14="http://schemas.microsoft.com/office/powerpoint/2010/main" val="2924231425"/>
-      </p:ext>
-    </p:extLst>
-  </p:cSld>
-  <p:clrMapOvr>
-    <a:masterClrMapping/>
-  </p:clrMapOvr>
-  <mc:AlternateContent xmlns:mc="http://schemas.openxmlformats.org/markup-compatibility/2006" xmlns:p14="http://schemas.microsoft.com/office/powerpoint/2010/main">
-    <mc:Choice Requires="p14">
-      <p:transition spd="slow" p14:dur="2000"/>
-    </mc:Choice>
-    <mc:Fallback xmlns="">
-      <p:transition spd="slow"/>
-    </mc:Fallback>
-  </mc:AlternateContent>
-</p:sld>
-</file>
-
-<file path=ppt/slides/slide31.xml><?xml version="1.0" encoding="utf-8"?>
 <p:sld xmlns:a="http://schemas.openxmlformats.org/drawingml/2006/main" xmlns:r="http://schemas.openxmlformats.org/officeDocument/2006/relationships" xmlns:p="http://schemas.openxmlformats.org/presentationml/2006/main" show="0">
   <p:cSld>
     <p:spTree>
@@ -14612,14 +14588,30 @@
             <a:pPr lvl="1"/>
             <a:r>
               <a:rPr lang="en-US" dirty="0" smtClean="0"/>
-              <a:t>Fast Convergence: similar to Full gradient</a:t>
+              <a:t>Better convergence</a:t>
+            </a:r>
+            <a:r>
+              <a:rPr lang="en-US" dirty="0" smtClean="0"/>
+              <a:t>: similar to Full gradient</a:t>
             </a:r>
           </a:p>
           <a:p>
             <a:pPr lvl="1"/>
             <a:r>
               <a:rPr lang="en-US" dirty="0" smtClean="0"/>
-              <a:t>O(1) samples per iteration: similar to Stochastic</a:t>
+              <a:t>Fast </a:t>
+            </a:r>
+            <a:r>
+              <a:rPr lang="en-US" dirty="0" smtClean="0"/>
+              <a:t>iteration: </a:t>
+            </a:r>
+            <a:r>
+              <a:rPr lang="en-US" dirty="0" smtClean="0"/>
+              <a:t>O(1) samples similar </a:t>
+            </a:r>
+            <a:r>
+              <a:rPr lang="en-US" dirty="0" smtClean="0"/>
+              <a:t>to Stochastic</a:t>
             </a:r>
           </a:p>
           <a:p>
@@ -14693,18 +14685,15 @@
           <a:p>
             <a:r>
               <a:rPr lang="en-US" dirty="0" smtClean="0"/>
-              <a:t>Space Complexity</a:t>
+              <a:t>Space </a:t>
+            </a:r>
+            <a:r>
+              <a:rPr lang="en-US" dirty="0" smtClean="0"/>
+              <a:t>Complexity of </a:t>
             </a:r>
             <a:r>
               <a:rPr lang="en-US" smtClean="0"/>
-              <a:t/>
-            </a:r>
-            <a:br>
-              <a:rPr lang="en-US" smtClean="0"/>
-            </a:br>
-            <a:r>
-              <a:rPr lang="en-US" smtClean="0"/>
-              <a:t>θ(</a:t>
+              <a:t>SAG: θ(</a:t>
             </a:r>
             <a:r>
               <a:rPr lang="en-US" i="1" smtClean="0"/>
@@ -14726,8 +14715,8 @@
           </a:p>
         </p:txBody>
       </p:sp>
-      <mc:AlternateContent xmlns:mc="http://schemas.openxmlformats.org/markup-compatibility/2006" xmlns:a14="http://schemas.microsoft.com/office/drawing/2010/main">
-        <mc:Choice Requires="a14">
+      <mc:AlternateContent xmlns:mc="http://schemas.openxmlformats.org/markup-compatibility/2006">
+        <mc:Choice xmlns:a14="http://schemas.microsoft.com/office/drawing/2010/main" Requires="a14">
           <p:sp>
             <p:nvSpPr>
               <p:cNvPr id="3" name="Content Placeholder 2"/>
@@ -14750,7 +14739,15 @@
                 </a:pPr>
                 <a:r>
                   <a:rPr lang="en-US" sz="2800" dirty="0" smtClean="0"/>
-                  <a:t>SAG: gradient of </a:t>
+                  <a:t>SAG: </a:t>
+                </a:r>
+                <a:r>
+                  <a:rPr lang="en-US" sz="2800" dirty="0" smtClean="0"/>
+                  <a:t>store gradient </a:t>
+                </a:r>
+                <a:r>
+                  <a:rPr lang="en-US" sz="2800" dirty="0" smtClean="0"/>
+                  <a:t>of </a:t>
                 </a:r>
                 <a:r>
                   <a:rPr lang="en-US" sz="2800" i="1" dirty="0" smtClean="0"/>
@@ -15586,7 +15583,7 @@
             </p:txBody>
           </p:sp>
         </mc:Choice>
-        <mc:Fallback xmlns="">
+        <mc:Fallback>
           <p:sp>
             <p:nvSpPr>
               <p:cNvPr id="3" name="Content Placeholder 2"/>

--- a/cs534L-SAGmf.pptx
+++ b/cs534L-SAGmf.pptx
@@ -5,7 +5,7 @@
     <p:sldMasterId id="2147483648" r:id="rId1"/>
   </p:sldMasterIdLst>
   <p:notesMasterIdLst>
-    <p:notesMasterId r:id="rId58"/>
+    <p:notesMasterId r:id="rId59"/>
   </p:notesMasterIdLst>
   <p:sldIdLst>
     <p:sldId id="256" r:id="rId2"/>
@@ -35,35 +35,36 @@
     <p:sldId id="275" r:id="rId26"/>
     <p:sldId id="276" r:id="rId27"/>
     <p:sldId id="277" r:id="rId28"/>
-    <p:sldId id="281" r:id="rId29"/>
-    <p:sldId id="323" r:id="rId30"/>
-    <p:sldId id="301" r:id="rId31"/>
-    <p:sldId id="298" r:id="rId32"/>
-    <p:sldId id="282" r:id="rId33"/>
-    <p:sldId id="305" r:id="rId34"/>
-    <p:sldId id="325" r:id="rId35"/>
-    <p:sldId id="324" r:id="rId36"/>
-    <p:sldId id="262" r:id="rId37"/>
-    <p:sldId id="260" r:id="rId38"/>
-    <p:sldId id="264" r:id="rId39"/>
-    <p:sldId id="289" r:id="rId40"/>
-    <p:sldId id="296" r:id="rId41"/>
-    <p:sldId id="306" r:id="rId42"/>
-    <p:sldId id="330" r:id="rId43"/>
-    <p:sldId id="331" r:id="rId44"/>
-    <p:sldId id="308" r:id="rId45"/>
-    <p:sldId id="317" r:id="rId46"/>
-    <p:sldId id="318" r:id="rId47"/>
-    <p:sldId id="287" r:id="rId48"/>
-    <p:sldId id="267" r:id="rId49"/>
-    <p:sldId id="283" r:id="rId50"/>
-    <p:sldId id="284" r:id="rId51"/>
-    <p:sldId id="327" r:id="rId52"/>
-    <p:sldId id="285" r:id="rId53"/>
-    <p:sldId id="286" r:id="rId54"/>
-    <p:sldId id="266" r:id="rId55"/>
-    <p:sldId id="272" r:id="rId56"/>
-    <p:sldId id="329" r:id="rId57"/>
+    <p:sldId id="332" r:id="rId29"/>
+    <p:sldId id="281" r:id="rId30"/>
+    <p:sldId id="323" r:id="rId31"/>
+    <p:sldId id="301" r:id="rId32"/>
+    <p:sldId id="298" r:id="rId33"/>
+    <p:sldId id="282" r:id="rId34"/>
+    <p:sldId id="305" r:id="rId35"/>
+    <p:sldId id="325" r:id="rId36"/>
+    <p:sldId id="324" r:id="rId37"/>
+    <p:sldId id="262" r:id="rId38"/>
+    <p:sldId id="260" r:id="rId39"/>
+    <p:sldId id="264" r:id="rId40"/>
+    <p:sldId id="289" r:id="rId41"/>
+    <p:sldId id="296" r:id="rId42"/>
+    <p:sldId id="306" r:id="rId43"/>
+    <p:sldId id="308" r:id="rId44"/>
+    <p:sldId id="330" r:id="rId45"/>
+    <p:sldId id="331" r:id="rId46"/>
+    <p:sldId id="317" r:id="rId47"/>
+    <p:sldId id="318" r:id="rId48"/>
+    <p:sldId id="287" r:id="rId49"/>
+    <p:sldId id="267" r:id="rId50"/>
+    <p:sldId id="283" r:id="rId51"/>
+    <p:sldId id="284" r:id="rId52"/>
+    <p:sldId id="327" r:id="rId53"/>
+    <p:sldId id="285" r:id="rId54"/>
+    <p:sldId id="286" r:id="rId55"/>
+    <p:sldId id="266" r:id="rId56"/>
+    <p:sldId id="272" r:id="rId57"/>
+    <p:sldId id="329" r:id="rId58"/>
   </p:sldIdLst>
   <p:sldSz cx="9144000" cy="6858000" type="screen4x3"/>
   <p:notesSz cx="6858000" cy="9144000"/>
@@ -163,6 +164,75 @@
     </a:lvl9pPr>
   </p:defaultTextStyle>
   <p:extLst>
+    <p:ext uri="{521415D9-36F7-43E2-AB2F-B90AF26B5E84}">
+      <p14:sectionLst xmlns:p14="http://schemas.microsoft.com/office/powerpoint/2010/main">
+        <p14:section name="Default Section" id="{2DEBC71B-2C73-4F72-9571-FE38E8E72297}">
+          <p14:sldIdLst>
+            <p14:sldId id="256"/>
+            <p14:sldId id="265"/>
+            <p14:sldId id="321"/>
+            <p14:sldId id="322"/>
+            <p14:sldId id="328"/>
+            <p14:sldId id="259"/>
+            <p14:sldId id="257"/>
+            <p14:sldId id="314"/>
+            <p14:sldId id="315"/>
+            <p14:sldId id="258"/>
+            <p14:sldId id="261"/>
+            <p14:sldId id="312"/>
+            <p14:sldId id="311"/>
+            <p14:sldId id="297"/>
+            <p14:sldId id="316"/>
+            <p14:sldId id="293"/>
+            <p14:sldId id="295"/>
+            <p14:sldId id="309"/>
+            <p14:sldId id="268"/>
+            <p14:sldId id="273"/>
+            <p14:sldId id="269"/>
+            <p14:sldId id="271"/>
+            <p14:sldId id="270"/>
+            <p14:sldId id="303"/>
+            <p14:sldId id="275"/>
+            <p14:sldId id="276"/>
+            <p14:sldId id="277"/>
+            <p14:sldId id="332"/>
+            <p14:sldId id="281"/>
+            <p14:sldId id="323"/>
+            <p14:sldId id="301"/>
+            <p14:sldId id="298"/>
+            <p14:sldId id="282"/>
+          </p14:sldIdLst>
+        </p14:section>
+        <p14:section name="Untitled Section" id="{1BBD20A9-7CF4-47FC-B884-17F15AC46D1B}">
+          <p14:sldIdLst>
+            <p14:sldId id="305"/>
+            <p14:sldId id="325"/>
+            <p14:sldId id="324"/>
+            <p14:sldId id="262"/>
+            <p14:sldId id="260"/>
+            <p14:sldId id="264"/>
+            <p14:sldId id="289"/>
+            <p14:sldId id="296"/>
+            <p14:sldId id="306"/>
+            <p14:sldId id="308"/>
+            <p14:sldId id="330"/>
+            <p14:sldId id="331"/>
+            <p14:sldId id="317"/>
+            <p14:sldId id="318"/>
+            <p14:sldId id="287"/>
+            <p14:sldId id="267"/>
+            <p14:sldId id="283"/>
+            <p14:sldId id="284"/>
+            <p14:sldId id="327"/>
+            <p14:sldId id="285"/>
+            <p14:sldId id="286"/>
+            <p14:sldId id="266"/>
+            <p14:sldId id="272"/>
+            <p14:sldId id="329"/>
+          </p14:sldIdLst>
+        </p14:section>
+      </p14:sectionLst>
+    </p:ext>
     <p:ext uri="{EFAFB233-063F-42B5-8137-9DF3F51BA10A}">
       <p15:sldGuideLst xmlns:p15="http://schemas.microsoft.com/office/powerpoint/2012/main">
         <p15:guide id="1" orient="horz" pos="2160">
@@ -684,7 +754,7 @@
           <a:p>
             <a:fld id="{EA5C61F1-C4D7-4183-9419-26D6C7EA246C}" type="slidenum">
               <a:rPr lang="en-US" smtClean="0"/>
-              <a:t>37</a:t>
+              <a:t>38</a:t>
             </a:fld>
             <a:endParaRPr lang="en-US"/>
           </a:p>
@@ -768,7 +838,7 @@
           <a:p>
             <a:fld id="{EA5C61F1-C4D7-4183-9419-26D6C7EA246C}" type="slidenum">
               <a:rPr lang="en-US" smtClean="0"/>
-              <a:t>38</a:t>
+              <a:t>39</a:t>
             </a:fld>
             <a:endParaRPr lang="en-US"/>
           </a:p>
@@ -852,7 +922,7 @@
           <a:p>
             <a:fld id="{EA5C61F1-C4D7-4183-9419-26D6C7EA246C}" type="slidenum">
               <a:rPr lang="en-US" smtClean="0"/>
-              <a:t>39</a:t>
+              <a:t>40</a:t>
             </a:fld>
             <a:endParaRPr lang="en-US"/>
           </a:p>
@@ -940,7 +1010,7 @@
           <a:p>
             <a:fld id="{EA5C61F1-C4D7-4183-9419-26D6C7EA246C}" type="slidenum">
               <a:rPr lang="en-US" smtClean="0"/>
-              <a:t>40</a:t>
+              <a:t>41</a:t>
             </a:fld>
             <a:endParaRPr lang="en-US"/>
           </a:p>
@@ -1047,7 +1117,7 @@
           <a:p>
             <a:fld id="{EA5C61F1-C4D7-4183-9419-26D6C7EA246C}" type="slidenum">
               <a:rPr lang="en-US" smtClean="0"/>
-              <a:t>44</a:t>
+              <a:t>43</a:t>
             </a:fld>
             <a:endParaRPr lang="en-US"/>
           </a:p>
@@ -1154,7 +1224,7 @@
           <a:p>
             <a:fld id="{EA5C61F1-C4D7-4183-9419-26D6C7EA246C}" type="slidenum">
               <a:rPr lang="en-US" smtClean="0"/>
-              <a:t>45</a:t>
+              <a:t>46</a:t>
             </a:fld>
             <a:endParaRPr lang="en-US"/>
           </a:p>
@@ -1269,7 +1339,7 @@
           <a:p>
             <a:fld id="{EA5C61F1-C4D7-4183-9419-26D6C7EA246C}" type="slidenum">
               <a:rPr lang="en-US" smtClean="0"/>
-              <a:t>46</a:t>
+              <a:t>47</a:t>
             </a:fld>
             <a:endParaRPr lang="en-US"/>
           </a:p>
@@ -1353,7 +1423,7 @@
           <a:p>
             <a:fld id="{EA5C61F1-C4D7-4183-9419-26D6C7EA246C}" type="slidenum">
               <a:rPr lang="en-US" smtClean="0"/>
-              <a:t>47</a:t>
+              <a:t>48</a:t>
             </a:fld>
             <a:endParaRPr lang="en-US"/>
           </a:p>
@@ -1445,7 +1515,7 @@
           <a:p>
             <a:fld id="{EA5C61F1-C4D7-4183-9419-26D6C7EA246C}" type="slidenum">
               <a:rPr lang="en-US" smtClean="0"/>
-              <a:t>48</a:t>
+              <a:t>49</a:t>
             </a:fld>
             <a:endParaRPr lang="en-US"/>
           </a:p>
@@ -1529,7 +1599,7 @@
           <a:p>
             <a:fld id="{EA5C61F1-C4D7-4183-9419-26D6C7EA246C}" type="slidenum">
               <a:rPr lang="en-US" smtClean="0"/>
-              <a:t>52</a:t>
+              <a:t>53</a:t>
             </a:fld>
             <a:endParaRPr lang="en-US"/>
           </a:p>
@@ -2131,7 +2201,7 @@
           <a:p>
             <a:fld id="{EA5C61F1-C4D7-4183-9419-26D6C7EA246C}" type="slidenum">
               <a:rPr lang="en-US" smtClean="0"/>
-              <a:t>30</a:t>
+              <a:t>31</a:t>
             </a:fld>
             <a:endParaRPr lang="en-US"/>
           </a:p>
@@ -2215,7 +2285,7 @@
           <a:p>
             <a:fld id="{EA5C61F1-C4D7-4183-9419-26D6C7EA246C}" type="slidenum">
               <a:rPr lang="en-US" smtClean="0"/>
-              <a:t>35</a:t>
+              <a:t>36</a:t>
             </a:fld>
             <a:endParaRPr lang="en-US"/>
           </a:p>
@@ -17033,29 +17103,13 @@
             </a:pPr>
             <a:r>
               <a:rPr lang="en-CA" dirty="0" smtClean="0"/>
-              <a:t>MF is a </a:t>
-            </a:r>
+              <a:t>MF is a major component of </a:t>
+            </a:r>
+          </a:p>
+          <a:p>
             <a:r>
               <a:rPr lang="en-CA" dirty="0" smtClean="0"/>
-              <a:t>major </a:t>
-            </a:r>
-            <a:r>
-              <a:rPr lang="en-CA" dirty="0" smtClean="0"/>
-              <a:t>component of </a:t>
-            </a:r>
-          </a:p>
-          <a:p>
-            <a:r>
-              <a:rPr lang="en-CA" dirty="0" smtClean="0"/>
-              <a:t>many model-based </a:t>
-            </a:r>
-            <a:r>
-              <a:rPr lang="en-CA" dirty="0" smtClean="0"/>
-              <a:t>Recommender Systems: </a:t>
-            </a:r>
-            <a:r>
-              <a:rPr lang="en-CA" dirty="0" smtClean="0"/>
-              <a:t/>
+              <a:t>many model-based Recommender Systems: </a:t>
             </a:r>
             <a:br>
               <a:rPr lang="en-CA" dirty="0" smtClean="0"/>
@@ -18323,8 +18377,8 @@
           </a:p>
         </p:txBody>
       </p:sp>
-      <mc:AlternateContent xmlns:mc="http://schemas.openxmlformats.org/markup-compatibility/2006">
-        <mc:Choice xmlns:a14="http://schemas.microsoft.com/office/drawing/2010/main" Requires="a14">
+      <mc:AlternateContent xmlns:mc="http://schemas.openxmlformats.org/markup-compatibility/2006" xmlns:a14="http://schemas.microsoft.com/office/drawing/2010/main">
+        <mc:Choice Requires="a14">
           <p:sp>
             <p:nvSpPr>
               <p:cNvPr id="3" name="Content Placeholder 2"/>
@@ -18344,11 +18398,7 @@
               <a:p>
                 <a:r>
                   <a:rPr lang="en-CA" dirty="0" smtClean="0"/>
-                  <a:t>Apply chain </a:t>
-                </a:r>
-                <a:r>
-                  <a:rPr lang="en-CA" dirty="0" smtClean="0"/>
-                  <a:t>rule in differential calculus:</a:t>
+                  <a:t>Apply chain rule in differential calculus:</a:t>
                 </a:r>
               </a:p>
               <a:p>
@@ -19224,11 +19274,7 @@
                 </a:r>
                 <a:r>
                   <a:rPr lang="en-CA" dirty="0" smtClean="0"/>
-                  <a:t>3 matrixes: Big-O runtime doesn’t change</a:t>
-                </a:r>
-                <a:r>
-                  <a:rPr lang="en-CA" dirty="0" smtClean="0"/>
-                  <a:t>!</a:t>
+                  <a:t>3 matrixes: Big-O runtime doesn’t change!</a:t>
                 </a:r>
                 <a:br>
                   <a:rPr lang="en-CA" dirty="0" smtClean="0"/>
@@ -19237,7 +19283,6 @@
                   <a:rPr lang="en-CA" dirty="0" smtClean="0"/>
                   <a:t>b/c we compute gradient for new samples anyways</a:t>
                 </a:r>
-                <a:endParaRPr lang="en-CA" dirty="0" smtClean="0"/>
               </a:p>
               <a:p>
                 <a:pPr marL="971550" lvl="1" indent="-514350">
@@ -19590,7 +19635,7 @@
             </p:txBody>
           </p:sp>
         </mc:Choice>
-        <mc:Fallback>
+        <mc:Fallback xmlns="">
           <p:sp>
             <p:nvSpPr>
               <p:cNvPr id="3" name="Content Placeholder 2"/>
@@ -21943,8 +21988,8 @@
           </a:p>
         </p:txBody>
       </p:sp>
-      <mc:AlternateContent xmlns:mc="http://schemas.openxmlformats.org/markup-compatibility/2006">
-        <mc:Choice xmlns:a14="http://schemas.microsoft.com/office/drawing/2010/main" Requires="a14">
+      <mc:AlternateContent xmlns:mc="http://schemas.openxmlformats.org/markup-compatibility/2006" xmlns:a14="http://schemas.microsoft.com/office/drawing/2010/main">
+        <mc:Choice Requires="a14">
           <p:sp>
             <p:nvSpPr>
               <p:cNvPr id="3" name="Content Placeholder 2"/>
@@ -22412,7 +22457,7 @@
             </p:txBody>
           </p:sp>
         </mc:Choice>
-        <mc:Fallback>
+        <mc:Fallback xmlns="">
           <p:sp>
             <p:nvSpPr>
               <p:cNvPr id="3" name="Content Placeholder 2"/>
@@ -24898,6 +24943,292 @@
         </p:nvSpPr>
         <p:spPr/>
         <p:txBody>
+          <a:bodyPr/>
+          <a:lstStyle/>
+          <a:p>
+            <a:r>
+              <a:rPr lang="en-CA" dirty="0" smtClean="0"/>
+              <a:t>Attempt #3: Alternating SAG</a:t>
+            </a:r>
+            <a:endParaRPr lang="en-CA" dirty="0"/>
+          </a:p>
+        </p:txBody>
+      </p:sp>
+      <mc:AlternateContent xmlns:mc="http://schemas.openxmlformats.org/markup-compatibility/2006">
+        <mc:Choice xmlns:a14="http://schemas.microsoft.com/office/drawing/2010/main" Requires="a14">
+          <p:sp>
+            <p:nvSpPr>
+              <p:cNvPr id="3" name="Content Placeholder 2"/>
+              <p:cNvSpPr>
+                <a:spLocks noGrp="1"/>
+              </p:cNvSpPr>
+              <p:nvPr>
+                <p:ph idx="1"/>
+              </p:nvPr>
+            </p:nvSpPr>
+            <p:spPr/>
+            <p:txBody>
+              <a:bodyPr/>
+              <a:lstStyle/>
+              <a:p>
+                <a:r>
+                  <a:rPr lang="en-CA" dirty="0" smtClean="0"/>
+                  <a:t>Inspired by Alternating Least Squares</a:t>
+                </a:r>
+              </a:p>
+              <a:p>
+                <a:r>
+                  <a:rPr lang="en-US" dirty="0" smtClean="0"/>
+                  <a:t>Fix U, optimize V, then alterative </a:t>
+                </a:r>
+                <a:r>
+                  <a:rPr lang="en-US" dirty="0" err="1" smtClean="0"/>
+                  <a:t>btwn</a:t>
+                </a:r>
+                <a:r>
+                  <a:rPr lang="en-US" dirty="0" smtClean="0"/>
+                  <a:t> U, V.</a:t>
+                </a:r>
+              </a:p>
+              <a:p>
+                <a:r>
+                  <a:rPr lang="en-US" dirty="0" smtClean="0"/>
+                  <a:t>Space complexity is still θ(</a:t>
+                </a:r>
+                <a:r>
+                  <a:rPr lang="en-US" i="1" dirty="0" smtClean="0">
+                    <a:solidFill>
+                      <a:srgbClr val="00B050"/>
+                    </a:solidFill>
+                  </a:rPr>
+                  <a:t> </a:t>
+                </a:r>
+                <a:r>
+                  <a:rPr lang="en-US" dirty="0" smtClean="0"/>
+                  <a:t>(</a:t>
+                </a:r>
+                <a:r>
+                  <a:rPr lang="en-US" i="1" dirty="0" err="1" smtClean="0">
+                    <a:solidFill>
+                      <a:srgbClr val="00B050"/>
+                    </a:solidFill>
+                  </a:rPr>
+                  <a:t>nMems</a:t>
+                </a:r>
+                <a:r>
+                  <a:rPr lang="en-US" dirty="0"/>
+                  <a:t>)*</a:t>
+                </a:r>
+                <a:r>
+                  <a:rPr lang="en-US" dirty="0" err="1"/>
+                  <a:t>nDims</a:t>
+                </a:r>
+                <a:r>
+                  <a:rPr lang="en-US" dirty="0" smtClean="0"/>
+                  <a:t>):</a:t>
+                </a:r>
+                <a:r>
+                  <a:rPr lang="en-CA" dirty="0" smtClean="0"/>
+                  <a:t/>
+                </a:r>
+                <a:br>
+                  <a:rPr lang="en-CA" dirty="0" smtClean="0"/>
+                </a:br>
+                <a:r>
+                  <a:rPr lang="en-CA" dirty="0" smtClean="0"/>
+                  <a:t>Store </a:t>
+                </a:r>
+                <a14:m>
+                  <m:oMath xmlns:m="http://schemas.openxmlformats.org/officeDocument/2006/math">
+                    <m:sSubSup>
+                      <m:sSubSupPr>
+                        <m:ctrlPr>
+                          <a:rPr lang="en-CA" i="1">
+                            <a:latin typeface="Cambria Math" panose="02040503050406030204" pitchFamily="18" charset="0"/>
+                            <a:ea typeface="Cambria Math" panose="02040503050406030204" pitchFamily="18" charset="0"/>
+                          </a:rPr>
+                        </m:ctrlPr>
+                      </m:sSubSupPr>
+                      <m:e>
+                        <m:acc>
+                          <m:accPr>
+                            <m:chr m:val="̅"/>
+                            <m:ctrlPr>
+                              <a:rPr lang="en-CA" i="1">
+                                <a:latin typeface="Cambria Math" panose="02040503050406030204" pitchFamily="18" charset="0"/>
+                                <a:ea typeface="Cambria Math" panose="02040503050406030204" pitchFamily="18" charset="0"/>
+                              </a:rPr>
+                            </m:ctrlPr>
+                          </m:accPr>
+                          <m:e>
+                            <m:r>
+                              <a:rPr lang="en-CA" i="1">
+                                <a:latin typeface="Cambria Math" panose="02040503050406030204" pitchFamily="18" charset="0"/>
+                                <a:ea typeface="Cambria Math" panose="02040503050406030204" pitchFamily="18" charset="0"/>
+                              </a:rPr>
+                              <m:t>𝑚</m:t>
+                            </m:r>
+                          </m:e>
+                        </m:acc>
+                      </m:e>
+                      <m:sub>
+                        <m:r>
+                          <a:rPr lang="en-CA" i="1">
+                            <a:latin typeface="Cambria Math" panose="02040503050406030204" pitchFamily="18" charset="0"/>
+                          </a:rPr>
+                          <m:t>𝑝𝑡</m:t>
+                        </m:r>
+                        <m:d>
+                          <m:dPr>
+                            <m:ctrlPr>
+                              <a:rPr lang="en-CA" i="1">
+                                <a:latin typeface="Cambria Math" panose="02040503050406030204" pitchFamily="18" charset="0"/>
+                              </a:rPr>
+                            </m:ctrlPr>
+                          </m:dPr>
+                          <m:e>
+                            <m:r>
+                              <a:rPr lang="en-CA" i="1">
+                                <a:solidFill>
+                                  <a:schemeClr val="accent6"/>
+                                </a:solidFill>
+                                <a:latin typeface="Cambria Math" panose="02040503050406030204" pitchFamily="18" charset="0"/>
+                              </a:rPr>
+                              <m:t>𝑏</m:t>
+                            </m:r>
+                          </m:e>
+                        </m:d>
+                        <m:r>
+                          <a:rPr lang="en-CA" i="1">
+                            <a:latin typeface="Cambria Math" panose="02040503050406030204" pitchFamily="18" charset="0"/>
+                          </a:rPr>
+                          <m:t>.</m:t>
+                        </m:r>
+                        <m:r>
+                          <a:rPr lang="en-CA" i="1">
+                            <a:latin typeface="Cambria Math" panose="02040503050406030204" pitchFamily="18" charset="0"/>
+                          </a:rPr>
+                          <m:t>𝑗</m:t>
+                        </m:r>
+                      </m:sub>
+                      <m:sup>
+                        <m:r>
+                          <a:rPr lang="en-CA" i="1">
+                            <a:solidFill>
+                              <a:srgbClr val="0070C0"/>
+                            </a:solidFill>
+                            <a:latin typeface="Cambria Math" panose="02040503050406030204" pitchFamily="18" charset="0"/>
+                          </a:rPr>
+                          <m:t>𝑡</m:t>
+                        </m:r>
+                      </m:sup>
+                    </m:sSubSup>
+                  </m:oMath>
+                </a14:m>
+                <a:r>
+                  <a:rPr lang="en-US" dirty="0" smtClean="0"/>
+                  <a:t> at different iterations</a:t>
+                </a:r>
+              </a:p>
+              <a:p>
+                <a:r>
+                  <a:rPr lang="en-US" dirty="0" smtClean="0"/>
+                  <a:t>May not even give good convergence: </a:t>
+                </a:r>
+                <a:br>
+                  <a:rPr lang="en-US" dirty="0" smtClean="0"/>
+                </a:br>
+                <a:r>
+                  <a:rPr lang="en-US" dirty="0" smtClean="0"/>
+                  <a:t>may break the theoretical guarantee of SAG.</a:t>
+                </a:r>
+              </a:p>
+              <a:p>
+                <a:r>
+                  <a:rPr lang="en-US" dirty="0" smtClean="0"/>
+                  <a:t>ALS focuses on Time complexity, not Space</a:t>
+                </a:r>
+                <a:endParaRPr lang="en-US" dirty="0"/>
+              </a:p>
+            </p:txBody>
+          </p:sp>
+        </mc:Choice>
+        <mc:Fallback>
+          <p:sp>
+            <p:nvSpPr>
+              <p:cNvPr id="3" name="Content Placeholder 2"/>
+              <p:cNvSpPr>
+                <a:spLocks noGrp="1" noRot="1" noChangeAspect="1" noMove="1" noResize="1" noEditPoints="1" noAdjustHandles="1" noChangeArrowheads="1" noChangeShapeType="1" noTextEdit="1"/>
+              </p:cNvSpPr>
+              <p:nvPr>
+                <p:ph idx="1"/>
+              </p:nvPr>
+            </p:nvSpPr>
+            <p:spPr>
+              <a:blipFill rotWithShape="0">
+                <a:blip r:embed="rId2"/>
+                <a:stretch>
+                  <a:fillRect l="-1704" t="-1752"/>
+                </a:stretch>
+              </a:blipFill>
+            </p:spPr>
+            <p:txBody>
+              <a:bodyPr/>
+              <a:lstStyle/>
+              <a:p>
+                <a:r>
+                  <a:rPr lang="en-CA">
+                    <a:noFill/>
+                  </a:rPr>
+                  <a:t> </a:t>
+                </a:r>
+              </a:p>
+            </p:txBody>
+          </p:sp>
+        </mc:Fallback>
+      </mc:AlternateContent>
+    </p:spTree>
+    <p:extLst>
+      <p:ext uri="{BB962C8B-B14F-4D97-AF65-F5344CB8AC3E}">
+        <p14:creationId xmlns:p14="http://schemas.microsoft.com/office/powerpoint/2010/main" val="4138955352"/>
+      </p:ext>
+    </p:extLst>
+  </p:cSld>
+  <p:clrMapOvr>
+    <a:masterClrMapping/>
+  </p:clrMapOvr>
+</p:sld>
+</file>
+
+<file path=ppt/slides/slide29.xml><?xml version="1.0" encoding="utf-8"?>
+<p:sld xmlns:a="http://schemas.openxmlformats.org/drawingml/2006/main" xmlns:r="http://schemas.openxmlformats.org/officeDocument/2006/relationships" xmlns:p="http://schemas.openxmlformats.org/presentationml/2006/main">
+  <p:cSld>
+    <p:spTree>
+      <p:nvGrpSpPr>
+        <p:cNvPr id="1" name=""/>
+        <p:cNvGrpSpPr/>
+        <p:nvPr/>
+      </p:nvGrpSpPr>
+      <p:grpSpPr>
+        <a:xfrm>
+          <a:off x="0" y="0"/>
+          <a:ext cx="0" cy="0"/>
+          <a:chOff x="0" y="0"/>
+          <a:chExt cx="0" cy="0"/>
+        </a:xfrm>
+      </p:grpSpPr>
+      <p:sp>
+        <p:nvSpPr>
+          <p:cNvPr id="2" name="Title 1"/>
+          <p:cNvSpPr>
+            <a:spLocks noGrp="1"/>
+          </p:cNvSpPr>
+          <p:nvPr>
+            <p:ph type="title"/>
+          </p:nvPr>
+        </p:nvSpPr>
+        <p:spPr/>
+        <p:txBody>
           <a:bodyPr>
             <a:normAutofit fontScale="90000"/>
           </a:bodyPr>
@@ -26197,7 +26528,292 @@
 </p:sld>
 </file>
 
-<file path=ppt/slides/slide29.xml><?xml version="1.0" encoding="utf-8"?>
+<file path=ppt/slides/slide3.xml><?xml version="1.0" encoding="utf-8"?>
+<p:sld xmlns:a="http://schemas.openxmlformats.org/drawingml/2006/main" xmlns:r="http://schemas.openxmlformats.org/officeDocument/2006/relationships" xmlns:p="http://schemas.openxmlformats.org/presentationml/2006/main">
+  <p:cSld>
+    <p:spTree>
+      <p:nvGrpSpPr>
+        <p:cNvPr id="1" name=""/>
+        <p:cNvGrpSpPr/>
+        <p:nvPr/>
+      </p:nvGrpSpPr>
+      <p:grpSpPr>
+        <a:xfrm>
+          <a:off x="0" y="0"/>
+          <a:ext cx="0" cy="0"/>
+          <a:chOff x="0" y="0"/>
+          <a:chExt cx="0" cy="0"/>
+        </a:xfrm>
+      </p:grpSpPr>
+      <p:sp>
+        <p:nvSpPr>
+          <p:cNvPr id="2" name="Title 1"/>
+          <p:cNvSpPr>
+            <a:spLocks noGrp="1"/>
+          </p:cNvSpPr>
+          <p:nvPr>
+            <p:ph type="title"/>
+          </p:nvPr>
+        </p:nvSpPr>
+        <p:spPr/>
+        <p:txBody>
+          <a:bodyPr>
+            <a:normAutofit fontScale="90000"/>
+          </a:bodyPr>
+          <a:lstStyle/>
+          <a:p>
+            <a:r>
+              <a:rPr lang="en-CA" dirty="0"/>
+              <a:t>State of the Art in </a:t>
+            </a:r>
+            <a:r>
+              <a:rPr lang="en-CA" dirty="0" smtClean="0"/>
+              <a:t>MF</a:t>
+            </a:r>
+            <a:br>
+              <a:rPr lang="en-CA" dirty="0" smtClean="0"/>
+            </a:br>
+            <a:r>
+              <a:rPr lang="en-CA" sz="3300" dirty="0" smtClean="0"/>
+              <a:t>2 main types of gradient Descent/Ascent</a:t>
+            </a:r>
+            <a:endParaRPr lang="en-CA" sz="3300" dirty="0"/>
+          </a:p>
+        </p:txBody>
+      </p:sp>
+      <p:sp>
+        <p:nvSpPr>
+          <p:cNvPr id="3" name="Text Placeholder 2"/>
+          <p:cNvSpPr>
+            <a:spLocks noGrp="1"/>
+          </p:cNvSpPr>
+          <p:nvPr>
+            <p:ph type="body" idx="1"/>
+          </p:nvPr>
+        </p:nvSpPr>
+        <p:spPr/>
+        <p:txBody>
+          <a:bodyPr>
+            <a:normAutofit/>
+          </a:bodyPr>
+          <a:lstStyle/>
+          <a:p>
+            <a:pPr algn="ctr"/>
+            <a:r>
+              <a:rPr lang="en-CA" dirty="0" smtClean="0"/>
+              <a:t>Stochastic Gradient </a:t>
+            </a:r>
+            <a:endParaRPr lang="en-CA" dirty="0"/>
+          </a:p>
+        </p:txBody>
+      </p:sp>
+      <p:sp>
+        <p:nvSpPr>
+          <p:cNvPr id="4" name="Content Placeholder 3"/>
+          <p:cNvSpPr>
+            <a:spLocks noGrp="1"/>
+          </p:cNvSpPr>
+          <p:nvPr>
+            <p:ph sz="half" idx="2"/>
+          </p:nvPr>
+        </p:nvSpPr>
+        <p:spPr/>
+        <p:txBody>
+          <a:bodyPr/>
+          <a:lstStyle/>
+          <a:p>
+            <a:r>
+              <a:rPr lang="en-CA" b="1" dirty="0" smtClean="0"/>
+              <a:t>Fast</a:t>
+            </a:r>
+            <a:r>
+              <a:rPr lang="en-CA" dirty="0" smtClean="0"/>
+              <a:t>: </a:t>
+            </a:r>
+            <a:r>
+              <a:rPr lang="en-CA" dirty="0"/>
+              <a:t>O(1) samples per iteration</a:t>
+            </a:r>
+          </a:p>
+          <a:p>
+            <a:r>
+              <a:rPr lang="en-CA" b="1" dirty="0" smtClean="0"/>
+              <a:t>Bad quality</a:t>
+            </a:r>
+            <a:r>
+              <a:rPr lang="en-CA" dirty="0" smtClean="0"/>
+              <a:t>: approximation </a:t>
+            </a:r>
+            <a:r>
+              <a:rPr lang="en-CA" dirty="0"/>
+              <a:t>flats out, gets stuck at a local </a:t>
+            </a:r>
+            <a:r>
+              <a:rPr lang="en-CA" dirty="0" smtClean="0"/>
+              <a:t>sub-optimum</a:t>
+            </a:r>
+          </a:p>
+          <a:p>
+            <a:r>
+              <a:rPr lang="en-CA" dirty="0" smtClean="0"/>
+              <a:t>After </a:t>
+            </a:r>
+            <a:r>
+              <a:rPr lang="en-CA" dirty="0"/>
+              <a:t>many # of iterations, </a:t>
+            </a:r>
+            <a:r>
+              <a:rPr lang="en-CA" dirty="0" smtClean="0"/>
+              <a:t>it may </a:t>
+            </a:r>
+            <a:r>
+              <a:rPr lang="en-CA" dirty="0"/>
+              <a:t>progress to a </a:t>
+            </a:r>
+            <a:r>
+              <a:rPr lang="en-CA" dirty="0" smtClean="0"/>
+              <a:t>slightly better </a:t>
+            </a:r>
+            <a:r>
+              <a:rPr lang="en-CA" dirty="0" err="1" smtClean="0"/>
+              <a:t>approx</a:t>
+            </a:r>
+            <a:r>
+              <a:rPr lang="en-CA" dirty="0" smtClean="0"/>
+              <a:t>… or may not</a:t>
+            </a:r>
+            <a:endParaRPr lang="en-CA" dirty="0"/>
+          </a:p>
+          <a:p>
+            <a:endParaRPr lang="en-CA" dirty="0"/>
+          </a:p>
+        </p:txBody>
+      </p:sp>
+      <p:sp>
+        <p:nvSpPr>
+          <p:cNvPr id="5" name="Text Placeholder 4"/>
+          <p:cNvSpPr>
+            <a:spLocks noGrp="1"/>
+          </p:cNvSpPr>
+          <p:nvPr>
+            <p:ph type="body" sz="quarter" idx="3"/>
+          </p:nvPr>
+        </p:nvSpPr>
+        <p:spPr/>
+        <p:txBody>
+          <a:bodyPr>
+            <a:normAutofit/>
+          </a:bodyPr>
+          <a:lstStyle/>
+          <a:p>
+            <a:pPr algn="ctr"/>
+            <a:r>
+              <a:rPr lang="en-CA" dirty="0" smtClean="0"/>
+              <a:t>Deterministic Gradient</a:t>
+            </a:r>
+            <a:endParaRPr lang="en-CA" dirty="0"/>
+          </a:p>
+        </p:txBody>
+      </p:sp>
+      <p:sp>
+        <p:nvSpPr>
+          <p:cNvPr id="6" name="Content Placeholder 5"/>
+          <p:cNvSpPr>
+            <a:spLocks noGrp="1"/>
+          </p:cNvSpPr>
+          <p:nvPr>
+            <p:ph sz="quarter" idx="4"/>
+          </p:nvPr>
+        </p:nvSpPr>
+        <p:spPr/>
+        <p:txBody>
+          <a:bodyPr>
+            <a:normAutofit/>
+          </a:bodyPr>
+          <a:lstStyle/>
+          <a:p>
+            <a:r>
+              <a:rPr lang="en-CA" b="1" dirty="0" smtClean="0"/>
+              <a:t>Good quality</a:t>
+            </a:r>
+            <a:r>
+              <a:rPr lang="en-CA" dirty="0" smtClean="0"/>
+              <a:t>: </a:t>
+            </a:r>
+            <a:r>
+              <a:rPr lang="en-CA" dirty="0"/>
+              <a:t>guaranteed to yield a better approximation than stochastic after same # of </a:t>
+            </a:r>
+            <a:r>
+              <a:rPr lang="en-CA" dirty="0" smtClean="0"/>
+              <a:t>iterations</a:t>
+            </a:r>
+          </a:p>
+          <a:p>
+            <a:r>
+              <a:rPr lang="en-CA" b="1" dirty="0" smtClean="0"/>
+              <a:t>Slow</a:t>
+            </a:r>
+            <a:r>
+              <a:rPr lang="en-CA" dirty="0"/>
+              <a:t>: O(N</a:t>
+            </a:r>
+            <a:r>
+              <a:rPr lang="en-CA" dirty="0" smtClean="0"/>
+              <a:t>) samples in each iteration</a:t>
+            </a:r>
+          </a:p>
+          <a:p>
+            <a:r>
+              <a:rPr lang="en-CA" dirty="0" smtClean="0"/>
+              <a:t>What if we want </a:t>
+            </a:r>
+            <a:r>
+              <a:rPr lang="en-CA" b="1" dirty="0" smtClean="0"/>
+              <a:t>Good </a:t>
+            </a:r>
+            <a:r>
+              <a:rPr lang="en-CA" dirty="0" smtClean="0"/>
+              <a:t>&amp; </a:t>
+            </a:r>
+            <a:r>
+              <a:rPr lang="en-CA" b="1" dirty="0" smtClean="0"/>
+              <a:t>Fast</a:t>
+            </a:r>
+            <a:r>
+              <a:rPr lang="en-CA" dirty="0" smtClean="0"/>
+              <a:t> convergence in MF?</a:t>
+            </a:r>
+          </a:p>
+          <a:p>
+            <a:endParaRPr lang="en-CA" dirty="0"/>
+          </a:p>
+          <a:p>
+            <a:endParaRPr lang="en-CA" dirty="0"/>
+          </a:p>
+        </p:txBody>
+      </p:sp>
+    </p:spTree>
+    <p:extLst>
+      <p:ext uri="{BB962C8B-B14F-4D97-AF65-F5344CB8AC3E}">
+        <p14:creationId xmlns:p14="http://schemas.microsoft.com/office/powerpoint/2010/main" val="2094878998"/>
+      </p:ext>
+    </p:extLst>
+  </p:cSld>
+  <p:clrMapOvr>
+    <a:masterClrMapping/>
+  </p:clrMapOvr>
+  <p:timing>
+    <p:tnLst>
+      <p:par>
+        <p:cTn id="1" dur="indefinite" restart="never" nodeType="tmRoot"/>
+      </p:par>
+    </p:tnLst>
+  </p:timing>
+</p:sld>
+</file>
+
+<file path=ppt/slides/slide30.xml><?xml version="1.0" encoding="utf-8"?>
 <p:sld xmlns:a="http://schemas.openxmlformats.org/drawingml/2006/main" xmlns:r="http://schemas.openxmlformats.org/officeDocument/2006/relationships" xmlns:p="http://schemas.openxmlformats.org/presentationml/2006/main">
   <p:cSld>
     <p:spTree>
@@ -27180,296 +27796,7 @@
 </p:sld>
 </file>
 
-<file path=ppt/slides/slide3.xml><?xml version="1.0" encoding="utf-8"?>
-<p:sld xmlns:a="http://schemas.openxmlformats.org/drawingml/2006/main" xmlns:r="http://schemas.openxmlformats.org/officeDocument/2006/relationships" xmlns:p="http://schemas.openxmlformats.org/presentationml/2006/main">
-  <p:cSld>
-    <p:spTree>
-      <p:nvGrpSpPr>
-        <p:cNvPr id="1" name=""/>
-        <p:cNvGrpSpPr/>
-        <p:nvPr/>
-      </p:nvGrpSpPr>
-      <p:grpSpPr>
-        <a:xfrm>
-          <a:off x="0" y="0"/>
-          <a:ext cx="0" cy="0"/>
-          <a:chOff x="0" y="0"/>
-          <a:chExt cx="0" cy="0"/>
-        </a:xfrm>
-      </p:grpSpPr>
-      <p:sp>
-        <p:nvSpPr>
-          <p:cNvPr id="2" name="Title 1"/>
-          <p:cNvSpPr>
-            <a:spLocks noGrp="1"/>
-          </p:cNvSpPr>
-          <p:nvPr>
-            <p:ph type="title"/>
-          </p:nvPr>
-        </p:nvSpPr>
-        <p:spPr/>
-        <p:txBody>
-          <a:bodyPr>
-            <a:normAutofit fontScale="90000"/>
-          </a:bodyPr>
-          <a:lstStyle/>
-          <a:p>
-            <a:r>
-              <a:rPr lang="en-CA" dirty="0"/>
-              <a:t>State of the Art in </a:t>
-            </a:r>
-            <a:r>
-              <a:rPr lang="en-CA" dirty="0" smtClean="0"/>
-              <a:t>MF</a:t>
-            </a:r>
-            <a:br>
-              <a:rPr lang="en-CA" dirty="0" smtClean="0"/>
-            </a:br>
-            <a:r>
-              <a:rPr lang="en-CA" sz="3300" dirty="0" smtClean="0"/>
-              <a:t>2 main types of gradient Descent/Ascent</a:t>
-            </a:r>
-            <a:endParaRPr lang="en-CA" sz="3300" dirty="0"/>
-          </a:p>
-        </p:txBody>
-      </p:sp>
-      <p:sp>
-        <p:nvSpPr>
-          <p:cNvPr id="3" name="Text Placeholder 2"/>
-          <p:cNvSpPr>
-            <a:spLocks noGrp="1"/>
-          </p:cNvSpPr>
-          <p:nvPr>
-            <p:ph type="body" idx="1"/>
-          </p:nvPr>
-        </p:nvSpPr>
-        <p:spPr/>
-        <p:txBody>
-          <a:bodyPr>
-            <a:normAutofit/>
-          </a:bodyPr>
-          <a:lstStyle/>
-          <a:p>
-            <a:pPr algn="ctr"/>
-            <a:r>
-              <a:rPr lang="en-CA" dirty="0" smtClean="0"/>
-              <a:t>Stochastic Gradient </a:t>
-            </a:r>
-            <a:endParaRPr lang="en-CA" dirty="0"/>
-          </a:p>
-        </p:txBody>
-      </p:sp>
-      <p:sp>
-        <p:nvSpPr>
-          <p:cNvPr id="4" name="Content Placeholder 3"/>
-          <p:cNvSpPr>
-            <a:spLocks noGrp="1"/>
-          </p:cNvSpPr>
-          <p:nvPr>
-            <p:ph sz="half" idx="2"/>
-          </p:nvPr>
-        </p:nvSpPr>
-        <p:spPr/>
-        <p:txBody>
-          <a:bodyPr/>
-          <a:lstStyle/>
-          <a:p>
-            <a:r>
-              <a:rPr lang="en-CA" b="1" dirty="0" smtClean="0"/>
-              <a:t>Fast</a:t>
-            </a:r>
-            <a:r>
-              <a:rPr lang="en-CA" dirty="0" smtClean="0"/>
-              <a:t>: </a:t>
-            </a:r>
-            <a:r>
-              <a:rPr lang="en-CA" dirty="0"/>
-              <a:t>O(1) samples per iteration</a:t>
-            </a:r>
-          </a:p>
-          <a:p>
-            <a:r>
-              <a:rPr lang="en-CA" b="1" dirty="0" smtClean="0"/>
-              <a:t>Bad quality</a:t>
-            </a:r>
-            <a:r>
-              <a:rPr lang="en-CA" dirty="0" smtClean="0"/>
-              <a:t>: approximation </a:t>
-            </a:r>
-            <a:r>
-              <a:rPr lang="en-CA" dirty="0"/>
-              <a:t>flats out, gets stuck at a local </a:t>
-            </a:r>
-            <a:r>
-              <a:rPr lang="en-CA" dirty="0" smtClean="0"/>
-              <a:t>sub-optimum</a:t>
-            </a:r>
-          </a:p>
-          <a:p>
-            <a:r>
-              <a:rPr lang="en-CA" dirty="0" smtClean="0"/>
-              <a:t>After </a:t>
-            </a:r>
-            <a:r>
-              <a:rPr lang="en-CA" dirty="0"/>
-              <a:t>many # of iterations, </a:t>
-            </a:r>
-            <a:r>
-              <a:rPr lang="en-CA" dirty="0" smtClean="0"/>
-              <a:t>it may </a:t>
-            </a:r>
-            <a:r>
-              <a:rPr lang="en-CA" dirty="0"/>
-              <a:t>progress to a </a:t>
-            </a:r>
-            <a:r>
-              <a:rPr lang="en-CA" dirty="0" smtClean="0"/>
-              <a:t>slightly better </a:t>
-            </a:r>
-            <a:r>
-              <a:rPr lang="en-CA" dirty="0" err="1" smtClean="0"/>
-              <a:t>approx</a:t>
-            </a:r>
-            <a:r>
-              <a:rPr lang="en-CA" dirty="0" smtClean="0"/>
-              <a:t>… </a:t>
-            </a:r>
-            <a:r>
-              <a:rPr lang="en-CA" dirty="0" smtClean="0"/>
-              <a:t>or may not</a:t>
-            </a:r>
-            <a:endParaRPr lang="en-CA" dirty="0"/>
-          </a:p>
-          <a:p>
-            <a:endParaRPr lang="en-CA" dirty="0"/>
-          </a:p>
-        </p:txBody>
-      </p:sp>
-      <p:sp>
-        <p:nvSpPr>
-          <p:cNvPr id="5" name="Text Placeholder 4"/>
-          <p:cNvSpPr>
-            <a:spLocks noGrp="1"/>
-          </p:cNvSpPr>
-          <p:nvPr>
-            <p:ph type="body" sz="quarter" idx="3"/>
-          </p:nvPr>
-        </p:nvSpPr>
-        <p:spPr/>
-        <p:txBody>
-          <a:bodyPr>
-            <a:normAutofit/>
-          </a:bodyPr>
-          <a:lstStyle/>
-          <a:p>
-            <a:pPr algn="ctr"/>
-            <a:r>
-              <a:rPr lang="en-CA" dirty="0" smtClean="0"/>
-              <a:t>Deterministic Gradient</a:t>
-            </a:r>
-            <a:endParaRPr lang="en-CA" dirty="0"/>
-          </a:p>
-        </p:txBody>
-      </p:sp>
-      <p:sp>
-        <p:nvSpPr>
-          <p:cNvPr id="6" name="Content Placeholder 5"/>
-          <p:cNvSpPr>
-            <a:spLocks noGrp="1"/>
-          </p:cNvSpPr>
-          <p:nvPr>
-            <p:ph sz="quarter" idx="4"/>
-          </p:nvPr>
-        </p:nvSpPr>
-        <p:spPr/>
-        <p:txBody>
-          <a:bodyPr>
-            <a:normAutofit/>
-          </a:bodyPr>
-          <a:lstStyle/>
-          <a:p>
-            <a:r>
-              <a:rPr lang="en-CA" b="1" dirty="0" smtClean="0"/>
-              <a:t>Good quality</a:t>
-            </a:r>
-            <a:r>
-              <a:rPr lang="en-CA" dirty="0" smtClean="0"/>
-              <a:t>: </a:t>
-            </a:r>
-            <a:r>
-              <a:rPr lang="en-CA" dirty="0"/>
-              <a:t>guaranteed to yield a better approximation than stochastic after same # of </a:t>
-            </a:r>
-            <a:r>
-              <a:rPr lang="en-CA" dirty="0" smtClean="0"/>
-              <a:t>iterations</a:t>
-            </a:r>
-          </a:p>
-          <a:p>
-            <a:r>
-              <a:rPr lang="en-CA" b="1" dirty="0" smtClean="0"/>
-              <a:t>Slow</a:t>
-            </a:r>
-            <a:r>
-              <a:rPr lang="en-CA" dirty="0"/>
-              <a:t>: O(N</a:t>
-            </a:r>
-            <a:r>
-              <a:rPr lang="en-CA" dirty="0" smtClean="0"/>
-              <a:t>) samples in each iteration</a:t>
-            </a:r>
-          </a:p>
-          <a:p>
-            <a:r>
-              <a:rPr lang="en-CA" dirty="0" smtClean="0"/>
-              <a:t>What if we want </a:t>
-            </a:r>
-            <a:r>
-              <a:rPr lang="en-CA" b="1" dirty="0" smtClean="0"/>
-              <a:t>Good </a:t>
-            </a:r>
-            <a:r>
-              <a:rPr lang="en-CA" dirty="0" smtClean="0"/>
-              <a:t>&amp; </a:t>
-            </a:r>
-            <a:r>
-              <a:rPr lang="en-CA" b="1" dirty="0" smtClean="0"/>
-              <a:t>Fast</a:t>
-            </a:r>
-            <a:r>
-              <a:rPr lang="en-CA" dirty="0" smtClean="0"/>
-              <a:t> convergence in MF?</a:t>
-            </a:r>
-          </a:p>
-          <a:p>
-            <a:endParaRPr lang="en-CA" dirty="0"/>
-          </a:p>
-          <a:p>
-            <a:endParaRPr lang="en-CA" dirty="0"/>
-          </a:p>
-        </p:txBody>
-      </p:sp>
-    </p:spTree>
-    <p:extLst>
-      <p:ext uri="{BB962C8B-B14F-4D97-AF65-F5344CB8AC3E}">
-        <p14:creationId xmlns:p14="http://schemas.microsoft.com/office/powerpoint/2010/main" val="2094878998"/>
-      </p:ext>
-    </p:extLst>
-  </p:cSld>
-  <p:clrMapOvr>
-    <a:masterClrMapping/>
-  </p:clrMapOvr>
-  <p:timing>
-    <p:tnLst>
-      <p:par>
-        <p:cTn id="1" dur="indefinite" restart="never" nodeType="tmRoot"/>
-      </p:par>
-    </p:tnLst>
-  </p:timing>
-</p:sld>
-</file>
-
-<file path=ppt/slides/slide30.xml><?xml version="1.0" encoding="utf-8"?>
+<file path=ppt/slides/slide31.xml><?xml version="1.0" encoding="utf-8"?>
 <p:sld xmlns:a="http://schemas.openxmlformats.org/drawingml/2006/main" xmlns:r="http://schemas.openxmlformats.org/officeDocument/2006/relationships" xmlns:p="http://schemas.openxmlformats.org/presentationml/2006/main">
   <p:cSld>
     <p:spTree>
@@ -28216,8 +28543,8 @@
 </p:sld>
 </file>
 
-<file path=ppt/slides/slide31.xml><?xml version="1.0" encoding="utf-8"?>
-<p:sld xmlns:a="http://schemas.openxmlformats.org/drawingml/2006/main" xmlns:r="http://schemas.openxmlformats.org/officeDocument/2006/relationships" xmlns:p="http://schemas.openxmlformats.org/presentationml/2006/main" show="0">
+<file path=ppt/slides/slide32.xml><?xml version="1.0" encoding="utf-8"?>
+<p:sld xmlns:a="http://schemas.openxmlformats.org/drawingml/2006/main" xmlns:r="http://schemas.openxmlformats.org/officeDocument/2006/relationships" xmlns:p="http://schemas.openxmlformats.org/presentationml/2006/main">
   <p:cSld>
     <p:spTree>
       <p:nvGrpSpPr>
@@ -28310,8 +28637,8 @@
           </a:p>
         </p:txBody>
       </p:sp>
-      <mc:AlternateContent xmlns:mc="http://schemas.openxmlformats.org/markup-compatibility/2006" xmlns:a14="http://schemas.microsoft.com/office/drawing/2010/main">
-        <mc:Choice Requires="a14">
+      <mc:AlternateContent xmlns:mc="http://schemas.openxmlformats.org/markup-compatibility/2006">
+        <mc:Choice xmlns:a14="http://schemas.microsoft.com/office/drawing/2010/main" Requires="a14">
           <p:sp>
             <p:nvSpPr>
               <p:cNvPr id="3" name="Content Placeholder 2"/>
@@ -28334,8 +28661,17 @@
                 </a:pPr>
                 <a:r>
                   <a:rPr lang="en-CA" dirty="0" smtClean="0"/>
-                  <a:t>Sampling with replacement: </a:t>
-                </a:r>
+                  <a:t>Refresh early, recall Sampling </a:t>
+                </a:r>
+                <a:r>
+                  <a:rPr lang="en-CA" dirty="0" smtClean="0"/>
+                  <a:t>with </a:t>
+                </a:r>
+                <a:r>
+                  <a:rPr lang="en-CA" dirty="0" smtClean="0"/>
+                  <a:t>replacement:</a:t>
+                </a:r>
+                <a:endParaRPr lang="en-CA" dirty="0" smtClean="0"/>
               </a:p>
               <a:p>
                 <a:r>
@@ -28554,7 +28890,7 @@
             </p:txBody>
           </p:sp>
         </mc:Choice>
-        <mc:Fallback xmlns="">
+        <mc:Fallback>
           <p:sp>
             <p:nvSpPr>
               <p:cNvPr id="3" name="Content Placeholder 2"/>
@@ -28598,11 +28934,11 @@
   <p:clrMapOvr>
     <a:masterClrMapping/>
   </p:clrMapOvr>
-  <mc:AlternateContent xmlns:mc="http://schemas.openxmlformats.org/markup-compatibility/2006" xmlns:p14="http://schemas.microsoft.com/office/powerpoint/2010/main">
-    <mc:Choice Requires="p14">
+  <mc:AlternateContent xmlns:mc="http://schemas.openxmlformats.org/markup-compatibility/2006">
+    <mc:Choice xmlns:p14="http://schemas.microsoft.com/office/powerpoint/2010/main" Requires="p14">
       <p:transition spd="slow" p14:dur="2000"/>
     </mc:Choice>
-    <mc:Fallback xmlns="">
+    <mc:Fallback>
       <p:transition spd="slow"/>
     </mc:Fallback>
   </mc:AlternateContent>
@@ -28616,7 +28952,7 @@
 </p:sld>
 </file>
 
-<file path=ppt/slides/slide32.xml><?xml version="1.0" encoding="utf-8"?>
+<file path=ppt/slides/slide33.xml><?xml version="1.0" encoding="utf-8"?>
 <p:sld xmlns:a="http://schemas.openxmlformats.org/drawingml/2006/main" xmlns:r="http://schemas.openxmlformats.org/officeDocument/2006/relationships" xmlns:p="http://schemas.openxmlformats.org/presentationml/2006/main" show="0">
   <p:cSld>
     <p:spTree>
@@ -29453,8 +29789,8 @@
 </p:sld>
 </file>
 
-<file path=ppt/slides/slide33.xml><?xml version="1.0" encoding="utf-8"?>
-<p:sld xmlns:a="http://schemas.openxmlformats.org/drawingml/2006/main" xmlns:r="http://schemas.openxmlformats.org/officeDocument/2006/relationships" xmlns:p="http://schemas.openxmlformats.org/presentationml/2006/main" show="0">
+<file path=ppt/slides/slide34.xml><?xml version="1.0" encoding="utf-8"?>
+<p:sld xmlns:a="http://schemas.openxmlformats.org/drawingml/2006/main" xmlns:r="http://schemas.openxmlformats.org/officeDocument/2006/relationships" xmlns:p="http://schemas.openxmlformats.org/presentationml/2006/main">
   <p:cSld>
     <p:spTree>
       <p:nvGrpSpPr>
@@ -30390,11 +30726,11 @@
   <p:clrMapOvr>
     <a:masterClrMapping/>
   </p:clrMapOvr>
-  <mc:AlternateContent xmlns:mc="http://schemas.openxmlformats.org/markup-compatibility/2006" xmlns:p14="http://schemas.microsoft.com/office/powerpoint/2010/main">
-    <mc:Choice Requires="p14">
+  <mc:AlternateContent xmlns:mc="http://schemas.openxmlformats.org/markup-compatibility/2006">
+    <mc:Choice xmlns:p14="http://schemas.microsoft.com/office/powerpoint/2010/main" Requires="p14">
       <p:transition spd="slow" p14:dur="2000"/>
     </mc:Choice>
-    <mc:Fallback xmlns="">
+    <mc:Fallback>
       <p:transition spd="slow"/>
     </mc:Fallback>
   </mc:AlternateContent>
@@ -30408,7 +30744,7 @@
 </p:sld>
 </file>
 
-<file path=ppt/slides/slide34.xml><?xml version="1.0" encoding="utf-8"?>
+<file path=ppt/slides/slide35.xml><?xml version="1.0" encoding="utf-8"?>
 <p:sld xmlns:a="http://schemas.openxmlformats.org/drawingml/2006/main" xmlns:r="http://schemas.openxmlformats.org/officeDocument/2006/relationships" xmlns:p="http://schemas.openxmlformats.org/presentationml/2006/main">
   <p:cSld>
     <p:spTree>
@@ -30752,7 +31088,7 @@
           <p:nvPr>
             <p:extLst>
               <p:ext uri="{D42A27DB-BD31-4B8C-83A1-F6EECF244321}">
-                <p14:modId xmlns:p14="http://schemas.microsoft.com/office/powerpoint/2010/main" val="1422013078"/>
+                <p14:modId xmlns:p14="http://schemas.microsoft.com/office/powerpoint/2010/main" val="802471100"/>
               </p:ext>
             </p:extLst>
           </p:nvPr>
@@ -30786,6 +31122,10 @@
                       <a:r>
                         <a:rPr lang="en-CA" baseline="0" dirty="0" smtClean="0"/>
                         <a:t> </a:t>
+                      </a:r>
+                      <a:r>
+                        <a:rPr lang="en-CA" baseline="0" dirty="0" smtClean="0"/>
+                        <a:t>Descent/Ascent</a:t>
                       </a:r>
                       <a:endParaRPr lang="en-CA" dirty="0"/>
                     </a:p>
@@ -31325,7 +31665,7 @@
 </p:sld>
 </file>
 
-<file path=ppt/slides/slide35.xml><?xml version="1.0" encoding="utf-8"?>
+<file path=ppt/slides/slide36.xml><?xml version="1.0" encoding="utf-8"?>
 <p:sld xmlns:a="http://schemas.openxmlformats.org/drawingml/2006/main" xmlns:r="http://schemas.openxmlformats.org/officeDocument/2006/relationships" xmlns:p="http://schemas.openxmlformats.org/presentationml/2006/main">
   <p:cSld>
     <p:spTree>
@@ -31669,7 +32009,7 @@
           <p:nvPr>
             <p:extLst>
               <p:ext uri="{D42A27DB-BD31-4B8C-83A1-F6EECF244321}">
-                <p14:modId xmlns:p14="http://schemas.microsoft.com/office/powerpoint/2010/main" val="4050084941"/>
+                <p14:modId xmlns:p14="http://schemas.microsoft.com/office/powerpoint/2010/main" val="116595516"/>
               </p:ext>
             </p:extLst>
           </p:nvPr>
@@ -31992,7 +32332,11 @@
                       </a:r>
                       <a:r>
                         <a:rPr lang="en-CA" sz="2400" dirty="0" smtClean="0"/>
-                        <a:t>( (</a:t>
+                        <a:t>(N + </a:t>
+                      </a:r>
+                      <a:r>
+                        <a:rPr lang="en-CA" sz="2400" dirty="0" smtClean="0"/>
+                        <a:t>(</a:t>
                       </a:r>
                       <a:r>
                         <a:rPr lang="en-CA" sz="2400" i="1" dirty="0" smtClean="0"/>
@@ -32000,19 +32344,23 @@
                       </a:r>
                       <a:r>
                         <a:rPr lang="en-CA" sz="2400" dirty="0" smtClean="0"/>
-                        <a:t> + </a:t>
+                        <a:t> + 2*(</a:t>
                       </a:r>
                       <a:r>
                         <a:rPr lang="en-CA" sz="2400" i="1" dirty="0" err="1" smtClean="0"/>
                         <a:t>nRows</a:t>
                       </a:r>
                       <a:r>
-                        <a:rPr lang="en-CA" sz="2400" dirty="0" smtClean="0"/>
-                        <a:t> + </a:t>
+                        <a:rPr lang="en-CA" sz="2400" dirty="0" err="1" smtClean="0"/>
+                        <a:t>+</a:t>
                       </a:r>
                       <a:r>
                         <a:rPr lang="en-CA" sz="2400" i="1" dirty="0" err="1" smtClean="0"/>
                         <a:t>nCols</a:t>
+                      </a:r>
+                      <a:r>
+                        <a:rPr lang="en-CA" sz="2400" i="0" dirty="0" smtClean="0"/>
+                        <a:t>)</a:t>
                       </a:r>
                       <a:r>
                         <a:rPr lang="en-CA" sz="2400" dirty="0" smtClean="0"/>
@@ -32021,10 +32369,6 @@
                       <a:r>
                         <a:rPr lang="en-CA" sz="2400" i="1" dirty="0" err="1" smtClean="0"/>
                         <a:t>nDims</a:t>
-                      </a:r>
-                      <a:r>
-                        <a:rPr lang="en-CA" sz="2400" i="1" dirty="0" smtClean="0"/>
-                        <a:t> </a:t>
                       </a:r>
                       <a:r>
                         <a:rPr lang="en-CA" sz="2400" dirty="0" smtClean="0"/>
@@ -32192,7 +32536,12 @@
                     </a:p>
                   </a:txBody>
                   <a:tcPr anchor="ctr">
-                    <a:noFill/>
+                    <a:solidFill>
+                      <a:schemeClr val="accent4">
+                        <a:lumMod val="60000"/>
+                        <a:lumOff val="40000"/>
+                      </a:schemeClr>
+                    </a:solidFill>
                   </a:tcPr>
                 </a:tc>
                 <a:tc>
@@ -32217,7 +32566,12 @@
                     </a:p>
                   </a:txBody>
                   <a:tcPr anchor="ctr">
-                    <a:noFill/>
+                    <a:solidFill>
+                      <a:schemeClr val="accent4">
+                        <a:lumMod val="60000"/>
+                        <a:lumOff val="40000"/>
+                      </a:schemeClr>
+                    </a:solidFill>
                   </a:tcPr>
                 </a:tc>
                 <a:tc>
@@ -32325,7 +32679,12 @@
                     </a:p>
                   </a:txBody>
                   <a:tcPr marL="0" marR="0" anchor="ctr">
-                    <a:noFill/>
+                    <a:solidFill>
+                      <a:schemeClr val="accent4">
+                        <a:lumMod val="60000"/>
+                        <a:lumOff val="40000"/>
+                      </a:schemeClr>
+                    </a:solidFill>
                   </a:tcPr>
                 </a:tc>
               </a:tr>
@@ -32774,182 +33133,6 @@
 </p:sld>
 </file>
 
-<file path=ppt/slides/slide36.xml><?xml version="1.0" encoding="utf-8"?>
-<p:sld xmlns:a="http://schemas.openxmlformats.org/drawingml/2006/main" xmlns:r="http://schemas.openxmlformats.org/officeDocument/2006/relationships" xmlns:p="http://schemas.openxmlformats.org/presentationml/2006/main">
-  <p:cSld>
-    <p:spTree>
-      <p:nvGrpSpPr>
-        <p:cNvPr id="1" name=""/>
-        <p:cNvGrpSpPr/>
-        <p:nvPr/>
-      </p:nvGrpSpPr>
-      <p:grpSpPr>
-        <a:xfrm>
-          <a:off x="0" y="0"/>
-          <a:ext cx="0" cy="0"/>
-          <a:chOff x="0" y="0"/>
-          <a:chExt cx="0" cy="0"/>
-        </a:xfrm>
-      </p:grpSpPr>
-      <p:sp>
-        <p:nvSpPr>
-          <p:cNvPr id="2" name="Title 1"/>
-          <p:cNvSpPr>
-            <a:spLocks noGrp="1"/>
-          </p:cNvSpPr>
-          <p:nvPr>
-            <p:ph type="title"/>
-          </p:nvPr>
-        </p:nvSpPr>
-        <p:spPr/>
-        <p:txBody>
-          <a:bodyPr>
-            <a:normAutofit/>
-          </a:bodyPr>
-          <a:lstStyle/>
-          <a:p>
-            <a:r>
-              <a:rPr lang="en-US" dirty="0" smtClean="0"/>
-              <a:t>Implementation: Why </a:t>
-            </a:r>
-            <a:r>
-              <a:rPr lang="en-US" dirty="0" err="1" smtClean="0"/>
-              <a:t>MatLab</a:t>
-            </a:r>
-            <a:r>
-              <a:rPr lang="en-US" dirty="0" smtClean="0"/>
-              <a:t>?</a:t>
-            </a:r>
-            <a:endParaRPr lang="en-US" dirty="0"/>
-          </a:p>
-        </p:txBody>
-      </p:sp>
-      <p:sp>
-        <p:nvSpPr>
-          <p:cNvPr id="3" name="Content Placeholder 2"/>
-          <p:cNvSpPr>
-            <a:spLocks noGrp="1"/>
-          </p:cNvSpPr>
-          <p:nvPr>
-            <p:ph idx="1"/>
-          </p:nvPr>
-        </p:nvSpPr>
-        <p:spPr/>
-        <p:txBody>
-          <a:bodyPr>
-            <a:normAutofit lnSpcReduction="10000"/>
-          </a:bodyPr>
-          <a:lstStyle/>
-          <a:p>
-            <a:r>
-              <a:rPr lang="en-US" dirty="0" smtClean="0"/>
-              <a:t>Almost a standard tool for rapid prototyping</a:t>
-            </a:r>
-          </a:p>
-          <a:p>
-            <a:pPr lvl="1"/>
-            <a:r>
-              <a:rPr lang="en-US" dirty="0" smtClean="0"/>
-              <a:t>Standard PL for ML at many schools UBC, Stanford</a:t>
-            </a:r>
-          </a:p>
-          <a:p>
-            <a:r>
-              <a:rPr lang="en-US" dirty="0" smtClean="0"/>
-              <a:t>System model (code) closely matches mental model (developer).</a:t>
-            </a:r>
-          </a:p>
-          <a:p>
-            <a:pPr lvl="1"/>
-            <a:r>
-              <a:rPr lang="en-US" dirty="0" smtClean="0"/>
-              <a:t>Matrix multiplication </a:t>
-            </a:r>
-            <a:r>
-              <a:rPr lang="en-US" dirty="0" err="1" smtClean="0"/>
-              <a:t>Matlab</a:t>
-            </a:r>
-            <a:r>
-              <a:rPr lang="en-US" dirty="0" smtClean="0"/>
-              <a:t>: </a:t>
-            </a:r>
-            <a:r>
-              <a:rPr lang="en-US" i="1" dirty="0" smtClean="0"/>
-              <a:t>A</a:t>
-            </a:r>
-            <a:r>
-              <a:rPr lang="en-US" dirty="0" smtClean="0"/>
-              <a:t> = </a:t>
-            </a:r>
-            <a:r>
-              <a:rPr lang="en-US" i="1" dirty="0" smtClean="0"/>
-              <a:t>U</a:t>
-            </a:r>
-            <a:r>
-              <a:rPr lang="en-US" dirty="0" smtClean="0"/>
-              <a:t>*</a:t>
-            </a:r>
-            <a:r>
-              <a:rPr lang="en-US" i="1" dirty="0" smtClean="0"/>
-              <a:t>V</a:t>
-            </a:r>
-            <a:r>
-              <a:rPr lang="en-US" dirty="0" smtClean="0"/>
-              <a:t>;</a:t>
-            </a:r>
-          </a:p>
-          <a:p>
-            <a:pPr lvl="1"/>
-            <a:r>
-              <a:rPr lang="en-US" dirty="0" smtClean="0"/>
-              <a:t>C/C++/Java has additional mental overhead:</a:t>
-            </a:r>
-            <a:br>
-              <a:rPr lang="en-US" dirty="0" smtClean="0"/>
-            </a:br>
-            <a:r>
-              <a:rPr lang="en-US" dirty="0" smtClean="0"/>
-              <a:t>memory allocation, variable type, correct function name, order of inputs…</a:t>
-            </a:r>
-          </a:p>
-          <a:p>
-            <a:r>
-              <a:rPr lang="en-US" dirty="0" err="1" smtClean="0"/>
-              <a:t>Vectorized</a:t>
-            </a:r>
-            <a:r>
-              <a:rPr lang="en-US" dirty="0" smtClean="0"/>
-              <a:t> computation, parallel CPU/GPU</a:t>
-            </a:r>
-          </a:p>
-          <a:p>
-            <a:endParaRPr lang="en-US" dirty="0" smtClean="0"/>
-          </a:p>
-          <a:p>
-            <a:endParaRPr lang="en-US" dirty="0"/>
-          </a:p>
-        </p:txBody>
-      </p:sp>
-    </p:spTree>
-    <p:extLst>
-      <p:ext uri="{BB962C8B-B14F-4D97-AF65-F5344CB8AC3E}">
-        <p14:creationId xmlns:p14="http://schemas.microsoft.com/office/powerpoint/2010/main" val="3521903161"/>
-      </p:ext>
-    </p:extLst>
-  </p:cSld>
-  <p:clrMapOvr>
-    <a:masterClrMapping/>
-  </p:clrMapOvr>
-  <p:timing>
-    <p:tnLst>
-      <p:par>
-        <p:cTn id="1" dur="indefinite" restart="never" nodeType="tmRoot"/>
-      </p:par>
-    </p:tnLst>
-  </p:timing>
-</p:sld>
-</file>
-
 <file path=ppt/slides/slide37.xml><?xml version="1.0" encoding="utf-8"?>
 <p:sld xmlns:a="http://schemas.openxmlformats.org/drawingml/2006/main" xmlns:r="http://schemas.openxmlformats.org/officeDocument/2006/relationships" xmlns:p="http://schemas.openxmlformats.org/presentationml/2006/main">
   <p:cSld>
@@ -32986,9 +33169,17 @@
           <a:p>
             <a:r>
               <a:rPr lang="en-US" dirty="0" smtClean="0"/>
-              <a:t>Evaluation: Research Questions</a:t>
-            </a:r>
-            <a:endParaRPr lang="en-US" sz="2400" dirty="0"/>
+              <a:t>Implementation: Why </a:t>
+            </a:r>
+            <a:r>
+              <a:rPr lang="en-US" dirty="0" err="1" smtClean="0"/>
+              <a:t>MatLab</a:t>
+            </a:r>
+            <a:r>
+              <a:rPr lang="en-US" dirty="0" smtClean="0"/>
+              <a:t>?</a:t>
+            </a:r>
+            <a:endParaRPr lang="en-US" dirty="0"/>
           </a:p>
         </p:txBody>
       </p:sp>
@@ -33005,99 +33196,103 @@
         <p:spPr/>
         <p:txBody>
           <a:bodyPr>
-            <a:normAutofit/>
+            <a:normAutofit lnSpcReduction="10000"/>
           </a:bodyPr>
           <a:lstStyle/>
           <a:p>
-            <a:pPr marL="0" indent="0">
-              <a:buNone/>
-            </a:pPr>
-            <a:r>
-              <a:rPr lang="en-US" sz="2600" dirty="0" smtClean="0"/>
-              <a:t>Compared to Deterministic and Stochastic gradient,</a:t>
-            </a:r>
-          </a:p>
-          <a:p>
-            <a:pPr marL="514350" indent="-514350">
-              <a:buFont typeface="+mj-lt"/>
-              <a:buAutoNum type="arabicPeriod"/>
-            </a:pPr>
-            <a:r>
-              <a:rPr lang="en-US" sz="2600" dirty="0" smtClean="0"/>
-              <a:t>Can SAG converge quickly in Matrix Factorization?</a:t>
-            </a:r>
-          </a:p>
-          <a:p>
-            <a:pPr marL="514350" indent="-514350">
-              <a:buFont typeface="+mj-lt"/>
-              <a:buAutoNum type="arabicPeriod"/>
-            </a:pPr>
-            <a:r>
-              <a:rPr lang="en-US" sz="2600" dirty="0" smtClean="0"/>
-              <a:t>Can SAG give better approx. after convergence?</a:t>
-            </a:r>
-          </a:p>
-          <a:p>
-            <a:pPr marL="514350" indent="-514350">
-              <a:buFont typeface="+mj-lt"/>
-              <a:buAutoNum type="arabicPeriod"/>
-            </a:pPr>
-            <a:r>
-              <a:rPr lang="en-US" sz="2600" dirty="0" smtClean="0"/>
-              <a:t>Can SAG work with different objective functions?</a:t>
-            </a:r>
-          </a:p>
-          <a:p>
-            <a:pPr marL="514350" indent="-514350">
-              <a:buFont typeface="+mj-lt"/>
-              <a:buAutoNum type="arabicPeriod"/>
-            </a:pPr>
-            <a:r>
-              <a:rPr lang="en-US" sz="2600" dirty="0" smtClean="0"/>
-              <a:t>Does SAG work with different datasets?</a:t>
-            </a:r>
-          </a:p>
-          <a:p>
-            <a:pPr marL="0" indent="0">
-              <a:buNone/>
-            </a:pPr>
-            <a:endParaRPr lang="en-US" sz="2600" dirty="0" smtClean="0"/>
-          </a:p>
-          <a:p>
-            <a:pPr marL="0" indent="0">
-              <a:buNone/>
-            </a:pPr>
-            <a:r>
-              <a:rPr lang="en-US" sz="2600" dirty="0" smtClean="0"/>
-              <a:t>Compared to SAG generic / Stochastic gradient,</a:t>
-            </a:r>
-          </a:p>
-          <a:p>
-            <a:pPr marL="514350" indent="-514350">
-              <a:buFont typeface="+mj-lt"/>
-              <a:buAutoNum type="arabicPeriod" startAt="5"/>
-            </a:pPr>
-            <a:r>
-              <a:rPr lang="en-US" sz="2600" dirty="0" smtClean="0"/>
-              <a:t>How much slower is SAG-MF ahead?</a:t>
-            </a:r>
-          </a:p>
-          <a:p>
-            <a:pPr marL="514350" indent="-514350">
-              <a:buFont typeface="+mj-lt"/>
-              <a:buAutoNum type="arabicPeriod" startAt="5"/>
-            </a:pPr>
-            <a:r>
-              <a:rPr lang="en-US" sz="2600" dirty="0" smtClean="0"/>
-              <a:t>How much memory does SAG-MF ahead really save?</a:t>
-            </a:r>
+            <a:r>
+              <a:rPr lang="en-US" dirty="0" smtClean="0"/>
+              <a:t>Almost a standard tool for rapid prototyping</a:t>
+            </a:r>
+          </a:p>
+          <a:p>
+            <a:pPr lvl="1"/>
+            <a:r>
+              <a:rPr lang="en-US" dirty="0" smtClean="0"/>
+              <a:t>Standard PL for ML at many schools UBC, Stanford</a:t>
+            </a:r>
+          </a:p>
+          <a:p>
+            <a:r>
+              <a:rPr lang="en-US" dirty="0" smtClean="0"/>
+              <a:t>System model (code) closely matches mental model (developer).</a:t>
+            </a:r>
+          </a:p>
+          <a:p>
+            <a:pPr lvl="1"/>
+            <a:r>
+              <a:rPr lang="en-US" dirty="0" smtClean="0"/>
+              <a:t>Matrix multiplication </a:t>
+            </a:r>
+            <a:r>
+              <a:rPr lang="en-US" dirty="0" err="1" smtClean="0"/>
+              <a:t>Matlab</a:t>
+            </a:r>
+            <a:r>
+              <a:rPr lang="en-US" dirty="0" smtClean="0"/>
+              <a:t>: </a:t>
+            </a:r>
+            <a:r>
+              <a:rPr lang="en-US" i="1" dirty="0" smtClean="0"/>
+              <a:t>A</a:t>
+            </a:r>
+            <a:r>
+              <a:rPr lang="en-US" dirty="0" smtClean="0"/>
+              <a:t> = </a:t>
+            </a:r>
+            <a:r>
+              <a:rPr lang="en-US" i="1" dirty="0" smtClean="0"/>
+              <a:t>U</a:t>
+            </a:r>
+            <a:r>
+              <a:rPr lang="en-US" dirty="0" smtClean="0"/>
+              <a:t>*</a:t>
+            </a:r>
+            <a:r>
+              <a:rPr lang="en-US" i="1" dirty="0" smtClean="0"/>
+              <a:t>V</a:t>
+            </a:r>
+            <a:r>
+              <a:rPr lang="en-US" dirty="0" smtClean="0"/>
+              <a:t>;</a:t>
+            </a:r>
+          </a:p>
+          <a:p>
+            <a:pPr lvl="1"/>
+            <a:r>
+              <a:rPr lang="en-US" dirty="0" smtClean="0"/>
+              <a:t>C/C++/Java has additional mental overhead:</a:t>
+            </a:r>
+            <a:br>
+              <a:rPr lang="en-US" dirty="0" smtClean="0"/>
+            </a:br>
+            <a:r>
+              <a:rPr lang="en-US" dirty="0" smtClean="0"/>
+              <a:t>memory allocation, variable type, correct function name, order of inputs…</a:t>
+            </a:r>
+          </a:p>
+          <a:p>
+            <a:r>
+              <a:rPr lang="en-US" dirty="0" err="1" smtClean="0"/>
+              <a:t>Vectorized</a:t>
+            </a:r>
+            <a:r>
+              <a:rPr lang="en-US" dirty="0" smtClean="0"/>
+              <a:t> computation, parallel CPU/GPU</a:t>
+            </a:r>
+          </a:p>
+          <a:p>
+            <a:endParaRPr lang="en-US" dirty="0" smtClean="0"/>
+          </a:p>
+          <a:p>
+            <a:endParaRPr lang="en-US" dirty="0"/>
           </a:p>
         </p:txBody>
       </p:sp>
     </p:spTree>
     <p:extLst>
       <p:ext uri="{BB962C8B-B14F-4D97-AF65-F5344CB8AC3E}">
-        <p14:creationId xmlns:p14="http://schemas.microsoft.com/office/powerpoint/2010/main" val="2792777757"/>
+        <p14:creationId xmlns:p14="http://schemas.microsoft.com/office/powerpoint/2010/main" val="3521903161"/>
       </p:ext>
     </p:extLst>
   </p:cSld>
@@ -33143,6 +33338,170 @@
         </p:nvSpPr>
         <p:spPr/>
         <p:txBody>
+          <a:bodyPr>
+            <a:normAutofit/>
+          </a:bodyPr>
+          <a:lstStyle/>
+          <a:p>
+            <a:r>
+              <a:rPr lang="en-US" dirty="0" smtClean="0"/>
+              <a:t>Evaluation: Research Questions</a:t>
+            </a:r>
+            <a:endParaRPr lang="en-US" sz="2400" dirty="0"/>
+          </a:p>
+        </p:txBody>
+      </p:sp>
+      <p:sp>
+        <p:nvSpPr>
+          <p:cNvPr id="3" name="Content Placeholder 2"/>
+          <p:cNvSpPr>
+            <a:spLocks noGrp="1"/>
+          </p:cNvSpPr>
+          <p:nvPr>
+            <p:ph idx="1"/>
+          </p:nvPr>
+        </p:nvSpPr>
+        <p:spPr/>
+        <p:txBody>
+          <a:bodyPr>
+            <a:normAutofit/>
+          </a:bodyPr>
+          <a:lstStyle/>
+          <a:p>
+            <a:pPr marL="0" indent="0">
+              <a:buNone/>
+            </a:pPr>
+            <a:r>
+              <a:rPr lang="en-US" sz="2600" dirty="0" smtClean="0"/>
+              <a:t>Compared to Deterministic and Stochastic gradient,</a:t>
+            </a:r>
+          </a:p>
+          <a:p>
+            <a:pPr marL="514350" indent="-514350">
+              <a:buFont typeface="+mj-lt"/>
+              <a:buAutoNum type="arabicPeriod"/>
+            </a:pPr>
+            <a:r>
+              <a:rPr lang="en-US" sz="2600" dirty="0" smtClean="0"/>
+              <a:t>Can SAG converge quickly in Matrix Factorization?</a:t>
+            </a:r>
+          </a:p>
+          <a:p>
+            <a:pPr marL="514350" indent="-514350">
+              <a:buFont typeface="+mj-lt"/>
+              <a:buAutoNum type="arabicPeriod"/>
+            </a:pPr>
+            <a:r>
+              <a:rPr lang="en-US" sz="2600" dirty="0" smtClean="0"/>
+              <a:t>Can SAG give better approx. after convergence?</a:t>
+            </a:r>
+          </a:p>
+          <a:p>
+            <a:pPr marL="514350" indent="-514350">
+              <a:buFont typeface="+mj-lt"/>
+              <a:buAutoNum type="arabicPeriod"/>
+            </a:pPr>
+            <a:r>
+              <a:rPr lang="en-US" sz="2600" dirty="0" smtClean="0"/>
+              <a:t>Can SAG work with different objective functions?</a:t>
+            </a:r>
+          </a:p>
+          <a:p>
+            <a:pPr marL="514350" indent="-514350">
+              <a:buFont typeface="+mj-lt"/>
+              <a:buAutoNum type="arabicPeriod"/>
+            </a:pPr>
+            <a:r>
+              <a:rPr lang="en-US" sz="2600" dirty="0" smtClean="0"/>
+              <a:t>Does SAG work with different datasets?</a:t>
+            </a:r>
+          </a:p>
+          <a:p>
+            <a:pPr marL="0" indent="0">
+              <a:buNone/>
+            </a:pPr>
+            <a:endParaRPr lang="en-US" sz="2600" dirty="0" smtClean="0"/>
+          </a:p>
+          <a:p>
+            <a:pPr marL="0" indent="0">
+              <a:buNone/>
+            </a:pPr>
+            <a:r>
+              <a:rPr lang="en-US" sz="2600" dirty="0" smtClean="0"/>
+              <a:t>Compared to SAG generic / Stochastic gradient,</a:t>
+            </a:r>
+          </a:p>
+          <a:p>
+            <a:pPr marL="514350" indent="-514350">
+              <a:buFont typeface="+mj-lt"/>
+              <a:buAutoNum type="arabicPeriod" startAt="5"/>
+            </a:pPr>
+            <a:r>
+              <a:rPr lang="en-US" sz="2600" dirty="0" smtClean="0"/>
+              <a:t>How much slower is SAG-MF ahead?</a:t>
+            </a:r>
+          </a:p>
+          <a:p>
+            <a:pPr marL="514350" indent="-514350">
+              <a:buFont typeface="+mj-lt"/>
+              <a:buAutoNum type="arabicPeriod" startAt="5"/>
+            </a:pPr>
+            <a:r>
+              <a:rPr lang="en-US" sz="2600" dirty="0" smtClean="0"/>
+              <a:t>How much memory does SAG-MF ahead really save?</a:t>
+            </a:r>
+          </a:p>
+        </p:txBody>
+      </p:sp>
+    </p:spTree>
+    <p:extLst>
+      <p:ext uri="{BB962C8B-B14F-4D97-AF65-F5344CB8AC3E}">
+        <p14:creationId xmlns:p14="http://schemas.microsoft.com/office/powerpoint/2010/main" val="2792777757"/>
+      </p:ext>
+    </p:extLst>
+  </p:cSld>
+  <p:clrMapOvr>
+    <a:masterClrMapping/>
+  </p:clrMapOvr>
+  <p:timing>
+    <p:tnLst>
+      <p:par>
+        <p:cTn id="1" dur="indefinite" restart="never" nodeType="tmRoot"/>
+      </p:par>
+    </p:tnLst>
+  </p:timing>
+</p:sld>
+</file>
+
+<file path=ppt/slides/slide39.xml><?xml version="1.0" encoding="utf-8"?>
+<p:sld xmlns:a="http://schemas.openxmlformats.org/drawingml/2006/main" xmlns:r="http://schemas.openxmlformats.org/officeDocument/2006/relationships" xmlns:p="http://schemas.openxmlformats.org/presentationml/2006/main">
+  <p:cSld>
+    <p:spTree>
+      <p:nvGrpSpPr>
+        <p:cNvPr id="1" name=""/>
+        <p:cNvGrpSpPr/>
+        <p:nvPr/>
+      </p:nvGrpSpPr>
+      <p:grpSpPr>
+        <a:xfrm>
+          <a:off x="0" y="0"/>
+          <a:ext cx="0" cy="0"/>
+          <a:chOff x="0" y="0"/>
+          <a:chExt cx="0" cy="0"/>
+        </a:xfrm>
+      </p:grpSpPr>
+      <p:sp>
+        <p:nvSpPr>
+          <p:cNvPr id="2" name="Title 1"/>
+          <p:cNvSpPr>
+            <a:spLocks noGrp="1"/>
+          </p:cNvSpPr>
+          <p:nvPr>
+            <p:ph type="title"/>
+          </p:nvPr>
+        </p:nvSpPr>
+        <p:spPr/>
+        <p:txBody>
           <a:bodyPr/>
           <a:lstStyle/>
           <a:p>
@@ -33358,7 +33717,76 @@
 </p:sld>
 </file>
 
-<file path=ppt/slides/slide39.xml><?xml version="1.0" encoding="utf-8"?>
+<file path=ppt/slides/slide4.xml><?xml version="1.0" encoding="utf-8"?>
+<p:sld xmlns:a="http://schemas.openxmlformats.org/drawingml/2006/main" xmlns:r="http://schemas.openxmlformats.org/officeDocument/2006/relationships" xmlns:p="http://schemas.openxmlformats.org/presentationml/2006/main">
+  <p:cSld>
+    <p:spTree>
+      <p:nvGrpSpPr>
+        <p:cNvPr id="1" name=""/>
+        <p:cNvGrpSpPr/>
+        <p:nvPr/>
+      </p:nvGrpSpPr>
+      <p:grpSpPr>
+        <a:xfrm>
+          <a:off x="0" y="0"/>
+          <a:ext cx="0" cy="0"/>
+          <a:chOff x="0" y="0"/>
+          <a:chExt cx="0" cy="0"/>
+        </a:xfrm>
+      </p:grpSpPr>
+      <p:pic>
+        <p:nvPicPr>
+          <p:cNvPr id="2" name="Picture 1"/>
+          <p:cNvPicPr>
+            <a:picLocks noChangeAspect="1"/>
+          </p:cNvPicPr>
+          <p:nvPr/>
+        </p:nvPicPr>
+        <p:blipFill>
+          <a:blip r:embed="rId2"/>
+          <a:stretch>
+            <a:fillRect/>
+          </a:stretch>
+        </p:blipFill>
+        <p:spPr>
+          <a:xfrm>
+            <a:off x="-36512" y="-27384"/>
+            <a:ext cx="9180512" cy="6916824"/>
+          </a:xfrm>
+          <a:prstGeom prst="rect">
+            <a:avLst/>
+          </a:prstGeom>
+        </p:spPr>
+      </p:pic>
+    </p:spTree>
+    <p:extLst>
+      <p:ext uri="{BB962C8B-B14F-4D97-AF65-F5344CB8AC3E}">
+        <p14:creationId xmlns:p14="http://schemas.microsoft.com/office/powerpoint/2010/main" val="3422501320"/>
+      </p:ext>
+    </p:extLst>
+  </p:cSld>
+  <p:clrMapOvr>
+    <a:masterClrMapping/>
+  </p:clrMapOvr>
+  <mc:AlternateContent xmlns:mc="http://schemas.openxmlformats.org/markup-compatibility/2006" xmlns:p14="http://schemas.microsoft.com/office/powerpoint/2010/main">
+    <mc:Choice Requires="p14">
+      <p:transition spd="slow" p14:dur="2000"/>
+    </mc:Choice>
+    <mc:Fallback xmlns="">
+      <p:transition spd="slow"/>
+    </mc:Fallback>
+  </mc:AlternateContent>
+  <p:timing>
+    <p:tnLst>
+      <p:par>
+        <p:cTn id="1" dur="indefinite" restart="never" nodeType="tmRoot"/>
+      </p:par>
+    </p:tnLst>
+  </p:timing>
+</p:sld>
+</file>
+
+<file path=ppt/slides/slide40.xml><?xml version="1.0" encoding="utf-8"?>
 <p:sld xmlns:a="http://schemas.openxmlformats.org/drawingml/2006/main" xmlns:r="http://schemas.openxmlformats.org/officeDocument/2006/relationships" xmlns:p="http://schemas.openxmlformats.org/presentationml/2006/main">
   <p:cSld>
     <p:spTree>
@@ -33845,76 +34273,7 @@
 </p:sld>
 </file>
 
-<file path=ppt/slides/slide4.xml><?xml version="1.0" encoding="utf-8"?>
-<p:sld xmlns:a="http://schemas.openxmlformats.org/drawingml/2006/main" xmlns:r="http://schemas.openxmlformats.org/officeDocument/2006/relationships" xmlns:p="http://schemas.openxmlformats.org/presentationml/2006/main">
-  <p:cSld>
-    <p:spTree>
-      <p:nvGrpSpPr>
-        <p:cNvPr id="1" name=""/>
-        <p:cNvGrpSpPr/>
-        <p:nvPr/>
-      </p:nvGrpSpPr>
-      <p:grpSpPr>
-        <a:xfrm>
-          <a:off x="0" y="0"/>
-          <a:ext cx="0" cy="0"/>
-          <a:chOff x="0" y="0"/>
-          <a:chExt cx="0" cy="0"/>
-        </a:xfrm>
-      </p:grpSpPr>
-      <p:pic>
-        <p:nvPicPr>
-          <p:cNvPr id="2" name="Picture 1"/>
-          <p:cNvPicPr>
-            <a:picLocks noChangeAspect="1"/>
-          </p:cNvPicPr>
-          <p:nvPr/>
-        </p:nvPicPr>
-        <p:blipFill>
-          <a:blip r:embed="rId2"/>
-          <a:stretch>
-            <a:fillRect/>
-          </a:stretch>
-        </p:blipFill>
-        <p:spPr>
-          <a:xfrm>
-            <a:off x="-36512" y="-27384"/>
-            <a:ext cx="9180512" cy="6916824"/>
-          </a:xfrm>
-          <a:prstGeom prst="rect">
-            <a:avLst/>
-          </a:prstGeom>
-        </p:spPr>
-      </p:pic>
-    </p:spTree>
-    <p:extLst>
-      <p:ext uri="{BB962C8B-B14F-4D97-AF65-F5344CB8AC3E}">
-        <p14:creationId xmlns:p14="http://schemas.microsoft.com/office/powerpoint/2010/main" val="3422501320"/>
-      </p:ext>
-    </p:extLst>
-  </p:cSld>
-  <p:clrMapOvr>
-    <a:masterClrMapping/>
-  </p:clrMapOvr>
-  <mc:AlternateContent xmlns:mc="http://schemas.openxmlformats.org/markup-compatibility/2006" xmlns:p14="http://schemas.microsoft.com/office/powerpoint/2010/main">
-    <mc:Choice Requires="p14">
-      <p:transition spd="slow" p14:dur="2000"/>
-    </mc:Choice>
-    <mc:Fallback xmlns="">
-      <p:transition spd="slow"/>
-    </mc:Fallback>
-  </mc:AlternateContent>
-  <p:timing>
-    <p:tnLst>
-      <p:par>
-        <p:cTn id="1" dur="indefinite" restart="never" nodeType="tmRoot"/>
-      </p:par>
-    </p:tnLst>
-  </p:timing>
-</p:sld>
-</file>
-
-<file path=ppt/slides/slide40.xml><?xml version="1.0" encoding="utf-8"?>
+<file path=ppt/slides/slide41.xml><?xml version="1.0" encoding="utf-8"?>
 <p:sld xmlns:a="http://schemas.openxmlformats.org/drawingml/2006/main" xmlns:r="http://schemas.openxmlformats.org/officeDocument/2006/relationships" xmlns:p="http://schemas.openxmlformats.org/presentationml/2006/main">
   <p:cSld>
     <p:spTree>
@@ -33954,8 +34313,8 @@
           </a:p>
         </p:txBody>
       </p:sp>
-      <mc:AlternateContent xmlns:mc="http://schemas.openxmlformats.org/markup-compatibility/2006" xmlns:a14="http://schemas.microsoft.com/office/drawing/2010/main">
-        <mc:Choice Requires="a14">
+      <mc:AlternateContent xmlns:mc="http://schemas.openxmlformats.org/markup-compatibility/2006">
+        <mc:Choice xmlns:a14="http://schemas.microsoft.com/office/drawing/2010/main" Requires="a14">
           <p:sp>
             <p:nvSpPr>
               <p:cNvPr id="3" name="Content Placeholder 2"/>
@@ -33975,7 +34334,11 @@
               <a:p>
                 <a:r>
                   <a:rPr lang="en-CA" dirty="0" smtClean="0"/>
-                  <a:t>Subset of datasets b/c Deterministic gradient takes too long</a:t>
+                  <a:t>Took subset </a:t>
+                </a:r>
+                <a:r>
+                  <a:rPr lang="en-CA" dirty="0" smtClean="0"/>
+                  <a:t>of datasets b/c Deterministic gradient takes too long</a:t>
                 </a:r>
               </a:p>
               <a:p>
@@ -34093,7 +34456,7 @@
             </p:txBody>
           </p:sp>
         </mc:Choice>
-        <mc:Fallback xmlns="">
+        <mc:Fallback>
           <p:sp>
             <p:nvSpPr>
               <p:cNvPr id="3" name="Content Placeholder 2"/>
@@ -34131,254 +34494,6 @@
     <p:extLst>
       <p:ext uri="{BB962C8B-B14F-4D97-AF65-F5344CB8AC3E}">
         <p14:creationId xmlns:p14="http://schemas.microsoft.com/office/powerpoint/2010/main" val="551067000"/>
-      </p:ext>
-    </p:extLst>
-  </p:cSld>
-  <p:clrMapOvr>
-    <a:masterClrMapping/>
-  </p:clrMapOvr>
-  <p:timing>
-    <p:tnLst>
-      <p:par>
-        <p:cTn id="1" dur="indefinite" restart="never" nodeType="tmRoot"/>
-      </p:par>
-    </p:tnLst>
-  </p:timing>
-</p:sld>
-</file>
-
-<file path=ppt/slides/slide41.xml><?xml version="1.0" encoding="utf-8"?>
-<p:sld xmlns:a="http://schemas.openxmlformats.org/drawingml/2006/main" xmlns:r="http://schemas.openxmlformats.org/officeDocument/2006/relationships" xmlns:p="http://schemas.openxmlformats.org/presentationml/2006/main">
-  <p:cSld>
-    <p:spTree>
-      <p:nvGrpSpPr>
-        <p:cNvPr id="1" name=""/>
-        <p:cNvGrpSpPr/>
-        <p:nvPr/>
-      </p:nvGrpSpPr>
-      <p:grpSpPr>
-        <a:xfrm>
-          <a:off x="0" y="0"/>
-          <a:ext cx="0" cy="0"/>
-          <a:chOff x="0" y="0"/>
-          <a:chExt cx="0" cy="0"/>
-        </a:xfrm>
-      </p:grpSpPr>
-      <p:sp>
-        <p:nvSpPr>
-          <p:cNvPr id="2" name="Title 1"/>
-          <p:cNvSpPr>
-            <a:spLocks noGrp="1"/>
-          </p:cNvSpPr>
-          <p:nvPr>
-            <p:ph type="title"/>
-          </p:nvPr>
-        </p:nvSpPr>
-        <p:spPr/>
-        <p:txBody>
-          <a:bodyPr/>
-          <a:lstStyle/>
-          <a:p>
-            <a:r>
-              <a:rPr lang="en-CA" dirty="0" smtClean="0"/>
-              <a:t>Observations</a:t>
-            </a:r>
-            <a:endParaRPr lang="en-CA" dirty="0"/>
-          </a:p>
-        </p:txBody>
-      </p:sp>
-      <p:sp>
-        <p:nvSpPr>
-          <p:cNvPr id="3" name="Text Placeholder 2"/>
-          <p:cNvSpPr>
-            <a:spLocks noGrp="1"/>
-          </p:cNvSpPr>
-          <p:nvPr>
-            <p:ph type="body" idx="1"/>
-          </p:nvPr>
-        </p:nvSpPr>
-        <p:spPr/>
-        <p:txBody>
-          <a:bodyPr/>
-          <a:lstStyle/>
-          <a:p>
-            <a:pPr algn="ctr"/>
-            <a:r>
-              <a:rPr lang="en-CA" smtClean="0"/>
-              <a:t>Deterministic</a:t>
-            </a:r>
-            <a:endParaRPr lang="en-CA" dirty="0"/>
-          </a:p>
-        </p:txBody>
-      </p:sp>
-      <p:sp>
-        <p:nvSpPr>
-          <p:cNvPr id="4" name="Content Placeholder 3"/>
-          <p:cNvSpPr>
-            <a:spLocks noGrp="1"/>
-          </p:cNvSpPr>
-          <p:nvPr>
-            <p:ph sz="half" idx="2"/>
-          </p:nvPr>
-        </p:nvSpPr>
-        <p:spPr/>
-        <p:txBody>
-          <a:bodyPr/>
-          <a:lstStyle/>
-          <a:p>
-            <a:r>
-              <a:rPr lang="en-CA" dirty="0"/>
-              <a:t>Every </a:t>
-            </a:r>
-            <a:r>
-              <a:rPr lang="en-CA" dirty="0" smtClean="0"/>
-              <a:t>additional iteration yields </a:t>
-            </a:r>
-            <a:r>
-              <a:rPr lang="en-CA" dirty="0"/>
-              <a:t>a </a:t>
-            </a:r>
-            <a:r>
-              <a:rPr lang="en-CA" dirty="0" smtClean="0"/>
-              <a:t>better approx.</a:t>
-            </a:r>
-            <a:endParaRPr lang="en-CA" dirty="0"/>
-          </a:p>
-          <a:p>
-            <a:r>
-              <a:rPr lang="en-CA" dirty="0" smtClean="0"/>
-              <a:t>In </a:t>
-            </a:r>
-            <a:r>
-              <a:rPr lang="en-CA" dirty="0" err="1" smtClean="0"/>
-              <a:t>avg</a:t>
-            </a:r>
-            <a:r>
-              <a:rPr lang="en-CA" dirty="0" smtClean="0"/>
-              <a:t>, takes </a:t>
-            </a:r>
-            <a:r>
-              <a:rPr lang="en-CA" dirty="0"/>
-              <a:t>&gt;100X longer to run an iteration than stochastic </a:t>
-            </a:r>
-            <a:r>
-              <a:rPr lang="en-CA" dirty="0" smtClean="0"/>
-              <a:t>or </a:t>
-            </a:r>
-            <a:r>
-              <a:rPr lang="en-CA" dirty="0"/>
-              <a:t>SAG</a:t>
-            </a:r>
-          </a:p>
-          <a:p>
-            <a:endParaRPr lang="en-CA" dirty="0"/>
-          </a:p>
-        </p:txBody>
-      </p:sp>
-      <p:sp>
-        <p:nvSpPr>
-          <p:cNvPr id="5" name="Text Placeholder 4"/>
-          <p:cNvSpPr>
-            <a:spLocks noGrp="1"/>
-          </p:cNvSpPr>
-          <p:nvPr>
-            <p:ph type="body" sz="quarter" idx="3"/>
-          </p:nvPr>
-        </p:nvSpPr>
-        <p:spPr/>
-        <p:txBody>
-          <a:bodyPr/>
-          <a:lstStyle/>
-          <a:p>
-            <a:pPr algn="ctr"/>
-            <a:r>
-              <a:rPr lang="en-CA" dirty="0" smtClean="0"/>
-              <a:t>Stochastic &amp; SAG</a:t>
-            </a:r>
-            <a:endParaRPr lang="en-CA" dirty="0"/>
-          </a:p>
-        </p:txBody>
-      </p:sp>
-      <p:sp>
-        <p:nvSpPr>
-          <p:cNvPr id="6" name="Content Placeholder 5"/>
-          <p:cNvSpPr>
-            <a:spLocks noGrp="1"/>
-          </p:cNvSpPr>
-          <p:nvPr>
-            <p:ph sz="quarter" idx="4"/>
-          </p:nvPr>
-        </p:nvSpPr>
-        <p:spPr/>
-        <p:txBody>
-          <a:bodyPr>
-            <a:normAutofit/>
-          </a:bodyPr>
-          <a:lstStyle/>
-          <a:p>
-            <a:r>
-              <a:rPr lang="en-CA" dirty="0"/>
-              <a:t>Both converged at almost the same </a:t>
-            </a:r>
-            <a:r>
-              <a:rPr lang="en-CA" dirty="0" smtClean="0"/>
-              <a:t>iteration &lt; 5000</a:t>
-            </a:r>
-            <a:endParaRPr lang="en-CA" dirty="0"/>
-          </a:p>
-          <a:p>
-            <a:r>
-              <a:rPr lang="en-CA" dirty="0" smtClean="0"/>
-              <a:t>SAG always yielded </a:t>
-            </a:r>
-            <a:r>
-              <a:rPr lang="en-CA" dirty="0"/>
-              <a:t>better approx. than </a:t>
-            </a:r>
-            <a:r>
-              <a:rPr lang="en-CA" dirty="0" smtClean="0"/>
-              <a:t>Stochastic</a:t>
-            </a:r>
-            <a:endParaRPr lang="en-CA" dirty="0"/>
-          </a:p>
-          <a:p>
-            <a:r>
-              <a:rPr lang="en-CA" dirty="0" smtClean="0"/>
-              <a:t>SAG@5000 always better </a:t>
-            </a:r>
-            <a:r>
-              <a:rPr lang="en-CA" dirty="0"/>
-              <a:t>than Full@500</a:t>
-            </a:r>
-          </a:p>
-          <a:p>
-            <a:r>
-              <a:rPr lang="en-CA" dirty="0"/>
-              <a:t>Stochastic@5000 is </a:t>
-            </a:r>
-            <a:r>
-              <a:rPr lang="en-CA" dirty="0" smtClean="0"/>
-              <a:t>worse /about equal /better  </a:t>
-            </a:r>
-            <a:r>
-              <a:rPr lang="en-CA" dirty="0"/>
-              <a:t>than </a:t>
-            </a:r>
-            <a:r>
-              <a:rPr lang="en-CA" dirty="0" smtClean="0"/>
-              <a:t>Full@500, not always</a:t>
-            </a:r>
-            <a:endParaRPr lang="en-CA" dirty="0"/>
-          </a:p>
-          <a:p>
-            <a:endParaRPr lang="en-CA" dirty="0"/>
-          </a:p>
-        </p:txBody>
-      </p:sp>
-    </p:spTree>
-    <p:extLst>
-      <p:ext uri="{BB962C8B-B14F-4D97-AF65-F5344CB8AC3E}">
-        <p14:creationId xmlns:p14="http://schemas.microsoft.com/office/powerpoint/2010/main" val="2556453446"/>
       </p:ext>
     </p:extLst>
   </p:cSld>
@@ -34429,7 +34544,7 @@
           <a:p>
             <a:r>
               <a:rPr lang="en-CA" dirty="0" smtClean="0"/>
-              <a:t>Discussion: Stochastic vs. SAG</a:t>
+              <a:t>Observations</a:t>
             </a:r>
             <a:endParaRPr lang="en-CA" dirty="0"/>
           </a:p>
@@ -34437,12 +34552,124 @@
       </p:sp>
       <p:sp>
         <p:nvSpPr>
-          <p:cNvPr id="3" name="Content Placeholder 2"/>
+          <p:cNvPr id="3" name="Text Placeholder 2"/>
           <p:cNvSpPr>
             <a:spLocks noGrp="1"/>
           </p:cNvSpPr>
           <p:nvPr>
-            <p:ph idx="1"/>
+            <p:ph type="body" idx="1"/>
+          </p:nvPr>
+        </p:nvSpPr>
+        <p:spPr/>
+        <p:txBody>
+          <a:bodyPr/>
+          <a:lstStyle/>
+          <a:p>
+            <a:pPr algn="ctr"/>
+            <a:r>
+              <a:rPr lang="en-CA" smtClean="0"/>
+              <a:t>Deterministic</a:t>
+            </a:r>
+            <a:endParaRPr lang="en-CA" dirty="0"/>
+          </a:p>
+        </p:txBody>
+      </p:sp>
+      <p:sp>
+        <p:nvSpPr>
+          <p:cNvPr id="4" name="Content Placeholder 3"/>
+          <p:cNvSpPr>
+            <a:spLocks noGrp="1"/>
+          </p:cNvSpPr>
+          <p:nvPr>
+            <p:ph sz="half" idx="2"/>
+          </p:nvPr>
+        </p:nvSpPr>
+        <p:spPr/>
+        <p:txBody>
+          <a:bodyPr/>
+          <a:lstStyle/>
+          <a:p>
+            <a:r>
+              <a:rPr lang="en-CA" dirty="0"/>
+              <a:t>Every </a:t>
+            </a:r>
+            <a:r>
+              <a:rPr lang="en-CA" dirty="0" smtClean="0"/>
+              <a:t>additional iteration yields </a:t>
+            </a:r>
+            <a:r>
+              <a:rPr lang="en-CA" dirty="0"/>
+              <a:t>a </a:t>
+            </a:r>
+            <a:r>
+              <a:rPr lang="en-CA" dirty="0" smtClean="0"/>
+              <a:t>better approx.</a:t>
+            </a:r>
+            <a:endParaRPr lang="en-CA" dirty="0"/>
+          </a:p>
+          <a:p>
+            <a:r>
+              <a:rPr lang="en-CA" dirty="0" smtClean="0"/>
+              <a:t>In </a:t>
+            </a:r>
+            <a:r>
+              <a:rPr lang="en-CA" dirty="0" err="1" smtClean="0"/>
+              <a:t>avg</a:t>
+            </a:r>
+            <a:r>
+              <a:rPr lang="en-CA" dirty="0" smtClean="0"/>
+              <a:t>, takes </a:t>
+            </a:r>
+            <a:r>
+              <a:rPr lang="en-CA" dirty="0"/>
+              <a:t>&gt;100X longer to run an iteration than stochastic </a:t>
+            </a:r>
+            <a:r>
+              <a:rPr lang="en-CA" dirty="0" smtClean="0"/>
+              <a:t>or </a:t>
+            </a:r>
+            <a:r>
+              <a:rPr lang="en-CA" dirty="0"/>
+              <a:t>SAG</a:t>
+            </a:r>
+          </a:p>
+          <a:p>
+            <a:endParaRPr lang="en-CA" dirty="0"/>
+          </a:p>
+        </p:txBody>
+      </p:sp>
+      <p:sp>
+        <p:nvSpPr>
+          <p:cNvPr id="5" name="Text Placeholder 4"/>
+          <p:cNvSpPr>
+            <a:spLocks noGrp="1"/>
+          </p:cNvSpPr>
+          <p:nvPr>
+            <p:ph type="body" sz="quarter" idx="3"/>
+          </p:nvPr>
+        </p:nvSpPr>
+        <p:spPr/>
+        <p:txBody>
+          <a:bodyPr/>
+          <a:lstStyle/>
+          <a:p>
+            <a:pPr algn="ctr"/>
+            <a:r>
+              <a:rPr lang="en-CA" dirty="0" smtClean="0"/>
+              <a:t>Stochastic &amp; SAG</a:t>
+            </a:r>
+            <a:endParaRPr lang="en-CA" dirty="0"/>
+          </a:p>
+        </p:txBody>
+      </p:sp>
+      <p:sp>
+        <p:nvSpPr>
+          <p:cNvPr id="6" name="Content Placeholder 5"/>
+          <p:cNvSpPr>
+            <a:spLocks noGrp="1"/>
+          </p:cNvSpPr>
+          <p:nvPr>
+            <p:ph sz="quarter" idx="4"/>
           </p:nvPr>
         </p:nvSpPr>
         <p:spPr/>
@@ -34453,127 +34680,85 @@
           <a:lstStyle/>
           <a:p>
             <a:r>
+              <a:rPr lang="en-CA" dirty="0"/>
+              <a:t>Both converged at almost the same </a:t>
+            </a:r>
+            <a:r>
               <a:rPr lang="en-CA" dirty="0" smtClean="0"/>
-              <a:t>Both Stochastic and SAG are faster than Deterministic Full Gradient</a:t>
-            </a:r>
+              <a:t>iteration &lt; 5000</a:t>
+            </a:r>
+            <a:endParaRPr lang="en-CA" dirty="0"/>
           </a:p>
           <a:p>
             <a:r>
               <a:rPr lang="en-CA" dirty="0" smtClean="0"/>
-              <a:t>In most cases both converged at iteration &lt;&lt; 5000 (e.g. ~2000 iterations)</a:t>
-            </a:r>
-          </a:p>
-          <a:p>
+              <a:t>SAG always yielded </a:t>
+            </a:r>
+            <a:r>
+              <a:rPr lang="en-CA" dirty="0"/>
+              <a:t>better approx. than </a:t>
+            </a:r>
             <a:r>
               <a:rPr lang="en-CA" dirty="0" smtClean="0"/>
-              <a:t>For Stochastic to have approx. matching SAG’s, Stochastic must go beyond 5000 or more iterations, if it can.</a:t>
-            </a:r>
+              <a:t>Stochastic</a:t>
+            </a:r>
+            <a:endParaRPr lang="en-CA" dirty="0"/>
+          </a:p>
+          <a:p>
+            <a:r>
+              <a:rPr lang="en-CA" dirty="0" smtClean="0"/>
+              <a:t>SAG@5000 always better </a:t>
+            </a:r>
+            <a:r>
+              <a:rPr lang="en-CA" dirty="0"/>
+              <a:t>than Full@500</a:t>
+            </a:r>
+          </a:p>
+          <a:p>
+            <a:r>
+              <a:rPr lang="en-CA" dirty="0"/>
+              <a:t>Stochastic@5000 is </a:t>
+            </a:r>
+            <a:r>
+              <a:rPr lang="en-CA" dirty="0" smtClean="0"/>
+              <a:t>worse /about equal /better  </a:t>
+            </a:r>
+            <a:r>
+              <a:rPr lang="en-CA" dirty="0"/>
+              <a:t>than </a:t>
+            </a:r>
+            <a:r>
+              <a:rPr lang="en-CA" dirty="0" smtClean="0"/>
+              <a:t>Full@500, not always</a:t>
+            </a:r>
+            <a:endParaRPr lang="en-CA" dirty="0"/>
+          </a:p>
+          <a:p>
+            <a:endParaRPr lang="en-CA" dirty="0"/>
           </a:p>
         </p:txBody>
       </p:sp>
     </p:spTree>
     <p:extLst>
       <p:ext uri="{BB962C8B-B14F-4D97-AF65-F5344CB8AC3E}">
-        <p14:creationId xmlns:p14="http://schemas.microsoft.com/office/powerpoint/2010/main" val="2098895806"/>
+        <p14:creationId xmlns:p14="http://schemas.microsoft.com/office/powerpoint/2010/main" val="2556453446"/>
       </p:ext>
     </p:extLst>
   </p:cSld>
   <p:clrMapOvr>
     <a:masterClrMapping/>
   </p:clrMapOvr>
+  <p:timing>
+    <p:tnLst>
+      <p:par>
+        <p:cTn id="1" dur="indefinite" restart="never" nodeType="tmRoot"/>
+      </p:par>
+    </p:tnLst>
+  </p:timing>
 </p:sld>
 </file>
 
 <file path=ppt/slides/slide43.xml><?xml version="1.0" encoding="utf-8"?>
-<p:sld xmlns:a="http://schemas.openxmlformats.org/drawingml/2006/main" xmlns:r="http://schemas.openxmlformats.org/officeDocument/2006/relationships" xmlns:p="http://schemas.openxmlformats.org/presentationml/2006/main">
-  <p:cSld>
-    <p:spTree>
-      <p:nvGrpSpPr>
-        <p:cNvPr id="1" name=""/>
-        <p:cNvGrpSpPr/>
-        <p:nvPr/>
-      </p:nvGrpSpPr>
-      <p:grpSpPr>
-        <a:xfrm>
-          <a:off x="0" y="0"/>
-          <a:ext cx="0" cy="0"/>
-          <a:chOff x="0" y="0"/>
-          <a:chExt cx="0" cy="0"/>
-        </a:xfrm>
-      </p:grpSpPr>
-      <p:sp>
-        <p:nvSpPr>
-          <p:cNvPr id="2" name="Title 1"/>
-          <p:cNvSpPr>
-            <a:spLocks noGrp="1"/>
-          </p:cNvSpPr>
-          <p:nvPr>
-            <p:ph type="title"/>
-          </p:nvPr>
-        </p:nvSpPr>
-        <p:spPr/>
-        <p:txBody>
-          <a:bodyPr/>
-          <a:lstStyle/>
-          <a:p>
-            <a:r>
-              <a:rPr lang="en-CA" dirty="0" smtClean="0"/>
-              <a:t>Discussion: Stochastic vs. SAG</a:t>
-            </a:r>
-            <a:endParaRPr lang="en-CA" dirty="0"/>
-          </a:p>
-        </p:txBody>
-      </p:sp>
-      <p:sp>
-        <p:nvSpPr>
-          <p:cNvPr id="3" name="Content Placeholder 2"/>
-          <p:cNvSpPr>
-            <a:spLocks noGrp="1"/>
-          </p:cNvSpPr>
-          <p:nvPr>
-            <p:ph idx="1"/>
-          </p:nvPr>
-        </p:nvSpPr>
-        <p:spPr/>
-        <p:txBody>
-          <a:bodyPr>
-            <a:normAutofit/>
-          </a:bodyPr>
-          <a:lstStyle/>
-          <a:p>
-            <a:r>
-              <a:rPr lang="en-CA" dirty="0" smtClean="0"/>
-              <a:t>SAG is faster than both Stochastic and Deterministic to reach similar quality </a:t>
-            </a:r>
-            <a:r>
-              <a:rPr lang="en-CA" smtClean="0"/>
-              <a:t>of optimization.</a:t>
-            </a:r>
-            <a:endParaRPr lang="en-CA" dirty="0" smtClean="0"/>
-          </a:p>
-          <a:p>
-            <a:r>
-              <a:rPr lang="en-CA" dirty="0" smtClean="0"/>
-              <a:t>SAG yields better optimization than Stochastic and Deterministic given similar amount of time.</a:t>
-            </a:r>
-            <a:endParaRPr lang="en-CA" dirty="0"/>
-          </a:p>
-        </p:txBody>
-      </p:sp>
-    </p:spTree>
-    <p:extLst>
-      <p:ext uri="{BB962C8B-B14F-4D97-AF65-F5344CB8AC3E}">
-        <p14:creationId xmlns:p14="http://schemas.microsoft.com/office/powerpoint/2010/main" val="2355213880"/>
-      </p:ext>
-    </p:extLst>
-  </p:cSld>
-  <p:clrMapOvr>
-    <a:masterClrMapping/>
-  </p:clrMapOvr>
-</p:sld>
-</file>
-
-<file path=ppt/slides/slide44.xml><?xml version="1.0" encoding="utf-8"?>
 <p:sld xmlns:a="http://schemas.openxmlformats.org/drawingml/2006/main" xmlns:r="http://schemas.openxmlformats.org/officeDocument/2006/relationships" xmlns:p="http://schemas.openxmlformats.org/presentationml/2006/main">
   <p:cSld>
     <p:spTree>
@@ -34634,6 +34819,122 @@
 </p:sld>
 </file>
 
+<file path=ppt/slides/slide44.xml><?xml version="1.0" encoding="utf-8"?>
+<p:sld xmlns:a="http://schemas.openxmlformats.org/drawingml/2006/main" xmlns:r="http://schemas.openxmlformats.org/officeDocument/2006/relationships" xmlns:p="http://schemas.openxmlformats.org/presentationml/2006/main">
+  <p:cSld>
+    <p:spTree>
+      <p:nvGrpSpPr>
+        <p:cNvPr id="1" name=""/>
+        <p:cNvGrpSpPr/>
+        <p:nvPr/>
+      </p:nvGrpSpPr>
+      <p:grpSpPr>
+        <a:xfrm>
+          <a:off x="0" y="0"/>
+          <a:ext cx="0" cy="0"/>
+          <a:chOff x="0" y="0"/>
+          <a:chExt cx="0" cy="0"/>
+        </a:xfrm>
+      </p:grpSpPr>
+      <p:sp>
+        <p:nvSpPr>
+          <p:cNvPr id="2" name="Title 1"/>
+          <p:cNvSpPr>
+            <a:spLocks noGrp="1"/>
+          </p:cNvSpPr>
+          <p:nvPr>
+            <p:ph type="title"/>
+          </p:nvPr>
+        </p:nvSpPr>
+        <p:spPr/>
+        <p:txBody>
+          <a:bodyPr/>
+          <a:lstStyle/>
+          <a:p>
+            <a:r>
+              <a:rPr lang="en-CA" dirty="0" smtClean="0"/>
+              <a:t>Discussion: Stochastic vs. SAG</a:t>
+            </a:r>
+            <a:endParaRPr lang="en-CA" dirty="0"/>
+          </a:p>
+        </p:txBody>
+      </p:sp>
+      <p:sp>
+        <p:nvSpPr>
+          <p:cNvPr id="3" name="Content Placeholder 2"/>
+          <p:cNvSpPr>
+            <a:spLocks noGrp="1"/>
+          </p:cNvSpPr>
+          <p:nvPr>
+            <p:ph idx="1"/>
+          </p:nvPr>
+        </p:nvSpPr>
+        <p:spPr/>
+        <p:txBody>
+          <a:bodyPr>
+            <a:normAutofit/>
+          </a:bodyPr>
+          <a:lstStyle/>
+          <a:p>
+            <a:r>
+              <a:rPr lang="en-CA" dirty="0" smtClean="0"/>
+              <a:t>Both Stochastic and SAG are faster than Deterministic Full Gradient</a:t>
+            </a:r>
+          </a:p>
+          <a:p>
+            <a:r>
+              <a:rPr lang="en-CA" dirty="0" smtClean="0"/>
+              <a:t>In most cases both converged at iteration </a:t>
+            </a:r>
+            <a:r>
+              <a:rPr lang="en-CA" dirty="0" smtClean="0"/>
+              <a:t/>
+            </a:r>
+            <a:br>
+              <a:rPr lang="en-CA" dirty="0" smtClean="0"/>
+            </a:br>
+            <a:r>
+              <a:rPr lang="en-CA" i="1" dirty="0" smtClean="0"/>
+              <a:t>t</a:t>
+            </a:r>
+            <a:r>
+              <a:rPr lang="en-CA" dirty="0" smtClean="0"/>
+              <a:t> &lt;&lt; </a:t>
+            </a:r>
+            <a:r>
+              <a:rPr lang="en-CA" dirty="0" smtClean="0"/>
+              <a:t>5000 (e.g. ~2000 iterations)</a:t>
+            </a:r>
+          </a:p>
+          <a:p>
+            <a:r>
+              <a:rPr lang="en-CA" dirty="0" smtClean="0"/>
+              <a:t>For Stochastic to have </a:t>
+            </a:r>
+            <a:r>
+              <a:rPr lang="en-CA" dirty="0" smtClean="0"/>
+              <a:t>an approximation </a:t>
+            </a:r>
+            <a:r>
+              <a:rPr lang="en-CA" dirty="0" smtClean="0"/>
+              <a:t>matching SAG’s, Stochastic must go beyond 5000 or more iterations, if it can.</a:t>
+            </a:r>
+          </a:p>
+        </p:txBody>
+      </p:sp>
+    </p:spTree>
+    <p:extLst>
+      <p:ext uri="{BB962C8B-B14F-4D97-AF65-F5344CB8AC3E}">
+        <p14:creationId xmlns:p14="http://schemas.microsoft.com/office/powerpoint/2010/main" val="2098895806"/>
+      </p:ext>
+    </p:extLst>
+  </p:cSld>
+  <p:clrMapOvr>
+    <a:masterClrMapping/>
+  </p:clrMapOvr>
+</p:sld>
+</file>
+
 <file path=ppt/slides/slide45.xml><?xml version="1.0" encoding="utf-8"?>
 <p:sld xmlns:a="http://schemas.openxmlformats.org/drawingml/2006/main" xmlns:r="http://schemas.openxmlformats.org/officeDocument/2006/relationships" xmlns:p="http://schemas.openxmlformats.org/presentationml/2006/main">
   <p:cSld>
@@ -34668,7 +34969,7 @@
           <a:p>
             <a:r>
               <a:rPr lang="en-CA" dirty="0" smtClean="0"/>
-              <a:t>Discussion: Memory</a:t>
+              <a:t>Discussion: Stochastic vs. SAG</a:t>
             </a:r>
             <a:endParaRPr lang="en-CA" dirty="0"/>
           </a:p>
@@ -34696,40 +34997,24 @@
             </a:pPr>
             <a:r>
               <a:rPr lang="en-CA" dirty="0" smtClean="0"/>
-              <a:t>In </a:t>
-            </a:r>
-            <a:r>
-              <a:rPr lang="en-CA" dirty="0" err="1" smtClean="0"/>
-              <a:t>MatLab</a:t>
-            </a:r>
+              <a:t>Quality vs Time</a:t>
+            </a:r>
+          </a:p>
+          <a:p>
             <a:r>
               <a:rPr lang="en-CA" dirty="0" smtClean="0"/>
-              <a:t>, when dynamically updating</a:t>
-            </a:r>
-            <a:br>
+              <a:t>SAG </a:t>
+            </a:r>
+            <a:r>
               <a:rPr lang="en-CA" dirty="0" smtClean="0"/>
-            </a:br>
+              <a:t>is faster than both Stochastic and Deterministic to reach similar quality of optimization.</a:t>
+            </a:r>
+          </a:p>
+          <a:p>
             <a:r>
               <a:rPr lang="en-CA" dirty="0" smtClean="0"/>
-              <a:t>sparse matrices</a:t>
-            </a:r>
-          </a:p>
-          <a:p>
-            <a:r>
-              <a:rPr lang="en-CA" dirty="0" smtClean="0"/>
-              <a:t>memory usage depends more on dimensionality of the sparse matrix</a:t>
-            </a:r>
-          </a:p>
-          <a:p>
-            <a:r>
-              <a:rPr lang="en-CA" dirty="0" smtClean="0"/>
-              <a:t>rather than the actual # of non-zero entries</a:t>
-            </a:r>
-          </a:p>
-          <a:p>
-            <a:endParaRPr lang="en-CA" dirty="0" smtClean="0"/>
-          </a:p>
-          <a:p>
+              <a:t>SAG yields better optimization than Stochastic and Deterministic given similar amount of time.</a:t>
+            </a:r>
             <a:endParaRPr lang="en-CA" dirty="0"/>
           </a:p>
         </p:txBody>
@@ -34737,20 +35022,13 @@
     </p:spTree>
     <p:extLst>
       <p:ext uri="{BB962C8B-B14F-4D97-AF65-F5344CB8AC3E}">
-        <p14:creationId xmlns:p14="http://schemas.microsoft.com/office/powerpoint/2010/main" val="1795095825"/>
+        <p14:creationId xmlns:p14="http://schemas.microsoft.com/office/powerpoint/2010/main" val="2355213880"/>
       </p:ext>
     </p:extLst>
   </p:cSld>
   <p:clrMapOvr>
     <a:masterClrMapping/>
   </p:clrMapOvr>
-  <p:timing>
-    <p:tnLst>
-      <p:par>
-        <p:cTn id="1" dur="indefinite" restart="never" nodeType="tmRoot"/>
-      </p:par>
-    </p:tnLst>
-  </p:timing>
 </p:sld>
 </file>
 
@@ -34807,7 +35085,7 @@
         <p:spPr/>
         <p:txBody>
           <a:bodyPr>
-            <a:normAutofit fontScale="85000" lnSpcReduction="10000"/>
+            <a:normAutofit/>
           </a:bodyPr>
           <a:lstStyle/>
           <a:p>
@@ -34816,69 +35094,34 @@
             </a:pPr>
             <a:r>
               <a:rPr lang="en-CA" dirty="0" smtClean="0"/>
-              <a:t>SAG-MF ahead stores only scalars</a:t>
-            </a:r>
-          </a:p>
-          <a:p>
+              <a:t>In </a:t>
+            </a:r>
+            <a:r>
+              <a:rPr lang="en-CA" dirty="0" err="1" smtClean="0"/>
+              <a:t>MatLab</a:t>
+            </a:r>
             <a:r>
               <a:rPr lang="en-CA" dirty="0" smtClean="0"/>
-              <a:t>Provide dimensionality reduction</a:t>
-            </a:r>
-          </a:p>
-          <a:p>
-            <a:r>
+              <a:t>, when dynamically updating</a:t>
+            </a:r>
+            <a:br>
               <a:rPr lang="en-CA" dirty="0" smtClean="0"/>
-              <a:t>Decouple SAG’s dependence on the actual implementation of sparse matrices in the underlying programming language or execution environment</a:t>
-            </a:r>
-          </a:p>
-          <a:p>
+            </a:br>
             <a:r>
               <a:rPr lang="en-CA" dirty="0" smtClean="0"/>
-              <a:t>Data Scientists do not need to spend time to find an efficient sparse matrix implementation and integrate it into their code just to use SAG.</a:t>
+              <a:t>sparse matrices</a:t>
             </a:r>
           </a:p>
           <a:p>
             <a:r>
               <a:rPr lang="en-CA" dirty="0" smtClean="0"/>
-              <a:t>SAG-MF ahead stores </a:t>
-            </a:r>
-            <a:r>
-              <a:rPr lang="en-CA" i="1" dirty="0" smtClean="0"/>
-              <a:t>1</a:t>
-            </a:r>
+              <a:t>memory usage depends more on dimensionality of the sparse matrix</a:t>
+            </a:r>
+          </a:p>
+          <a:p>
             <a:r>
               <a:rPr lang="en-CA" dirty="0" smtClean="0"/>
-              <a:t>*</a:t>
-            </a:r>
-            <a:r>
-              <a:rPr lang="en-CA" i="1" dirty="0" err="1" smtClean="0"/>
-              <a:t>nMems</a:t>
-            </a:r>
-            <a:r>
-              <a:rPr lang="en-CA" dirty="0" smtClean="0"/>
-              <a:t> integers, no update</a:t>
-            </a:r>
-          </a:p>
-          <a:p>
-            <a:r>
-              <a:rPr lang="en-CA" dirty="0" smtClean="0"/>
-              <a:t>SAG generic stores 2*</a:t>
-            </a:r>
-            <a:r>
-              <a:rPr lang="en-CA" i="1" dirty="0" err="1" smtClean="0"/>
-              <a:t>nMems</a:t>
-            </a:r>
-            <a:r>
-              <a:rPr lang="en-CA" i="1" dirty="0" smtClean="0"/>
-              <a:t>*</a:t>
-            </a:r>
-            <a:r>
-              <a:rPr lang="en-CA" i="1" dirty="0" err="1" smtClean="0"/>
-              <a:t>nDims</a:t>
-            </a:r>
-            <a:r>
-              <a:rPr lang="en-CA" dirty="0" smtClean="0"/>
-              <a:t> floating points</a:t>
+              <a:t>rather than the actual # of non-zero entries</a:t>
             </a:r>
           </a:p>
           <a:p>
@@ -34892,7 +35135,7 @@
     </p:spTree>
     <p:extLst>
       <p:ext uri="{BB962C8B-B14F-4D97-AF65-F5344CB8AC3E}">
-        <p14:creationId xmlns:p14="http://schemas.microsoft.com/office/powerpoint/2010/main" val="2490651667"/>
+        <p14:creationId xmlns:p14="http://schemas.microsoft.com/office/powerpoint/2010/main" val="1795095825"/>
       </p:ext>
     </p:extLst>
   </p:cSld>
@@ -34942,6 +35185,161 @@
           <a:lstStyle/>
           <a:p>
             <a:r>
+              <a:rPr lang="en-CA" dirty="0" smtClean="0"/>
+              <a:t>Discussion: Memory</a:t>
+            </a:r>
+            <a:endParaRPr lang="en-CA" dirty="0"/>
+          </a:p>
+        </p:txBody>
+      </p:sp>
+      <p:sp>
+        <p:nvSpPr>
+          <p:cNvPr id="3" name="Content Placeholder 2"/>
+          <p:cNvSpPr>
+            <a:spLocks noGrp="1"/>
+          </p:cNvSpPr>
+          <p:nvPr>
+            <p:ph idx="1"/>
+          </p:nvPr>
+        </p:nvSpPr>
+        <p:spPr/>
+        <p:txBody>
+          <a:bodyPr>
+            <a:normAutofit fontScale="85000" lnSpcReduction="10000"/>
+          </a:bodyPr>
+          <a:lstStyle/>
+          <a:p>
+            <a:pPr marL="0" indent="0" algn="ctr">
+              <a:buNone/>
+            </a:pPr>
+            <a:r>
+              <a:rPr lang="en-CA" dirty="0" smtClean="0"/>
+              <a:t>SAG-MF ahead stores only scalars</a:t>
+            </a:r>
+          </a:p>
+          <a:p>
+            <a:r>
+              <a:rPr lang="en-CA" dirty="0" smtClean="0"/>
+              <a:t>Provide dimensionality reduction</a:t>
+            </a:r>
+          </a:p>
+          <a:p>
+            <a:r>
+              <a:rPr lang="en-CA" dirty="0" smtClean="0"/>
+              <a:t>Decouple SAG’s dependence on the actual implementation of sparse matrices in the underlying programming language or execution environment</a:t>
+            </a:r>
+          </a:p>
+          <a:p>
+            <a:r>
+              <a:rPr lang="en-CA" dirty="0" smtClean="0"/>
+              <a:t>Data Scientists do not need to spend time to find an efficient sparse matrix implementation and integrate it into their code just to use SAG.</a:t>
+            </a:r>
+          </a:p>
+          <a:p>
+            <a:r>
+              <a:rPr lang="en-CA" dirty="0" smtClean="0"/>
+              <a:t>SAG-MF ahead stores </a:t>
+            </a:r>
+            <a:r>
+              <a:rPr lang="en-CA" i="1" dirty="0" smtClean="0"/>
+              <a:t>1</a:t>
+            </a:r>
+            <a:r>
+              <a:rPr lang="en-CA" dirty="0" smtClean="0"/>
+              <a:t>*</a:t>
+            </a:r>
+            <a:r>
+              <a:rPr lang="en-CA" i="1" dirty="0" err="1" smtClean="0"/>
+              <a:t>nMems</a:t>
+            </a:r>
+            <a:r>
+              <a:rPr lang="en-CA" dirty="0" smtClean="0"/>
+              <a:t> integers, no update</a:t>
+            </a:r>
+          </a:p>
+          <a:p>
+            <a:r>
+              <a:rPr lang="en-CA" dirty="0" smtClean="0"/>
+              <a:t>SAG generic stores 2*</a:t>
+            </a:r>
+            <a:r>
+              <a:rPr lang="en-CA" i="1" dirty="0" err="1" smtClean="0"/>
+              <a:t>nMems</a:t>
+            </a:r>
+            <a:r>
+              <a:rPr lang="en-CA" i="1" dirty="0" smtClean="0"/>
+              <a:t>*</a:t>
+            </a:r>
+            <a:r>
+              <a:rPr lang="en-CA" i="1" dirty="0" err="1" smtClean="0"/>
+              <a:t>nDims</a:t>
+            </a:r>
+            <a:r>
+              <a:rPr lang="en-CA" dirty="0" smtClean="0"/>
+              <a:t> floating points</a:t>
+            </a:r>
+          </a:p>
+          <a:p>
+            <a:endParaRPr lang="en-CA" dirty="0" smtClean="0"/>
+          </a:p>
+          <a:p>
+            <a:endParaRPr lang="en-CA" dirty="0"/>
+          </a:p>
+        </p:txBody>
+      </p:sp>
+    </p:spTree>
+    <p:extLst>
+      <p:ext uri="{BB962C8B-B14F-4D97-AF65-F5344CB8AC3E}">
+        <p14:creationId xmlns:p14="http://schemas.microsoft.com/office/powerpoint/2010/main" val="2490651667"/>
+      </p:ext>
+    </p:extLst>
+  </p:cSld>
+  <p:clrMapOvr>
+    <a:masterClrMapping/>
+  </p:clrMapOvr>
+  <p:timing>
+    <p:tnLst>
+      <p:par>
+        <p:cTn id="1" dur="indefinite" restart="never" nodeType="tmRoot"/>
+      </p:par>
+    </p:tnLst>
+  </p:timing>
+</p:sld>
+</file>
+
+<file path=ppt/slides/slide48.xml><?xml version="1.0" encoding="utf-8"?>
+<p:sld xmlns:a="http://schemas.openxmlformats.org/drawingml/2006/main" xmlns:r="http://schemas.openxmlformats.org/officeDocument/2006/relationships" xmlns:p="http://schemas.openxmlformats.org/presentationml/2006/main">
+  <p:cSld>
+    <p:spTree>
+      <p:nvGrpSpPr>
+        <p:cNvPr id="1" name=""/>
+        <p:cNvGrpSpPr/>
+        <p:nvPr/>
+      </p:nvGrpSpPr>
+      <p:grpSpPr>
+        <a:xfrm>
+          <a:off x="0" y="0"/>
+          <a:ext cx="0" cy="0"/>
+          <a:chOff x="0" y="0"/>
+          <a:chExt cx="0" cy="0"/>
+        </a:xfrm>
+      </p:grpSpPr>
+      <p:sp>
+        <p:nvSpPr>
+          <p:cNvPr id="2" name="Title 1"/>
+          <p:cNvSpPr>
+            <a:spLocks noGrp="1"/>
+          </p:cNvSpPr>
+          <p:nvPr>
+            <p:ph type="title"/>
+          </p:nvPr>
+        </p:nvSpPr>
+        <p:spPr/>
+        <p:txBody>
+          <a:bodyPr/>
+          <a:lstStyle/>
+          <a:p>
+            <a:r>
               <a:rPr lang="en-US" dirty="0" smtClean="0"/>
               <a:t>Ongoing Work</a:t>
             </a:r>
@@ -35169,7 +35567,7 @@
 </p:sld>
 </file>
 
-<file path=ppt/slides/slide48.xml><?xml version="1.0" encoding="utf-8"?>
+<file path=ppt/slides/slide49.xml><?xml version="1.0" encoding="utf-8"?>
 <p:sld xmlns:a="http://schemas.openxmlformats.org/drawingml/2006/main" xmlns:r="http://schemas.openxmlformats.org/officeDocument/2006/relationships" xmlns:p="http://schemas.openxmlformats.org/presentationml/2006/main">
   <p:cSld>
     <p:spTree>
@@ -35594,257 +35992,6 @@
 </p:sld>
 </file>
 
-<file path=ppt/slides/slide49.xml><?xml version="1.0" encoding="utf-8"?>
-<p:sld xmlns:a="http://schemas.openxmlformats.org/drawingml/2006/main" xmlns:r="http://schemas.openxmlformats.org/officeDocument/2006/relationships" xmlns:p="http://schemas.openxmlformats.org/presentationml/2006/main">
-  <p:cSld>
-    <p:spTree>
-      <p:nvGrpSpPr>
-        <p:cNvPr id="1" name=""/>
-        <p:cNvGrpSpPr/>
-        <p:nvPr/>
-      </p:nvGrpSpPr>
-      <p:grpSpPr>
-        <a:xfrm>
-          <a:off x="0" y="0"/>
-          <a:ext cx="0" cy="0"/>
-          <a:chOff x="0" y="0"/>
-          <a:chExt cx="0" cy="0"/>
-        </a:xfrm>
-      </p:grpSpPr>
-      <p:sp>
-        <p:nvSpPr>
-          <p:cNvPr id="2" name="Title 1"/>
-          <p:cNvSpPr>
-            <a:spLocks noGrp="1"/>
-          </p:cNvSpPr>
-          <p:nvPr>
-            <p:ph type="title"/>
-          </p:nvPr>
-        </p:nvSpPr>
-        <p:spPr/>
-        <p:txBody>
-          <a:bodyPr/>
-          <a:lstStyle/>
-          <a:p>
-            <a:r>
-              <a:rPr lang="en-US" dirty="0" smtClean="0"/>
-              <a:t>Future Work: Numerical Data</a:t>
-            </a:r>
-            <a:endParaRPr lang="en-US" dirty="0"/>
-          </a:p>
-        </p:txBody>
-      </p:sp>
-      <p:sp>
-        <p:nvSpPr>
-          <p:cNvPr id="3" name="Text Placeholder 2"/>
-          <p:cNvSpPr>
-            <a:spLocks noGrp="1"/>
-          </p:cNvSpPr>
-          <p:nvPr>
-            <p:ph type="body" idx="1"/>
-          </p:nvPr>
-        </p:nvSpPr>
-        <p:spPr/>
-        <p:txBody>
-          <a:bodyPr/>
-          <a:lstStyle/>
-          <a:p>
-            <a:pPr algn="ctr"/>
-            <a:r>
-              <a:rPr lang="en-US" dirty="0" smtClean="0"/>
-              <a:t>RQ#3: Objective Functions</a:t>
-            </a:r>
-            <a:endParaRPr lang="en-US" dirty="0"/>
-          </a:p>
-        </p:txBody>
-      </p:sp>
-      <p:sp>
-        <p:nvSpPr>
-          <p:cNvPr id="4" name="Content Placeholder 3"/>
-          <p:cNvSpPr>
-            <a:spLocks noGrp="1"/>
-          </p:cNvSpPr>
-          <p:nvPr>
-            <p:ph sz="half" idx="2"/>
-          </p:nvPr>
-        </p:nvSpPr>
-        <p:spPr/>
-        <p:txBody>
-          <a:bodyPr/>
-          <a:lstStyle/>
-          <a:p>
-            <a:pPr marL="0" indent="0" algn="ctr">
-              <a:buNone/>
-            </a:pPr>
-            <a:r>
-              <a:rPr lang="en-US" dirty="0" smtClean="0"/>
-              <a:t>Numerical Data</a:t>
-            </a:r>
-          </a:p>
-          <a:p>
-            <a:pPr marL="0" indent="0" algn="ctr">
-              <a:buNone/>
-            </a:pPr>
-            <a:r>
-              <a:rPr lang="en-US" dirty="0"/>
-              <a:t>(coming soon)</a:t>
-            </a:r>
-          </a:p>
-          <a:p>
-            <a:pPr marL="0" indent="0" algn="ctr">
-              <a:buNone/>
-            </a:pPr>
-            <a:endParaRPr lang="en-US" dirty="0" smtClean="0"/>
-          </a:p>
-          <a:p>
-            <a:r>
-              <a:rPr lang="en-US" dirty="0" err="1" smtClean="0"/>
-              <a:t>GAPfm</a:t>
-            </a:r>
-            <a:r>
-              <a:rPr lang="en-US" dirty="0" smtClean="0"/>
-              <a:t>: </a:t>
-            </a:r>
-            <a:r>
-              <a:rPr lang="en-US" sz="2000" dirty="0" smtClean="0"/>
-              <a:t>Graded </a:t>
-            </a:r>
-            <a:r>
-              <a:rPr lang="en-US" sz="2000" dirty="0" err="1" smtClean="0"/>
-              <a:t>Avg</a:t>
-            </a:r>
-            <a:r>
-              <a:rPr lang="en-US" sz="2000" dirty="0" smtClean="0"/>
-              <a:t> Precision</a:t>
-            </a:r>
-          </a:p>
-          <a:p>
-            <a:r>
-              <a:rPr lang="en-US" dirty="0" err="1"/>
-              <a:t>CofiRank</a:t>
-            </a:r>
-            <a:r>
-              <a:rPr lang="en-US" dirty="0"/>
-              <a:t>:</a:t>
-            </a:r>
-            <a:r>
-              <a:rPr lang="en-US" sz="2000" dirty="0"/>
-              <a:t> SVM-like loss</a:t>
-            </a:r>
-            <a:br>
-              <a:rPr lang="en-US" sz="2000" dirty="0"/>
-            </a:br>
-            <a:r>
-              <a:rPr lang="en-US" sz="2000" dirty="0"/>
-              <a:t>aka Max Margin MF</a:t>
-            </a:r>
-          </a:p>
-          <a:p>
-            <a:endParaRPr lang="en-US" sz="2000" dirty="0" smtClean="0"/>
-          </a:p>
-        </p:txBody>
-      </p:sp>
-      <p:sp>
-        <p:nvSpPr>
-          <p:cNvPr id="5" name="Text Placeholder 4"/>
-          <p:cNvSpPr>
-            <a:spLocks noGrp="1"/>
-          </p:cNvSpPr>
-          <p:nvPr>
-            <p:ph type="body" sz="quarter" idx="3"/>
-          </p:nvPr>
-        </p:nvSpPr>
-        <p:spPr/>
-        <p:txBody>
-          <a:bodyPr/>
-          <a:lstStyle/>
-          <a:p>
-            <a:pPr algn="ctr"/>
-            <a:r>
-              <a:rPr lang="en-US" dirty="0" smtClean="0"/>
-              <a:t>RQ#4: Datasets</a:t>
-            </a:r>
-            <a:endParaRPr lang="en-US" dirty="0"/>
-          </a:p>
-        </p:txBody>
-      </p:sp>
-      <p:sp>
-        <p:nvSpPr>
-          <p:cNvPr id="6" name="Content Placeholder 5"/>
-          <p:cNvSpPr>
-            <a:spLocks noGrp="1"/>
-          </p:cNvSpPr>
-          <p:nvPr>
-            <p:ph sz="quarter" idx="4"/>
-          </p:nvPr>
-        </p:nvSpPr>
-        <p:spPr/>
-        <p:txBody>
-          <a:bodyPr/>
-          <a:lstStyle/>
-          <a:p>
-            <a:pPr marL="0" indent="0" algn="ctr">
-              <a:buNone/>
-            </a:pPr>
-            <a:r>
-              <a:rPr lang="en-US" dirty="0" smtClean="0"/>
-              <a:t>Numerical Data</a:t>
-            </a:r>
-          </a:p>
-          <a:p>
-            <a:pPr marL="0" indent="0" algn="ctr">
-              <a:buNone/>
-            </a:pPr>
-            <a:r>
-              <a:rPr lang="en-US" dirty="0"/>
-              <a:t>(coming soon)</a:t>
-            </a:r>
-          </a:p>
-          <a:p>
-            <a:pPr marL="0" indent="0" algn="ctr">
-              <a:buNone/>
-            </a:pPr>
-            <a:endParaRPr lang="en-US" dirty="0" smtClean="0"/>
-          </a:p>
-          <a:p>
-            <a:r>
-              <a:rPr lang="en-US" dirty="0" err="1" smtClean="0"/>
-              <a:t>MovieLens</a:t>
-            </a:r>
-            <a:endParaRPr lang="en-US" dirty="0" smtClean="0"/>
-          </a:p>
-          <a:p>
-            <a:r>
-              <a:rPr lang="en-US" dirty="0" err="1" smtClean="0"/>
-              <a:t>NetFlix</a:t>
-            </a:r>
-            <a:r>
-              <a:rPr lang="en-US" dirty="0" smtClean="0"/>
-              <a:t> (still have yet to parse it from .txt files)</a:t>
-            </a:r>
-          </a:p>
-        </p:txBody>
-      </p:sp>
-    </p:spTree>
-    <p:extLst>
-      <p:ext uri="{BB962C8B-B14F-4D97-AF65-F5344CB8AC3E}">
-        <p14:creationId xmlns:p14="http://schemas.microsoft.com/office/powerpoint/2010/main" val="456452255"/>
-      </p:ext>
-    </p:extLst>
-  </p:cSld>
-  <p:clrMapOvr>
-    <a:masterClrMapping/>
-  </p:clrMapOvr>
-  <p:timing>
-    <p:tnLst>
-      <p:par>
-        <p:cTn id="1" dur="indefinite" restart="never" nodeType="tmRoot"/>
-      </p:par>
-    </p:tnLst>
-  </p:timing>
-</p:sld>
-</file>
-
 <file path=ppt/slides/slide5.xml><?xml version="1.0" encoding="utf-8"?>
 <p:sld xmlns:a="http://schemas.openxmlformats.org/drawingml/2006/main" xmlns:r="http://schemas.openxmlformats.org/officeDocument/2006/relationships" xmlns:p="http://schemas.openxmlformats.org/presentationml/2006/main">
   <p:cSld>
@@ -35953,6 +36100,257 @@
 </file>
 
 <file path=ppt/slides/slide50.xml><?xml version="1.0" encoding="utf-8"?>
+<p:sld xmlns:a="http://schemas.openxmlformats.org/drawingml/2006/main" xmlns:r="http://schemas.openxmlformats.org/officeDocument/2006/relationships" xmlns:p="http://schemas.openxmlformats.org/presentationml/2006/main">
+  <p:cSld>
+    <p:spTree>
+      <p:nvGrpSpPr>
+        <p:cNvPr id="1" name=""/>
+        <p:cNvGrpSpPr/>
+        <p:nvPr/>
+      </p:nvGrpSpPr>
+      <p:grpSpPr>
+        <a:xfrm>
+          <a:off x="0" y="0"/>
+          <a:ext cx="0" cy="0"/>
+          <a:chOff x="0" y="0"/>
+          <a:chExt cx="0" cy="0"/>
+        </a:xfrm>
+      </p:grpSpPr>
+      <p:sp>
+        <p:nvSpPr>
+          <p:cNvPr id="2" name="Title 1"/>
+          <p:cNvSpPr>
+            <a:spLocks noGrp="1"/>
+          </p:cNvSpPr>
+          <p:nvPr>
+            <p:ph type="title"/>
+          </p:nvPr>
+        </p:nvSpPr>
+        <p:spPr/>
+        <p:txBody>
+          <a:bodyPr/>
+          <a:lstStyle/>
+          <a:p>
+            <a:r>
+              <a:rPr lang="en-US" dirty="0" smtClean="0"/>
+              <a:t>Future Work: Numerical Data</a:t>
+            </a:r>
+            <a:endParaRPr lang="en-US" dirty="0"/>
+          </a:p>
+        </p:txBody>
+      </p:sp>
+      <p:sp>
+        <p:nvSpPr>
+          <p:cNvPr id="3" name="Text Placeholder 2"/>
+          <p:cNvSpPr>
+            <a:spLocks noGrp="1"/>
+          </p:cNvSpPr>
+          <p:nvPr>
+            <p:ph type="body" idx="1"/>
+          </p:nvPr>
+        </p:nvSpPr>
+        <p:spPr/>
+        <p:txBody>
+          <a:bodyPr/>
+          <a:lstStyle/>
+          <a:p>
+            <a:pPr algn="ctr"/>
+            <a:r>
+              <a:rPr lang="en-US" dirty="0" smtClean="0"/>
+              <a:t>RQ#3: Objective Functions</a:t>
+            </a:r>
+            <a:endParaRPr lang="en-US" dirty="0"/>
+          </a:p>
+        </p:txBody>
+      </p:sp>
+      <p:sp>
+        <p:nvSpPr>
+          <p:cNvPr id="4" name="Content Placeholder 3"/>
+          <p:cNvSpPr>
+            <a:spLocks noGrp="1"/>
+          </p:cNvSpPr>
+          <p:nvPr>
+            <p:ph sz="half" idx="2"/>
+          </p:nvPr>
+        </p:nvSpPr>
+        <p:spPr/>
+        <p:txBody>
+          <a:bodyPr/>
+          <a:lstStyle/>
+          <a:p>
+            <a:pPr marL="0" indent="0" algn="ctr">
+              <a:buNone/>
+            </a:pPr>
+            <a:r>
+              <a:rPr lang="en-US" dirty="0" smtClean="0"/>
+              <a:t>Numerical Data</a:t>
+            </a:r>
+          </a:p>
+          <a:p>
+            <a:pPr marL="0" indent="0" algn="ctr">
+              <a:buNone/>
+            </a:pPr>
+            <a:r>
+              <a:rPr lang="en-US" dirty="0"/>
+              <a:t>(coming soon)</a:t>
+            </a:r>
+          </a:p>
+          <a:p>
+            <a:pPr marL="0" indent="0" algn="ctr">
+              <a:buNone/>
+            </a:pPr>
+            <a:endParaRPr lang="en-US" dirty="0" smtClean="0"/>
+          </a:p>
+          <a:p>
+            <a:r>
+              <a:rPr lang="en-US" dirty="0" err="1" smtClean="0"/>
+              <a:t>GAPfm</a:t>
+            </a:r>
+            <a:r>
+              <a:rPr lang="en-US" dirty="0" smtClean="0"/>
+              <a:t>: </a:t>
+            </a:r>
+            <a:r>
+              <a:rPr lang="en-US" sz="2000" dirty="0" smtClean="0"/>
+              <a:t>Graded </a:t>
+            </a:r>
+            <a:r>
+              <a:rPr lang="en-US" sz="2000" dirty="0" err="1" smtClean="0"/>
+              <a:t>Avg</a:t>
+            </a:r>
+            <a:r>
+              <a:rPr lang="en-US" sz="2000" dirty="0" smtClean="0"/>
+              <a:t> Precision</a:t>
+            </a:r>
+          </a:p>
+          <a:p>
+            <a:r>
+              <a:rPr lang="en-US" dirty="0" err="1"/>
+              <a:t>CofiRank</a:t>
+            </a:r>
+            <a:r>
+              <a:rPr lang="en-US" dirty="0"/>
+              <a:t>:</a:t>
+            </a:r>
+            <a:r>
+              <a:rPr lang="en-US" sz="2000" dirty="0"/>
+              <a:t> SVM-like loss</a:t>
+            </a:r>
+            <a:br>
+              <a:rPr lang="en-US" sz="2000" dirty="0"/>
+            </a:br>
+            <a:r>
+              <a:rPr lang="en-US" sz="2000" dirty="0"/>
+              <a:t>aka Max Margin MF</a:t>
+            </a:r>
+          </a:p>
+          <a:p>
+            <a:endParaRPr lang="en-US" sz="2000" dirty="0" smtClean="0"/>
+          </a:p>
+        </p:txBody>
+      </p:sp>
+      <p:sp>
+        <p:nvSpPr>
+          <p:cNvPr id="5" name="Text Placeholder 4"/>
+          <p:cNvSpPr>
+            <a:spLocks noGrp="1"/>
+          </p:cNvSpPr>
+          <p:nvPr>
+            <p:ph type="body" sz="quarter" idx="3"/>
+          </p:nvPr>
+        </p:nvSpPr>
+        <p:spPr/>
+        <p:txBody>
+          <a:bodyPr/>
+          <a:lstStyle/>
+          <a:p>
+            <a:pPr algn="ctr"/>
+            <a:r>
+              <a:rPr lang="en-US" dirty="0" smtClean="0"/>
+              <a:t>RQ#4: Datasets</a:t>
+            </a:r>
+            <a:endParaRPr lang="en-US" dirty="0"/>
+          </a:p>
+        </p:txBody>
+      </p:sp>
+      <p:sp>
+        <p:nvSpPr>
+          <p:cNvPr id="6" name="Content Placeholder 5"/>
+          <p:cNvSpPr>
+            <a:spLocks noGrp="1"/>
+          </p:cNvSpPr>
+          <p:nvPr>
+            <p:ph sz="quarter" idx="4"/>
+          </p:nvPr>
+        </p:nvSpPr>
+        <p:spPr/>
+        <p:txBody>
+          <a:bodyPr/>
+          <a:lstStyle/>
+          <a:p>
+            <a:pPr marL="0" indent="0" algn="ctr">
+              <a:buNone/>
+            </a:pPr>
+            <a:r>
+              <a:rPr lang="en-US" dirty="0" smtClean="0"/>
+              <a:t>Numerical Data</a:t>
+            </a:r>
+          </a:p>
+          <a:p>
+            <a:pPr marL="0" indent="0" algn="ctr">
+              <a:buNone/>
+            </a:pPr>
+            <a:r>
+              <a:rPr lang="en-US" dirty="0"/>
+              <a:t>(coming soon)</a:t>
+            </a:r>
+          </a:p>
+          <a:p>
+            <a:pPr marL="0" indent="0" algn="ctr">
+              <a:buNone/>
+            </a:pPr>
+            <a:endParaRPr lang="en-US" dirty="0" smtClean="0"/>
+          </a:p>
+          <a:p>
+            <a:r>
+              <a:rPr lang="en-US" dirty="0" err="1" smtClean="0"/>
+              <a:t>MovieLens</a:t>
+            </a:r>
+            <a:endParaRPr lang="en-US" dirty="0" smtClean="0"/>
+          </a:p>
+          <a:p>
+            <a:r>
+              <a:rPr lang="en-US" dirty="0" err="1" smtClean="0"/>
+              <a:t>NetFlix</a:t>
+            </a:r>
+            <a:r>
+              <a:rPr lang="en-US" dirty="0" smtClean="0"/>
+              <a:t> (still have yet to parse it from .txt files)</a:t>
+            </a:r>
+          </a:p>
+        </p:txBody>
+      </p:sp>
+    </p:spTree>
+    <p:extLst>
+      <p:ext uri="{BB962C8B-B14F-4D97-AF65-F5344CB8AC3E}">
+        <p14:creationId xmlns:p14="http://schemas.microsoft.com/office/powerpoint/2010/main" val="456452255"/>
+      </p:ext>
+    </p:extLst>
+  </p:cSld>
+  <p:clrMapOvr>
+    <a:masterClrMapping/>
+  </p:clrMapOvr>
+  <p:timing>
+    <p:tnLst>
+      <p:par>
+        <p:cTn id="1" dur="indefinite" restart="never" nodeType="tmRoot"/>
+      </p:par>
+    </p:tnLst>
+  </p:timing>
+</p:sld>
+</file>
+
+<file path=ppt/slides/slide51.xml><?xml version="1.0" encoding="utf-8"?>
 <p:sld xmlns:a="http://schemas.openxmlformats.org/drawingml/2006/main" xmlns:r="http://schemas.openxmlformats.org/officeDocument/2006/relationships" xmlns:p="http://schemas.openxmlformats.org/presentationml/2006/main" show="0">
   <p:cSld>
     <p:spTree>
@@ -36068,170 +36466,6 @@
       <p:transition spd="slow"/>
     </mc:Fallback>
   </mc:AlternateContent>
-  <p:timing>
-    <p:tnLst>
-      <p:par>
-        <p:cTn id="1" dur="indefinite" restart="never" nodeType="tmRoot"/>
-      </p:par>
-    </p:tnLst>
-  </p:timing>
-</p:sld>
-</file>
-
-<file path=ppt/slides/slide51.xml><?xml version="1.0" encoding="utf-8"?>
-<p:sld xmlns:a="http://schemas.openxmlformats.org/drawingml/2006/main" xmlns:r="http://schemas.openxmlformats.org/officeDocument/2006/relationships" xmlns:p="http://schemas.openxmlformats.org/presentationml/2006/main">
-  <p:cSld>
-    <p:spTree>
-      <p:nvGrpSpPr>
-        <p:cNvPr id="1" name=""/>
-        <p:cNvGrpSpPr/>
-        <p:nvPr/>
-      </p:nvGrpSpPr>
-      <p:grpSpPr>
-        <a:xfrm>
-          <a:off x="0" y="0"/>
-          <a:ext cx="0" cy="0"/>
-          <a:chOff x="0" y="0"/>
-          <a:chExt cx="0" cy="0"/>
-        </a:xfrm>
-      </p:grpSpPr>
-      <p:sp>
-        <p:nvSpPr>
-          <p:cNvPr id="2" name="Title 1"/>
-          <p:cNvSpPr>
-            <a:spLocks noGrp="1"/>
-          </p:cNvSpPr>
-          <p:nvPr>
-            <p:ph type="title"/>
-          </p:nvPr>
-        </p:nvSpPr>
-        <p:spPr/>
-        <p:txBody>
-          <a:bodyPr/>
-          <a:lstStyle/>
-          <a:p>
-            <a:r>
-              <a:rPr lang="en-CA" dirty="0" smtClean="0"/>
-              <a:t>Related Work</a:t>
-            </a:r>
-            <a:endParaRPr lang="en-CA" dirty="0"/>
-          </a:p>
-        </p:txBody>
-      </p:sp>
-      <p:sp>
-        <p:nvSpPr>
-          <p:cNvPr id="3" name="Content Placeholder 2"/>
-          <p:cNvSpPr>
-            <a:spLocks noGrp="1"/>
-          </p:cNvSpPr>
-          <p:nvPr>
-            <p:ph idx="1"/>
-          </p:nvPr>
-        </p:nvSpPr>
-        <p:spPr/>
-        <p:txBody>
-          <a:bodyPr/>
-          <a:lstStyle/>
-          <a:p>
-            <a:pPr marL="457200" indent="-457200">
-              <a:buFont typeface="+mj-lt"/>
-              <a:buAutoNum type="arabicPeriod"/>
-            </a:pPr>
-            <a:r>
-              <a:rPr lang="en-US" sz="2800" dirty="0" smtClean="0"/>
-              <a:t>Parallel </a:t>
-            </a:r>
-            <a:r>
-              <a:rPr lang="en-US" sz="2800" dirty="0"/>
-              <a:t>SAG for Supervised ML</a:t>
-            </a:r>
-          </a:p>
-          <a:p>
-            <a:pPr marL="857250" lvl="1" indent="-457200">
-              <a:buFont typeface="Arial" panose="020B0604020202020204" pitchFamily="34" charset="0"/>
-              <a:buChar char="•"/>
-            </a:pPr>
-            <a:r>
-              <a:rPr lang="en-US" dirty="0">
-                <a:hlinkClick r:id="rId2"/>
-              </a:rPr>
-              <a:t>https://github.com/ScottSallinen/Gradient-Descent-Comparison</a:t>
-            </a:r>
-            <a:endParaRPr lang="en-US" dirty="0"/>
-          </a:p>
-          <a:p>
-            <a:pPr marL="857250" lvl="1" indent="-457200">
-              <a:buFont typeface="Arial" panose="020B0604020202020204" pitchFamily="34" charset="0"/>
-              <a:buChar char="•"/>
-            </a:pPr>
-            <a:r>
-              <a:rPr lang="en-US" dirty="0"/>
-              <a:t>SAG-MF: format of project is similar to </a:t>
-            </a:r>
-            <a:r>
-              <a:rPr lang="en-US" dirty="0" smtClean="0"/>
-              <a:t>SKIM</a:t>
-            </a:r>
-          </a:p>
-          <a:p>
-            <a:pPr marL="857250" lvl="1" indent="-457200">
-              <a:buFont typeface="Arial" panose="020B0604020202020204" pitchFamily="34" charset="0"/>
-              <a:buChar char="•"/>
-            </a:pPr>
-            <a:r>
-              <a:rPr lang="en-US" dirty="0" smtClean="0"/>
-              <a:t>Parallel </a:t>
-            </a:r>
-            <a:r>
-              <a:rPr lang="en-US" dirty="0"/>
-              <a:t>SAG: format is comparison &amp; evaluation</a:t>
-            </a:r>
-          </a:p>
-          <a:p>
-            <a:pPr marL="457200" indent="-457200">
-              <a:buFont typeface="+mj-lt"/>
-              <a:buAutoNum type="arabicPeriod"/>
-            </a:pPr>
-            <a:r>
-              <a:rPr lang="en-US" sz="2800" dirty="0" smtClean="0"/>
-              <a:t>Bootstrapping, Alternating </a:t>
-            </a:r>
-            <a:r>
-              <a:rPr lang="en-US" sz="2800" dirty="0"/>
-              <a:t>Least </a:t>
-            </a:r>
-            <a:r>
-              <a:rPr lang="en-US" sz="2800" dirty="0" smtClean="0"/>
-              <a:t>Squares</a:t>
-            </a:r>
-          </a:p>
-          <a:p>
-            <a:pPr marL="857250" lvl="1" indent="-457200">
-              <a:buFont typeface="Arial" panose="020B0604020202020204" pitchFamily="34" charset="0"/>
-              <a:buChar char="•"/>
-            </a:pPr>
-            <a:r>
-              <a:rPr lang="en-US" dirty="0" smtClean="0"/>
-              <a:t>Orthogonal </a:t>
-            </a:r>
-            <a:r>
-              <a:rPr lang="en-US" dirty="0"/>
-              <a:t>to gradient descent or ascent</a:t>
-            </a:r>
-            <a:endParaRPr lang="en-CA" dirty="0"/>
-          </a:p>
-        </p:txBody>
-      </p:sp>
-    </p:spTree>
-    <p:extLst>
-      <p:ext uri="{BB962C8B-B14F-4D97-AF65-F5344CB8AC3E}">
-        <p14:creationId xmlns:p14="http://schemas.microsoft.com/office/powerpoint/2010/main" val="90014070"/>
-      </p:ext>
-    </p:extLst>
-  </p:cSld>
-  <p:clrMapOvr>
-    <a:masterClrMapping/>
-  </p:clrMapOvr>
   <p:timing>
     <p:tnLst>
       <p:par>
@@ -36275,10 +36509,10 @@
           <a:lstStyle/>
           <a:p>
             <a:r>
-              <a:rPr lang="en-US" dirty="0" smtClean="0"/>
+              <a:rPr lang="en-CA" dirty="0" smtClean="0"/>
               <a:t>Related Work</a:t>
             </a:r>
-            <a:endParaRPr lang="en-US" dirty="0"/>
+            <a:endParaRPr lang="en-CA" dirty="0"/>
           </a:p>
         </p:txBody>
       </p:sp>
@@ -36294,107 +36528,102 @@
         </p:nvSpPr>
         <p:spPr/>
         <p:txBody>
-          <a:bodyPr>
-            <a:noAutofit/>
-          </a:bodyPr>
+          <a:bodyPr/>
           <a:lstStyle/>
           <a:p>
-            <a:pPr marL="514350" indent="-514350">
+            <a:pPr marL="457200" indent="-457200">
               <a:buFont typeface="+mj-lt"/>
-              <a:buAutoNum type="arabicPeriod" startAt="3"/>
+              <a:buAutoNum type="arabicPeriod"/>
             </a:pPr>
             <a:r>
+              <a:rPr lang="en-US" sz="2800" dirty="0" smtClean="0"/>
+              <a:t>Parallel </a:t>
+            </a:r>
+            <a:r>
               <a:rPr lang="en-US" sz="2800" dirty="0"/>
-              <a:t>Distributed or Parallel </a:t>
-            </a:r>
-            <a:r>
-              <a:rPr lang="en-US" sz="2800" dirty="0" smtClean="0"/>
-              <a:t>papers in MF </a:t>
-            </a:r>
-            <a:endParaRPr lang="en-US" sz="2800" dirty="0"/>
-          </a:p>
-          <a:p>
-            <a:pPr marL="914400" lvl="1" indent="-514350">
+              <a:t>SAG for Supervised ML</a:t>
+            </a:r>
+          </a:p>
+          <a:p>
+            <a:pPr marL="857250" lvl="1" indent="-457200">
               <a:buFont typeface="Arial" panose="020B0604020202020204" pitchFamily="34" charset="0"/>
               <a:buChar char="•"/>
             </a:pPr>
             <a:r>
-              <a:rPr lang="en-US" dirty="0" smtClean="0"/>
-              <a:t>Don’t deal with SAG and memory (no need)</a:t>
-            </a:r>
-          </a:p>
-          <a:p>
-            <a:pPr marL="914400" lvl="1" indent="-514350">
+              <a:rPr lang="en-US" dirty="0">
+                <a:hlinkClick r:id="rId2"/>
+              </a:rPr>
+              <a:t>https://github.com/ScottSallinen/Gradient-Descent-Comparison</a:t>
+            </a:r>
+            <a:endParaRPr lang="en-US" dirty="0"/>
+          </a:p>
+          <a:p>
+            <a:pPr marL="857250" lvl="1" indent="-457200">
               <a:buFont typeface="Arial" panose="020B0604020202020204" pitchFamily="34" charset="0"/>
               <a:buChar char="•"/>
             </a:pPr>
             <a:r>
+              <a:rPr lang="en-US" dirty="0"/>
+              <a:t>SAG-MF: format of project is similar to </a:t>
+            </a:r>
+            <a:r>
               <a:rPr lang="en-US" dirty="0" smtClean="0"/>
-              <a:t>We implemented code in a way to enable parallel for-loops in </a:t>
-            </a:r>
-            <a:r>
-              <a:rPr lang="en-US" dirty="0" err="1" smtClean="0"/>
-              <a:t>Matlab</a:t>
-            </a:r>
-            <a:endParaRPr lang="en-US" dirty="0" smtClean="0"/>
-          </a:p>
-          <a:p>
-            <a:pPr marL="914400" lvl="1" indent="-514350">
+              <a:t>SKIM</a:t>
+            </a:r>
+          </a:p>
+          <a:p>
+            <a:pPr marL="857250" lvl="1" indent="-457200">
               <a:buFont typeface="Arial" panose="020B0604020202020204" pitchFamily="34" charset="0"/>
               <a:buChar char="•"/>
             </a:pPr>
             <a:r>
               <a:rPr lang="en-US" dirty="0" smtClean="0"/>
-              <a:t>Large Scale Matrix Factorization with Distributed Stochastic Gradient Descent</a:t>
-            </a:r>
-            <a:br>
-              <a:rPr lang="en-US" dirty="0" smtClean="0"/>
-            </a:br>
-            <a:r>
-              <a:rPr lang="en-US" sz="1800" dirty="0" smtClean="0">
-                <a:hlinkClick r:id="rId3"/>
-              </a:rPr>
-              <a:t>http://www.almaden.ibm.com/cs/people/peterh/dsgdTechRep.pdf</a:t>
-            </a:r>
-            <a:r>
-              <a:rPr lang="en-US" sz="1800" dirty="0" smtClean="0"/>
-              <a:t> </a:t>
-            </a:r>
-          </a:p>
-          <a:p>
-            <a:pPr marL="914400" lvl="1" indent="-514350">
+              <a:t>Parallel </a:t>
+            </a:r>
+            <a:r>
+              <a:rPr lang="en-US" dirty="0"/>
+              <a:t>SAG: format is comparison &amp; evaluation</a:t>
+            </a:r>
+          </a:p>
+          <a:p>
+            <a:pPr marL="457200" indent="-457200">
+              <a:buFont typeface="+mj-lt"/>
+              <a:buAutoNum type="arabicPeriod"/>
+            </a:pPr>
+            <a:r>
+              <a:rPr lang="en-US" sz="2800" dirty="0" smtClean="0"/>
+              <a:t>Bootstrapping, Alternating </a:t>
+            </a:r>
+            <a:r>
+              <a:rPr lang="en-US" sz="2800" dirty="0"/>
+              <a:t>Least </a:t>
+            </a:r>
+            <a:r>
+              <a:rPr lang="en-US" sz="2800" dirty="0" smtClean="0"/>
+              <a:t>Squares</a:t>
+            </a:r>
+          </a:p>
+          <a:p>
+            <a:pPr marL="857250" lvl="1" indent="-457200">
               <a:buFont typeface="Arial" panose="020B0604020202020204" pitchFamily="34" charset="0"/>
               <a:buChar char="•"/>
             </a:pPr>
             <a:r>
               <a:rPr lang="en-US" dirty="0" smtClean="0"/>
-              <a:t>Parallel Coordinate Descent</a:t>
-            </a:r>
-            <a:br>
-              <a:rPr lang="en-US" dirty="0" smtClean="0"/>
-            </a:br>
-            <a:r>
-              <a:rPr lang="en-US" dirty="0" smtClean="0"/>
-              <a:t>Scalable Coordinate Descent Approaches to Parallel Matrix Factorization for Recommender Systems </a:t>
-            </a:r>
-            <a:r>
-              <a:rPr lang="en-US" sz="1800" dirty="0" smtClean="0">
-                <a:hlinkClick r:id="rId4"/>
-              </a:rPr>
-              <a:t>http://www.cs.utexas.edu/~cjhsieh/icdm-pmf.pdf</a:t>
-            </a:r>
-            <a:r>
-              <a:rPr lang="en-US" sz="1800" dirty="0" smtClean="0"/>
-              <a:t> </a:t>
-            </a:r>
-            <a:endParaRPr lang="en-US" sz="1800" dirty="0"/>
+              <a:t>Orthogonal </a:t>
+            </a:r>
+            <a:r>
+              <a:rPr lang="en-US" dirty="0"/>
+              <a:t>to gradient descent or ascent</a:t>
+            </a:r>
+            <a:endParaRPr lang="en-CA" dirty="0"/>
           </a:p>
         </p:txBody>
       </p:sp>
     </p:spTree>
     <p:extLst>
       <p:ext uri="{BB962C8B-B14F-4D97-AF65-F5344CB8AC3E}">
-        <p14:creationId xmlns:p14="http://schemas.microsoft.com/office/powerpoint/2010/main" val="696953779"/>
+        <p14:creationId xmlns:p14="http://schemas.microsoft.com/office/powerpoint/2010/main" val="90014070"/>
       </p:ext>
     </p:extLst>
   </p:cSld>
@@ -36440,6 +36669,175 @@
         </p:nvSpPr>
         <p:spPr/>
         <p:txBody>
+          <a:bodyPr/>
+          <a:lstStyle/>
+          <a:p>
+            <a:r>
+              <a:rPr lang="en-US" dirty="0" smtClean="0"/>
+              <a:t>Related Work</a:t>
+            </a:r>
+            <a:endParaRPr lang="en-US" dirty="0"/>
+          </a:p>
+        </p:txBody>
+      </p:sp>
+      <p:sp>
+        <p:nvSpPr>
+          <p:cNvPr id="3" name="Content Placeholder 2"/>
+          <p:cNvSpPr>
+            <a:spLocks noGrp="1"/>
+          </p:cNvSpPr>
+          <p:nvPr>
+            <p:ph idx="1"/>
+          </p:nvPr>
+        </p:nvSpPr>
+        <p:spPr/>
+        <p:txBody>
+          <a:bodyPr>
+            <a:noAutofit/>
+          </a:bodyPr>
+          <a:lstStyle/>
+          <a:p>
+            <a:pPr marL="514350" indent="-514350">
+              <a:buFont typeface="+mj-lt"/>
+              <a:buAutoNum type="arabicPeriod" startAt="3"/>
+            </a:pPr>
+            <a:r>
+              <a:rPr lang="en-US" sz="2800" dirty="0"/>
+              <a:t>Distributed or Parallel </a:t>
+            </a:r>
+            <a:r>
+              <a:rPr lang="en-US" sz="2800" dirty="0" smtClean="0"/>
+              <a:t>papers in MF </a:t>
+            </a:r>
+            <a:endParaRPr lang="en-US" sz="2800" dirty="0"/>
+          </a:p>
+          <a:p>
+            <a:pPr marL="914400" lvl="1" indent="-514350">
+              <a:buFont typeface="Arial" panose="020B0604020202020204" pitchFamily="34" charset="0"/>
+              <a:buChar char="•"/>
+            </a:pPr>
+            <a:r>
+              <a:rPr lang="en-US" dirty="0" smtClean="0"/>
+              <a:t>Don’t deal with SAG and memory (no need)</a:t>
+            </a:r>
+          </a:p>
+          <a:p>
+            <a:pPr marL="914400" lvl="1" indent="-514350">
+              <a:buFont typeface="Arial" panose="020B0604020202020204" pitchFamily="34" charset="0"/>
+              <a:buChar char="•"/>
+            </a:pPr>
+            <a:r>
+              <a:rPr lang="en-US" dirty="0" smtClean="0"/>
+              <a:t>We implemented code in a way to enable parallel for-loops in </a:t>
+            </a:r>
+            <a:r>
+              <a:rPr lang="en-US" dirty="0" err="1" smtClean="0"/>
+              <a:t>Matlab</a:t>
+            </a:r>
+            <a:endParaRPr lang="en-US" dirty="0" smtClean="0"/>
+          </a:p>
+          <a:p>
+            <a:pPr marL="914400" lvl="1" indent="-514350">
+              <a:buFont typeface="Arial" panose="020B0604020202020204" pitchFamily="34" charset="0"/>
+              <a:buChar char="•"/>
+            </a:pPr>
+            <a:r>
+              <a:rPr lang="en-US" dirty="0" smtClean="0"/>
+              <a:t>Large Scale Matrix Factorization with Distributed Stochastic Gradient Descent</a:t>
+            </a:r>
+            <a:br>
+              <a:rPr lang="en-US" dirty="0" smtClean="0"/>
+            </a:br>
+            <a:r>
+              <a:rPr lang="en-US" sz="1800" dirty="0" smtClean="0">
+                <a:hlinkClick r:id="rId3"/>
+              </a:rPr>
+              <a:t>http://www.almaden.ibm.com/cs/people/peterh/dsgdTechRep.pdf</a:t>
+            </a:r>
+            <a:r>
+              <a:rPr lang="en-US" sz="1800" dirty="0" smtClean="0"/>
+              <a:t> </a:t>
+            </a:r>
+          </a:p>
+          <a:p>
+            <a:pPr marL="914400" lvl="1" indent="-514350">
+              <a:buFont typeface="Arial" panose="020B0604020202020204" pitchFamily="34" charset="0"/>
+              <a:buChar char="•"/>
+            </a:pPr>
+            <a:r>
+              <a:rPr lang="en-US" dirty="0" smtClean="0"/>
+              <a:t>Parallel Coordinate Descent</a:t>
+            </a:r>
+            <a:br>
+              <a:rPr lang="en-US" dirty="0" smtClean="0"/>
+            </a:br>
+            <a:r>
+              <a:rPr lang="en-US" dirty="0" smtClean="0"/>
+              <a:t>Scalable Coordinate Descent Approaches to Parallel Matrix Factorization for Recommender Systems </a:t>
+            </a:r>
+            <a:r>
+              <a:rPr lang="en-US" sz="1800" dirty="0" smtClean="0">
+                <a:hlinkClick r:id="rId4"/>
+              </a:rPr>
+              <a:t>http://www.cs.utexas.edu/~cjhsieh/icdm-pmf.pdf</a:t>
+            </a:r>
+            <a:r>
+              <a:rPr lang="en-US" sz="1800" dirty="0" smtClean="0"/>
+              <a:t> </a:t>
+            </a:r>
+            <a:endParaRPr lang="en-US" sz="1800" dirty="0"/>
+          </a:p>
+        </p:txBody>
+      </p:sp>
+    </p:spTree>
+    <p:extLst>
+      <p:ext uri="{BB962C8B-B14F-4D97-AF65-F5344CB8AC3E}">
+        <p14:creationId xmlns:p14="http://schemas.microsoft.com/office/powerpoint/2010/main" val="696953779"/>
+      </p:ext>
+    </p:extLst>
+  </p:cSld>
+  <p:clrMapOvr>
+    <a:masterClrMapping/>
+  </p:clrMapOvr>
+  <p:timing>
+    <p:tnLst>
+      <p:par>
+        <p:cTn id="1" dur="indefinite" restart="never" nodeType="tmRoot"/>
+      </p:par>
+    </p:tnLst>
+  </p:timing>
+</p:sld>
+</file>
+
+<file path=ppt/slides/slide54.xml><?xml version="1.0" encoding="utf-8"?>
+<p:sld xmlns:a="http://schemas.openxmlformats.org/drawingml/2006/main" xmlns:r="http://schemas.openxmlformats.org/officeDocument/2006/relationships" xmlns:p="http://schemas.openxmlformats.org/presentationml/2006/main">
+  <p:cSld>
+    <p:spTree>
+      <p:nvGrpSpPr>
+        <p:cNvPr id="1" name=""/>
+        <p:cNvGrpSpPr/>
+        <p:nvPr/>
+      </p:nvGrpSpPr>
+      <p:grpSpPr>
+        <a:xfrm>
+          <a:off x="0" y="0"/>
+          <a:ext cx="0" cy="0"/>
+          <a:chOff x="0" y="0"/>
+          <a:chExt cx="0" cy="0"/>
+        </a:xfrm>
+      </p:grpSpPr>
+      <p:sp>
+        <p:nvSpPr>
+          <p:cNvPr id="2" name="Title 1"/>
+          <p:cNvSpPr>
+            <a:spLocks noGrp="1"/>
+          </p:cNvSpPr>
+          <p:nvPr>
+            <p:ph type="title"/>
+          </p:nvPr>
+        </p:nvSpPr>
+        <p:spPr/>
+        <p:txBody>
           <a:bodyPr>
             <a:normAutofit fontScale="90000"/>
           </a:bodyPr>
@@ -36491,8 +36889,13 @@
             </a:pPr>
             <a:r>
               <a:rPr lang="en-US" sz="2800" dirty="0" smtClean="0"/>
-              <a:t>Adapt the Stochastic Average Gradient (SAG) method from Supervised ML into MF</a:t>
-            </a:r>
+              <a:t>Adapt the Stochastic Average Gradient (SAG) method from Supervised ML into </a:t>
+            </a:r>
+            <a:r>
+              <a:rPr lang="en-US" sz="2800" dirty="0" smtClean="0"/>
+              <a:t>MF</a:t>
+            </a:r>
+            <a:endParaRPr lang="en-US" sz="2800" dirty="0" smtClean="0"/>
           </a:p>
           <a:p>
             <a:pPr marL="514350" indent="-514350">
@@ -36530,7 +36933,19 @@
             </a:pPr>
             <a:r>
               <a:rPr lang="en-US" sz="2800" dirty="0" smtClean="0"/>
-              <a:t>Demonstrated that SAG-MF can yield faster / better convergence… while memory usage is similar to Deterministic or Stochastic gradient descent.</a:t>
+              <a:t>Demonstrated that SAG-MF can yield faster / better convergence… while memory usage is similar to Deterministic </a:t>
+            </a:r>
+            <a:r>
+              <a:rPr lang="en-US" sz="2800" dirty="0" smtClean="0"/>
+              <a:t>and</a:t>
+            </a:r>
+            <a:r>
+              <a:rPr lang="en-US" sz="2800" dirty="0" smtClean="0"/>
+              <a:t> </a:t>
+            </a:r>
+            <a:r>
+              <a:rPr lang="en-US" sz="2800" dirty="0" smtClean="0"/>
+              <a:t>Stochastic gradient descent.</a:t>
             </a:r>
           </a:p>
         </p:txBody>
@@ -36774,146 +37189,6 @@
 </p:sld>
 </file>
 
-<file path=ppt/slides/slide54.xml><?xml version="1.0" encoding="utf-8"?>
-<p:sld xmlns:a="http://schemas.openxmlformats.org/drawingml/2006/main" xmlns:r="http://schemas.openxmlformats.org/officeDocument/2006/relationships" xmlns:p="http://schemas.openxmlformats.org/presentationml/2006/main" show="0">
-  <p:cSld>
-    <p:spTree>
-      <p:nvGrpSpPr>
-        <p:cNvPr id="1" name=""/>
-        <p:cNvGrpSpPr/>
-        <p:nvPr/>
-      </p:nvGrpSpPr>
-      <p:grpSpPr>
-        <a:xfrm>
-          <a:off x="0" y="0"/>
-          <a:ext cx="0" cy="0"/>
-          <a:chOff x="0" y="0"/>
-          <a:chExt cx="0" cy="0"/>
-        </a:xfrm>
-      </p:grpSpPr>
-      <p:sp>
-        <p:nvSpPr>
-          <p:cNvPr id="2" name="Title 1"/>
-          <p:cNvSpPr>
-            <a:spLocks noGrp="1"/>
-          </p:cNvSpPr>
-          <p:nvPr>
-            <p:ph type="title"/>
-          </p:nvPr>
-        </p:nvSpPr>
-        <p:spPr/>
-        <p:txBody>
-          <a:bodyPr>
-            <a:normAutofit fontScale="90000"/>
-          </a:bodyPr>
-          <a:lstStyle/>
-          <a:p>
-            <a:r>
-              <a:rPr lang="en-CA" dirty="0" smtClean="0"/>
-              <a:t>Does faster/better convergence give better recommendations?</a:t>
-            </a:r>
-            <a:endParaRPr lang="en-CA" dirty="0"/>
-          </a:p>
-        </p:txBody>
-      </p:sp>
-      <p:sp>
-        <p:nvSpPr>
-          <p:cNvPr id="3" name="Content Placeholder 2"/>
-          <p:cNvSpPr>
-            <a:spLocks noGrp="1"/>
-          </p:cNvSpPr>
-          <p:nvPr>
-            <p:ph idx="1"/>
-          </p:nvPr>
-        </p:nvSpPr>
-        <p:spPr/>
-        <p:txBody>
-          <a:bodyPr>
-            <a:normAutofit fontScale="85000" lnSpcReduction="20000"/>
-          </a:bodyPr>
-          <a:lstStyle/>
-          <a:p>
-            <a:r>
-              <a:rPr lang="en-CA" dirty="0" smtClean="0"/>
-              <a:t>So far we focused only on getting faster &amp; better convergence thru SAG-MF</a:t>
-            </a:r>
-          </a:p>
-          <a:p>
-            <a:r>
-              <a:rPr lang="en-CA" dirty="0" smtClean="0"/>
-              <a:t>Intuition makes sense that faster/better convergence leads to better recommendations.</a:t>
-            </a:r>
-          </a:p>
-          <a:p>
-            <a:r>
-              <a:rPr lang="en-CA" dirty="0" smtClean="0"/>
-              <a:t>But… to what extend does faster or better convergence correlated with </a:t>
-            </a:r>
-          </a:p>
-          <a:p>
-            <a:pPr lvl="1"/>
-            <a:r>
-              <a:rPr lang="en-CA" dirty="0" smtClean="0"/>
-              <a:t>higher </a:t>
-            </a:r>
-            <a:r>
-              <a:rPr lang="en-CA" dirty="0"/>
-              <a:t>productivity </a:t>
-            </a:r>
-            <a:r>
-              <a:rPr lang="en-CA" dirty="0" smtClean="0"/>
-              <a:t>of data scientists, or</a:t>
-            </a:r>
-          </a:p>
-          <a:p>
-            <a:pPr lvl="1"/>
-            <a:r>
-              <a:rPr lang="en-CA" dirty="0" smtClean="0"/>
-              <a:t>better recommendations? </a:t>
-            </a:r>
-          </a:p>
-          <a:p>
-            <a:r>
-              <a:rPr lang="en-CA" dirty="0" smtClean="0"/>
-              <a:t>Is there a sufficient, or “good-enough” bound</a:t>
-            </a:r>
-          </a:p>
-          <a:p>
-            <a:r>
-              <a:rPr lang="en-CA" dirty="0" smtClean="0"/>
-              <a:t>Approach: plug converged approx. into metrics, and compare: MRR, P@5, 1-call@5, etc.</a:t>
-            </a:r>
-          </a:p>
-        </p:txBody>
-      </p:sp>
-    </p:spTree>
-    <p:extLst>
-      <p:ext uri="{BB962C8B-B14F-4D97-AF65-F5344CB8AC3E}">
-        <p14:creationId xmlns:p14="http://schemas.microsoft.com/office/powerpoint/2010/main" val="2924231425"/>
-      </p:ext>
-    </p:extLst>
-  </p:cSld>
-  <p:clrMapOvr>
-    <a:masterClrMapping/>
-  </p:clrMapOvr>
-  <mc:AlternateContent xmlns:mc="http://schemas.openxmlformats.org/markup-compatibility/2006" xmlns:p14="http://schemas.microsoft.com/office/powerpoint/2010/main">
-    <mc:Choice Requires="p14">
-      <p:transition spd="slow" p14:dur="2000"/>
-    </mc:Choice>
-    <mc:Fallback xmlns="">
-      <p:transition spd="slow"/>
-    </mc:Fallback>
-  </mc:AlternateContent>
-  <p:timing>
-    <p:tnLst>
-      <p:par>
-        <p:cTn id="1" dur="indefinite" restart="never" nodeType="tmRoot"/>
-      </p:par>
-    </p:tnLst>
-  </p:timing>
-</p:sld>
-</file>
-
 <file path=ppt/slides/slide55.xml><?xml version="1.0" encoding="utf-8"?>
 <p:sld xmlns:a="http://schemas.openxmlformats.org/drawingml/2006/main" xmlns:r="http://schemas.openxmlformats.org/officeDocument/2006/relationships" xmlns:p="http://schemas.openxmlformats.org/presentationml/2006/main" show="0">
   <p:cSld>
@@ -36950,6 +37225,146 @@
           <a:p>
             <a:r>
               <a:rPr lang="en-CA" dirty="0" smtClean="0"/>
+              <a:t>Does faster/better convergence give better recommendations?</a:t>
+            </a:r>
+            <a:endParaRPr lang="en-CA" dirty="0"/>
+          </a:p>
+        </p:txBody>
+      </p:sp>
+      <p:sp>
+        <p:nvSpPr>
+          <p:cNvPr id="3" name="Content Placeholder 2"/>
+          <p:cNvSpPr>
+            <a:spLocks noGrp="1"/>
+          </p:cNvSpPr>
+          <p:nvPr>
+            <p:ph idx="1"/>
+          </p:nvPr>
+        </p:nvSpPr>
+        <p:spPr/>
+        <p:txBody>
+          <a:bodyPr>
+            <a:normAutofit fontScale="85000" lnSpcReduction="20000"/>
+          </a:bodyPr>
+          <a:lstStyle/>
+          <a:p>
+            <a:r>
+              <a:rPr lang="en-CA" dirty="0" smtClean="0"/>
+              <a:t>So far we focused only on getting faster &amp; better convergence thru SAG-MF</a:t>
+            </a:r>
+          </a:p>
+          <a:p>
+            <a:r>
+              <a:rPr lang="en-CA" dirty="0" smtClean="0"/>
+              <a:t>Intuition makes sense that faster/better convergence leads to better recommendations.</a:t>
+            </a:r>
+          </a:p>
+          <a:p>
+            <a:r>
+              <a:rPr lang="en-CA" dirty="0" smtClean="0"/>
+              <a:t>But… to what extend does faster or better convergence correlated with </a:t>
+            </a:r>
+          </a:p>
+          <a:p>
+            <a:pPr lvl="1"/>
+            <a:r>
+              <a:rPr lang="en-CA" dirty="0" smtClean="0"/>
+              <a:t>higher </a:t>
+            </a:r>
+            <a:r>
+              <a:rPr lang="en-CA" dirty="0"/>
+              <a:t>productivity </a:t>
+            </a:r>
+            <a:r>
+              <a:rPr lang="en-CA" dirty="0" smtClean="0"/>
+              <a:t>of data scientists, or</a:t>
+            </a:r>
+          </a:p>
+          <a:p>
+            <a:pPr lvl="1"/>
+            <a:r>
+              <a:rPr lang="en-CA" dirty="0" smtClean="0"/>
+              <a:t>better recommendations? </a:t>
+            </a:r>
+          </a:p>
+          <a:p>
+            <a:r>
+              <a:rPr lang="en-CA" dirty="0" smtClean="0"/>
+              <a:t>Is there a sufficient, or “good-enough” bound</a:t>
+            </a:r>
+          </a:p>
+          <a:p>
+            <a:r>
+              <a:rPr lang="en-CA" dirty="0" smtClean="0"/>
+              <a:t>Approach: plug converged approx. into metrics, and compare: MRR, P@5, 1-call@5, etc.</a:t>
+            </a:r>
+          </a:p>
+        </p:txBody>
+      </p:sp>
+    </p:spTree>
+    <p:extLst>
+      <p:ext uri="{BB962C8B-B14F-4D97-AF65-F5344CB8AC3E}">
+        <p14:creationId xmlns:p14="http://schemas.microsoft.com/office/powerpoint/2010/main" val="2924231425"/>
+      </p:ext>
+    </p:extLst>
+  </p:cSld>
+  <p:clrMapOvr>
+    <a:masterClrMapping/>
+  </p:clrMapOvr>
+  <mc:AlternateContent xmlns:mc="http://schemas.openxmlformats.org/markup-compatibility/2006" xmlns:p14="http://schemas.microsoft.com/office/powerpoint/2010/main">
+    <mc:Choice Requires="p14">
+      <p:transition spd="slow" p14:dur="2000"/>
+    </mc:Choice>
+    <mc:Fallback xmlns="">
+      <p:transition spd="slow"/>
+    </mc:Fallback>
+  </mc:AlternateContent>
+  <p:timing>
+    <p:tnLst>
+      <p:par>
+        <p:cTn id="1" dur="indefinite" restart="never" nodeType="tmRoot"/>
+      </p:par>
+    </p:tnLst>
+  </p:timing>
+</p:sld>
+</file>
+
+<file path=ppt/slides/slide56.xml><?xml version="1.0" encoding="utf-8"?>
+<p:sld xmlns:a="http://schemas.openxmlformats.org/drawingml/2006/main" xmlns:r="http://schemas.openxmlformats.org/officeDocument/2006/relationships" xmlns:p="http://schemas.openxmlformats.org/presentationml/2006/main" show="0">
+  <p:cSld>
+    <p:spTree>
+      <p:nvGrpSpPr>
+        <p:cNvPr id="1" name=""/>
+        <p:cNvGrpSpPr/>
+        <p:nvPr/>
+      </p:nvGrpSpPr>
+      <p:grpSpPr>
+        <a:xfrm>
+          <a:off x="0" y="0"/>
+          <a:ext cx="0" cy="0"/>
+          <a:chOff x="0" y="0"/>
+          <a:chExt cx="0" cy="0"/>
+        </a:xfrm>
+      </p:grpSpPr>
+      <p:sp>
+        <p:nvSpPr>
+          <p:cNvPr id="2" name="Title 1"/>
+          <p:cNvSpPr>
+            <a:spLocks noGrp="1"/>
+          </p:cNvSpPr>
+          <p:nvPr>
+            <p:ph type="title"/>
+          </p:nvPr>
+        </p:nvSpPr>
+        <p:spPr/>
+        <p:txBody>
+          <a:bodyPr>
+            <a:normAutofit fontScale="90000"/>
+          </a:bodyPr>
+          <a:lstStyle/>
+          <a:p>
+            <a:r>
+              <a:rPr lang="en-CA" dirty="0" smtClean="0"/>
               <a:t>SAG-MF+</a:t>
             </a:r>
             <a:br>
@@ -37026,7 +37441,7 @@
 </p:sld>
 </file>
 
-<file path=ppt/slides/slide56.xml><?xml version="1.0" encoding="utf-8"?>
+<file path=ppt/slides/slide57.xml><?xml version="1.0" encoding="utf-8"?>
 <p:sld xmlns:a="http://schemas.openxmlformats.org/drawingml/2006/main" xmlns:r="http://schemas.openxmlformats.org/officeDocument/2006/relationships" xmlns:p="http://schemas.openxmlformats.org/presentationml/2006/main">
   <p:cSld>
     <p:spTree>
@@ -37412,11 +37827,7 @@
             </a:pPr>
             <a:r>
               <a:rPr lang="en-US" sz="2600" dirty="0" smtClean="0"/>
-              <a:t>May </a:t>
-            </a:r>
-            <a:r>
-              <a:rPr lang="en-US" sz="2600" dirty="0" smtClean="0"/>
-              <a:t>require multiple trials of experimentation</a:t>
+              <a:t>May require multiple trials of experimentation</a:t>
             </a:r>
           </a:p>
           <a:p>
@@ -37444,11 +37855,7 @@
             </a:pPr>
             <a:r>
               <a:rPr lang="en-US" sz="2600" dirty="0" smtClean="0"/>
-              <a:t>Fine-tuning </a:t>
-            </a:r>
-            <a:r>
-              <a:rPr lang="en-US" sz="2600" dirty="0" smtClean="0"/>
-              <a:t>parameters: step size, regularization… etc.</a:t>
+              <a:t>Fine-tuning parameters: step size, regularization… etc.</a:t>
             </a:r>
           </a:p>
         </p:txBody>

--- a/cs534L-SAGmf.pptx
+++ b/cs534L-SAGmf.pptx
@@ -5,7 +5,7 @@
     <p:sldMasterId id="2147483648" r:id="rId1"/>
   </p:sldMasterIdLst>
   <p:notesMasterIdLst>
-    <p:notesMasterId r:id="rId59"/>
+    <p:notesMasterId r:id="rId57"/>
   </p:notesMasterIdLst>
   <p:sldIdLst>
     <p:sldId id="256" r:id="rId2"/>
@@ -51,20 +51,18 @@
     <p:sldId id="296" r:id="rId42"/>
     <p:sldId id="306" r:id="rId43"/>
     <p:sldId id="308" r:id="rId44"/>
-    <p:sldId id="330" r:id="rId45"/>
-    <p:sldId id="331" r:id="rId46"/>
-    <p:sldId id="317" r:id="rId47"/>
-    <p:sldId id="318" r:id="rId48"/>
-    <p:sldId id="287" r:id="rId49"/>
-    <p:sldId id="267" r:id="rId50"/>
-    <p:sldId id="283" r:id="rId51"/>
-    <p:sldId id="284" r:id="rId52"/>
-    <p:sldId id="327" r:id="rId53"/>
-    <p:sldId id="285" r:id="rId54"/>
-    <p:sldId id="286" r:id="rId55"/>
-    <p:sldId id="266" r:id="rId56"/>
-    <p:sldId id="272" r:id="rId57"/>
-    <p:sldId id="329" r:id="rId58"/>
+    <p:sldId id="317" r:id="rId45"/>
+    <p:sldId id="318" r:id="rId46"/>
+    <p:sldId id="287" r:id="rId47"/>
+    <p:sldId id="267" r:id="rId48"/>
+    <p:sldId id="283" r:id="rId49"/>
+    <p:sldId id="284" r:id="rId50"/>
+    <p:sldId id="327" r:id="rId51"/>
+    <p:sldId id="285" r:id="rId52"/>
+    <p:sldId id="286" r:id="rId53"/>
+    <p:sldId id="266" r:id="rId54"/>
+    <p:sldId id="272" r:id="rId55"/>
+    <p:sldId id="329" r:id="rId56"/>
   </p:sldIdLst>
   <p:sldSz cx="9144000" cy="6858000" type="screen4x3"/>
   <p:notesSz cx="6858000" cy="9144000"/>
@@ -215,8 +213,6 @@
             <p14:sldId id="296"/>
             <p14:sldId id="306"/>
             <p14:sldId id="308"/>
-            <p14:sldId id="330"/>
-            <p14:sldId id="331"/>
             <p14:sldId id="317"/>
             <p14:sldId id="318"/>
             <p14:sldId id="287"/>
@@ -333,7 +329,7 @@
           <a:p>
             <a:fld id="{2A931F9A-C6D5-4EB2-9441-7E80231123F5}" type="datetimeFigureOut">
               <a:rPr lang="en-US" smtClean="0"/>
-              <a:t>12/11/2014</a:t>
+              <a:t>12/12/2014</a:t>
             </a:fld>
             <a:endParaRPr lang="en-US"/>
           </a:p>
@@ -1224,7 +1220,7 @@
           <a:p>
             <a:fld id="{EA5C61F1-C4D7-4183-9419-26D6C7EA246C}" type="slidenum">
               <a:rPr lang="en-US" smtClean="0"/>
-              <a:t>46</a:t>
+              <a:t>44</a:t>
             </a:fld>
             <a:endParaRPr lang="en-US"/>
           </a:p>
@@ -1339,7 +1335,7 @@
           <a:p>
             <a:fld id="{EA5C61F1-C4D7-4183-9419-26D6C7EA246C}" type="slidenum">
               <a:rPr lang="en-US" smtClean="0"/>
-              <a:t>47</a:t>
+              <a:t>45</a:t>
             </a:fld>
             <a:endParaRPr lang="en-US"/>
           </a:p>
@@ -1423,7 +1419,7 @@
           <a:p>
             <a:fld id="{EA5C61F1-C4D7-4183-9419-26D6C7EA246C}" type="slidenum">
               <a:rPr lang="en-US" smtClean="0"/>
-              <a:t>48</a:t>
+              <a:t>46</a:t>
             </a:fld>
             <a:endParaRPr lang="en-US"/>
           </a:p>
@@ -1515,7 +1511,7 @@
           <a:p>
             <a:fld id="{EA5C61F1-C4D7-4183-9419-26D6C7EA246C}" type="slidenum">
               <a:rPr lang="en-US" smtClean="0"/>
-              <a:t>49</a:t>
+              <a:t>47</a:t>
             </a:fld>
             <a:endParaRPr lang="en-US"/>
           </a:p>
@@ -1599,7 +1595,7 @@
           <a:p>
             <a:fld id="{EA5C61F1-C4D7-4183-9419-26D6C7EA246C}" type="slidenum">
               <a:rPr lang="en-US" smtClean="0"/>
-              <a:t>53</a:t>
+              <a:t>51</a:t>
             </a:fld>
             <a:endParaRPr lang="en-US"/>
           </a:p>
@@ -2485,7 +2481,7 @@
           <a:p>
             <a:fld id="{43E95751-F7ED-4DC6-B252-D061684897A9}" type="datetimeFigureOut">
               <a:rPr lang="en-US" smtClean="0"/>
-              <a:t>12/11/2014</a:t>
+              <a:t>12/12/2014</a:t>
             </a:fld>
             <a:endParaRPr lang="en-US"/>
           </a:p>
@@ -2655,7 +2651,7 @@
           <a:p>
             <a:fld id="{43E95751-F7ED-4DC6-B252-D061684897A9}" type="datetimeFigureOut">
               <a:rPr lang="en-US" smtClean="0"/>
-              <a:t>12/11/2014</a:t>
+              <a:t>12/12/2014</a:t>
             </a:fld>
             <a:endParaRPr lang="en-US"/>
           </a:p>
@@ -2835,7 +2831,7 @@
           <a:p>
             <a:fld id="{43E95751-F7ED-4DC6-B252-D061684897A9}" type="datetimeFigureOut">
               <a:rPr lang="en-US" smtClean="0"/>
-              <a:t>12/11/2014</a:t>
+              <a:t>12/12/2014</a:t>
             </a:fld>
             <a:endParaRPr lang="en-US"/>
           </a:p>
@@ -3005,7 +3001,7 @@
           <a:p>
             <a:fld id="{43E95751-F7ED-4DC6-B252-D061684897A9}" type="datetimeFigureOut">
               <a:rPr lang="en-US" smtClean="0"/>
-              <a:t>12/11/2014</a:t>
+              <a:t>12/12/2014</a:t>
             </a:fld>
             <a:endParaRPr lang="en-US"/>
           </a:p>
@@ -3251,7 +3247,7 @@
           <a:p>
             <a:fld id="{43E95751-F7ED-4DC6-B252-D061684897A9}" type="datetimeFigureOut">
               <a:rPr lang="en-US" smtClean="0"/>
-              <a:t>12/11/2014</a:t>
+              <a:t>12/12/2014</a:t>
             </a:fld>
             <a:endParaRPr lang="en-US"/>
           </a:p>
@@ -3539,7 +3535,7 @@
           <a:p>
             <a:fld id="{43E95751-F7ED-4DC6-B252-D061684897A9}" type="datetimeFigureOut">
               <a:rPr lang="en-US" smtClean="0"/>
-              <a:t>12/11/2014</a:t>
+              <a:t>12/12/2014</a:t>
             </a:fld>
             <a:endParaRPr lang="en-US"/>
           </a:p>
@@ -3961,7 +3957,7 @@
           <a:p>
             <a:fld id="{43E95751-F7ED-4DC6-B252-D061684897A9}" type="datetimeFigureOut">
               <a:rPr lang="en-US" smtClean="0"/>
-              <a:t>12/11/2014</a:t>
+              <a:t>12/12/2014</a:t>
             </a:fld>
             <a:endParaRPr lang="en-US"/>
           </a:p>
@@ -4079,7 +4075,7 @@
           <a:p>
             <a:fld id="{43E95751-F7ED-4DC6-B252-D061684897A9}" type="datetimeFigureOut">
               <a:rPr lang="en-US" smtClean="0"/>
-              <a:t>12/11/2014</a:t>
+              <a:t>12/12/2014</a:t>
             </a:fld>
             <a:endParaRPr lang="en-US"/>
           </a:p>
@@ -4174,7 +4170,7 @@
           <a:p>
             <a:fld id="{43E95751-F7ED-4DC6-B252-D061684897A9}" type="datetimeFigureOut">
               <a:rPr lang="en-US" smtClean="0"/>
-              <a:t>12/11/2014</a:t>
+              <a:t>12/12/2014</a:t>
             </a:fld>
             <a:endParaRPr lang="en-US"/>
           </a:p>
@@ -4451,7 +4447,7 @@
           <a:p>
             <a:fld id="{43E95751-F7ED-4DC6-B252-D061684897A9}" type="datetimeFigureOut">
               <a:rPr lang="en-US" smtClean="0"/>
-              <a:t>12/11/2014</a:t>
+              <a:t>12/12/2014</a:t>
             </a:fld>
             <a:endParaRPr lang="en-US"/>
           </a:p>
@@ -4704,7 +4700,7 @@
           <a:p>
             <a:fld id="{43E95751-F7ED-4DC6-B252-D061684897A9}" type="datetimeFigureOut">
               <a:rPr lang="en-US" smtClean="0"/>
-              <a:t>12/11/2014</a:t>
+              <a:t>12/12/2014</a:t>
             </a:fld>
             <a:endParaRPr lang="en-US"/>
           </a:p>
@@ -4917,7 +4913,7 @@
           <a:p>
             <a:fld id="{43E95751-F7ED-4DC6-B252-D061684897A9}" type="datetimeFigureOut">
               <a:rPr lang="en-US" smtClean="0"/>
-              <a:t>12/11/2014</a:t>
+              <a:t>12/12/2014</a:t>
             </a:fld>
             <a:endParaRPr lang="en-US"/>
           </a:p>
@@ -24954,8 +24950,8 @@
           </a:p>
         </p:txBody>
       </p:sp>
-      <mc:AlternateContent xmlns:mc="http://schemas.openxmlformats.org/markup-compatibility/2006">
-        <mc:Choice xmlns:a14="http://schemas.microsoft.com/office/drawing/2010/main" Requires="a14">
+      <mc:AlternateContent xmlns:mc="http://schemas.openxmlformats.org/markup-compatibility/2006" xmlns:a14="http://schemas.microsoft.com/office/drawing/2010/main">
+        <mc:Choice Requires="a14">
           <p:sp>
             <p:nvSpPr>
               <p:cNvPr id="3" name="Content Placeholder 2"/>
@@ -24979,15 +24975,7 @@
               <a:p>
                 <a:r>
                   <a:rPr lang="en-US" dirty="0" smtClean="0"/>
-                  <a:t>Fix U, optimize V, then alterative </a:t>
-                </a:r>
-                <a:r>
-                  <a:rPr lang="en-US" dirty="0" err="1" smtClean="0"/>
-                  <a:t>btwn</a:t>
-                </a:r>
-                <a:r>
-                  <a:rPr lang="en-US" dirty="0" smtClean="0"/>
-                  <a:t> U, V.</a:t>
+                  <a:t>Fix U, optimize V; then fix V, optimize U</a:t>
                 </a:r>
               </a:p>
               <a:p>
@@ -25153,7 +25141,7 @@
             </p:txBody>
           </p:sp>
         </mc:Choice>
-        <mc:Fallback>
+        <mc:Fallback xmlns="">
           <p:sp>
             <p:nvSpPr>
               <p:cNvPr id="3" name="Content Placeholder 2"/>
@@ -28637,8 +28625,8 @@
           </a:p>
         </p:txBody>
       </p:sp>
-      <mc:AlternateContent xmlns:mc="http://schemas.openxmlformats.org/markup-compatibility/2006">
-        <mc:Choice xmlns:a14="http://schemas.microsoft.com/office/drawing/2010/main" Requires="a14">
+      <mc:AlternateContent xmlns:mc="http://schemas.openxmlformats.org/markup-compatibility/2006" xmlns:a14="http://schemas.microsoft.com/office/drawing/2010/main">
+        <mc:Choice Requires="a14">
           <p:sp>
             <p:nvSpPr>
               <p:cNvPr id="3" name="Content Placeholder 2"/>
@@ -28661,17 +28649,8 @@
                 </a:pPr>
                 <a:r>
                   <a:rPr lang="en-CA" dirty="0" smtClean="0"/>
-                  <a:t>Refresh early, recall Sampling </a:t>
-                </a:r>
-                <a:r>
-                  <a:rPr lang="en-CA" dirty="0" smtClean="0"/>
-                  <a:t>with </a:t>
-                </a:r>
-                <a:r>
-                  <a:rPr lang="en-CA" dirty="0" smtClean="0"/>
-                  <a:t>replacement:</a:t>
-                </a:r>
-                <a:endParaRPr lang="en-CA" dirty="0" smtClean="0"/>
+                  <a:t>Refresh early, recall Sampling with replacement:</a:t>
+                </a:r>
               </a:p>
               <a:p>
                 <a:r>
@@ -28890,7 +28869,7 @@
             </p:txBody>
           </p:sp>
         </mc:Choice>
-        <mc:Fallback>
+        <mc:Fallback xmlns="">
           <p:sp>
             <p:nvSpPr>
               <p:cNvPr id="3" name="Content Placeholder 2"/>
@@ -28934,11 +28913,11 @@
   <p:clrMapOvr>
     <a:masterClrMapping/>
   </p:clrMapOvr>
-  <mc:AlternateContent xmlns:mc="http://schemas.openxmlformats.org/markup-compatibility/2006">
-    <mc:Choice xmlns:p14="http://schemas.microsoft.com/office/powerpoint/2010/main" Requires="p14">
+  <mc:AlternateContent xmlns:mc="http://schemas.openxmlformats.org/markup-compatibility/2006" xmlns:p14="http://schemas.microsoft.com/office/powerpoint/2010/main">
+    <mc:Choice Requires="p14">
       <p:transition spd="slow" p14:dur="2000"/>
     </mc:Choice>
-    <mc:Fallback>
+    <mc:Fallback xmlns="">
       <p:transition spd="slow"/>
     </mc:Fallback>
   </mc:AlternateContent>
@@ -30726,11 +30705,11 @@
   <p:clrMapOvr>
     <a:masterClrMapping/>
   </p:clrMapOvr>
-  <mc:AlternateContent xmlns:mc="http://schemas.openxmlformats.org/markup-compatibility/2006">
-    <mc:Choice xmlns:p14="http://schemas.microsoft.com/office/powerpoint/2010/main" Requires="p14">
+  <mc:AlternateContent xmlns:mc="http://schemas.openxmlformats.org/markup-compatibility/2006" xmlns:p14="http://schemas.microsoft.com/office/powerpoint/2010/main">
+    <mc:Choice Requires="p14">
       <p:transition spd="slow" p14:dur="2000"/>
     </mc:Choice>
-    <mc:Fallback>
+    <mc:Fallback xmlns="">
       <p:transition spd="slow"/>
     </mc:Fallback>
   </mc:AlternateContent>
@@ -31121,11 +31100,7 @@
                       </a:r>
                       <a:r>
                         <a:rPr lang="en-CA" baseline="0" dirty="0" smtClean="0"/>
-                        <a:t> </a:t>
-                      </a:r>
-                      <a:r>
-                        <a:rPr lang="en-CA" baseline="0" dirty="0" smtClean="0"/>
-                        <a:t>Descent/Ascent</a:t>
+                        <a:t> Descent/Ascent</a:t>
                       </a:r>
                       <a:endParaRPr lang="en-CA" dirty="0"/>
                     </a:p>
@@ -32332,11 +32307,7 @@
                       </a:r>
                       <a:r>
                         <a:rPr lang="en-CA" sz="2400" dirty="0" smtClean="0"/>
-                        <a:t>(N + </a:t>
-                      </a:r>
-                      <a:r>
-                        <a:rPr lang="en-CA" sz="2400" dirty="0" smtClean="0"/>
-                        <a:t>(</a:t>
+                        <a:t>(N + (</a:t>
                       </a:r>
                       <a:r>
                         <a:rPr lang="en-CA" sz="2400" i="1" dirty="0" smtClean="0"/>
@@ -33364,7 +33335,7 @@
         <p:spPr/>
         <p:txBody>
           <a:bodyPr>
-            <a:normAutofit/>
+            <a:normAutofit lnSpcReduction="10000"/>
           </a:bodyPr>
           <a:lstStyle/>
           <a:p>
@@ -33428,7 +33399,7 @@
             </a:pPr>
             <a:r>
               <a:rPr lang="en-US" sz="2600" dirty="0" smtClean="0"/>
-              <a:t>Compared to SAG generic / Stochastic gradient,</a:t>
+              <a:t>Compared to SAG generic or Stochastic gradient,</a:t>
             </a:r>
           </a:p>
           <a:p>
@@ -33449,6 +33420,16 @@
             <a:r>
               <a:rPr lang="en-US" sz="2600" dirty="0" smtClean="0"/>
               <a:t>How much memory does SAG-MF ahead really save?</a:t>
+            </a:r>
+          </a:p>
+          <a:p>
+            <a:pPr marL="514350" indent="-514350">
+              <a:buFont typeface="+mj-lt"/>
+              <a:buAutoNum type="arabicPeriod" startAt="5"/>
+            </a:pPr>
+            <a:r>
+              <a:rPr lang="en-US" sz="2600" dirty="0" smtClean="0"/>
+              <a:t>Is it worth it to re-compute?</a:t>
             </a:r>
           </a:p>
         </p:txBody>
@@ -34334,12 +34315,17 @@
               <a:p>
                 <a:r>
                   <a:rPr lang="en-CA" dirty="0" smtClean="0"/>
-                  <a:t>Took subset </a:t>
+                  <a:t>Took subset of datasets b/c </a:t>
                 </a:r>
                 <a:r>
                   <a:rPr lang="en-CA" dirty="0" smtClean="0"/>
-                  <a:t>of datasets b/c Deterministic gradient takes too long</a:t>
-                </a:r>
+                  <a:t>doing lots iterations on </a:t>
+                </a:r>
+                <a:r>
+                  <a:rPr lang="en-CA" dirty="0" smtClean="0"/>
+                  <a:t>Full Deterministic would take too long</a:t>
+                </a:r>
+                <a:endParaRPr lang="en-CA" dirty="0" smtClean="0"/>
               </a:p>
               <a:p>
                 <a:r>
@@ -34853,7 +34839,7 @@
           <a:p>
             <a:r>
               <a:rPr lang="en-CA" dirty="0" smtClean="0"/>
-              <a:t>Discussion: Stochastic vs. SAG</a:t>
+              <a:t>Discussion: Memory</a:t>
             </a:r>
             <a:endParaRPr lang="en-CA" dirty="0"/>
           </a:p>
@@ -34876,62 +34862,66 @@
           </a:bodyPr>
           <a:lstStyle/>
           <a:p>
+            <a:pPr marL="0" indent="0" algn="ctr">
+              <a:buNone/>
+            </a:pPr>
             <a:r>
               <a:rPr lang="en-CA" dirty="0" smtClean="0"/>
-              <a:t>Both Stochastic and SAG are faster than Deterministic Full Gradient</a:t>
-            </a:r>
-          </a:p>
-          <a:p>
+              <a:t>In </a:t>
+            </a:r>
+            <a:r>
+              <a:rPr lang="en-CA" dirty="0" err="1" smtClean="0"/>
+              <a:t>MatLab</a:t>
+            </a:r>
             <a:r>
               <a:rPr lang="en-CA" dirty="0" smtClean="0"/>
-              <a:t>In most cases both converged at iteration </a:t>
-            </a:r>
-            <a:r>
-              <a:rPr lang="en-CA" dirty="0" smtClean="0"/>
-              <a:t/>
+              <a:t>, when dynamically updating</a:t>
             </a:r>
             <a:br>
               <a:rPr lang="en-CA" dirty="0" smtClean="0"/>
             </a:br>
             <a:r>
-              <a:rPr lang="en-CA" i="1" dirty="0" smtClean="0"/>
-              <a:t>t</a:t>
-            </a:r>
-            <a:r>
               <a:rPr lang="en-CA" dirty="0" smtClean="0"/>
-              <a:t> &lt;&lt; </a:t>
-            </a:r>
+              <a:t>sparse matrices</a:t>
+            </a:r>
+          </a:p>
+          <a:p>
             <a:r>
               <a:rPr lang="en-CA" dirty="0" smtClean="0"/>
-              <a:t>5000 (e.g. ~2000 iterations)</a:t>
+              <a:t>memory usage depends more on dimensionality of the sparse matrix</a:t>
             </a:r>
           </a:p>
           <a:p>
             <a:r>
               <a:rPr lang="en-CA" dirty="0" smtClean="0"/>
-              <a:t>For Stochastic to have </a:t>
-            </a:r>
-            <a:r>
-              <a:rPr lang="en-CA" dirty="0" smtClean="0"/>
-              <a:t>an approximation </a:t>
-            </a:r>
-            <a:r>
-              <a:rPr lang="en-CA" dirty="0" smtClean="0"/>
-              <a:t>matching SAG’s, Stochastic must go beyond 5000 or more iterations, if it can.</a:t>
-            </a:r>
+              <a:t>rather than the actual # of non-zero entries</a:t>
+            </a:r>
+          </a:p>
+          <a:p>
+            <a:endParaRPr lang="en-CA" dirty="0" smtClean="0"/>
+          </a:p>
+          <a:p>
+            <a:endParaRPr lang="en-CA" dirty="0"/>
           </a:p>
         </p:txBody>
       </p:sp>
     </p:spTree>
     <p:extLst>
       <p:ext uri="{BB962C8B-B14F-4D97-AF65-F5344CB8AC3E}">
-        <p14:creationId xmlns:p14="http://schemas.microsoft.com/office/powerpoint/2010/main" val="2098895806"/>
+        <p14:creationId xmlns:p14="http://schemas.microsoft.com/office/powerpoint/2010/main" val="1795095825"/>
       </p:ext>
     </p:extLst>
   </p:cSld>
   <p:clrMapOvr>
     <a:masterClrMapping/>
   </p:clrMapOvr>
+  <p:timing>
+    <p:tnLst>
+      <p:par>
+        <p:cTn id="1" dur="indefinite" restart="never" nodeType="tmRoot"/>
+      </p:par>
+    </p:tnLst>
+  </p:timing>
 </p:sld>
 </file>
 
@@ -34969,7 +34959,7 @@
           <a:p>
             <a:r>
               <a:rPr lang="en-CA" dirty="0" smtClean="0"/>
-              <a:t>Discussion: Stochastic vs. SAG</a:t>
+              <a:t>Discussion: Memory</a:t>
             </a:r>
             <a:endParaRPr lang="en-CA" dirty="0"/>
           </a:p>
@@ -34988,7 +34978,7 @@
         <p:spPr/>
         <p:txBody>
           <a:bodyPr>
-            <a:normAutofit/>
+            <a:normAutofit fontScale="85000" lnSpcReduction="10000"/>
           </a:bodyPr>
           <a:lstStyle/>
           <a:p>
@@ -34997,24 +34987,75 @@
             </a:pPr>
             <a:r>
               <a:rPr lang="en-CA" dirty="0" smtClean="0"/>
-              <a:t>Quality vs Time</a:t>
+              <a:t>SAG-MF ahead stores only scalars</a:t>
             </a:r>
           </a:p>
           <a:p>
             <a:r>
               <a:rPr lang="en-CA" dirty="0" smtClean="0"/>
-              <a:t>SAG </a:t>
-            </a:r>
+              <a:t>Provide dimensionality reduction</a:t>
+            </a:r>
+          </a:p>
+          <a:p>
             <a:r>
               <a:rPr lang="en-CA" dirty="0" smtClean="0"/>
-              <a:t>is faster than both Stochastic and Deterministic to reach similar quality of optimization.</a:t>
+              <a:t>Decouple SAG’s dependence on the actual implementation of sparse matrices in the underlying programming language or execution environment</a:t>
             </a:r>
           </a:p>
           <a:p>
             <a:r>
               <a:rPr lang="en-CA" dirty="0" smtClean="0"/>
-              <a:t>SAG yields better optimization than Stochastic and Deterministic given similar amount of time.</a:t>
-            </a:r>
+              <a:t>Data Scientists do not need to spend time to find an efficient sparse matrix implementation and integrate it into their code just to use SAG.</a:t>
+            </a:r>
+          </a:p>
+          <a:p>
+            <a:r>
+              <a:rPr lang="en-CA" dirty="0" smtClean="0"/>
+              <a:t>SAG-MF ahead stores </a:t>
+            </a:r>
+            <a:r>
+              <a:rPr lang="en-CA" i="1" dirty="0" smtClean="0"/>
+              <a:t>1</a:t>
+            </a:r>
+            <a:r>
+              <a:rPr lang="en-CA" dirty="0" smtClean="0"/>
+              <a:t>*</a:t>
+            </a:r>
+            <a:r>
+              <a:rPr lang="en-CA" i="1" dirty="0" err="1" smtClean="0"/>
+              <a:t>nMems</a:t>
+            </a:r>
+            <a:r>
+              <a:rPr lang="en-CA" dirty="0" smtClean="0"/>
+              <a:t> integers, no update</a:t>
+            </a:r>
+          </a:p>
+          <a:p>
+            <a:r>
+              <a:rPr lang="en-CA" dirty="0" smtClean="0"/>
+              <a:t>SAG generic stores 2*</a:t>
+            </a:r>
+            <a:r>
+              <a:rPr lang="en-CA" i="1" dirty="0" err="1" smtClean="0"/>
+              <a:t>nMems</a:t>
+            </a:r>
+            <a:r>
+              <a:rPr lang="en-CA" i="1" dirty="0" smtClean="0"/>
+              <a:t>*</a:t>
+            </a:r>
+            <a:r>
+              <a:rPr lang="en-CA" i="1" dirty="0" err="1" smtClean="0"/>
+              <a:t>nDims</a:t>
+            </a:r>
+            <a:r>
+              <a:rPr lang="en-CA" dirty="0" smtClean="0"/>
+              <a:t> floating points</a:t>
+            </a:r>
+          </a:p>
+          <a:p>
+            <a:endParaRPr lang="en-CA" dirty="0" smtClean="0"/>
+          </a:p>
+          <a:p>
             <a:endParaRPr lang="en-CA" dirty="0"/>
           </a:p>
         </p:txBody>
@@ -35022,13 +35063,20 @@
     </p:spTree>
     <p:extLst>
       <p:ext uri="{BB962C8B-B14F-4D97-AF65-F5344CB8AC3E}">
-        <p14:creationId xmlns:p14="http://schemas.microsoft.com/office/powerpoint/2010/main" val="2355213880"/>
+        <p14:creationId xmlns:p14="http://schemas.microsoft.com/office/powerpoint/2010/main" val="2490651667"/>
       </p:ext>
     </p:extLst>
   </p:cSld>
   <p:clrMapOvr>
     <a:masterClrMapping/>
   </p:clrMapOvr>
+  <p:timing>
+    <p:tnLst>
+      <p:par>
+        <p:cTn id="1" dur="indefinite" restart="never" nodeType="tmRoot"/>
+      </p:par>
+    </p:tnLst>
+  </p:timing>
 </p:sld>
 </file>
 
@@ -35065,21 +35113,134 @@
           <a:lstStyle/>
           <a:p>
             <a:r>
-              <a:rPr lang="en-CA" dirty="0" smtClean="0"/>
-              <a:t>Discussion: Memory</a:t>
-            </a:r>
-            <a:endParaRPr lang="en-CA" dirty="0"/>
+              <a:rPr lang="en-US" dirty="0" smtClean="0"/>
+              <a:t>Ongoing Work</a:t>
+            </a:r>
+            <a:endParaRPr lang="en-US" dirty="0"/>
           </a:p>
         </p:txBody>
       </p:sp>
       <p:sp>
         <p:nvSpPr>
-          <p:cNvPr id="3" name="Content Placeholder 2"/>
+          <p:cNvPr id="3" name="Text Placeholder 2"/>
           <p:cNvSpPr>
             <a:spLocks noGrp="1"/>
           </p:cNvSpPr>
           <p:nvPr>
-            <p:ph idx="1"/>
+            <p:ph type="body" idx="1"/>
+          </p:nvPr>
+        </p:nvSpPr>
+        <p:spPr/>
+        <p:txBody>
+          <a:bodyPr/>
+          <a:lstStyle/>
+          <a:p>
+            <a:pPr algn="ctr"/>
+            <a:r>
+              <a:rPr lang="en-US" dirty="0" smtClean="0"/>
+              <a:t>RQ#3: Objective Functions</a:t>
+            </a:r>
+            <a:endParaRPr lang="en-US" dirty="0"/>
+          </a:p>
+        </p:txBody>
+      </p:sp>
+      <p:sp>
+        <p:nvSpPr>
+          <p:cNvPr id="4" name="Content Placeholder 3"/>
+          <p:cNvSpPr>
+            <a:spLocks noGrp="1"/>
+          </p:cNvSpPr>
+          <p:nvPr>
+            <p:ph sz="half" idx="2"/>
+          </p:nvPr>
+        </p:nvSpPr>
+        <p:spPr/>
+        <p:txBody>
+          <a:bodyPr/>
+          <a:lstStyle/>
+          <a:p>
+            <a:endParaRPr lang="en-US" dirty="0" smtClean="0"/>
+          </a:p>
+          <a:p>
+            <a:pPr marL="0" indent="0" algn="ctr">
+              <a:buNone/>
+            </a:pPr>
+            <a:r>
+              <a:rPr lang="en-US" dirty="0" smtClean="0"/>
+              <a:t>(implemented, not evaluated)</a:t>
+            </a:r>
+          </a:p>
+          <a:p>
+            <a:pPr marL="0" indent="0" algn="ctr">
+              <a:buNone/>
+            </a:pPr>
+            <a:r>
+              <a:rPr lang="en-US" dirty="0" smtClean="0"/>
+              <a:t>Binary Data</a:t>
+            </a:r>
+          </a:p>
+          <a:p>
+            <a:r>
+              <a:rPr lang="en-US" dirty="0"/>
+              <a:t>WR-MF:</a:t>
+            </a:r>
+            <a:r>
+              <a:rPr lang="en-US" sz="2000" dirty="0"/>
+              <a:t> </a:t>
+            </a:r>
+            <a:r>
+              <a:rPr lang="en-US" sz="2000" dirty="0" smtClean="0"/>
+              <a:t>Weighted Regularized Matrix Factorization (Hu et al.)</a:t>
+            </a:r>
+            <a:endParaRPr lang="en-US" sz="2000" dirty="0"/>
+          </a:p>
+          <a:p>
+            <a:r>
+              <a:rPr lang="en-US" dirty="0" smtClean="0"/>
+              <a:t>MNAR: </a:t>
+            </a:r>
+            <a:r>
+              <a:rPr lang="en-US" sz="2000" dirty="0" smtClean="0"/>
+              <a:t>Missing Not At Random</a:t>
+            </a:r>
+          </a:p>
+          <a:p>
+            <a:endParaRPr lang="en-US" sz="2000" dirty="0" smtClean="0"/>
+          </a:p>
+        </p:txBody>
+      </p:sp>
+      <p:sp>
+        <p:nvSpPr>
+          <p:cNvPr id="5" name="Text Placeholder 4"/>
+          <p:cNvSpPr>
+            <a:spLocks noGrp="1"/>
+          </p:cNvSpPr>
+          <p:nvPr>
+            <p:ph type="body" sz="quarter" idx="3"/>
+          </p:nvPr>
+        </p:nvSpPr>
+        <p:spPr/>
+        <p:txBody>
+          <a:bodyPr/>
+          <a:lstStyle/>
+          <a:p>
+            <a:pPr algn="ctr"/>
+            <a:r>
+              <a:rPr lang="en-US" dirty="0" smtClean="0"/>
+              <a:t>RQ#4: Datasets</a:t>
+            </a:r>
+            <a:endParaRPr lang="en-US" dirty="0"/>
+          </a:p>
+        </p:txBody>
+      </p:sp>
+      <p:sp>
+        <p:nvSpPr>
+          <p:cNvPr id="6" name="Content Placeholder 5"/>
+          <p:cNvSpPr>
+            <a:spLocks noGrp="1"/>
+          </p:cNvSpPr>
+          <p:nvPr>
+            <p:ph sz="quarter" idx="4"/>
           </p:nvPr>
         </p:nvSpPr>
         <p:spPr/>
@@ -35092,50 +35253,77 @@
             <a:pPr marL="0" indent="0" algn="ctr">
               <a:buNone/>
             </a:pPr>
-            <a:r>
-              <a:rPr lang="en-CA" dirty="0" smtClean="0"/>
-              <a:t>In </a:t>
-            </a:r>
-            <a:r>
-              <a:rPr lang="en-CA" dirty="0" err="1" smtClean="0"/>
-              <a:t>MatLab</a:t>
-            </a:r>
-            <a:r>
-              <a:rPr lang="en-CA" dirty="0" smtClean="0"/>
-              <a:t>, when dynamically updating</a:t>
-            </a:r>
-            <a:br>
-              <a:rPr lang="en-CA" dirty="0" smtClean="0"/>
-            </a:br>
-            <a:r>
-              <a:rPr lang="en-CA" dirty="0" smtClean="0"/>
-              <a:t>sparse matrices</a:t>
-            </a:r>
-          </a:p>
-          <a:p>
-            <a:r>
-              <a:rPr lang="en-CA" dirty="0" smtClean="0"/>
-              <a:t>memory usage depends more on dimensionality of the sparse matrix</a:t>
-            </a:r>
-          </a:p>
-          <a:p>
-            <a:r>
-              <a:rPr lang="en-CA" dirty="0" smtClean="0"/>
-              <a:t>rather than the actual # of non-zero entries</a:t>
-            </a:r>
-          </a:p>
-          <a:p>
-            <a:endParaRPr lang="en-CA" dirty="0" smtClean="0"/>
-          </a:p>
-          <a:p>
-            <a:endParaRPr lang="en-CA" dirty="0"/>
+            <a:endParaRPr lang="en-US" dirty="0" smtClean="0"/>
+          </a:p>
+          <a:p>
+            <a:pPr marL="0" indent="0" algn="ctr">
+              <a:buNone/>
+            </a:pPr>
+            <a:r>
+              <a:rPr lang="en-US" dirty="0" smtClean="0"/>
+              <a:t>(available, </a:t>
+            </a:r>
+            <a:r>
+              <a:rPr lang="en-US" dirty="0"/>
+              <a:t>not evaluated)</a:t>
+            </a:r>
+          </a:p>
+          <a:p>
+            <a:pPr marL="0" indent="0" algn="ctr">
+              <a:buNone/>
+            </a:pPr>
+            <a:r>
+              <a:rPr lang="en-US" dirty="0" smtClean="0"/>
+              <a:t>Binary Data</a:t>
+            </a:r>
+          </a:p>
+          <a:p>
+            <a:r>
+              <a:rPr lang="en-US" dirty="0" smtClean="0"/>
+              <a:t>Datasets at full scale, also:</a:t>
+            </a:r>
+          </a:p>
+          <a:p>
+            <a:r>
+              <a:rPr lang="en-US" dirty="0" smtClean="0"/>
+              <a:t>Amazon-2008</a:t>
+            </a:r>
+          </a:p>
+          <a:p>
+            <a:r>
+              <a:rPr lang="en-US" dirty="0" smtClean="0"/>
+              <a:t>.</a:t>
+            </a:r>
+            <a:r>
+              <a:rPr lang="en-US" dirty="0" err="1" smtClean="0"/>
+              <a:t>sk</a:t>
+            </a:r>
+            <a:r>
+              <a:rPr lang="en-US" dirty="0" smtClean="0"/>
+              <a:t> domain crawl 2005</a:t>
+            </a:r>
+          </a:p>
+          <a:p>
+            <a:r>
+              <a:rPr lang="en-US" dirty="0" smtClean="0"/>
+              <a:t>Patent citations</a:t>
+            </a:r>
+          </a:p>
+          <a:p>
+            <a:r>
+              <a:rPr lang="en-US" dirty="0" smtClean="0"/>
+              <a:t>Paper citations</a:t>
+            </a:r>
+          </a:p>
+          <a:p>
+            <a:endParaRPr lang="en-US" dirty="0" smtClean="0"/>
           </a:p>
         </p:txBody>
       </p:sp>
     </p:spTree>
     <p:extLst>
       <p:ext uri="{BB962C8B-B14F-4D97-AF65-F5344CB8AC3E}">
-        <p14:creationId xmlns:p14="http://schemas.microsoft.com/office/powerpoint/2010/main" val="1795095825"/>
+        <p14:creationId xmlns:p14="http://schemas.microsoft.com/office/powerpoint/2010/main" val="1091472287"/>
       </p:ext>
     </p:extLst>
   </p:cSld>
@@ -35186,421 +35374,6 @@
           <a:p>
             <a:r>
               <a:rPr lang="en-CA" dirty="0" smtClean="0"/>
-              <a:t>Discussion: Memory</a:t>
-            </a:r>
-            <a:endParaRPr lang="en-CA" dirty="0"/>
-          </a:p>
-        </p:txBody>
-      </p:sp>
-      <p:sp>
-        <p:nvSpPr>
-          <p:cNvPr id="3" name="Content Placeholder 2"/>
-          <p:cNvSpPr>
-            <a:spLocks noGrp="1"/>
-          </p:cNvSpPr>
-          <p:nvPr>
-            <p:ph idx="1"/>
-          </p:nvPr>
-        </p:nvSpPr>
-        <p:spPr/>
-        <p:txBody>
-          <a:bodyPr>
-            <a:normAutofit fontScale="85000" lnSpcReduction="10000"/>
-          </a:bodyPr>
-          <a:lstStyle/>
-          <a:p>
-            <a:pPr marL="0" indent="0" algn="ctr">
-              <a:buNone/>
-            </a:pPr>
-            <a:r>
-              <a:rPr lang="en-CA" dirty="0" smtClean="0"/>
-              <a:t>SAG-MF ahead stores only scalars</a:t>
-            </a:r>
-          </a:p>
-          <a:p>
-            <a:r>
-              <a:rPr lang="en-CA" dirty="0" smtClean="0"/>
-              <a:t>Provide dimensionality reduction</a:t>
-            </a:r>
-          </a:p>
-          <a:p>
-            <a:r>
-              <a:rPr lang="en-CA" dirty="0" smtClean="0"/>
-              <a:t>Decouple SAG’s dependence on the actual implementation of sparse matrices in the underlying programming language or execution environment</a:t>
-            </a:r>
-          </a:p>
-          <a:p>
-            <a:r>
-              <a:rPr lang="en-CA" dirty="0" smtClean="0"/>
-              <a:t>Data Scientists do not need to spend time to find an efficient sparse matrix implementation and integrate it into their code just to use SAG.</a:t>
-            </a:r>
-          </a:p>
-          <a:p>
-            <a:r>
-              <a:rPr lang="en-CA" dirty="0" smtClean="0"/>
-              <a:t>SAG-MF ahead stores </a:t>
-            </a:r>
-            <a:r>
-              <a:rPr lang="en-CA" i="1" dirty="0" smtClean="0"/>
-              <a:t>1</a:t>
-            </a:r>
-            <a:r>
-              <a:rPr lang="en-CA" dirty="0" smtClean="0"/>
-              <a:t>*</a:t>
-            </a:r>
-            <a:r>
-              <a:rPr lang="en-CA" i="1" dirty="0" err="1" smtClean="0"/>
-              <a:t>nMems</a:t>
-            </a:r>
-            <a:r>
-              <a:rPr lang="en-CA" dirty="0" smtClean="0"/>
-              <a:t> integers, no update</a:t>
-            </a:r>
-          </a:p>
-          <a:p>
-            <a:r>
-              <a:rPr lang="en-CA" dirty="0" smtClean="0"/>
-              <a:t>SAG generic stores 2*</a:t>
-            </a:r>
-            <a:r>
-              <a:rPr lang="en-CA" i="1" dirty="0" err="1" smtClean="0"/>
-              <a:t>nMems</a:t>
-            </a:r>
-            <a:r>
-              <a:rPr lang="en-CA" i="1" dirty="0" smtClean="0"/>
-              <a:t>*</a:t>
-            </a:r>
-            <a:r>
-              <a:rPr lang="en-CA" i="1" dirty="0" err="1" smtClean="0"/>
-              <a:t>nDims</a:t>
-            </a:r>
-            <a:r>
-              <a:rPr lang="en-CA" dirty="0" smtClean="0"/>
-              <a:t> floating points</a:t>
-            </a:r>
-          </a:p>
-          <a:p>
-            <a:endParaRPr lang="en-CA" dirty="0" smtClean="0"/>
-          </a:p>
-          <a:p>
-            <a:endParaRPr lang="en-CA" dirty="0"/>
-          </a:p>
-        </p:txBody>
-      </p:sp>
-    </p:spTree>
-    <p:extLst>
-      <p:ext uri="{BB962C8B-B14F-4D97-AF65-F5344CB8AC3E}">
-        <p14:creationId xmlns:p14="http://schemas.microsoft.com/office/powerpoint/2010/main" val="2490651667"/>
-      </p:ext>
-    </p:extLst>
-  </p:cSld>
-  <p:clrMapOvr>
-    <a:masterClrMapping/>
-  </p:clrMapOvr>
-  <p:timing>
-    <p:tnLst>
-      <p:par>
-        <p:cTn id="1" dur="indefinite" restart="never" nodeType="tmRoot"/>
-      </p:par>
-    </p:tnLst>
-  </p:timing>
-</p:sld>
-</file>
-
-<file path=ppt/slides/slide48.xml><?xml version="1.0" encoding="utf-8"?>
-<p:sld xmlns:a="http://schemas.openxmlformats.org/drawingml/2006/main" xmlns:r="http://schemas.openxmlformats.org/officeDocument/2006/relationships" xmlns:p="http://schemas.openxmlformats.org/presentationml/2006/main">
-  <p:cSld>
-    <p:spTree>
-      <p:nvGrpSpPr>
-        <p:cNvPr id="1" name=""/>
-        <p:cNvGrpSpPr/>
-        <p:nvPr/>
-      </p:nvGrpSpPr>
-      <p:grpSpPr>
-        <a:xfrm>
-          <a:off x="0" y="0"/>
-          <a:ext cx="0" cy="0"/>
-          <a:chOff x="0" y="0"/>
-          <a:chExt cx="0" cy="0"/>
-        </a:xfrm>
-      </p:grpSpPr>
-      <p:sp>
-        <p:nvSpPr>
-          <p:cNvPr id="2" name="Title 1"/>
-          <p:cNvSpPr>
-            <a:spLocks noGrp="1"/>
-          </p:cNvSpPr>
-          <p:nvPr>
-            <p:ph type="title"/>
-          </p:nvPr>
-        </p:nvSpPr>
-        <p:spPr/>
-        <p:txBody>
-          <a:bodyPr/>
-          <a:lstStyle/>
-          <a:p>
-            <a:r>
-              <a:rPr lang="en-US" dirty="0" smtClean="0"/>
-              <a:t>Ongoing Work</a:t>
-            </a:r>
-            <a:endParaRPr lang="en-US" dirty="0"/>
-          </a:p>
-        </p:txBody>
-      </p:sp>
-      <p:sp>
-        <p:nvSpPr>
-          <p:cNvPr id="3" name="Text Placeholder 2"/>
-          <p:cNvSpPr>
-            <a:spLocks noGrp="1"/>
-          </p:cNvSpPr>
-          <p:nvPr>
-            <p:ph type="body" idx="1"/>
-          </p:nvPr>
-        </p:nvSpPr>
-        <p:spPr/>
-        <p:txBody>
-          <a:bodyPr/>
-          <a:lstStyle/>
-          <a:p>
-            <a:pPr algn="ctr"/>
-            <a:r>
-              <a:rPr lang="en-US" dirty="0" smtClean="0"/>
-              <a:t>RQ#3: Objective Functions</a:t>
-            </a:r>
-            <a:endParaRPr lang="en-US" dirty="0"/>
-          </a:p>
-        </p:txBody>
-      </p:sp>
-      <p:sp>
-        <p:nvSpPr>
-          <p:cNvPr id="4" name="Content Placeholder 3"/>
-          <p:cNvSpPr>
-            <a:spLocks noGrp="1"/>
-          </p:cNvSpPr>
-          <p:nvPr>
-            <p:ph sz="half" idx="2"/>
-          </p:nvPr>
-        </p:nvSpPr>
-        <p:spPr/>
-        <p:txBody>
-          <a:bodyPr/>
-          <a:lstStyle/>
-          <a:p>
-            <a:endParaRPr lang="en-US" dirty="0" smtClean="0"/>
-          </a:p>
-          <a:p>
-            <a:pPr marL="0" indent="0" algn="ctr">
-              <a:buNone/>
-            </a:pPr>
-            <a:r>
-              <a:rPr lang="en-US" dirty="0" smtClean="0"/>
-              <a:t>(implemented, not evaluated)</a:t>
-            </a:r>
-          </a:p>
-          <a:p>
-            <a:pPr marL="0" indent="0" algn="ctr">
-              <a:buNone/>
-            </a:pPr>
-            <a:r>
-              <a:rPr lang="en-US" dirty="0" smtClean="0"/>
-              <a:t>Binary Data</a:t>
-            </a:r>
-          </a:p>
-          <a:p>
-            <a:r>
-              <a:rPr lang="en-US" dirty="0"/>
-              <a:t>WR-MF:</a:t>
-            </a:r>
-            <a:r>
-              <a:rPr lang="en-US" sz="2000" dirty="0"/>
-              <a:t> </a:t>
-            </a:r>
-            <a:r>
-              <a:rPr lang="en-US" sz="2000" dirty="0" smtClean="0"/>
-              <a:t>Weighted Regularized Matrix Factorization (Hu et al.)</a:t>
-            </a:r>
-            <a:endParaRPr lang="en-US" sz="2000" dirty="0"/>
-          </a:p>
-          <a:p>
-            <a:r>
-              <a:rPr lang="en-US" dirty="0" smtClean="0"/>
-              <a:t>MNAR: </a:t>
-            </a:r>
-            <a:r>
-              <a:rPr lang="en-US" sz="2000" dirty="0" smtClean="0"/>
-              <a:t>Missing Not At Random</a:t>
-            </a:r>
-          </a:p>
-          <a:p>
-            <a:endParaRPr lang="en-US" sz="2000" dirty="0" smtClean="0"/>
-          </a:p>
-        </p:txBody>
-      </p:sp>
-      <p:sp>
-        <p:nvSpPr>
-          <p:cNvPr id="5" name="Text Placeholder 4"/>
-          <p:cNvSpPr>
-            <a:spLocks noGrp="1"/>
-          </p:cNvSpPr>
-          <p:nvPr>
-            <p:ph type="body" sz="quarter" idx="3"/>
-          </p:nvPr>
-        </p:nvSpPr>
-        <p:spPr/>
-        <p:txBody>
-          <a:bodyPr/>
-          <a:lstStyle/>
-          <a:p>
-            <a:pPr algn="ctr"/>
-            <a:r>
-              <a:rPr lang="en-US" dirty="0" smtClean="0"/>
-              <a:t>RQ#4: Datasets</a:t>
-            </a:r>
-            <a:endParaRPr lang="en-US" dirty="0"/>
-          </a:p>
-        </p:txBody>
-      </p:sp>
-      <p:sp>
-        <p:nvSpPr>
-          <p:cNvPr id="6" name="Content Placeholder 5"/>
-          <p:cNvSpPr>
-            <a:spLocks noGrp="1"/>
-          </p:cNvSpPr>
-          <p:nvPr>
-            <p:ph sz="quarter" idx="4"/>
-          </p:nvPr>
-        </p:nvSpPr>
-        <p:spPr/>
-        <p:txBody>
-          <a:bodyPr>
-            <a:normAutofit/>
-          </a:bodyPr>
-          <a:lstStyle/>
-          <a:p>
-            <a:pPr marL="0" indent="0" algn="ctr">
-              <a:buNone/>
-            </a:pPr>
-            <a:endParaRPr lang="en-US" dirty="0" smtClean="0"/>
-          </a:p>
-          <a:p>
-            <a:pPr marL="0" indent="0" algn="ctr">
-              <a:buNone/>
-            </a:pPr>
-            <a:r>
-              <a:rPr lang="en-US" dirty="0" smtClean="0"/>
-              <a:t>(available, </a:t>
-            </a:r>
-            <a:r>
-              <a:rPr lang="en-US" dirty="0"/>
-              <a:t>not evaluated)</a:t>
-            </a:r>
-          </a:p>
-          <a:p>
-            <a:pPr marL="0" indent="0" algn="ctr">
-              <a:buNone/>
-            </a:pPr>
-            <a:r>
-              <a:rPr lang="en-US" dirty="0" smtClean="0"/>
-              <a:t>Binary Data</a:t>
-            </a:r>
-          </a:p>
-          <a:p>
-            <a:r>
-              <a:rPr lang="en-US" dirty="0" smtClean="0"/>
-              <a:t>Datasets at full scale, also:</a:t>
-            </a:r>
-          </a:p>
-          <a:p>
-            <a:r>
-              <a:rPr lang="en-US" dirty="0" smtClean="0"/>
-              <a:t>Amazon-2008</a:t>
-            </a:r>
-          </a:p>
-          <a:p>
-            <a:r>
-              <a:rPr lang="en-US" dirty="0" smtClean="0"/>
-              <a:t>.</a:t>
-            </a:r>
-            <a:r>
-              <a:rPr lang="en-US" dirty="0" err="1" smtClean="0"/>
-              <a:t>sk</a:t>
-            </a:r>
-            <a:r>
-              <a:rPr lang="en-US" dirty="0" smtClean="0"/>
-              <a:t> domain crawl 2005</a:t>
-            </a:r>
-          </a:p>
-          <a:p>
-            <a:r>
-              <a:rPr lang="en-US" dirty="0" smtClean="0"/>
-              <a:t>Patent citations</a:t>
-            </a:r>
-          </a:p>
-          <a:p>
-            <a:r>
-              <a:rPr lang="en-US" dirty="0" smtClean="0"/>
-              <a:t>Paper citations</a:t>
-            </a:r>
-          </a:p>
-          <a:p>
-            <a:endParaRPr lang="en-US" dirty="0" smtClean="0"/>
-          </a:p>
-        </p:txBody>
-      </p:sp>
-    </p:spTree>
-    <p:extLst>
-      <p:ext uri="{BB962C8B-B14F-4D97-AF65-F5344CB8AC3E}">
-        <p14:creationId xmlns:p14="http://schemas.microsoft.com/office/powerpoint/2010/main" val="1091472287"/>
-      </p:ext>
-    </p:extLst>
-  </p:cSld>
-  <p:clrMapOvr>
-    <a:masterClrMapping/>
-  </p:clrMapOvr>
-  <p:timing>
-    <p:tnLst>
-      <p:par>
-        <p:cTn id="1" dur="indefinite" restart="never" nodeType="tmRoot"/>
-      </p:par>
-    </p:tnLst>
-  </p:timing>
-</p:sld>
-</file>
-
-<file path=ppt/slides/slide49.xml><?xml version="1.0" encoding="utf-8"?>
-<p:sld xmlns:a="http://schemas.openxmlformats.org/drawingml/2006/main" xmlns:r="http://schemas.openxmlformats.org/officeDocument/2006/relationships" xmlns:p="http://schemas.openxmlformats.org/presentationml/2006/main">
-  <p:cSld>
-    <p:spTree>
-      <p:nvGrpSpPr>
-        <p:cNvPr id="1" name=""/>
-        <p:cNvGrpSpPr/>
-        <p:nvPr/>
-      </p:nvGrpSpPr>
-      <p:grpSpPr>
-        <a:xfrm>
-          <a:off x="0" y="0"/>
-          <a:ext cx="0" cy="0"/>
-          <a:chOff x="0" y="0"/>
-          <a:chExt cx="0" cy="0"/>
-        </a:xfrm>
-      </p:grpSpPr>
-      <p:sp>
-        <p:nvSpPr>
-          <p:cNvPr id="2" name="Title 1"/>
-          <p:cNvSpPr>
-            <a:spLocks noGrp="1"/>
-          </p:cNvSpPr>
-          <p:nvPr>
-            <p:ph type="title"/>
-          </p:nvPr>
-        </p:nvSpPr>
-        <p:spPr/>
-        <p:txBody>
-          <a:bodyPr/>
-          <a:lstStyle/>
-          <a:p>
-            <a:r>
-              <a:rPr lang="en-CA" dirty="0" smtClean="0"/>
               <a:t>Ongoing Work</a:t>
             </a:r>
             <a:endParaRPr lang="en-CA" dirty="0"/>
@@ -35622,7 +35395,7 @@
             <p:spPr/>
             <p:txBody>
               <a:bodyPr>
-                <a:normAutofit fontScale="92500" lnSpcReduction="10000"/>
+                <a:normAutofit fontScale="92500" lnSpcReduction="20000"/>
               </a:bodyPr>
               <a:lstStyle/>
               <a:p>
@@ -35664,7 +35437,7 @@
                 </a:pPr>
                 <a:r>
                   <a:rPr lang="en-CA" sz="2800" dirty="0" smtClean="0"/>
-                  <a:t>Does SAG-MF yield higher quality recommendations: so what that we have fast &amp; good convergence?</a:t>
+                  <a:t>Better objective function vs. better convergence vs. better hyper-parameter selection: which yields higher quality recommendations?</a:t>
                 </a:r>
               </a:p>
               <a:p>
@@ -35953,7 +35726,7 @@
               <a:blipFill rotWithShape="0">
                 <a:blip r:embed="rId3"/>
                 <a:stretch>
-                  <a:fillRect l="-1333" t="-1348" r="-1185" b="-270"/>
+                  <a:fillRect l="-1333" t="-2291" r="-444"/>
                 </a:stretch>
               </a:blipFill>
             </p:spPr>
@@ -35982,6 +35755,383 @@
   <p:clrMapOvr>
     <a:masterClrMapping/>
   </p:clrMapOvr>
+  <p:timing>
+    <p:tnLst>
+      <p:par>
+        <p:cTn id="1" dur="indefinite" restart="never" nodeType="tmRoot"/>
+      </p:par>
+    </p:tnLst>
+  </p:timing>
+</p:sld>
+</file>
+
+<file path=ppt/slides/slide48.xml><?xml version="1.0" encoding="utf-8"?>
+<p:sld xmlns:a="http://schemas.openxmlformats.org/drawingml/2006/main" xmlns:r="http://schemas.openxmlformats.org/officeDocument/2006/relationships" xmlns:p="http://schemas.openxmlformats.org/presentationml/2006/main">
+  <p:cSld>
+    <p:spTree>
+      <p:nvGrpSpPr>
+        <p:cNvPr id="1" name=""/>
+        <p:cNvGrpSpPr/>
+        <p:nvPr/>
+      </p:nvGrpSpPr>
+      <p:grpSpPr>
+        <a:xfrm>
+          <a:off x="0" y="0"/>
+          <a:ext cx="0" cy="0"/>
+          <a:chOff x="0" y="0"/>
+          <a:chExt cx="0" cy="0"/>
+        </a:xfrm>
+      </p:grpSpPr>
+      <p:sp>
+        <p:nvSpPr>
+          <p:cNvPr id="2" name="Title 1"/>
+          <p:cNvSpPr>
+            <a:spLocks noGrp="1"/>
+          </p:cNvSpPr>
+          <p:nvPr>
+            <p:ph type="title"/>
+          </p:nvPr>
+        </p:nvSpPr>
+        <p:spPr/>
+        <p:txBody>
+          <a:bodyPr/>
+          <a:lstStyle/>
+          <a:p>
+            <a:r>
+              <a:rPr lang="en-US" dirty="0" smtClean="0"/>
+              <a:t>Future Work: Numerical Data</a:t>
+            </a:r>
+            <a:endParaRPr lang="en-US" dirty="0"/>
+          </a:p>
+        </p:txBody>
+      </p:sp>
+      <p:sp>
+        <p:nvSpPr>
+          <p:cNvPr id="3" name="Text Placeholder 2"/>
+          <p:cNvSpPr>
+            <a:spLocks noGrp="1"/>
+          </p:cNvSpPr>
+          <p:nvPr>
+            <p:ph type="body" idx="1"/>
+          </p:nvPr>
+        </p:nvSpPr>
+        <p:spPr/>
+        <p:txBody>
+          <a:bodyPr/>
+          <a:lstStyle/>
+          <a:p>
+            <a:pPr algn="ctr"/>
+            <a:r>
+              <a:rPr lang="en-US" dirty="0" smtClean="0"/>
+              <a:t>RQ#3: Objective Functions</a:t>
+            </a:r>
+            <a:endParaRPr lang="en-US" dirty="0"/>
+          </a:p>
+        </p:txBody>
+      </p:sp>
+      <p:sp>
+        <p:nvSpPr>
+          <p:cNvPr id="4" name="Content Placeholder 3"/>
+          <p:cNvSpPr>
+            <a:spLocks noGrp="1"/>
+          </p:cNvSpPr>
+          <p:nvPr>
+            <p:ph sz="half" idx="2"/>
+          </p:nvPr>
+        </p:nvSpPr>
+        <p:spPr/>
+        <p:txBody>
+          <a:bodyPr/>
+          <a:lstStyle/>
+          <a:p>
+            <a:pPr marL="0" indent="0" algn="ctr">
+              <a:buNone/>
+            </a:pPr>
+            <a:r>
+              <a:rPr lang="en-US" dirty="0" smtClean="0"/>
+              <a:t>Numerical Data</a:t>
+            </a:r>
+          </a:p>
+          <a:p>
+            <a:pPr marL="0" indent="0" algn="ctr">
+              <a:buNone/>
+            </a:pPr>
+            <a:r>
+              <a:rPr lang="en-US" dirty="0"/>
+              <a:t>(coming soon)</a:t>
+            </a:r>
+          </a:p>
+          <a:p>
+            <a:pPr marL="0" indent="0" algn="ctr">
+              <a:buNone/>
+            </a:pPr>
+            <a:endParaRPr lang="en-US" dirty="0" smtClean="0"/>
+          </a:p>
+          <a:p>
+            <a:r>
+              <a:rPr lang="en-US" dirty="0" err="1" smtClean="0"/>
+              <a:t>GAPfm</a:t>
+            </a:r>
+            <a:r>
+              <a:rPr lang="en-US" dirty="0" smtClean="0"/>
+              <a:t>: </a:t>
+            </a:r>
+            <a:r>
+              <a:rPr lang="en-US" sz="2000" dirty="0" smtClean="0"/>
+              <a:t>Graded </a:t>
+            </a:r>
+            <a:r>
+              <a:rPr lang="en-US" sz="2000" dirty="0" err="1" smtClean="0"/>
+              <a:t>Avg</a:t>
+            </a:r>
+            <a:r>
+              <a:rPr lang="en-US" sz="2000" dirty="0" smtClean="0"/>
+              <a:t> Precision</a:t>
+            </a:r>
+          </a:p>
+          <a:p>
+            <a:r>
+              <a:rPr lang="en-US" dirty="0" err="1"/>
+              <a:t>CofiRank</a:t>
+            </a:r>
+            <a:r>
+              <a:rPr lang="en-US" dirty="0"/>
+              <a:t>:</a:t>
+            </a:r>
+            <a:r>
+              <a:rPr lang="en-US" sz="2000" dirty="0"/>
+              <a:t> SVM-like loss</a:t>
+            </a:r>
+            <a:br>
+              <a:rPr lang="en-US" sz="2000" dirty="0"/>
+            </a:br>
+            <a:r>
+              <a:rPr lang="en-US" sz="2000" dirty="0"/>
+              <a:t>aka Max Margin MF</a:t>
+            </a:r>
+          </a:p>
+          <a:p>
+            <a:endParaRPr lang="en-US" sz="2000" dirty="0" smtClean="0"/>
+          </a:p>
+        </p:txBody>
+      </p:sp>
+      <p:sp>
+        <p:nvSpPr>
+          <p:cNvPr id="5" name="Text Placeholder 4"/>
+          <p:cNvSpPr>
+            <a:spLocks noGrp="1"/>
+          </p:cNvSpPr>
+          <p:nvPr>
+            <p:ph type="body" sz="quarter" idx="3"/>
+          </p:nvPr>
+        </p:nvSpPr>
+        <p:spPr/>
+        <p:txBody>
+          <a:bodyPr/>
+          <a:lstStyle/>
+          <a:p>
+            <a:pPr algn="ctr"/>
+            <a:r>
+              <a:rPr lang="en-US" dirty="0" smtClean="0"/>
+              <a:t>RQ#4: Datasets</a:t>
+            </a:r>
+            <a:endParaRPr lang="en-US" dirty="0"/>
+          </a:p>
+        </p:txBody>
+      </p:sp>
+      <p:sp>
+        <p:nvSpPr>
+          <p:cNvPr id="6" name="Content Placeholder 5"/>
+          <p:cNvSpPr>
+            <a:spLocks noGrp="1"/>
+          </p:cNvSpPr>
+          <p:nvPr>
+            <p:ph sz="quarter" idx="4"/>
+          </p:nvPr>
+        </p:nvSpPr>
+        <p:spPr/>
+        <p:txBody>
+          <a:bodyPr/>
+          <a:lstStyle/>
+          <a:p>
+            <a:pPr marL="0" indent="0" algn="ctr">
+              <a:buNone/>
+            </a:pPr>
+            <a:r>
+              <a:rPr lang="en-US" dirty="0" smtClean="0"/>
+              <a:t>Numerical Data</a:t>
+            </a:r>
+          </a:p>
+          <a:p>
+            <a:pPr marL="0" indent="0" algn="ctr">
+              <a:buNone/>
+            </a:pPr>
+            <a:r>
+              <a:rPr lang="en-US" dirty="0"/>
+              <a:t>(coming soon)</a:t>
+            </a:r>
+          </a:p>
+          <a:p>
+            <a:pPr marL="0" indent="0" algn="ctr">
+              <a:buNone/>
+            </a:pPr>
+            <a:endParaRPr lang="en-US" dirty="0" smtClean="0"/>
+          </a:p>
+          <a:p>
+            <a:r>
+              <a:rPr lang="en-US" dirty="0" err="1" smtClean="0"/>
+              <a:t>MovieLens</a:t>
+            </a:r>
+            <a:endParaRPr lang="en-US" dirty="0" smtClean="0"/>
+          </a:p>
+          <a:p>
+            <a:r>
+              <a:rPr lang="en-US" dirty="0" err="1" smtClean="0"/>
+              <a:t>NetFlix</a:t>
+            </a:r>
+            <a:r>
+              <a:rPr lang="en-US" dirty="0" smtClean="0"/>
+              <a:t> (still have yet to parse it from .txt files)</a:t>
+            </a:r>
+          </a:p>
+        </p:txBody>
+      </p:sp>
+    </p:spTree>
+    <p:extLst>
+      <p:ext uri="{BB962C8B-B14F-4D97-AF65-F5344CB8AC3E}">
+        <p14:creationId xmlns:p14="http://schemas.microsoft.com/office/powerpoint/2010/main" val="456452255"/>
+      </p:ext>
+    </p:extLst>
+  </p:cSld>
+  <p:clrMapOvr>
+    <a:masterClrMapping/>
+  </p:clrMapOvr>
+  <p:timing>
+    <p:tnLst>
+      <p:par>
+        <p:cTn id="1" dur="indefinite" restart="never" nodeType="tmRoot"/>
+      </p:par>
+    </p:tnLst>
+  </p:timing>
+</p:sld>
+</file>
+
+<file path=ppt/slides/slide49.xml><?xml version="1.0" encoding="utf-8"?>
+<p:sld xmlns:a="http://schemas.openxmlformats.org/drawingml/2006/main" xmlns:r="http://schemas.openxmlformats.org/officeDocument/2006/relationships" xmlns:p="http://schemas.openxmlformats.org/presentationml/2006/main" show="0">
+  <p:cSld>
+    <p:spTree>
+      <p:nvGrpSpPr>
+        <p:cNvPr id="1" name=""/>
+        <p:cNvGrpSpPr/>
+        <p:nvPr/>
+      </p:nvGrpSpPr>
+      <p:grpSpPr>
+        <a:xfrm>
+          <a:off x="0" y="0"/>
+          <a:ext cx="0" cy="0"/>
+          <a:chOff x="0" y="0"/>
+          <a:chExt cx="0" cy="0"/>
+        </a:xfrm>
+      </p:grpSpPr>
+      <p:sp>
+        <p:nvSpPr>
+          <p:cNvPr id="2" name="Title 1"/>
+          <p:cNvSpPr>
+            <a:spLocks noGrp="1"/>
+          </p:cNvSpPr>
+          <p:nvPr>
+            <p:ph type="title"/>
+          </p:nvPr>
+        </p:nvSpPr>
+        <p:spPr/>
+        <p:txBody>
+          <a:bodyPr>
+            <a:normAutofit fontScale="90000"/>
+          </a:bodyPr>
+          <a:lstStyle/>
+          <a:p>
+            <a:r>
+              <a:rPr lang="en-US" dirty="0"/>
+              <a:t>Future Work: </a:t>
+            </a:r>
+            <a:r>
+              <a:rPr lang="en-US" dirty="0" smtClean="0"/>
+              <a:t/>
+            </a:r>
+            <a:br>
+              <a:rPr lang="en-US" dirty="0" smtClean="0"/>
+            </a:br>
+            <a:r>
+              <a:rPr lang="en-US" dirty="0" smtClean="0"/>
+              <a:t>Other approaches to reduce memory</a:t>
+            </a:r>
+            <a:endParaRPr lang="en-US" dirty="0"/>
+          </a:p>
+        </p:txBody>
+      </p:sp>
+      <p:sp>
+        <p:nvSpPr>
+          <p:cNvPr id="3" name="Content Placeholder 2"/>
+          <p:cNvSpPr>
+            <a:spLocks noGrp="1"/>
+          </p:cNvSpPr>
+          <p:nvPr>
+            <p:ph idx="1"/>
+          </p:nvPr>
+        </p:nvSpPr>
+        <p:spPr/>
+        <p:txBody>
+          <a:bodyPr>
+            <a:normAutofit/>
+          </a:bodyPr>
+          <a:lstStyle/>
+          <a:p>
+            <a:r>
+              <a:rPr lang="en-US" dirty="0" smtClean="0"/>
+              <a:t>So far we’ve focused on using only algorithmic approaches to address the challenge with space complexity</a:t>
+            </a:r>
+          </a:p>
+          <a:p>
+            <a:r>
+              <a:rPr lang="en-US" dirty="0" smtClean="0"/>
+              <a:t>Could there be other approaches?</a:t>
+            </a:r>
+          </a:p>
+          <a:p>
+            <a:pPr lvl="1"/>
+            <a:r>
+              <a:rPr lang="en-US" dirty="0" smtClean="0"/>
+              <a:t>Scientific computing: numerical optimization for sparse matrices e.g. CSPARSE API?</a:t>
+            </a:r>
+          </a:p>
+          <a:p>
+            <a:pPr lvl="1"/>
+            <a:r>
+              <a:rPr lang="en-US" dirty="0" smtClean="0"/>
+              <a:t>Systems: if we know ahead of time the indices of random samples, can be minimize page faults?</a:t>
+            </a:r>
+            <a:endParaRPr lang="en-US" dirty="0"/>
+          </a:p>
+        </p:txBody>
+      </p:sp>
+    </p:spTree>
+    <p:extLst>
+      <p:ext uri="{BB962C8B-B14F-4D97-AF65-F5344CB8AC3E}">
+        <p14:creationId xmlns:p14="http://schemas.microsoft.com/office/powerpoint/2010/main" val="3482653226"/>
+      </p:ext>
+    </p:extLst>
+  </p:cSld>
+  <p:clrMapOvr>
+    <a:masterClrMapping/>
+  </p:clrMapOvr>
+  <mc:AlternateContent xmlns:mc="http://schemas.openxmlformats.org/markup-compatibility/2006" xmlns:p14="http://schemas.microsoft.com/office/powerpoint/2010/main">
+    <mc:Choice Requires="p14">
+      <p:transition spd="slow" p14:dur="2000"/>
+    </mc:Choice>
+    <mc:Fallback xmlns="">
+      <p:transition spd="slow"/>
+    </mc:Fallback>
+  </mc:AlternateContent>
   <p:timing>
     <p:tnLst>
       <p:par>
@@ -36132,21 +36282,21 @@
           <a:lstStyle/>
           <a:p>
             <a:r>
-              <a:rPr lang="en-US" dirty="0" smtClean="0"/>
-              <a:t>Future Work: Numerical Data</a:t>
-            </a:r>
-            <a:endParaRPr lang="en-US" dirty="0"/>
+              <a:rPr lang="en-CA" dirty="0" smtClean="0"/>
+              <a:t>Related Work</a:t>
+            </a:r>
+            <a:endParaRPr lang="en-CA" dirty="0"/>
           </a:p>
         </p:txBody>
       </p:sp>
       <p:sp>
         <p:nvSpPr>
-          <p:cNvPr id="3" name="Text Placeholder 2"/>
+          <p:cNvPr id="3" name="Content Placeholder 2"/>
           <p:cNvSpPr>
             <a:spLocks noGrp="1"/>
           </p:cNvSpPr>
           <p:nvPr>
-            <p:ph type="body" idx="1"/>
+            <p:ph idx="1"/>
           </p:nvPr>
         </p:nvSpPr>
         <p:spPr/>
@@ -36154,186 +36304,99 @@
           <a:bodyPr/>
           <a:lstStyle/>
           <a:p>
-            <a:pPr algn="ctr"/>
+            <a:pPr marL="457200" indent="-457200">
+              <a:buFont typeface="+mj-lt"/>
+              <a:buAutoNum type="arabicPeriod"/>
+            </a:pPr>
+            <a:r>
+              <a:rPr lang="en-US" sz="2800" dirty="0" smtClean="0"/>
+              <a:t>Parallel </a:t>
+            </a:r>
+            <a:r>
+              <a:rPr lang="en-US" sz="2800" dirty="0"/>
+              <a:t>SAG for Supervised ML</a:t>
+            </a:r>
+          </a:p>
+          <a:p>
+            <a:pPr marL="857250" lvl="1" indent="-457200">
+              <a:buFont typeface="Arial" panose="020B0604020202020204" pitchFamily="34" charset="0"/>
+              <a:buChar char="•"/>
+            </a:pPr>
+            <a:r>
+              <a:rPr lang="en-US" dirty="0">
+                <a:hlinkClick r:id="rId2"/>
+              </a:rPr>
+              <a:t>https://github.com/ScottSallinen/Gradient-Descent-Comparison</a:t>
+            </a:r>
+            <a:endParaRPr lang="en-US" dirty="0"/>
+          </a:p>
+          <a:p>
+            <a:pPr marL="857250" lvl="1" indent="-457200">
+              <a:buFont typeface="Arial" panose="020B0604020202020204" pitchFamily="34" charset="0"/>
+              <a:buChar char="•"/>
+            </a:pPr>
+            <a:r>
+              <a:rPr lang="en-US" dirty="0"/>
+              <a:t>SAG-MF: format of project is similar to </a:t>
+            </a:r>
             <a:r>
               <a:rPr lang="en-US" dirty="0" smtClean="0"/>
-              <a:t>RQ#3: Objective Functions</a:t>
-            </a:r>
-            <a:endParaRPr lang="en-US" dirty="0"/>
-          </a:p>
-        </p:txBody>
-      </p:sp>
-      <p:sp>
-        <p:nvSpPr>
-          <p:cNvPr id="4" name="Content Placeholder 3"/>
-          <p:cNvSpPr>
-            <a:spLocks noGrp="1"/>
-          </p:cNvSpPr>
-          <p:nvPr>
-            <p:ph sz="half" idx="2"/>
-          </p:nvPr>
-        </p:nvSpPr>
-        <p:spPr/>
-        <p:txBody>
-          <a:bodyPr/>
-          <a:lstStyle/>
-          <a:p>
-            <a:pPr marL="0" indent="0" algn="ctr">
-              <a:buNone/>
+              <a:t>SKIM</a:t>
+            </a:r>
+          </a:p>
+          <a:p>
+            <a:pPr marL="857250" lvl="1" indent="-457200">
+              <a:buFont typeface="Arial" panose="020B0604020202020204" pitchFamily="34" charset="0"/>
+              <a:buChar char="•"/>
             </a:pPr>
             <a:r>
               <a:rPr lang="en-US" dirty="0" smtClean="0"/>
-              <a:t>Numerical Data</a:t>
-            </a:r>
-          </a:p>
-          <a:p>
-            <a:pPr marL="0" indent="0" algn="ctr">
-              <a:buNone/>
+              <a:t>Parallel </a:t>
+            </a:r>
+            <a:r>
+              <a:rPr lang="en-US" dirty="0"/>
+              <a:t>SAG: format is comparison &amp; evaluation</a:t>
+            </a:r>
+          </a:p>
+          <a:p>
+            <a:pPr marL="457200" indent="-457200">
+              <a:buFont typeface="+mj-lt"/>
+              <a:buAutoNum type="arabicPeriod"/>
             </a:pPr>
             <a:r>
+              <a:rPr lang="en-US" sz="2800" dirty="0" smtClean="0"/>
+              <a:t>Bootstrapping, Alternating </a:t>
+            </a:r>
+            <a:r>
+              <a:rPr lang="en-US" sz="2800" dirty="0"/>
+              <a:t>Least </a:t>
+            </a:r>
+            <a:r>
+              <a:rPr lang="en-US" sz="2800" dirty="0" smtClean="0"/>
+              <a:t>Squares</a:t>
+            </a:r>
+          </a:p>
+          <a:p>
+            <a:pPr marL="857250" lvl="1" indent="-457200">
+              <a:buFont typeface="Arial" panose="020B0604020202020204" pitchFamily="34" charset="0"/>
+              <a:buChar char="•"/>
+            </a:pPr>
+            <a:r>
+              <a:rPr lang="en-US" dirty="0" smtClean="0"/>
+              <a:t>Orthogonal </a:t>
+            </a:r>
+            <a:r>
               <a:rPr lang="en-US" dirty="0"/>
-              <a:t>(coming soon)</a:t>
-            </a:r>
-          </a:p>
-          <a:p>
-            <a:pPr marL="0" indent="0" algn="ctr">
-              <a:buNone/>
-            </a:pPr>
-            <a:endParaRPr lang="en-US" dirty="0" smtClean="0"/>
-          </a:p>
-          <a:p>
-            <a:r>
-              <a:rPr lang="en-US" dirty="0" err="1" smtClean="0"/>
-              <a:t>GAPfm</a:t>
-            </a:r>
-            <a:r>
-              <a:rPr lang="en-US" dirty="0" smtClean="0"/>
-              <a:t>: </a:t>
-            </a:r>
-            <a:r>
-              <a:rPr lang="en-US" sz="2000" dirty="0" smtClean="0"/>
-              <a:t>Graded </a:t>
-            </a:r>
-            <a:r>
-              <a:rPr lang="en-US" sz="2000" dirty="0" err="1" smtClean="0"/>
-              <a:t>Avg</a:t>
-            </a:r>
-            <a:r>
-              <a:rPr lang="en-US" sz="2000" dirty="0" smtClean="0"/>
-              <a:t> Precision</a:t>
-            </a:r>
-          </a:p>
-          <a:p>
-            <a:r>
-              <a:rPr lang="en-US" dirty="0" err="1"/>
-              <a:t>CofiRank</a:t>
-            </a:r>
-            <a:r>
-              <a:rPr lang="en-US" dirty="0"/>
-              <a:t>:</a:t>
-            </a:r>
-            <a:r>
-              <a:rPr lang="en-US" sz="2000" dirty="0"/>
-              <a:t> SVM-like loss</a:t>
-            </a:r>
-            <a:br>
-              <a:rPr lang="en-US" sz="2000" dirty="0"/>
-            </a:br>
-            <a:r>
-              <a:rPr lang="en-US" sz="2000" dirty="0"/>
-              <a:t>aka Max Margin MF</a:t>
-            </a:r>
-          </a:p>
-          <a:p>
-            <a:endParaRPr lang="en-US" sz="2000" dirty="0" smtClean="0"/>
-          </a:p>
-        </p:txBody>
-      </p:sp>
-      <p:sp>
-        <p:nvSpPr>
-          <p:cNvPr id="5" name="Text Placeholder 4"/>
-          <p:cNvSpPr>
-            <a:spLocks noGrp="1"/>
-          </p:cNvSpPr>
-          <p:nvPr>
-            <p:ph type="body" sz="quarter" idx="3"/>
-          </p:nvPr>
-        </p:nvSpPr>
-        <p:spPr/>
-        <p:txBody>
-          <a:bodyPr/>
-          <a:lstStyle/>
-          <a:p>
-            <a:pPr algn="ctr"/>
-            <a:r>
-              <a:rPr lang="en-US" dirty="0" smtClean="0"/>
-              <a:t>RQ#4: Datasets</a:t>
-            </a:r>
-            <a:endParaRPr lang="en-US" dirty="0"/>
-          </a:p>
-        </p:txBody>
-      </p:sp>
-      <p:sp>
-        <p:nvSpPr>
-          <p:cNvPr id="6" name="Content Placeholder 5"/>
-          <p:cNvSpPr>
-            <a:spLocks noGrp="1"/>
-          </p:cNvSpPr>
-          <p:nvPr>
-            <p:ph sz="quarter" idx="4"/>
-          </p:nvPr>
-        </p:nvSpPr>
-        <p:spPr/>
-        <p:txBody>
-          <a:bodyPr/>
-          <a:lstStyle/>
-          <a:p>
-            <a:pPr marL="0" indent="0" algn="ctr">
-              <a:buNone/>
-            </a:pPr>
-            <a:r>
-              <a:rPr lang="en-US" dirty="0" smtClean="0"/>
-              <a:t>Numerical Data</a:t>
-            </a:r>
-          </a:p>
-          <a:p>
-            <a:pPr marL="0" indent="0" algn="ctr">
-              <a:buNone/>
-            </a:pPr>
-            <a:r>
-              <a:rPr lang="en-US" dirty="0"/>
-              <a:t>(coming soon)</a:t>
-            </a:r>
-          </a:p>
-          <a:p>
-            <a:pPr marL="0" indent="0" algn="ctr">
-              <a:buNone/>
-            </a:pPr>
-            <a:endParaRPr lang="en-US" dirty="0" smtClean="0"/>
-          </a:p>
-          <a:p>
-            <a:r>
-              <a:rPr lang="en-US" dirty="0" err="1" smtClean="0"/>
-              <a:t>MovieLens</a:t>
-            </a:r>
-            <a:endParaRPr lang="en-US" dirty="0" smtClean="0"/>
-          </a:p>
-          <a:p>
-            <a:r>
-              <a:rPr lang="en-US" dirty="0" err="1" smtClean="0"/>
-              <a:t>NetFlix</a:t>
-            </a:r>
-            <a:r>
-              <a:rPr lang="en-US" dirty="0" smtClean="0"/>
-              <a:t> (still have yet to parse it from .txt files)</a:t>
-            </a:r>
+              <a:t>to gradient descent or ascent</a:t>
+            </a:r>
+            <a:endParaRPr lang="en-CA" dirty="0"/>
           </a:p>
         </p:txBody>
       </p:sp>
     </p:spTree>
     <p:extLst>
       <p:ext uri="{BB962C8B-B14F-4D97-AF65-F5344CB8AC3E}">
-        <p14:creationId xmlns:p14="http://schemas.microsoft.com/office/powerpoint/2010/main" val="456452255"/>
+        <p14:creationId xmlns:p14="http://schemas.microsoft.com/office/powerpoint/2010/main" val="90014070"/>
       </p:ext>
     </p:extLst>
   </p:cSld>
@@ -36351,7 +36414,7 @@
 </file>
 
 <file path=ppt/slides/slide51.xml><?xml version="1.0" encoding="utf-8"?>
-<p:sld xmlns:a="http://schemas.openxmlformats.org/drawingml/2006/main" xmlns:r="http://schemas.openxmlformats.org/officeDocument/2006/relationships" xmlns:p="http://schemas.openxmlformats.org/presentationml/2006/main" show="0">
+<p:sld xmlns:a="http://schemas.openxmlformats.org/drawingml/2006/main" xmlns:r="http://schemas.openxmlformats.org/officeDocument/2006/relationships" xmlns:p="http://schemas.openxmlformats.org/presentationml/2006/main">
   <p:cSld>
     <p:spTree>
       <p:nvGrpSpPr>
@@ -36379,25 +36442,12 @@
         </p:nvSpPr>
         <p:spPr/>
         <p:txBody>
-          <a:bodyPr>
-            <a:normAutofit fontScale="90000"/>
-          </a:bodyPr>
+          <a:bodyPr/>
           <a:lstStyle/>
           <a:p>
             <a:r>
-              <a:rPr lang="en-US" dirty="0"/>
-              <a:t>Future Work: </a:t>
-            </a:r>
-            <a:r>
               <a:rPr lang="en-US" dirty="0" smtClean="0"/>
-              <a:t/>
-            </a:r>
-            <a:br>
-              <a:rPr lang="en-US" dirty="0" smtClean="0"/>
-            </a:br>
-            <a:r>
-              <a:rPr lang="en-US" dirty="0" smtClean="0"/>
-              <a:t>Other approaches to reduce memory</a:t>
+              <a:t>Related Work</a:t>
             </a:r>
             <a:endParaRPr lang="en-US" dirty="0"/>
           </a:p>
@@ -36416,56 +36466,112 @@
         <p:spPr/>
         <p:txBody>
           <a:bodyPr>
-            <a:normAutofit/>
+            <a:noAutofit/>
           </a:bodyPr>
           <a:lstStyle/>
           <a:p>
+            <a:pPr marL="514350" indent="-514350">
+              <a:buFont typeface="+mj-lt"/>
+              <a:buAutoNum type="arabicPeriod" startAt="3"/>
+            </a:pPr>
+            <a:r>
+              <a:rPr lang="en-US" sz="2800" dirty="0"/>
+              <a:t>Distributed or Parallel </a:t>
+            </a:r>
+            <a:r>
+              <a:rPr lang="en-US" sz="2800" dirty="0" smtClean="0"/>
+              <a:t>papers in MF </a:t>
+            </a:r>
+            <a:endParaRPr lang="en-US" sz="2800" dirty="0"/>
+          </a:p>
+          <a:p>
+            <a:pPr marL="914400" lvl="1" indent="-514350">
+              <a:buFont typeface="Arial" panose="020B0604020202020204" pitchFamily="34" charset="0"/>
+              <a:buChar char="•"/>
+            </a:pPr>
             <a:r>
               <a:rPr lang="en-US" dirty="0" smtClean="0"/>
-              <a:t>So far we’ve focused on using only algorithmic approaches to address the challenge with space complexity</a:t>
-            </a:r>
-          </a:p>
-          <a:p>
+              <a:t>Don’t deal with SAG and memory (no need)</a:t>
+            </a:r>
+          </a:p>
+          <a:p>
+            <a:pPr marL="914400" lvl="1" indent="-514350">
+              <a:buFont typeface="Arial" panose="020B0604020202020204" pitchFamily="34" charset="0"/>
+              <a:buChar char="•"/>
+            </a:pPr>
             <a:r>
               <a:rPr lang="en-US" dirty="0" smtClean="0"/>
-              <a:t>Could there be other approaches?</a:t>
-            </a:r>
-          </a:p>
-          <a:p>
-            <a:pPr lvl="1"/>
+              <a:t>We implemented code in a way to enable parallel for-loops in </a:t>
+            </a:r>
+            <a:r>
+              <a:rPr lang="en-US" dirty="0" err="1" smtClean="0"/>
+              <a:t>Matlab</a:t>
+            </a:r>
+            <a:endParaRPr lang="en-US" dirty="0" smtClean="0"/>
+          </a:p>
+          <a:p>
+            <a:pPr marL="914400" lvl="1" indent="-514350">
+              <a:buFont typeface="Arial" panose="020B0604020202020204" pitchFamily="34" charset="0"/>
+              <a:buChar char="•"/>
+            </a:pPr>
             <a:r>
               <a:rPr lang="en-US" dirty="0" smtClean="0"/>
-              <a:t>Scientific computing: numerical optimization for sparse matrices e.g. CSPARSE API?</a:t>
-            </a:r>
-          </a:p>
-          <a:p>
-            <a:pPr lvl="1"/>
-            <a:r>
+              <a:t>Large Scale Matrix Factorization with Distributed Stochastic Gradient Descent</a:t>
+            </a:r>
+            <a:br>
               <a:rPr lang="en-US" dirty="0" smtClean="0"/>
-              <a:t>System: represent sparse matrices better in memory?</a:t>
-            </a:r>
-            <a:endParaRPr lang="en-US" dirty="0"/>
+            </a:br>
+            <a:r>
+              <a:rPr lang="en-US" sz="1800" dirty="0" smtClean="0">
+                <a:hlinkClick r:id="rId3"/>
+              </a:rPr>
+              <a:t>http://www.almaden.ibm.com/cs/people/peterh/dsgdTechRep.pdf</a:t>
+            </a:r>
+            <a:r>
+              <a:rPr lang="en-US" sz="1800" dirty="0" smtClean="0"/>
+              <a:t> </a:t>
+            </a:r>
+          </a:p>
+          <a:p>
+            <a:pPr marL="914400" lvl="1" indent="-514350">
+              <a:buFont typeface="Arial" panose="020B0604020202020204" pitchFamily="34" charset="0"/>
+              <a:buChar char="•"/>
+            </a:pPr>
+            <a:r>
+              <a:rPr lang="en-US" dirty="0" smtClean="0"/>
+              <a:t>Parallel Coordinate Descent</a:t>
+            </a:r>
+            <a:br>
+              <a:rPr lang="en-US" dirty="0" smtClean="0"/>
+            </a:br>
+            <a:r>
+              <a:rPr lang="en-US" dirty="0" smtClean="0"/>
+              <a:t>Scalable Coordinate Descent Approaches to Parallel Matrix Factorization for Recommender Systems </a:t>
+            </a:r>
+            <a:r>
+              <a:rPr lang="en-US" sz="1800" dirty="0" smtClean="0">
+                <a:hlinkClick r:id="rId4"/>
+              </a:rPr>
+              <a:t>http://www.cs.utexas.edu/~cjhsieh/icdm-pmf.pdf</a:t>
+            </a:r>
+            <a:r>
+              <a:rPr lang="en-US" sz="1800" dirty="0" smtClean="0"/>
+              <a:t> </a:t>
+            </a:r>
+            <a:endParaRPr lang="en-US" sz="1800" dirty="0"/>
           </a:p>
         </p:txBody>
       </p:sp>
     </p:spTree>
     <p:extLst>
       <p:ext uri="{BB962C8B-B14F-4D97-AF65-F5344CB8AC3E}">
-        <p14:creationId xmlns:p14="http://schemas.microsoft.com/office/powerpoint/2010/main" val="3482653226"/>
+        <p14:creationId xmlns:p14="http://schemas.microsoft.com/office/powerpoint/2010/main" val="696953779"/>
       </p:ext>
     </p:extLst>
   </p:cSld>
   <p:clrMapOvr>
     <a:masterClrMapping/>
   </p:clrMapOvr>
-  <mc:AlternateContent xmlns:mc="http://schemas.openxmlformats.org/markup-compatibility/2006" xmlns:p14="http://schemas.microsoft.com/office/powerpoint/2010/main">
-    <mc:Choice Requires="p14">
-      <p:transition spd="slow" p14:dur="2000"/>
-    </mc:Choice>
-    <mc:Fallback xmlns="">
-      <p:transition spd="slow"/>
-    </mc:Fallback>
-  </mc:AlternateContent>
   <p:timing>
     <p:tnLst>
       <p:par>
@@ -36505,339 +36611,6 @@
         </p:nvSpPr>
         <p:spPr/>
         <p:txBody>
-          <a:bodyPr/>
-          <a:lstStyle/>
-          <a:p>
-            <a:r>
-              <a:rPr lang="en-CA" dirty="0" smtClean="0"/>
-              <a:t>Related Work</a:t>
-            </a:r>
-            <a:endParaRPr lang="en-CA" dirty="0"/>
-          </a:p>
-        </p:txBody>
-      </p:sp>
-      <p:sp>
-        <p:nvSpPr>
-          <p:cNvPr id="3" name="Content Placeholder 2"/>
-          <p:cNvSpPr>
-            <a:spLocks noGrp="1"/>
-          </p:cNvSpPr>
-          <p:nvPr>
-            <p:ph idx="1"/>
-          </p:nvPr>
-        </p:nvSpPr>
-        <p:spPr/>
-        <p:txBody>
-          <a:bodyPr/>
-          <a:lstStyle/>
-          <a:p>
-            <a:pPr marL="457200" indent="-457200">
-              <a:buFont typeface="+mj-lt"/>
-              <a:buAutoNum type="arabicPeriod"/>
-            </a:pPr>
-            <a:r>
-              <a:rPr lang="en-US" sz="2800" dirty="0" smtClean="0"/>
-              <a:t>Parallel </a:t>
-            </a:r>
-            <a:r>
-              <a:rPr lang="en-US" sz="2800" dirty="0"/>
-              <a:t>SAG for Supervised ML</a:t>
-            </a:r>
-          </a:p>
-          <a:p>
-            <a:pPr marL="857250" lvl="1" indent="-457200">
-              <a:buFont typeface="Arial" panose="020B0604020202020204" pitchFamily="34" charset="0"/>
-              <a:buChar char="•"/>
-            </a:pPr>
-            <a:r>
-              <a:rPr lang="en-US" dirty="0">
-                <a:hlinkClick r:id="rId2"/>
-              </a:rPr>
-              <a:t>https://github.com/ScottSallinen/Gradient-Descent-Comparison</a:t>
-            </a:r>
-            <a:endParaRPr lang="en-US" dirty="0"/>
-          </a:p>
-          <a:p>
-            <a:pPr marL="857250" lvl="1" indent="-457200">
-              <a:buFont typeface="Arial" panose="020B0604020202020204" pitchFamily="34" charset="0"/>
-              <a:buChar char="•"/>
-            </a:pPr>
-            <a:r>
-              <a:rPr lang="en-US" dirty="0"/>
-              <a:t>SAG-MF: format of project is similar to </a:t>
-            </a:r>
-            <a:r>
-              <a:rPr lang="en-US" dirty="0" smtClean="0"/>
-              <a:t>SKIM</a:t>
-            </a:r>
-          </a:p>
-          <a:p>
-            <a:pPr marL="857250" lvl="1" indent="-457200">
-              <a:buFont typeface="Arial" panose="020B0604020202020204" pitchFamily="34" charset="0"/>
-              <a:buChar char="•"/>
-            </a:pPr>
-            <a:r>
-              <a:rPr lang="en-US" dirty="0" smtClean="0"/>
-              <a:t>Parallel </a:t>
-            </a:r>
-            <a:r>
-              <a:rPr lang="en-US" dirty="0"/>
-              <a:t>SAG: format is comparison &amp; evaluation</a:t>
-            </a:r>
-          </a:p>
-          <a:p>
-            <a:pPr marL="457200" indent="-457200">
-              <a:buFont typeface="+mj-lt"/>
-              <a:buAutoNum type="arabicPeriod"/>
-            </a:pPr>
-            <a:r>
-              <a:rPr lang="en-US" sz="2800" dirty="0" smtClean="0"/>
-              <a:t>Bootstrapping, Alternating </a:t>
-            </a:r>
-            <a:r>
-              <a:rPr lang="en-US" sz="2800" dirty="0"/>
-              <a:t>Least </a:t>
-            </a:r>
-            <a:r>
-              <a:rPr lang="en-US" sz="2800" dirty="0" smtClean="0"/>
-              <a:t>Squares</a:t>
-            </a:r>
-          </a:p>
-          <a:p>
-            <a:pPr marL="857250" lvl="1" indent="-457200">
-              <a:buFont typeface="Arial" panose="020B0604020202020204" pitchFamily="34" charset="0"/>
-              <a:buChar char="•"/>
-            </a:pPr>
-            <a:r>
-              <a:rPr lang="en-US" dirty="0" smtClean="0"/>
-              <a:t>Orthogonal </a:t>
-            </a:r>
-            <a:r>
-              <a:rPr lang="en-US" dirty="0"/>
-              <a:t>to gradient descent or ascent</a:t>
-            </a:r>
-            <a:endParaRPr lang="en-CA" dirty="0"/>
-          </a:p>
-        </p:txBody>
-      </p:sp>
-    </p:spTree>
-    <p:extLst>
-      <p:ext uri="{BB962C8B-B14F-4D97-AF65-F5344CB8AC3E}">
-        <p14:creationId xmlns:p14="http://schemas.microsoft.com/office/powerpoint/2010/main" val="90014070"/>
-      </p:ext>
-    </p:extLst>
-  </p:cSld>
-  <p:clrMapOvr>
-    <a:masterClrMapping/>
-  </p:clrMapOvr>
-  <p:timing>
-    <p:tnLst>
-      <p:par>
-        <p:cTn id="1" dur="indefinite" restart="never" nodeType="tmRoot"/>
-      </p:par>
-    </p:tnLst>
-  </p:timing>
-</p:sld>
-</file>
-
-<file path=ppt/slides/slide53.xml><?xml version="1.0" encoding="utf-8"?>
-<p:sld xmlns:a="http://schemas.openxmlformats.org/drawingml/2006/main" xmlns:r="http://schemas.openxmlformats.org/officeDocument/2006/relationships" xmlns:p="http://schemas.openxmlformats.org/presentationml/2006/main">
-  <p:cSld>
-    <p:spTree>
-      <p:nvGrpSpPr>
-        <p:cNvPr id="1" name=""/>
-        <p:cNvGrpSpPr/>
-        <p:nvPr/>
-      </p:nvGrpSpPr>
-      <p:grpSpPr>
-        <a:xfrm>
-          <a:off x="0" y="0"/>
-          <a:ext cx="0" cy="0"/>
-          <a:chOff x="0" y="0"/>
-          <a:chExt cx="0" cy="0"/>
-        </a:xfrm>
-      </p:grpSpPr>
-      <p:sp>
-        <p:nvSpPr>
-          <p:cNvPr id="2" name="Title 1"/>
-          <p:cNvSpPr>
-            <a:spLocks noGrp="1"/>
-          </p:cNvSpPr>
-          <p:nvPr>
-            <p:ph type="title"/>
-          </p:nvPr>
-        </p:nvSpPr>
-        <p:spPr/>
-        <p:txBody>
-          <a:bodyPr/>
-          <a:lstStyle/>
-          <a:p>
-            <a:r>
-              <a:rPr lang="en-US" dirty="0" smtClean="0"/>
-              <a:t>Related Work</a:t>
-            </a:r>
-            <a:endParaRPr lang="en-US" dirty="0"/>
-          </a:p>
-        </p:txBody>
-      </p:sp>
-      <p:sp>
-        <p:nvSpPr>
-          <p:cNvPr id="3" name="Content Placeholder 2"/>
-          <p:cNvSpPr>
-            <a:spLocks noGrp="1"/>
-          </p:cNvSpPr>
-          <p:nvPr>
-            <p:ph idx="1"/>
-          </p:nvPr>
-        </p:nvSpPr>
-        <p:spPr/>
-        <p:txBody>
-          <a:bodyPr>
-            <a:noAutofit/>
-          </a:bodyPr>
-          <a:lstStyle/>
-          <a:p>
-            <a:pPr marL="514350" indent="-514350">
-              <a:buFont typeface="+mj-lt"/>
-              <a:buAutoNum type="arabicPeriod" startAt="3"/>
-            </a:pPr>
-            <a:r>
-              <a:rPr lang="en-US" sz="2800" dirty="0"/>
-              <a:t>Distributed or Parallel </a:t>
-            </a:r>
-            <a:r>
-              <a:rPr lang="en-US" sz="2800" dirty="0" smtClean="0"/>
-              <a:t>papers in MF </a:t>
-            </a:r>
-            <a:endParaRPr lang="en-US" sz="2800" dirty="0"/>
-          </a:p>
-          <a:p>
-            <a:pPr marL="914400" lvl="1" indent="-514350">
-              <a:buFont typeface="Arial" panose="020B0604020202020204" pitchFamily="34" charset="0"/>
-              <a:buChar char="•"/>
-            </a:pPr>
-            <a:r>
-              <a:rPr lang="en-US" dirty="0" smtClean="0"/>
-              <a:t>Don’t deal with SAG and memory (no need)</a:t>
-            </a:r>
-          </a:p>
-          <a:p>
-            <a:pPr marL="914400" lvl="1" indent="-514350">
-              <a:buFont typeface="Arial" panose="020B0604020202020204" pitchFamily="34" charset="0"/>
-              <a:buChar char="•"/>
-            </a:pPr>
-            <a:r>
-              <a:rPr lang="en-US" dirty="0" smtClean="0"/>
-              <a:t>We implemented code in a way to enable parallel for-loops in </a:t>
-            </a:r>
-            <a:r>
-              <a:rPr lang="en-US" dirty="0" err="1" smtClean="0"/>
-              <a:t>Matlab</a:t>
-            </a:r>
-            <a:endParaRPr lang="en-US" dirty="0" smtClean="0"/>
-          </a:p>
-          <a:p>
-            <a:pPr marL="914400" lvl="1" indent="-514350">
-              <a:buFont typeface="Arial" panose="020B0604020202020204" pitchFamily="34" charset="0"/>
-              <a:buChar char="•"/>
-            </a:pPr>
-            <a:r>
-              <a:rPr lang="en-US" dirty="0" smtClean="0"/>
-              <a:t>Large Scale Matrix Factorization with Distributed Stochastic Gradient Descent</a:t>
-            </a:r>
-            <a:br>
-              <a:rPr lang="en-US" dirty="0" smtClean="0"/>
-            </a:br>
-            <a:r>
-              <a:rPr lang="en-US" sz="1800" dirty="0" smtClean="0">
-                <a:hlinkClick r:id="rId3"/>
-              </a:rPr>
-              <a:t>http://www.almaden.ibm.com/cs/people/peterh/dsgdTechRep.pdf</a:t>
-            </a:r>
-            <a:r>
-              <a:rPr lang="en-US" sz="1800" dirty="0" smtClean="0"/>
-              <a:t> </a:t>
-            </a:r>
-          </a:p>
-          <a:p>
-            <a:pPr marL="914400" lvl="1" indent="-514350">
-              <a:buFont typeface="Arial" panose="020B0604020202020204" pitchFamily="34" charset="0"/>
-              <a:buChar char="•"/>
-            </a:pPr>
-            <a:r>
-              <a:rPr lang="en-US" dirty="0" smtClean="0"/>
-              <a:t>Parallel Coordinate Descent</a:t>
-            </a:r>
-            <a:br>
-              <a:rPr lang="en-US" dirty="0" smtClean="0"/>
-            </a:br>
-            <a:r>
-              <a:rPr lang="en-US" dirty="0" smtClean="0"/>
-              <a:t>Scalable Coordinate Descent Approaches to Parallel Matrix Factorization for Recommender Systems </a:t>
-            </a:r>
-            <a:r>
-              <a:rPr lang="en-US" sz="1800" dirty="0" smtClean="0">
-                <a:hlinkClick r:id="rId4"/>
-              </a:rPr>
-              <a:t>http://www.cs.utexas.edu/~cjhsieh/icdm-pmf.pdf</a:t>
-            </a:r>
-            <a:r>
-              <a:rPr lang="en-US" sz="1800" dirty="0" smtClean="0"/>
-              <a:t> </a:t>
-            </a:r>
-            <a:endParaRPr lang="en-US" sz="1800" dirty="0"/>
-          </a:p>
-        </p:txBody>
-      </p:sp>
-    </p:spTree>
-    <p:extLst>
-      <p:ext uri="{BB962C8B-B14F-4D97-AF65-F5344CB8AC3E}">
-        <p14:creationId xmlns:p14="http://schemas.microsoft.com/office/powerpoint/2010/main" val="696953779"/>
-      </p:ext>
-    </p:extLst>
-  </p:cSld>
-  <p:clrMapOvr>
-    <a:masterClrMapping/>
-  </p:clrMapOvr>
-  <p:timing>
-    <p:tnLst>
-      <p:par>
-        <p:cTn id="1" dur="indefinite" restart="never" nodeType="tmRoot"/>
-      </p:par>
-    </p:tnLst>
-  </p:timing>
-</p:sld>
-</file>
-
-<file path=ppt/slides/slide54.xml><?xml version="1.0" encoding="utf-8"?>
-<p:sld xmlns:a="http://schemas.openxmlformats.org/drawingml/2006/main" xmlns:r="http://schemas.openxmlformats.org/officeDocument/2006/relationships" xmlns:p="http://schemas.openxmlformats.org/presentationml/2006/main">
-  <p:cSld>
-    <p:spTree>
-      <p:nvGrpSpPr>
-        <p:cNvPr id="1" name=""/>
-        <p:cNvGrpSpPr/>
-        <p:nvPr/>
-      </p:nvGrpSpPr>
-      <p:grpSpPr>
-        <a:xfrm>
-          <a:off x="0" y="0"/>
-          <a:ext cx="0" cy="0"/>
-          <a:chOff x="0" y="0"/>
-          <a:chExt cx="0" cy="0"/>
-        </a:xfrm>
-      </p:grpSpPr>
-      <p:sp>
-        <p:nvSpPr>
-          <p:cNvPr id="2" name="Title 1"/>
-          <p:cNvSpPr>
-            <a:spLocks noGrp="1"/>
-          </p:cNvSpPr>
-          <p:nvPr>
-            <p:ph type="title"/>
-          </p:nvPr>
-        </p:nvSpPr>
-        <p:spPr/>
-        <p:txBody>
           <a:bodyPr>
             <a:normAutofit fontScale="90000"/>
           </a:bodyPr>
@@ -36889,13 +36662,8 @@
             </a:pPr>
             <a:r>
               <a:rPr lang="en-US" sz="2800" dirty="0" smtClean="0"/>
-              <a:t>Adapt the Stochastic Average Gradient (SAG) method from Supervised ML into </a:t>
-            </a:r>
-            <a:r>
-              <a:rPr lang="en-US" sz="2800" dirty="0" smtClean="0"/>
-              <a:t>MF</a:t>
-            </a:r>
-            <a:endParaRPr lang="en-US" sz="2800" dirty="0" smtClean="0"/>
+              <a:t>Adapt the Stochastic Average Gradient (SAG) method from Supervised ML into MF</a:t>
+            </a:r>
           </a:p>
           <a:p>
             <a:pPr marL="514350" indent="-514350">
@@ -36933,19 +36701,7 @@
             </a:pPr>
             <a:r>
               <a:rPr lang="en-US" sz="2800" dirty="0" smtClean="0"/>
-              <a:t>Demonstrated that SAG-MF can yield faster / better convergence… while memory usage is similar to Deterministic </a:t>
-            </a:r>
-            <a:r>
-              <a:rPr lang="en-US" sz="2800" dirty="0" smtClean="0"/>
-              <a:t>and</a:t>
-            </a:r>
-            <a:r>
-              <a:rPr lang="en-US" sz="2800" dirty="0" smtClean="0"/>
-              <a:t> </a:t>
-            </a:r>
-            <a:r>
-              <a:rPr lang="en-US" sz="2800" dirty="0" smtClean="0"/>
-              <a:t>Stochastic gradient descent.</a:t>
+              <a:t>Demonstrated that SAG-MF can yield faster / better convergence… while memory usage is similar to Deterministic and Stochastic gradient descent.</a:t>
             </a:r>
           </a:p>
         </p:txBody>
@@ -37189,7 +36945,7 @@
 </p:sld>
 </file>
 
-<file path=ppt/slides/slide55.xml><?xml version="1.0" encoding="utf-8"?>
+<file path=ppt/slides/slide53.xml><?xml version="1.0" encoding="utf-8"?>
 <p:sld xmlns:a="http://schemas.openxmlformats.org/drawingml/2006/main" xmlns:r="http://schemas.openxmlformats.org/officeDocument/2006/relationships" xmlns:p="http://schemas.openxmlformats.org/presentationml/2006/main" show="0">
   <p:cSld>
     <p:spTree>
@@ -37329,7 +37085,7 @@
 </p:sld>
 </file>
 
-<file path=ppt/slides/slide56.xml><?xml version="1.0" encoding="utf-8"?>
+<file path=ppt/slides/slide54.xml><?xml version="1.0" encoding="utf-8"?>
 <p:sld xmlns:a="http://schemas.openxmlformats.org/drawingml/2006/main" xmlns:r="http://schemas.openxmlformats.org/officeDocument/2006/relationships" xmlns:p="http://schemas.openxmlformats.org/presentationml/2006/main" show="0">
   <p:cSld>
     <p:spTree>
@@ -37441,7 +37197,7 @@
 </p:sld>
 </file>
 
-<file path=ppt/slides/slide57.xml><?xml version="1.0" encoding="utf-8"?>
+<file path=ppt/slides/slide55.xml><?xml version="1.0" encoding="utf-8"?>
 <p:sld xmlns:a="http://schemas.openxmlformats.org/drawingml/2006/main" xmlns:r="http://schemas.openxmlformats.org/officeDocument/2006/relationships" xmlns:p="http://schemas.openxmlformats.org/presentationml/2006/main">
   <p:cSld>
     <p:spTree>

--- a/cs534L-SAGmf.pptx
+++ b/cs534L-SAGmf.pptx
@@ -5,7 +5,7 @@
     <p:sldMasterId id="2147483648" r:id="rId1"/>
   </p:sldMasterIdLst>
   <p:notesMasterIdLst>
-    <p:notesMasterId r:id="rId57"/>
+    <p:notesMasterId r:id="rId58"/>
   </p:notesMasterIdLst>
   <p:sldIdLst>
     <p:sldId id="256" r:id="rId2"/>
@@ -51,18 +51,19 @@
     <p:sldId id="296" r:id="rId42"/>
     <p:sldId id="306" r:id="rId43"/>
     <p:sldId id="308" r:id="rId44"/>
-    <p:sldId id="317" r:id="rId45"/>
-    <p:sldId id="318" r:id="rId46"/>
-    <p:sldId id="287" r:id="rId47"/>
-    <p:sldId id="267" r:id="rId48"/>
-    <p:sldId id="283" r:id="rId49"/>
-    <p:sldId id="284" r:id="rId50"/>
-    <p:sldId id="327" r:id="rId51"/>
-    <p:sldId id="285" r:id="rId52"/>
-    <p:sldId id="286" r:id="rId53"/>
-    <p:sldId id="266" r:id="rId54"/>
-    <p:sldId id="272" r:id="rId55"/>
-    <p:sldId id="329" r:id="rId56"/>
+    <p:sldId id="333" r:id="rId45"/>
+    <p:sldId id="317" r:id="rId46"/>
+    <p:sldId id="318" r:id="rId47"/>
+    <p:sldId id="287" r:id="rId48"/>
+    <p:sldId id="267" r:id="rId49"/>
+    <p:sldId id="283" r:id="rId50"/>
+    <p:sldId id="284" r:id="rId51"/>
+    <p:sldId id="327" r:id="rId52"/>
+    <p:sldId id="285" r:id="rId53"/>
+    <p:sldId id="286" r:id="rId54"/>
+    <p:sldId id="266" r:id="rId55"/>
+    <p:sldId id="272" r:id="rId56"/>
+    <p:sldId id="329" r:id="rId57"/>
   </p:sldIdLst>
   <p:sldSz cx="9144000" cy="6858000" type="screen4x3"/>
   <p:notesSz cx="6858000" cy="9144000"/>
@@ -167,6 +168,10 @@
         <p14:section name="Default Section" id="{2DEBC71B-2C73-4F72-9571-FE38E8E72297}">
           <p14:sldIdLst>
             <p14:sldId id="256"/>
+          </p14:sldIdLst>
+        </p14:section>
+        <p14:section name="Motivation" id="{C82BAA8B-417E-4F0F-923E-BA973220C389}">
+          <p14:sldIdLst>
             <p14:sldId id="265"/>
             <p14:sldId id="321"/>
             <p14:sldId id="322"/>
@@ -176,6 +181,10 @@
             <p14:sldId id="314"/>
             <p14:sldId id="315"/>
             <p14:sldId id="258"/>
+          </p14:sldIdLst>
+        </p14:section>
+        <p14:section name="Background and Terminology" id="{43E46885-49FF-4786-93BF-E5999BB7FC6F}">
+          <p14:sldIdLst>
             <p14:sldId id="261"/>
             <p14:sldId id="312"/>
             <p14:sldId id="311"/>
@@ -183,6 +192,10 @@
             <p14:sldId id="316"/>
             <p14:sldId id="293"/>
             <p14:sldId id="295"/>
+          </p14:sldIdLst>
+        </p14:section>
+        <p14:section name="Challenge" id="{01A83DA9-8879-4909-BDF7-51BFD78916CF}">
+          <p14:sldIdLst>
             <p14:sldId id="309"/>
             <p14:sldId id="268"/>
             <p14:sldId id="273"/>
@@ -194,33 +207,62 @@
             <p14:sldId id="276"/>
             <p14:sldId id="277"/>
             <p14:sldId id="332"/>
+          </p14:sldIdLst>
+        </p14:section>
+        <p14:section name="Approach" id="{8C4CF63C-9A2B-429A-9760-D61EB3CEA346}">
+          <p14:sldIdLst>
             <p14:sldId id="281"/>
             <p14:sldId id="323"/>
             <p14:sldId id="301"/>
             <p14:sldId id="298"/>
             <p14:sldId id="282"/>
-          </p14:sldIdLst>
-        </p14:section>
-        <p14:section name="Untitled Section" id="{1BBD20A9-7CF4-47FC-B884-17F15AC46D1B}">
-          <p14:sldIdLst>
             <p14:sldId id="305"/>
             <p14:sldId id="325"/>
             <p14:sldId id="324"/>
+          </p14:sldIdLst>
+        </p14:section>
+        <p14:section name="Implementation" id="{3B76F7BF-4D45-4A01-98D3-C56144B94758}">
+          <p14:sldIdLst>
             <p14:sldId id="262"/>
+          </p14:sldIdLst>
+        </p14:section>
+        <p14:section name="Evaluation" id="{399A6557-0FC0-47C1-A5A9-A31A79EF9985}">
+          <p14:sldIdLst>
             <p14:sldId id="260"/>
             <p14:sldId id="264"/>
             <p14:sldId id="289"/>
             <p14:sldId id="296"/>
+          </p14:sldIdLst>
+        </p14:section>
+        <p14:section name="Discussion" id="{CB7CC18E-596F-4DF6-BA31-3F3F5F3A8EB7}">
+          <p14:sldIdLst>
             <p14:sldId id="306"/>
             <p14:sldId id="308"/>
+            <p14:sldId id="333"/>
             <p14:sldId id="317"/>
             <p14:sldId id="318"/>
+          </p14:sldIdLst>
+        </p14:section>
+        <p14:section name="Ongoing Work" id="{25560405-00EA-4C99-99E0-AAE576693075}">
+          <p14:sldIdLst>
             <p14:sldId id="287"/>
             <p14:sldId id="267"/>
+          </p14:sldIdLst>
+        </p14:section>
+        <p14:section name="Future Work" id="{900AC5F3-A87A-4A18-B8EE-144B112DB3C7}">
+          <p14:sldIdLst>
             <p14:sldId id="283"/>
             <p14:sldId id="284"/>
+          </p14:sldIdLst>
+        </p14:section>
+        <p14:section name="Related Work" id="{6D37BB2A-23E0-44E7-8066-4CC937D45E2E}">
+          <p14:sldIdLst>
             <p14:sldId id="327"/>
             <p14:sldId id="285"/>
+          </p14:sldIdLst>
+        </p14:section>
+        <p14:section name="Conclusion" id="{6B02EF53-C0FC-474E-BFD5-FD7FA10575F8}">
+          <p14:sldIdLst>
             <p14:sldId id="286"/>
             <p14:sldId id="266"/>
             <p14:sldId id="272"/>
@@ -329,7 +371,7 @@
           <a:p>
             <a:fld id="{2A931F9A-C6D5-4EB2-9441-7E80231123F5}" type="datetimeFigureOut">
               <a:rPr lang="en-US" smtClean="0"/>
-              <a:t>12/12/2014</a:t>
+              <a:t>12/13/2014</a:t>
             </a:fld>
             <a:endParaRPr lang="en-US"/>
           </a:p>
@@ -1176,29 +1218,6 @@
           <a:bodyPr/>
           <a:lstStyle/>
           <a:p>
-            <a:r>
-              <a:rPr lang="en-CA" dirty="0" smtClean="0"/>
-              <a:t>When we are doing dynamic updates in </a:t>
-            </a:r>
-            <a:r>
-              <a:rPr lang="en-CA" dirty="0" err="1" smtClean="0"/>
-              <a:t>Matlab</a:t>
-            </a:r>
-            <a:r>
-              <a:rPr lang="en-CA" dirty="0" smtClean="0"/>
-              <a:t>, memory usage seems to depend more on the dimensionality of the sparse matrix rather than the actual number of non-zero entries.</a:t>
-            </a:r>
-          </a:p>
-          <a:p>
-            <a:endParaRPr lang="en-CA" dirty="0" smtClean="0"/>
-          </a:p>
-          <a:p>
-            <a:r>
-              <a:rPr lang="en-CA" dirty="0" smtClean="0"/>
-              <a:t>SAG-MF ahead provides dimensionality reduction.  It is guaranteed to store only scalars and decouples SAG’s dependence on the actual implementation of sparse matrices in underlying programming language.</a:t>
-            </a:r>
-          </a:p>
-          <a:p>
             <a:endParaRPr lang="en-CA" dirty="0"/>
           </a:p>
         </p:txBody>
@@ -1229,7 +1248,7 @@
     </p:spTree>
     <p:extLst>
       <p:ext uri="{BB962C8B-B14F-4D97-AF65-F5344CB8AC3E}">
-        <p14:creationId xmlns:p14="http://schemas.microsoft.com/office/powerpoint/2010/main" val="1131937767"/>
+        <p14:creationId xmlns:p14="http://schemas.microsoft.com/office/powerpoint/2010/main" val="3762391272"/>
       </p:ext>
     </p:extLst>
   </p:cSld>
@@ -1302,15 +1321,7 @@
           <a:p>
             <a:r>
               <a:rPr lang="en-CA" dirty="0" smtClean="0"/>
-              <a:t>SAG-MF ahead provides dimensionality reduction.  </a:t>
-            </a:r>
-            <a:r>
-              <a:rPr lang="en-CA" smtClean="0"/>
-              <a:t>It </a:t>
-            </a:r>
-            <a:r>
-              <a:rPr lang="en-CA" dirty="0" smtClean="0"/>
-              <a:t>is guaranteed to store only scalars and decouples SAG’s dependence on the actual implementation of sparse matrices in underlying programming language.</a:t>
+              <a:t>SAG-MF ahead provides dimensionality reduction.  It is guaranteed to store only scalars and decouples SAG’s dependence on the actual implementation of sparse matrices in underlying programming language.</a:t>
             </a:r>
           </a:p>
           <a:p>
@@ -1344,7 +1355,7 @@
     </p:spTree>
     <p:extLst>
       <p:ext uri="{BB962C8B-B14F-4D97-AF65-F5344CB8AC3E}">
-        <p14:creationId xmlns:p14="http://schemas.microsoft.com/office/powerpoint/2010/main" val="2705703895"/>
+        <p14:creationId xmlns:p14="http://schemas.microsoft.com/office/powerpoint/2010/main" val="1131937767"/>
       </p:ext>
     </p:extLst>
   </p:cSld>
@@ -1398,6 +1409,37 @@
           <a:bodyPr/>
           <a:lstStyle/>
           <a:p>
+            <a:r>
+              <a:rPr lang="en-CA" dirty="0" smtClean="0"/>
+              <a:t>When we are doing dynamic updates in </a:t>
+            </a:r>
+            <a:r>
+              <a:rPr lang="en-CA" dirty="0" err="1" smtClean="0"/>
+              <a:t>Matlab</a:t>
+            </a:r>
+            <a:r>
+              <a:rPr lang="en-CA" dirty="0" smtClean="0"/>
+              <a:t>, memory usage seems to depend more on the dimensionality of the sparse matrix rather than the actual number of non-zero entries.</a:t>
+            </a:r>
+          </a:p>
+          <a:p>
+            <a:endParaRPr lang="en-CA" dirty="0" smtClean="0"/>
+          </a:p>
+          <a:p>
+            <a:r>
+              <a:rPr lang="en-CA" dirty="0" smtClean="0"/>
+              <a:t>SAG-MF ahead provides dimensionality reduction.  </a:t>
+            </a:r>
+            <a:r>
+              <a:rPr lang="en-CA" smtClean="0"/>
+              <a:t>It </a:t>
+            </a:r>
+            <a:r>
+              <a:rPr lang="en-CA" dirty="0" smtClean="0"/>
+              <a:t>is guaranteed to store only scalars and decouples SAG’s dependence on the actual implementation of sparse matrices in underlying programming language.</a:t>
+            </a:r>
+          </a:p>
+          <a:p>
             <a:endParaRPr lang="en-CA" dirty="0"/>
           </a:p>
         </p:txBody>
@@ -1428,7 +1470,7 @@
     </p:spTree>
     <p:extLst>
       <p:ext uri="{BB962C8B-B14F-4D97-AF65-F5344CB8AC3E}">
-        <p14:creationId xmlns:p14="http://schemas.microsoft.com/office/powerpoint/2010/main" val="2777014960"/>
+        <p14:creationId xmlns:p14="http://schemas.microsoft.com/office/powerpoint/2010/main" val="2705703895"/>
       </p:ext>
     </p:extLst>
   </p:cSld>
@@ -1482,14 +1524,6 @@
           <a:bodyPr/>
           <a:lstStyle/>
           <a:p>
-            <a:r>
-              <a:rPr lang="en-CA" dirty="0" err="1" smtClean="0"/>
-              <a:t>OpenMP</a:t>
-            </a:r>
-            <a:r>
-              <a:rPr lang="en-CA" dirty="0" smtClean="0"/>
-              <a:t> ARM</a:t>
-            </a:r>
             <a:endParaRPr lang="en-CA" dirty="0"/>
           </a:p>
         </p:txBody>
@@ -1520,7 +1554,7 @@
     </p:spTree>
     <p:extLst>
       <p:ext uri="{BB962C8B-B14F-4D97-AF65-F5344CB8AC3E}">
-        <p14:creationId xmlns:p14="http://schemas.microsoft.com/office/powerpoint/2010/main" val="2824141602"/>
+        <p14:creationId xmlns:p14="http://schemas.microsoft.com/office/powerpoint/2010/main" val="2777014960"/>
       </p:ext>
     </p:extLst>
   </p:cSld>
@@ -1574,6 +1608,14 @@
           <a:bodyPr/>
           <a:lstStyle/>
           <a:p>
+            <a:r>
+              <a:rPr lang="en-CA" dirty="0" err="1" smtClean="0"/>
+              <a:t>OpenMP</a:t>
+            </a:r>
+            <a:r>
+              <a:rPr lang="en-CA" dirty="0" smtClean="0"/>
+              <a:t> ARM</a:t>
+            </a:r>
             <a:endParaRPr lang="en-CA" dirty="0"/>
           </a:p>
         </p:txBody>
@@ -1595,7 +1637,7 @@
           <a:p>
             <a:fld id="{EA5C61F1-C4D7-4183-9419-26D6C7EA246C}" type="slidenum">
               <a:rPr lang="en-US" smtClean="0"/>
-              <a:t>51</a:t>
+              <a:t>48</a:t>
             </a:fld>
             <a:endParaRPr lang="en-US"/>
           </a:p>
@@ -1604,7 +1646,7 @@
     </p:spTree>
     <p:extLst>
       <p:ext uri="{BB962C8B-B14F-4D97-AF65-F5344CB8AC3E}">
-        <p14:creationId xmlns:p14="http://schemas.microsoft.com/office/powerpoint/2010/main" val="44329645"/>
+        <p14:creationId xmlns:p14="http://schemas.microsoft.com/office/powerpoint/2010/main" val="2824141602"/>
       </p:ext>
     </p:extLst>
   </p:cSld>
@@ -1703,6 +1745,90 @@
     <p:extLst>
       <p:ext uri="{BB962C8B-B14F-4D97-AF65-F5344CB8AC3E}">
         <p14:creationId xmlns:p14="http://schemas.microsoft.com/office/powerpoint/2010/main" val="1522642100"/>
+      </p:ext>
+    </p:extLst>
+  </p:cSld>
+  <p:clrMapOvr>
+    <a:masterClrMapping/>
+  </p:clrMapOvr>
+</p:notes>
+</file>
+
+<file path=ppt/notesSlides/notesSlide20.xml><?xml version="1.0" encoding="utf-8"?>
+<p:notes xmlns:a="http://schemas.openxmlformats.org/drawingml/2006/main" xmlns:r="http://schemas.openxmlformats.org/officeDocument/2006/relationships" xmlns:p="http://schemas.openxmlformats.org/presentationml/2006/main">
+  <p:cSld>
+    <p:spTree>
+      <p:nvGrpSpPr>
+        <p:cNvPr id="1" name=""/>
+        <p:cNvGrpSpPr/>
+        <p:nvPr/>
+      </p:nvGrpSpPr>
+      <p:grpSpPr>
+        <a:xfrm>
+          <a:off x="0" y="0"/>
+          <a:ext cx="0" cy="0"/>
+          <a:chOff x="0" y="0"/>
+          <a:chExt cx="0" cy="0"/>
+        </a:xfrm>
+      </p:grpSpPr>
+      <p:sp>
+        <p:nvSpPr>
+          <p:cNvPr id="2" name="Slide Image Placeholder 1"/>
+          <p:cNvSpPr>
+            <a:spLocks noGrp="1" noRot="1" noChangeAspect="1"/>
+          </p:cNvSpPr>
+          <p:nvPr>
+            <p:ph type="sldImg"/>
+          </p:nvPr>
+        </p:nvSpPr>
+        <p:spPr/>
+      </p:sp>
+      <p:sp>
+        <p:nvSpPr>
+          <p:cNvPr id="3" name="Notes Placeholder 2"/>
+          <p:cNvSpPr>
+            <a:spLocks noGrp="1"/>
+          </p:cNvSpPr>
+          <p:nvPr>
+            <p:ph type="body" idx="1"/>
+          </p:nvPr>
+        </p:nvSpPr>
+        <p:spPr/>
+        <p:txBody>
+          <a:bodyPr/>
+          <a:lstStyle/>
+          <a:p>
+            <a:endParaRPr lang="en-CA" dirty="0"/>
+          </a:p>
+        </p:txBody>
+      </p:sp>
+      <p:sp>
+        <p:nvSpPr>
+          <p:cNvPr id="4" name="Slide Number Placeholder 3"/>
+          <p:cNvSpPr>
+            <a:spLocks noGrp="1"/>
+          </p:cNvSpPr>
+          <p:nvPr>
+            <p:ph type="sldNum" sz="quarter" idx="10"/>
+          </p:nvPr>
+        </p:nvSpPr>
+        <p:spPr/>
+        <p:txBody>
+          <a:bodyPr/>
+          <a:lstStyle/>
+          <a:p>
+            <a:fld id="{EA5C61F1-C4D7-4183-9419-26D6C7EA246C}" type="slidenum">
+              <a:rPr lang="en-US" smtClean="0"/>
+              <a:t>52</a:t>
+            </a:fld>
+            <a:endParaRPr lang="en-US"/>
+          </a:p>
+        </p:txBody>
+      </p:sp>
+    </p:spTree>
+    <p:extLst>
+      <p:ext uri="{BB962C8B-B14F-4D97-AF65-F5344CB8AC3E}">
+        <p14:creationId xmlns:p14="http://schemas.microsoft.com/office/powerpoint/2010/main" val="44329645"/>
       </p:ext>
     </p:extLst>
   </p:cSld>
@@ -2481,7 +2607,7 @@
           <a:p>
             <a:fld id="{43E95751-F7ED-4DC6-B252-D061684897A9}" type="datetimeFigureOut">
               <a:rPr lang="en-US" smtClean="0"/>
-              <a:t>12/12/2014</a:t>
+              <a:t>12/13/2014</a:t>
             </a:fld>
             <a:endParaRPr lang="en-US"/>
           </a:p>
@@ -2651,7 +2777,7 @@
           <a:p>
             <a:fld id="{43E95751-F7ED-4DC6-B252-D061684897A9}" type="datetimeFigureOut">
               <a:rPr lang="en-US" smtClean="0"/>
-              <a:t>12/12/2014</a:t>
+              <a:t>12/13/2014</a:t>
             </a:fld>
             <a:endParaRPr lang="en-US"/>
           </a:p>
@@ -2831,7 +2957,7 @@
           <a:p>
             <a:fld id="{43E95751-F7ED-4DC6-B252-D061684897A9}" type="datetimeFigureOut">
               <a:rPr lang="en-US" smtClean="0"/>
-              <a:t>12/12/2014</a:t>
+              <a:t>12/13/2014</a:t>
             </a:fld>
             <a:endParaRPr lang="en-US"/>
           </a:p>
@@ -3001,7 +3127,7 @@
           <a:p>
             <a:fld id="{43E95751-F7ED-4DC6-B252-D061684897A9}" type="datetimeFigureOut">
               <a:rPr lang="en-US" smtClean="0"/>
-              <a:t>12/12/2014</a:t>
+              <a:t>12/13/2014</a:t>
             </a:fld>
             <a:endParaRPr lang="en-US"/>
           </a:p>
@@ -3247,7 +3373,7 @@
           <a:p>
             <a:fld id="{43E95751-F7ED-4DC6-B252-D061684897A9}" type="datetimeFigureOut">
               <a:rPr lang="en-US" smtClean="0"/>
-              <a:t>12/12/2014</a:t>
+              <a:t>12/13/2014</a:t>
             </a:fld>
             <a:endParaRPr lang="en-US"/>
           </a:p>
@@ -3535,7 +3661,7 @@
           <a:p>
             <a:fld id="{43E95751-F7ED-4DC6-B252-D061684897A9}" type="datetimeFigureOut">
               <a:rPr lang="en-US" smtClean="0"/>
-              <a:t>12/12/2014</a:t>
+              <a:t>12/13/2014</a:t>
             </a:fld>
             <a:endParaRPr lang="en-US"/>
           </a:p>
@@ -3957,7 +4083,7 @@
           <a:p>
             <a:fld id="{43E95751-F7ED-4DC6-B252-D061684897A9}" type="datetimeFigureOut">
               <a:rPr lang="en-US" smtClean="0"/>
-              <a:t>12/12/2014</a:t>
+              <a:t>12/13/2014</a:t>
             </a:fld>
             <a:endParaRPr lang="en-US"/>
           </a:p>
@@ -4075,7 +4201,7 @@
           <a:p>
             <a:fld id="{43E95751-F7ED-4DC6-B252-D061684897A9}" type="datetimeFigureOut">
               <a:rPr lang="en-US" smtClean="0"/>
-              <a:t>12/12/2014</a:t>
+              <a:t>12/13/2014</a:t>
             </a:fld>
             <a:endParaRPr lang="en-US"/>
           </a:p>
@@ -4170,7 +4296,7 @@
           <a:p>
             <a:fld id="{43E95751-F7ED-4DC6-B252-D061684897A9}" type="datetimeFigureOut">
               <a:rPr lang="en-US" smtClean="0"/>
-              <a:t>12/12/2014</a:t>
+              <a:t>12/13/2014</a:t>
             </a:fld>
             <a:endParaRPr lang="en-US"/>
           </a:p>
@@ -4447,7 +4573,7 @@
           <a:p>
             <a:fld id="{43E95751-F7ED-4DC6-B252-D061684897A9}" type="datetimeFigureOut">
               <a:rPr lang="en-US" smtClean="0"/>
-              <a:t>12/12/2014</a:t>
+              <a:t>12/13/2014</a:t>
             </a:fld>
             <a:endParaRPr lang="en-US"/>
           </a:p>
@@ -4700,7 +4826,7 @@
           <a:p>
             <a:fld id="{43E95751-F7ED-4DC6-B252-D061684897A9}" type="datetimeFigureOut">
               <a:rPr lang="en-US" smtClean="0"/>
-              <a:t>12/12/2014</a:t>
+              <a:t>12/13/2014</a:t>
             </a:fld>
             <a:endParaRPr lang="en-US"/>
           </a:p>
@@ -4913,7 +5039,7 @@
           <a:p>
             <a:fld id="{43E95751-F7ED-4DC6-B252-D061684897A9}" type="datetimeFigureOut">
               <a:rPr lang="en-US" smtClean="0"/>
-              <a:t>12/12/2014</a:t>
+              <a:t>12/13/2014</a:t>
             </a:fld>
             <a:endParaRPr lang="en-US"/>
           </a:p>
@@ -24911,7 +25037,7 @@
 </file>
 
 <file path=ppt/slides/slide28.xml><?xml version="1.0" encoding="utf-8"?>
-<p:sld xmlns:a="http://schemas.openxmlformats.org/drawingml/2006/main" xmlns:r="http://schemas.openxmlformats.org/officeDocument/2006/relationships" xmlns:p="http://schemas.openxmlformats.org/presentationml/2006/main">
+<p:sld xmlns:a="http://schemas.openxmlformats.org/drawingml/2006/main" xmlns:r="http://schemas.openxmlformats.org/officeDocument/2006/relationships" xmlns:p="http://schemas.openxmlformats.org/presentationml/2006/main" show="0">
   <p:cSld>
     <p:spTree>
       <p:nvGrpSpPr>
@@ -25185,6 +25311,14 @@
   <p:clrMapOvr>
     <a:masterClrMapping/>
   </p:clrMapOvr>
+  <mc:AlternateContent xmlns:mc="http://schemas.openxmlformats.org/markup-compatibility/2006">
+    <mc:Choice xmlns:p14="http://schemas.microsoft.com/office/powerpoint/2010/main" Requires="p14">
+      <p:transition spd="slow" p14:dur="2000"/>
+    </mc:Choice>
+    <mc:Fallback>
+      <p:transition spd="slow"/>
+    </mc:Fallback>
+  </mc:AlternateContent>
 </p:sld>
 </file>
 
@@ -34294,8 +34428,8 @@
           </a:p>
         </p:txBody>
       </p:sp>
-      <mc:AlternateContent xmlns:mc="http://schemas.openxmlformats.org/markup-compatibility/2006">
-        <mc:Choice xmlns:a14="http://schemas.microsoft.com/office/drawing/2010/main" Requires="a14">
+      <mc:AlternateContent xmlns:mc="http://schemas.openxmlformats.org/markup-compatibility/2006" xmlns:a14="http://schemas.microsoft.com/office/drawing/2010/main">
+        <mc:Choice Requires="a14">
           <p:sp>
             <p:nvSpPr>
               <p:cNvPr id="3" name="Content Placeholder 2"/>
@@ -34315,17 +34449,8 @@
               <a:p>
                 <a:r>
                   <a:rPr lang="en-CA" dirty="0" smtClean="0"/>
-                  <a:t>Took subset of datasets b/c </a:t>
-                </a:r>
-                <a:r>
-                  <a:rPr lang="en-CA" dirty="0" smtClean="0"/>
-                  <a:t>doing lots iterations on </a:t>
-                </a:r>
-                <a:r>
-                  <a:rPr lang="en-CA" dirty="0" smtClean="0"/>
-                  <a:t>Full Deterministic would take too long</a:t>
-                </a:r>
-                <a:endParaRPr lang="en-CA" dirty="0" smtClean="0"/>
+                  <a:t>Took subset of datasets b/c doing lots iterations on Full Deterministic would take too long</a:t>
+                </a:r>
               </a:p>
               <a:p>
                 <a:r>
@@ -34430,19 +34555,27 @@
               <a:p>
                 <a:r>
                   <a:rPr lang="en-CA" dirty="0" smtClean="0"/>
-                  <a:t>Memory: SAG (generic) vs. SAG-MF ahead</a:t>
+                  <a:t>Approx. vs. # </a:t>
+                </a:r>
+                <a:r>
+                  <a:rPr lang="en-CA" dirty="0"/>
+                  <a:t>of iterations vs. time per </a:t>
+                </a:r>
+                <a:r>
+                  <a:rPr lang="en-CA" dirty="0" smtClean="0"/>
+                  <a:t>iteration</a:t>
                 </a:r>
               </a:p>
               <a:p>
                 <a:r>
                   <a:rPr lang="en-CA" dirty="0" smtClean="0"/>
-                  <a:t># of iterations vs. time per iteration</a:t>
+                  <a:t>Memory: SAG generic vs. SAG-MF ahead</a:t>
                 </a:r>
               </a:p>
             </p:txBody>
           </p:sp>
         </mc:Choice>
-        <mc:Fallback>
+        <mc:Fallback xmlns="">
           <p:sp>
             <p:nvSpPr>
               <p:cNvPr id="3" name="Content Placeholder 2"/>
@@ -34596,28 +34729,17 @@
           <a:p>
             <a:r>
               <a:rPr lang="en-CA" dirty="0" smtClean="0"/>
-              <a:t>In </a:t>
-            </a:r>
-            <a:r>
-              <a:rPr lang="en-CA" dirty="0" err="1" smtClean="0"/>
-              <a:t>avg</a:t>
+              <a:t>Takes ~1,000-10,000X </a:t>
+            </a:r>
+            <a:r>
+              <a:rPr lang="en-CA" dirty="0"/>
+              <a:t>longer to run an iteration than stochastic </a:t>
             </a:r>
             <a:r>
               <a:rPr lang="en-CA" dirty="0" smtClean="0"/>
-              <a:t>, takes </a:t>
-            </a:r>
-            <a:r>
-              <a:rPr lang="en-CA" dirty="0"/>
-              <a:t>&gt;100X longer to run an iteration than stochastic </a:t>
-            </a:r>
-            <a:r>
-              <a:rPr lang="en-CA" dirty="0" smtClean="0"/>
-              <a:t>or </a:t>
-            </a:r>
-            <a:r>
-              <a:rPr lang="en-CA" dirty="0"/>
-              <a:t>SAG</a:t>
-            </a:r>
+              <a:t>or SAG: corresponds to number of non-zero entries</a:t>
+            </a:r>
+            <a:endParaRPr lang="en-CA" dirty="0"/>
           </a:p>
           <a:p>
             <a:endParaRPr lang="en-CA" dirty="0"/>
@@ -34661,7 +34783,7 @@
         <p:spPr/>
         <p:txBody>
           <a:bodyPr>
-            <a:normAutofit/>
+            <a:normAutofit lnSpcReduction="10000"/>
           </a:bodyPr>
           <a:lstStyle/>
           <a:p>
@@ -34671,55 +34793,36 @@
             </a:r>
             <a:r>
               <a:rPr lang="en-CA" dirty="0" smtClean="0"/>
-              <a:t>iteration &lt; 5000</a:t>
+              <a:t>iteration (&lt; 5000)</a:t>
             </a:r>
             <a:endParaRPr lang="en-CA" dirty="0"/>
           </a:p>
           <a:p>
             <a:r>
               <a:rPr lang="en-CA" dirty="0" smtClean="0"/>
-              <a:t>SAG always yielded </a:t>
+              <a:t>SAG always yielded much better </a:t>
             </a:r>
             <a:r>
               <a:rPr lang="en-CA" dirty="0"/>
-              <a:t>better approx. than </a:t>
+              <a:t>approx. than </a:t>
             </a:r>
             <a:r>
               <a:rPr lang="en-CA" dirty="0" smtClean="0"/>
-              <a:t>Stochastic</a:t>
+              <a:t>both SG@5000 and DG@500</a:t>
             </a:r>
             <a:endParaRPr lang="en-CA" dirty="0"/>
           </a:p>
           <a:p>
             <a:r>
               <a:rPr lang="en-CA" dirty="0" smtClean="0"/>
-              <a:t>SAG@5000 always better </a:t>
-            </a:r>
-            <a:r>
-              <a:rPr lang="en-CA" dirty="0"/>
-              <a:t>than Full@500</a:t>
-            </a:r>
-          </a:p>
-          <a:p>
-            <a:r>
-              <a:rPr lang="en-CA" dirty="0"/>
-              <a:t>Stochastic@5000 is </a:t>
-            </a:r>
+              <a:t>SG@5000 yielded similar or slightly better approx. than DG@500</a:t>
+            </a:r>
+          </a:p>
+          <a:p>
             <a:r>
               <a:rPr lang="en-CA" dirty="0" smtClean="0"/>
-              <a:t>worse /about equal /better  </a:t>
-            </a:r>
-            <a:r>
-              <a:rPr lang="en-CA" dirty="0"/>
-              <a:t>than </a:t>
-            </a:r>
-            <a:r>
-              <a:rPr lang="en-CA" dirty="0" smtClean="0"/>
-              <a:t>Full@500, not always</a:t>
-            </a:r>
-            <a:endParaRPr lang="en-CA" dirty="0"/>
-          </a:p>
-          <a:p>
+              <a:t>Both SG and SAG are faster and better than DG</a:t>
+            </a:r>
             <a:endParaRPr lang="en-CA" dirty="0"/>
           </a:p>
         </p:txBody>
@@ -34834,14 +34937,32 @@
         </p:nvSpPr>
         <p:spPr/>
         <p:txBody>
-          <a:bodyPr/>
+          <a:bodyPr>
+            <a:noAutofit/>
+          </a:bodyPr>
           <a:lstStyle/>
           <a:p>
             <a:r>
-              <a:rPr lang="en-CA" dirty="0" smtClean="0"/>
-              <a:t>Discussion: Memory</a:t>
-            </a:r>
-            <a:endParaRPr lang="en-CA" dirty="0"/>
+              <a:rPr lang="en-CA" sz="3200" dirty="0" smtClean="0"/>
+              <a:t>Each iteration of SAG Ahead is up to 3 times slower than SG (&amp; </a:t>
+            </a:r>
+            <a:r>
+              <a:rPr lang="en-CA" sz="3200" dirty="0"/>
+              <a:t>theoretically</a:t>
+            </a:r>
+            <a:r>
+              <a:rPr lang="en-CA" sz="3200" dirty="0" smtClean="0"/>
+              <a:t> </a:t>
+            </a:r>
+            <a:r>
+              <a:rPr lang="en-CA" sz="3200" dirty="0"/>
+              <a:t>generic </a:t>
+            </a:r>
+            <a:r>
+              <a:rPr lang="en-CA" sz="3200" dirty="0" smtClean="0"/>
+              <a:t>SAG)</a:t>
+            </a:r>
+            <a:endParaRPr lang="en-CA" sz="3200" dirty="0"/>
           </a:p>
         </p:txBody>
       </p:sp>
@@ -34862,66 +34983,52 @@
           </a:bodyPr>
           <a:lstStyle/>
           <a:p>
-            <a:pPr marL="0" indent="0" algn="ctr">
-              <a:buNone/>
-            </a:pPr>
             <a:r>
               <a:rPr lang="en-CA" dirty="0" smtClean="0"/>
-              <a:t>In </a:t>
+              <a:t>Is SAG Ahead worth the additional time?</a:t>
+            </a:r>
+          </a:p>
+          <a:p>
+            <a:r>
+              <a:rPr lang="en-CA" dirty="0" smtClean="0"/>
+              <a:t>Let’s give SG more time: ~3X more iterations.</a:t>
+            </a:r>
+          </a:p>
+          <a:p>
+            <a:r>
+              <a:rPr lang="en-CA" dirty="0" smtClean="0"/>
+              <a:t>Results in Spreadsheet: </a:t>
             </a:r>
             <a:r>
               <a:rPr lang="en-CA" dirty="0" err="1" smtClean="0"/>
-              <a:t>MatLab</a:t>
-            </a:r>
+              <a:t>FollowUp</a:t>
+            </a:r>
+            <a:endParaRPr lang="en-CA" dirty="0" smtClean="0"/>
+          </a:p>
+          <a:p>
             <a:r>
               <a:rPr lang="en-CA" dirty="0" smtClean="0"/>
-              <a:t>, when dynamically updating</a:t>
-            </a:r>
-            <a:br>
+              <a:t>SAG Ahead still yields a better approximation more quickly than SG given more iterations</a:t>
+            </a:r>
+          </a:p>
+          <a:p>
+            <a:r>
               <a:rPr lang="en-CA" dirty="0" smtClean="0"/>
-            </a:br>
-            <a:r>
-              <a:rPr lang="en-CA" dirty="0" smtClean="0"/>
-              <a:t>sparse matrices</a:t>
-            </a:r>
-          </a:p>
-          <a:p>
-            <a:r>
-              <a:rPr lang="en-CA" dirty="0" smtClean="0"/>
-              <a:t>memory usage depends more on dimensionality of the sparse matrix</a:t>
-            </a:r>
-          </a:p>
-          <a:p>
-            <a:r>
-              <a:rPr lang="en-CA" dirty="0" smtClean="0"/>
-              <a:t>rather than the actual # of non-zero entries</a:t>
-            </a:r>
-          </a:p>
-          <a:p>
-            <a:endParaRPr lang="en-CA" dirty="0" smtClean="0"/>
-          </a:p>
-          <a:p>
-            <a:endParaRPr lang="en-CA" dirty="0"/>
+              <a:t>Future: run re-computation in parallel to new gradient computation</a:t>
+            </a:r>
           </a:p>
         </p:txBody>
       </p:sp>
     </p:spTree>
     <p:extLst>
       <p:ext uri="{BB962C8B-B14F-4D97-AF65-F5344CB8AC3E}">
-        <p14:creationId xmlns:p14="http://schemas.microsoft.com/office/powerpoint/2010/main" val="1795095825"/>
+        <p14:creationId xmlns:p14="http://schemas.microsoft.com/office/powerpoint/2010/main" val="3287479914"/>
       </p:ext>
     </p:extLst>
   </p:cSld>
   <p:clrMapOvr>
     <a:masterClrMapping/>
   </p:clrMapOvr>
-  <p:timing>
-    <p:tnLst>
-      <p:par>
-        <p:cTn id="1" dur="indefinite" restart="never" nodeType="tmRoot"/>
-      </p:par>
-    </p:tnLst>
-  </p:timing>
 </p:sld>
 </file>
 
@@ -34978,7 +35085,7 @@
         <p:spPr/>
         <p:txBody>
           <a:bodyPr>
-            <a:normAutofit fontScale="85000" lnSpcReduction="10000"/>
+            <a:normAutofit/>
           </a:bodyPr>
           <a:lstStyle/>
           <a:p>
@@ -34987,69 +35094,34 @@
             </a:pPr>
             <a:r>
               <a:rPr lang="en-CA" dirty="0" smtClean="0"/>
-              <a:t>SAG-MF ahead stores only scalars</a:t>
-            </a:r>
-          </a:p>
-          <a:p>
+              <a:t>In </a:t>
+            </a:r>
+            <a:r>
+              <a:rPr lang="en-CA" dirty="0" err="1" smtClean="0"/>
+              <a:t>MatLab</a:t>
+            </a:r>
             <a:r>
               <a:rPr lang="en-CA" dirty="0" smtClean="0"/>
-              <a:t>Provide dimensionality reduction</a:t>
-            </a:r>
-          </a:p>
-          <a:p>
-            <a:r>
+              <a:t>, when dynamically updating</a:t>
+            </a:r>
+            <a:br>
               <a:rPr lang="en-CA" dirty="0" smtClean="0"/>
-              <a:t>Decouple SAG’s dependence on the actual implementation of sparse matrices in the underlying programming language or execution environment</a:t>
-            </a:r>
-          </a:p>
-          <a:p>
+            </a:br>
             <a:r>
               <a:rPr lang="en-CA" dirty="0" smtClean="0"/>
-              <a:t>Data Scientists do not need to spend time to find an efficient sparse matrix implementation and integrate it into their code just to use SAG.</a:t>
+              <a:t>sparse matrices</a:t>
             </a:r>
           </a:p>
           <a:p>
             <a:r>
               <a:rPr lang="en-CA" dirty="0" smtClean="0"/>
-              <a:t>SAG-MF ahead stores </a:t>
-            </a:r>
-            <a:r>
-              <a:rPr lang="en-CA" i="1" dirty="0" smtClean="0"/>
-              <a:t>1</a:t>
-            </a:r>
+              <a:t>memory usage depends more on dimensionality of the sparse matrix</a:t>
+            </a:r>
+          </a:p>
+          <a:p>
             <a:r>
               <a:rPr lang="en-CA" dirty="0" smtClean="0"/>
-              <a:t>*</a:t>
-            </a:r>
-            <a:r>
-              <a:rPr lang="en-CA" i="1" dirty="0" err="1" smtClean="0"/>
-              <a:t>nMems</a:t>
-            </a:r>
-            <a:r>
-              <a:rPr lang="en-CA" dirty="0" smtClean="0"/>
-              <a:t> integers, no update</a:t>
-            </a:r>
-          </a:p>
-          <a:p>
-            <a:r>
-              <a:rPr lang="en-CA" dirty="0" smtClean="0"/>
-              <a:t>SAG generic stores 2*</a:t>
-            </a:r>
-            <a:r>
-              <a:rPr lang="en-CA" i="1" dirty="0" err="1" smtClean="0"/>
-              <a:t>nMems</a:t>
-            </a:r>
-            <a:r>
-              <a:rPr lang="en-CA" i="1" dirty="0" smtClean="0"/>
-              <a:t>*</a:t>
-            </a:r>
-            <a:r>
-              <a:rPr lang="en-CA" i="1" dirty="0" err="1" smtClean="0"/>
-              <a:t>nDims</a:t>
-            </a:r>
-            <a:r>
-              <a:rPr lang="en-CA" dirty="0" smtClean="0"/>
-              <a:t> floating points</a:t>
+              <a:t>rather than the actual # of non-zero entries</a:t>
             </a:r>
           </a:p>
           <a:p>
@@ -35063,7 +35135,7 @@
     </p:spTree>
     <p:extLst>
       <p:ext uri="{BB962C8B-B14F-4D97-AF65-F5344CB8AC3E}">
-        <p14:creationId xmlns:p14="http://schemas.microsoft.com/office/powerpoint/2010/main" val="2490651667"/>
+        <p14:creationId xmlns:p14="http://schemas.microsoft.com/office/powerpoint/2010/main" val="1795095825"/>
       </p:ext>
     </p:extLst>
   </p:cSld>
@@ -35113,6 +35185,161 @@
           <a:lstStyle/>
           <a:p>
             <a:r>
+              <a:rPr lang="en-CA" dirty="0" smtClean="0"/>
+              <a:t>Discussion: Memory</a:t>
+            </a:r>
+            <a:endParaRPr lang="en-CA" dirty="0"/>
+          </a:p>
+        </p:txBody>
+      </p:sp>
+      <p:sp>
+        <p:nvSpPr>
+          <p:cNvPr id="3" name="Content Placeholder 2"/>
+          <p:cNvSpPr>
+            <a:spLocks noGrp="1"/>
+          </p:cNvSpPr>
+          <p:nvPr>
+            <p:ph idx="1"/>
+          </p:nvPr>
+        </p:nvSpPr>
+        <p:spPr/>
+        <p:txBody>
+          <a:bodyPr>
+            <a:normAutofit fontScale="85000" lnSpcReduction="10000"/>
+          </a:bodyPr>
+          <a:lstStyle/>
+          <a:p>
+            <a:pPr marL="0" indent="0" algn="ctr">
+              <a:buNone/>
+            </a:pPr>
+            <a:r>
+              <a:rPr lang="en-CA" dirty="0" smtClean="0"/>
+              <a:t>SAG-MF ahead stores only scalars</a:t>
+            </a:r>
+          </a:p>
+          <a:p>
+            <a:r>
+              <a:rPr lang="en-CA" dirty="0" smtClean="0"/>
+              <a:t>Provide dimensionality reduction</a:t>
+            </a:r>
+          </a:p>
+          <a:p>
+            <a:r>
+              <a:rPr lang="en-CA" dirty="0" smtClean="0"/>
+              <a:t>Decouple SAG’s dependence on the actual implementation of sparse matrices in the underlying programming language or execution environment</a:t>
+            </a:r>
+          </a:p>
+          <a:p>
+            <a:r>
+              <a:rPr lang="en-CA" dirty="0" smtClean="0"/>
+              <a:t>Data Scientists do not need to spend time to find an efficient sparse matrix implementation and integrate it into their code just to use SAG.</a:t>
+            </a:r>
+          </a:p>
+          <a:p>
+            <a:r>
+              <a:rPr lang="en-CA" dirty="0" smtClean="0"/>
+              <a:t>SAG-MF ahead stores </a:t>
+            </a:r>
+            <a:r>
+              <a:rPr lang="en-CA" i="1" dirty="0" smtClean="0"/>
+              <a:t>1</a:t>
+            </a:r>
+            <a:r>
+              <a:rPr lang="en-CA" dirty="0" smtClean="0"/>
+              <a:t>*</a:t>
+            </a:r>
+            <a:r>
+              <a:rPr lang="en-CA" i="1" dirty="0" err="1" smtClean="0"/>
+              <a:t>nMems</a:t>
+            </a:r>
+            <a:r>
+              <a:rPr lang="en-CA" dirty="0" smtClean="0"/>
+              <a:t> integers, no update</a:t>
+            </a:r>
+          </a:p>
+          <a:p>
+            <a:r>
+              <a:rPr lang="en-CA" dirty="0" smtClean="0"/>
+              <a:t>SAG generic stores 2*</a:t>
+            </a:r>
+            <a:r>
+              <a:rPr lang="en-CA" i="1" dirty="0" err="1" smtClean="0"/>
+              <a:t>nMems</a:t>
+            </a:r>
+            <a:r>
+              <a:rPr lang="en-CA" i="1" dirty="0" smtClean="0"/>
+              <a:t>*</a:t>
+            </a:r>
+            <a:r>
+              <a:rPr lang="en-CA" i="1" dirty="0" err="1" smtClean="0"/>
+              <a:t>nDims</a:t>
+            </a:r>
+            <a:r>
+              <a:rPr lang="en-CA" dirty="0" smtClean="0"/>
+              <a:t> floating points</a:t>
+            </a:r>
+          </a:p>
+          <a:p>
+            <a:endParaRPr lang="en-CA" dirty="0" smtClean="0"/>
+          </a:p>
+          <a:p>
+            <a:endParaRPr lang="en-CA" dirty="0"/>
+          </a:p>
+        </p:txBody>
+      </p:sp>
+    </p:spTree>
+    <p:extLst>
+      <p:ext uri="{BB962C8B-B14F-4D97-AF65-F5344CB8AC3E}">
+        <p14:creationId xmlns:p14="http://schemas.microsoft.com/office/powerpoint/2010/main" val="2490651667"/>
+      </p:ext>
+    </p:extLst>
+  </p:cSld>
+  <p:clrMapOvr>
+    <a:masterClrMapping/>
+  </p:clrMapOvr>
+  <p:timing>
+    <p:tnLst>
+      <p:par>
+        <p:cTn id="1" dur="indefinite" restart="never" nodeType="tmRoot"/>
+      </p:par>
+    </p:tnLst>
+  </p:timing>
+</p:sld>
+</file>
+
+<file path=ppt/slides/slide47.xml><?xml version="1.0" encoding="utf-8"?>
+<p:sld xmlns:a="http://schemas.openxmlformats.org/drawingml/2006/main" xmlns:r="http://schemas.openxmlformats.org/officeDocument/2006/relationships" xmlns:p="http://schemas.openxmlformats.org/presentationml/2006/main">
+  <p:cSld>
+    <p:spTree>
+      <p:nvGrpSpPr>
+        <p:cNvPr id="1" name=""/>
+        <p:cNvGrpSpPr/>
+        <p:nvPr/>
+      </p:nvGrpSpPr>
+      <p:grpSpPr>
+        <a:xfrm>
+          <a:off x="0" y="0"/>
+          <a:ext cx="0" cy="0"/>
+          <a:chOff x="0" y="0"/>
+          <a:chExt cx="0" cy="0"/>
+        </a:xfrm>
+      </p:grpSpPr>
+      <p:sp>
+        <p:nvSpPr>
+          <p:cNvPr id="2" name="Title 1"/>
+          <p:cNvSpPr>
+            <a:spLocks noGrp="1"/>
+          </p:cNvSpPr>
+          <p:nvPr>
+            <p:ph type="title"/>
+          </p:nvPr>
+        </p:nvSpPr>
+        <p:spPr/>
+        <p:txBody>
+          <a:bodyPr/>
+          <a:lstStyle/>
+          <a:p>
+            <a:r>
               <a:rPr lang="en-US" dirty="0" smtClean="0"/>
               <a:t>Ongoing Work</a:t>
             </a:r>
@@ -35340,7 +35567,7 @@
 </p:sld>
 </file>
 
-<file path=ppt/slides/slide47.xml><?xml version="1.0" encoding="utf-8"?>
+<file path=ppt/slides/slide48.xml><?xml version="1.0" encoding="utf-8"?>
 <p:sld xmlns:a="http://schemas.openxmlformats.org/drawingml/2006/main" xmlns:r="http://schemas.openxmlformats.org/officeDocument/2006/relationships" xmlns:p="http://schemas.openxmlformats.org/presentationml/2006/main">
   <p:cSld>
     <p:spTree>
@@ -35765,7 +35992,7 @@
 </p:sld>
 </file>
 
-<file path=ppt/slides/slide48.xml><?xml version="1.0" encoding="utf-8"?>
+<file path=ppt/slides/slide49.xml><?xml version="1.0" encoding="utf-8"?>
 <p:sld xmlns:a="http://schemas.openxmlformats.org/drawingml/2006/main" xmlns:r="http://schemas.openxmlformats.org/officeDocument/2006/relationships" xmlns:p="http://schemas.openxmlformats.org/presentationml/2006/main">
   <p:cSld>
     <p:spTree>
@@ -36006,132 +36233,6 @@
   <p:clrMapOvr>
     <a:masterClrMapping/>
   </p:clrMapOvr>
-  <p:timing>
-    <p:tnLst>
-      <p:par>
-        <p:cTn id="1" dur="indefinite" restart="never" nodeType="tmRoot"/>
-      </p:par>
-    </p:tnLst>
-  </p:timing>
-</p:sld>
-</file>
-
-<file path=ppt/slides/slide49.xml><?xml version="1.0" encoding="utf-8"?>
-<p:sld xmlns:a="http://schemas.openxmlformats.org/drawingml/2006/main" xmlns:r="http://schemas.openxmlformats.org/officeDocument/2006/relationships" xmlns:p="http://schemas.openxmlformats.org/presentationml/2006/main" show="0">
-  <p:cSld>
-    <p:spTree>
-      <p:nvGrpSpPr>
-        <p:cNvPr id="1" name=""/>
-        <p:cNvGrpSpPr/>
-        <p:nvPr/>
-      </p:nvGrpSpPr>
-      <p:grpSpPr>
-        <a:xfrm>
-          <a:off x="0" y="0"/>
-          <a:ext cx="0" cy="0"/>
-          <a:chOff x="0" y="0"/>
-          <a:chExt cx="0" cy="0"/>
-        </a:xfrm>
-      </p:grpSpPr>
-      <p:sp>
-        <p:nvSpPr>
-          <p:cNvPr id="2" name="Title 1"/>
-          <p:cNvSpPr>
-            <a:spLocks noGrp="1"/>
-          </p:cNvSpPr>
-          <p:nvPr>
-            <p:ph type="title"/>
-          </p:nvPr>
-        </p:nvSpPr>
-        <p:spPr/>
-        <p:txBody>
-          <a:bodyPr>
-            <a:normAutofit fontScale="90000"/>
-          </a:bodyPr>
-          <a:lstStyle/>
-          <a:p>
-            <a:r>
-              <a:rPr lang="en-US" dirty="0"/>
-              <a:t>Future Work: </a:t>
-            </a:r>
-            <a:r>
-              <a:rPr lang="en-US" dirty="0" smtClean="0"/>
-              <a:t/>
-            </a:r>
-            <a:br>
-              <a:rPr lang="en-US" dirty="0" smtClean="0"/>
-            </a:br>
-            <a:r>
-              <a:rPr lang="en-US" dirty="0" smtClean="0"/>
-              <a:t>Other approaches to reduce memory</a:t>
-            </a:r>
-            <a:endParaRPr lang="en-US" dirty="0"/>
-          </a:p>
-        </p:txBody>
-      </p:sp>
-      <p:sp>
-        <p:nvSpPr>
-          <p:cNvPr id="3" name="Content Placeholder 2"/>
-          <p:cNvSpPr>
-            <a:spLocks noGrp="1"/>
-          </p:cNvSpPr>
-          <p:nvPr>
-            <p:ph idx="1"/>
-          </p:nvPr>
-        </p:nvSpPr>
-        <p:spPr/>
-        <p:txBody>
-          <a:bodyPr>
-            <a:normAutofit/>
-          </a:bodyPr>
-          <a:lstStyle/>
-          <a:p>
-            <a:r>
-              <a:rPr lang="en-US" dirty="0" smtClean="0"/>
-              <a:t>So far we’ve focused on using only algorithmic approaches to address the challenge with space complexity</a:t>
-            </a:r>
-          </a:p>
-          <a:p>
-            <a:r>
-              <a:rPr lang="en-US" dirty="0" smtClean="0"/>
-              <a:t>Could there be other approaches?</a:t>
-            </a:r>
-          </a:p>
-          <a:p>
-            <a:pPr lvl="1"/>
-            <a:r>
-              <a:rPr lang="en-US" dirty="0" smtClean="0"/>
-              <a:t>Scientific computing: numerical optimization for sparse matrices e.g. CSPARSE API?</a:t>
-            </a:r>
-          </a:p>
-          <a:p>
-            <a:pPr lvl="1"/>
-            <a:r>
-              <a:rPr lang="en-US" dirty="0" smtClean="0"/>
-              <a:t>Systems: if we know ahead of time the indices of random samples, can be minimize page faults?</a:t>
-            </a:r>
-            <a:endParaRPr lang="en-US" dirty="0"/>
-          </a:p>
-        </p:txBody>
-      </p:sp>
-    </p:spTree>
-    <p:extLst>
-      <p:ext uri="{BB962C8B-B14F-4D97-AF65-F5344CB8AC3E}">
-        <p14:creationId xmlns:p14="http://schemas.microsoft.com/office/powerpoint/2010/main" val="3482653226"/>
-      </p:ext>
-    </p:extLst>
-  </p:cSld>
-  <p:clrMapOvr>
-    <a:masterClrMapping/>
-  </p:clrMapOvr>
-  <mc:AlternateContent xmlns:mc="http://schemas.openxmlformats.org/markup-compatibility/2006" xmlns:p14="http://schemas.microsoft.com/office/powerpoint/2010/main">
-    <mc:Choice Requires="p14">
-      <p:transition spd="slow" p14:dur="2000"/>
-    </mc:Choice>
-    <mc:Fallback xmlns="">
-      <p:transition spd="slow"/>
-    </mc:Fallback>
-  </mc:AlternateContent>
   <p:timing>
     <p:tnLst>
       <p:par>
@@ -36250,7 +36351,7 @@
 </file>
 
 <file path=ppt/slides/slide50.xml><?xml version="1.0" encoding="utf-8"?>
-<p:sld xmlns:a="http://schemas.openxmlformats.org/drawingml/2006/main" xmlns:r="http://schemas.openxmlformats.org/officeDocument/2006/relationships" xmlns:p="http://schemas.openxmlformats.org/presentationml/2006/main">
+<p:sld xmlns:a="http://schemas.openxmlformats.org/drawingml/2006/main" xmlns:r="http://schemas.openxmlformats.org/officeDocument/2006/relationships" xmlns:p="http://schemas.openxmlformats.org/presentationml/2006/main" show="0">
   <p:cSld>
     <p:spTree>
       <p:nvGrpSpPr>
@@ -36278,14 +36379,27 @@
         </p:nvSpPr>
         <p:spPr/>
         <p:txBody>
-          <a:bodyPr/>
+          <a:bodyPr>
+            <a:normAutofit fontScale="90000"/>
+          </a:bodyPr>
           <a:lstStyle/>
           <a:p>
             <a:r>
-              <a:rPr lang="en-CA" dirty="0" smtClean="0"/>
-              <a:t>Related Work</a:t>
-            </a:r>
-            <a:endParaRPr lang="en-CA" dirty="0"/>
+              <a:rPr lang="en-US" dirty="0"/>
+              <a:t>Future Work: </a:t>
+            </a:r>
+            <a:r>
+              <a:rPr lang="en-US" dirty="0" smtClean="0"/>
+              <a:t/>
+            </a:r>
+            <a:br>
+              <a:rPr lang="en-US" dirty="0" smtClean="0"/>
+            </a:br>
+            <a:r>
+              <a:rPr lang="en-US" dirty="0" smtClean="0"/>
+              <a:t>Other approaches to reduce memory</a:t>
+            </a:r>
+            <a:endParaRPr lang="en-US" dirty="0"/>
           </a:p>
         </p:txBody>
       </p:sp>
@@ -36301,108 +36415,57 @@
         </p:nvSpPr>
         <p:spPr/>
         <p:txBody>
-          <a:bodyPr/>
+          <a:bodyPr>
+            <a:normAutofit/>
+          </a:bodyPr>
           <a:lstStyle/>
           <a:p>
-            <a:pPr marL="457200" indent="-457200">
-              <a:buFont typeface="+mj-lt"/>
-              <a:buAutoNum type="arabicPeriod"/>
-            </a:pPr>
-            <a:r>
-              <a:rPr lang="en-US" sz="2800" dirty="0" smtClean="0"/>
-              <a:t>Parallel </a:t>
-            </a:r>
-            <a:r>
-              <a:rPr lang="en-US" sz="2800" dirty="0"/>
-              <a:t>SAG for Supervised ML</a:t>
-            </a:r>
-          </a:p>
-          <a:p>
-            <a:pPr marL="857250" lvl="1" indent="-457200">
-              <a:buFont typeface="Arial" panose="020B0604020202020204" pitchFamily="34" charset="0"/>
-              <a:buChar char="•"/>
-            </a:pPr>
-            <a:r>
-              <a:rPr lang="en-US" dirty="0">
-                <a:hlinkClick r:id="rId2"/>
-              </a:rPr>
-              <a:t>https://github.com/ScottSallinen/Gradient-Descent-Comparison</a:t>
+            <a:r>
+              <a:rPr lang="en-US" dirty="0" smtClean="0"/>
+              <a:t>So far we’ve focused on using only algorithmic approaches to address the challenge with space complexity</a:t>
+            </a:r>
+          </a:p>
+          <a:p>
+            <a:r>
+              <a:rPr lang="en-US" dirty="0" smtClean="0"/>
+              <a:t>Could there be other approaches?</a:t>
+            </a:r>
+          </a:p>
+          <a:p>
+            <a:pPr lvl="1"/>
+            <a:r>
+              <a:rPr lang="en-US" dirty="0" smtClean="0"/>
+              <a:t>Scientific computing: numerical optimization for sparse matrices e.g. CSPARSE API?</a:t>
+            </a:r>
+          </a:p>
+          <a:p>
+            <a:pPr lvl="1"/>
+            <a:r>
+              <a:rPr lang="en-US" dirty="0" smtClean="0"/>
+              <a:t>Systems: if we know ahead of time the indices of random samples, can be minimize page faults?</a:t>
             </a:r>
             <a:endParaRPr lang="en-US" dirty="0"/>
-          </a:p>
-          <a:p>
-            <a:pPr marL="857250" lvl="1" indent="-457200">
-              <a:buFont typeface="Arial" panose="020B0604020202020204" pitchFamily="34" charset="0"/>
-              <a:buChar char="•"/>
-            </a:pPr>
-            <a:r>
-              <a:rPr lang="en-US" dirty="0"/>
-              <a:t>SAG-MF: format of project is similar to </a:t>
-            </a:r>
-            <a:r>
-              <a:rPr lang="en-US" dirty="0" smtClean="0"/>
-              <a:t>SKIM</a:t>
-            </a:r>
-          </a:p>
-          <a:p>
-            <a:pPr marL="857250" lvl="1" indent="-457200">
-              <a:buFont typeface="Arial" panose="020B0604020202020204" pitchFamily="34" charset="0"/>
-              <a:buChar char="•"/>
-            </a:pPr>
-            <a:r>
-              <a:rPr lang="en-US" dirty="0" smtClean="0"/>
-              <a:t>Parallel </a:t>
-            </a:r>
-            <a:r>
-              <a:rPr lang="en-US" dirty="0"/>
-              <a:t>SAG: format is comparison &amp; evaluation</a:t>
-            </a:r>
-          </a:p>
-          <a:p>
-            <a:pPr marL="457200" indent="-457200">
-              <a:buFont typeface="+mj-lt"/>
-              <a:buAutoNum type="arabicPeriod"/>
-            </a:pPr>
-            <a:r>
-              <a:rPr lang="en-US" sz="2800" dirty="0" smtClean="0"/>
-              <a:t>Bootstrapping, Alternating </a:t>
-            </a:r>
-            <a:r>
-              <a:rPr lang="en-US" sz="2800" dirty="0"/>
-              <a:t>Least </a:t>
-            </a:r>
-            <a:r>
-              <a:rPr lang="en-US" sz="2800" dirty="0" smtClean="0"/>
-              <a:t>Squares</a:t>
-            </a:r>
-          </a:p>
-          <a:p>
-            <a:pPr marL="857250" lvl="1" indent="-457200">
-              <a:buFont typeface="Arial" panose="020B0604020202020204" pitchFamily="34" charset="0"/>
-              <a:buChar char="•"/>
-            </a:pPr>
-            <a:r>
-              <a:rPr lang="en-US" dirty="0" smtClean="0"/>
-              <a:t>Orthogonal </a:t>
-            </a:r>
-            <a:r>
-              <a:rPr lang="en-US" dirty="0"/>
-              <a:t>to gradient descent or ascent</a:t>
-            </a:r>
-            <a:endParaRPr lang="en-CA" dirty="0"/>
           </a:p>
         </p:txBody>
       </p:sp>
     </p:spTree>
     <p:extLst>
       <p:ext uri="{BB962C8B-B14F-4D97-AF65-F5344CB8AC3E}">
-        <p14:creationId xmlns:p14="http://schemas.microsoft.com/office/powerpoint/2010/main" val="90014070"/>
+        <p14:creationId xmlns:p14="http://schemas.microsoft.com/office/powerpoint/2010/main" val="3482653226"/>
       </p:ext>
     </p:extLst>
   </p:cSld>
   <p:clrMapOvr>
     <a:masterClrMapping/>
   </p:clrMapOvr>
+  <mc:AlternateContent xmlns:mc="http://schemas.openxmlformats.org/markup-compatibility/2006" xmlns:p14="http://schemas.microsoft.com/office/powerpoint/2010/main">
+    <mc:Choice Requires="p14">
+      <p:transition spd="slow" p14:dur="2000"/>
+    </mc:Choice>
+    <mc:Fallback xmlns="">
+      <p:transition spd="slow"/>
+    </mc:Fallback>
+  </mc:AlternateContent>
   <p:timing>
     <p:tnLst>
       <p:par>
@@ -36446,6 +36509,238 @@
           <a:lstStyle/>
           <a:p>
             <a:r>
+              <a:rPr lang="en-CA" dirty="0" smtClean="0"/>
+              <a:t>Related Work</a:t>
+            </a:r>
+            <a:endParaRPr lang="en-CA" dirty="0"/>
+          </a:p>
+        </p:txBody>
+      </p:sp>
+      <p:sp>
+        <p:nvSpPr>
+          <p:cNvPr id="3" name="Content Placeholder 2"/>
+          <p:cNvSpPr>
+            <a:spLocks noGrp="1"/>
+          </p:cNvSpPr>
+          <p:nvPr>
+            <p:ph idx="1"/>
+          </p:nvPr>
+        </p:nvSpPr>
+        <p:spPr/>
+        <p:txBody>
+          <a:bodyPr>
+            <a:normAutofit fontScale="85000" lnSpcReduction="20000"/>
+          </a:bodyPr>
+          <a:lstStyle/>
+          <a:p>
+            <a:pPr marL="457200" indent="-457200">
+              <a:buFont typeface="+mj-lt"/>
+              <a:buAutoNum type="arabicPeriod"/>
+            </a:pPr>
+            <a:r>
+              <a:rPr lang="en-US" sz="2800" dirty="0" smtClean="0"/>
+              <a:t>Parallel </a:t>
+            </a:r>
+            <a:r>
+              <a:rPr lang="en-US" sz="2800" dirty="0"/>
+              <a:t>SAG for Supervised ML</a:t>
+            </a:r>
+          </a:p>
+          <a:p>
+            <a:pPr marL="857250" lvl="1" indent="-457200">
+              <a:buFont typeface="Arial" panose="020B0604020202020204" pitchFamily="34" charset="0"/>
+              <a:buChar char="•"/>
+            </a:pPr>
+            <a:r>
+              <a:rPr lang="en-US" dirty="0">
+                <a:hlinkClick r:id="rId2"/>
+              </a:rPr>
+              <a:t>https://github.com/ScottSallinen/Gradient-Descent-Comparison</a:t>
+            </a:r>
+            <a:endParaRPr lang="en-US" dirty="0"/>
+          </a:p>
+          <a:p>
+            <a:pPr marL="857250" lvl="1" indent="-457200">
+              <a:buFont typeface="Arial" panose="020B0604020202020204" pitchFamily="34" charset="0"/>
+              <a:buChar char="•"/>
+            </a:pPr>
+            <a:r>
+              <a:rPr lang="en-US" dirty="0"/>
+              <a:t>SAG-MF: format of project is similar to </a:t>
+            </a:r>
+            <a:r>
+              <a:rPr lang="en-US" dirty="0" smtClean="0"/>
+              <a:t>SKIM</a:t>
+            </a:r>
+          </a:p>
+          <a:p>
+            <a:pPr marL="857250" lvl="1" indent="-457200">
+              <a:buFont typeface="Arial" panose="020B0604020202020204" pitchFamily="34" charset="0"/>
+              <a:buChar char="•"/>
+            </a:pPr>
+            <a:r>
+              <a:rPr lang="en-US" dirty="0" smtClean="0"/>
+              <a:t>Parallel </a:t>
+            </a:r>
+            <a:r>
+              <a:rPr lang="en-US" dirty="0"/>
+              <a:t>SAG: format is comparison &amp; evaluation</a:t>
+            </a:r>
+          </a:p>
+          <a:p>
+            <a:pPr marL="457200" indent="-457200">
+              <a:buFont typeface="+mj-lt"/>
+              <a:buAutoNum type="arabicPeriod"/>
+            </a:pPr>
+            <a:r>
+              <a:rPr lang="en-US" sz="2800" dirty="0" smtClean="0"/>
+              <a:t>Bootstrapping, Alternating </a:t>
+            </a:r>
+            <a:r>
+              <a:rPr lang="en-US" sz="2800" dirty="0"/>
+              <a:t>Least </a:t>
+            </a:r>
+            <a:r>
+              <a:rPr lang="en-US" sz="2800" dirty="0" smtClean="0"/>
+              <a:t>Squares</a:t>
+            </a:r>
+          </a:p>
+          <a:p>
+            <a:pPr marL="857250" lvl="1" indent="-457200">
+              <a:buFont typeface="Arial" panose="020B0604020202020204" pitchFamily="34" charset="0"/>
+              <a:buChar char="•"/>
+            </a:pPr>
+            <a:r>
+              <a:rPr lang="en-US" dirty="0" smtClean="0"/>
+              <a:t>Orthogonal </a:t>
+            </a:r>
+            <a:r>
+              <a:rPr lang="en-US" dirty="0"/>
+              <a:t>to gradient descent or </a:t>
+            </a:r>
+            <a:r>
+              <a:rPr lang="en-US" dirty="0" smtClean="0"/>
+              <a:t>ascent</a:t>
+            </a:r>
+          </a:p>
+          <a:p>
+            <a:pPr marL="857250" lvl="1" indent="-457200">
+              <a:buFont typeface="Arial" panose="020B0604020202020204" pitchFamily="34" charset="0"/>
+              <a:buChar char="•"/>
+            </a:pPr>
+            <a:r>
+              <a:rPr lang="en-US" dirty="0" smtClean="0"/>
+              <a:t>Future: Alternating SAG + Chain rule</a:t>
+            </a:r>
+          </a:p>
+          <a:p>
+            <a:pPr marL="857250" lvl="1" indent="-457200">
+              <a:buFont typeface="Arial" panose="020B0604020202020204" pitchFamily="34" charset="0"/>
+              <a:buChar char="•"/>
+            </a:pPr>
+            <a:r>
+              <a:rPr lang="en-US" dirty="0" smtClean="0"/>
+              <a:t>Challenge: theoretical proof, complicated objective functions e.g. </a:t>
+            </a:r>
+            <a:r>
+              <a:rPr lang="en-US" dirty="0" err="1" smtClean="0"/>
+              <a:t>CLiMF</a:t>
+            </a:r>
+            <a:r>
+              <a:rPr lang="en-US" dirty="0" smtClean="0"/>
+              <a:t>/</a:t>
+            </a:r>
+            <a:r>
+              <a:rPr lang="en-US" dirty="0" err="1" smtClean="0"/>
+              <a:t>GAPfm</a:t>
+            </a:r>
+            <a:r>
+              <a:rPr lang="en-US" dirty="0" smtClean="0"/>
+              <a:t>: consider other columns</a:t>
+            </a:r>
+          </a:p>
+          <a:p>
+            <a:pPr marL="857250" lvl="1" indent="-457200">
+              <a:buFont typeface="Arial" panose="020B0604020202020204" pitchFamily="34" charset="0"/>
+              <a:buChar char="•"/>
+            </a:pPr>
+            <a:r>
+              <a:rPr lang="en-US" dirty="0" smtClean="0"/>
+              <a:t>Cons: </a:t>
+            </a:r>
+            <a:r>
+              <a:rPr lang="en-US" dirty="0" err="1" smtClean="0"/>
+              <a:t>gu</a:t>
+            </a:r>
+            <a:r>
+              <a:rPr lang="en-US" dirty="0" smtClean="0"/>
+              <a:t>, </a:t>
+            </a:r>
+            <a:r>
+              <a:rPr lang="en-US" dirty="0" err="1" smtClean="0"/>
+              <a:t>gv</a:t>
+            </a:r>
+            <a:r>
+              <a:rPr lang="en-US" dirty="0" smtClean="0"/>
+              <a:t> can share computation when calculated together, now we cannot do shared computation.</a:t>
+            </a:r>
+            <a:endParaRPr lang="en-CA" dirty="0"/>
+          </a:p>
+        </p:txBody>
+      </p:sp>
+    </p:spTree>
+    <p:extLst>
+      <p:ext uri="{BB962C8B-B14F-4D97-AF65-F5344CB8AC3E}">
+        <p14:creationId xmlns:p14="http://schemas.microsoft.com/office/powerpoint/2010/main" val="90014070"/>
+      </p:ext>
+    </p:extLst>
+  </p:cSld>
+  <p:clrMapOvr>
+    <a:masterClrMapping/>
+  </p:clrMapOvr>
+  <p:timing>
+    <p:tnLst>
+      <p:par>
+        <p:cTn id="1" dur="indefinite" restart="never" nodeType="tmRoot"/>
+      </p:par>
+    </p:tnLst>
+  </p:timing>
+</p:sld>
+</file>
+
+<file path=ppt/slides/slide52.xml><?xml version="1.0" encoding="utf-8"?>
+<p:sld xmlns:a="http://schemas.openxmlformats.org/drawingml/2006/main" xmlns:r="http://schemas.openxmlformats.org/officeDocument/2006/relationships" xmlns:p="http://schemas.openxmlformats.org/presentationml/2006/main">
+  <p:cSld>
+    <p:spTree>
+      <p:nvGrpSpPr>
+        <p:cNvPr id="1" name=""/>
+        <p:cNvGrpSpPr/>
+        <p:nvPr/>
+      </p:nvGrpSpPr>
+      <p:grpSpPr>
+        <a:xfrm>
+          <a:off x="0" y="0"/>
+          <a:ext cx="0" cy="0"/>
+          <a:chOff x="0" y="0"/>
+          <a:chExt cx="0" cy="0"/>
+        </a:xfrm>
+      </p:grpSpPr>
+      <p:sp>
+        <p:nvSpPr>
+          <p:cNvPr id="2" name="Title 1"/>
+          <p:cNvSpPr>
+            <a:spLocks noGrp="1"/>
+          </p:cNvSpPr>
+          <p:nvPr>
+            <p:ph type="title"/>
+          </p:nvPr>
+        </p:nvSpPr>
+        <p:spPr/>
+        <p:txBody>
+          <a:bodyPr/>
+          <a:lstStyle/>
+          <a:p>
+            <a:r>
               <a:rPr lang="en-US" dirty="0" smtClean="0"/>
               <a:t>Related Work</a:t>
             </a:r>
@@ -36582,7 +36877,7 @@
 </p:sld>
 </file>
 
-<file path=ppt/slides/slide52.xml><?xml version="1.0" encoding="utf-8"?>
+<file path=ppt/slides/slide53.xml><?xml version="1.0" encoding="utf-8"?>
 <p:sld xmlns:a="http://schemas.openxmlformats.org/drawingml/2006/main" xmlns:r="http://schemas.openxmlformats.org/officeDocument/2006/relationships" xmlns:p="http://schemas.openxmlformats.org/presentationml/2006/main">
   <p:cSld>
     <p:spTree>
@@ -36945,146 +37240,6 @@
 </p:sld>
 </file>
 
-<file path=ppt/slides/slide53.xml><?xml version="1.0" encoding="utf-8"?>
-<p:sld xmlns:a="http://schemas.openxmlformats.org/drawingml/2006/main" xmlns:r="http://schemas.openxmlformats.org/officeDocument/2006/relationships" xmlns:p="http://schemas.openxmlformats.org/presentationml/2006/main" show="0">
-  <p:cSld>
-    <p:spTree>
-      <p:nvGrpSpPr>
-        <p:cNvPr id="1" name=""/>
-        <p:cNvGrpSpPr/>
-        <p:nvPr/>
-      </p:nvGrpSpPr>
-      <p:grpSpPr>
-        <a:xfrm>
-          <a:off x="0" y="0"/>
-          <a:ext cx="0" cy="0"/>
-          <a:chOff x="0" y="0"/>
-          <a:chExt cx="0" cy="0"/>
-        </a:xfrm>
-      </p:grpSpPr>
-      <p:sp>
-        <p:nvSpPr>
-          <p:cNvPr id="2" name="Title 1"/>
-          <p:cNvSpPr>
-            <a:spLocks noGrp="1"/>
-          </p:cNvSpPr>
-          <p:nvPr>
-            <p:ph type="title"/>
-          </p:nvPr>
-        </p:nvSpPr>
-        <p:spPr/>
-        <p:txBody>
-          <a:bodyPr>
-            <a:normAutofit fontScale="90000"/>
-          </a:bodyPr>
-          <a:lstStyle/>
-          <a:p>
-            <a:r>
-              <a:rPr lang="en-CA" dirty="0" smtClean="0"/>
-              <a:t>Does faster/better convergence give better recommendations?</a:t>
-            </a:r>
-            <a:endParaRPr lang="en-CA" dirty="0"/>
-          </a:p>
-        </p:txBody>
-      </p:sp>
-      <p:sp>
-        <p:nvSpPr>
-          <p:cNvPr id="3" name="Content Placeholder 2"/>
-          <p:cNvSpPr>
-            <a:spLocks noGrp="1"/>
-          </p:cNvSpPr>
-          <p:nvPr>
-            <p:ph idx="1"/>
-          </p:nvPr>
-        </p:nvSpPr>
-        <p:spPr/>
-        <p:txBody>
-          <a:bodyPr>
-            <a:normAutofit fontScale="85000" lnSpcReduction="20000"/>
-          </a:bodyPr>
-          <a:lstStyle/>
-          <a:p>
-            <a:r>
-              <a:rPr lang="en-CA" dirty="0" smtClean="0"/>
-              <a:t>So far we focused only on getting faster &amp; better convergence thru SAG-MF</a:t>
-            </a:r>
-          </a:p>
-          <a:p>
-            <a:r>
-              <a:rPr lang="en-CA" dirty="0" smtClean="0"/>
-              <a:t>Intuition makes sense that faster/better convergence leads to better recommendations.</a:t>
-            </a:r>
-          </a:p>
-          <a:p>
-            <a:r>
-              <a:rPr lang="en-CA" dirty="0" smtClean="0"/>
-              <a:t>But… to what extend does faster or better convergence correlated with </a:t>
-            </a:r>
-          </a:p>
-          <a:p>
-            <a:pPr lvl="1"/>
-            <a:r>
-              <a:rPr lang="en-CA" dirty="0" smtClean="0"/>
-              <a:t>higher </a:t>
-            </a:r>
-            <a:r>
-              <a:rPr lang="en-CA" dirty="0"/>
-              <a:t>productivity </a:t>
-            </a:r>
-            <a:r>
-              <a:rPr lang="en-CA" dirty="0" smtClean="0"/>
-              <a:t>of data scientists, or</a:t>
-            </a:r>
-          </a:p>
-          <a:p>
-            <a:pPr lvl="1"/>
-            <a:r>
-              <a:rPr lang="en-CA" dirty="0" smtClean="0"/>
-              <a:t>better recommendations? </a:t>
-            </a:r>
-          </a:p>
-          <a:p>
-            <a:r>
-              <a:rPr lang="en-CA" dirty="0" smtClean="0"/>
-              <a:t>Is there a sufficient, or “good-enough” bound</a:t>
-            </a:r>
-          </a:p>
-          <a:p>
-            <a:r>
-              <a:rPr lang="en-CA" dirty="0" smtClean="0"/>
-              <a:t>Approach: plug converged approx. into metrics, and compare: MRR, P@5, 1-call@5, etc.</a:t>
-            </a:r>
-          </a:p>
-        </p:txBody>
-      </p:sp>
-    </p:spTree>
-    <p:extLst>
-      <p:ext uri="{BB962C8B-B14F-4D97-AF65-F5344CB8AC3E}">
-        <p14:creationId xmlns:p14="http://schemas.microsoft.com/office/powerpoint/2010/main" val="2924231425"/>
-      </p:ext>
-    </p:extLst>
-  </p:cSld>
-  <p:clrMapOvr>
-    <a:masterClrMapping/>
-  </p:clrMapOvr>
-  <mc:AlternateContent xmlns:mc="http://schemas.openxmlformats.org/markup-compatibility/2006" xmlns:p14="http://schemas.microsoft.com/office/powerpoint/2010/main">
-    <mc:Choice Requires="p14">
-      <p:transition spd="slow" p14:dur="2000"/>
-    </mc:Choice>
-    <mc:Fallback xmlns="">
-      <p:transition spd="slow"/>
-    </mc:Fallback>
-  </mc:AlternateContent>
-  <p:timing>
-    <p:tnLst>
-      <p:par>
-        <p:cTn id="1" dur="indefinite" restart="never" nodeType="tmRoot"/>
-      </p:par>
-    </p:tnLst>
-  </p:timing>
-</p:sld>
-</file>
-
 <file path=ppt/slides/slide54.xml><?xml version="1.0" encoding="utf-8"?>
 <p:sld xmlns:a="http://schemas.openxmlformats.org/drawingml/2006/main" xmlns:r="http://schemas.openxmlformats.org/officeDocument/2006/relationships" xmlns:p="http://schemas.openxmlformats.org/presentationml/2006/main" show="0">
   <p:cSld>
@@ -37121,6 +37276,146 @@
           <a:p>
             <a:r>
               <a:rPr lang="en-CA" dirty="0" smtClean="0"/>
+              <a:t>Does faster/better convergence give better recommendations?</a:t>
+            </a:r>
+            <a:endParaRPr lang="en-CA" dirty="0"/>
+          </a:p>
+        </p:txBody>
+      </p:sp>
+      <p:sp>
+        <p:nvSpPr>
+          <p:cNvPr id="3" name="Content Placeholder 2"/>
+          <p:cNvSpPr>
+            <a:spLocks noGrp="1"/>
+          </p:cNvSpPr>
+          <p:nvPr>
+            <p:ph idx="1"/>
+          </p:nvPr>
+        </p:nvSpPr>
+        <p:spPr/>
+        <p:txBody>
+          <a:bodyPr>
+            <a:normAutofit fontScale="85000" lnSpcReduction="20000"/>
+          </a:bodyPr>
+          <a:lstStyle/>
+          <a:p>
+            <a:r>
+              <a:rPr lang="en-CA" dirty="0" smtClean="0"/>
+              <a:t>So far we focused only on getting faster &amp; better convergence thru SAG-MF</a:t>
+            </a:r>
+          </a:p>
+          <a:p>
+            <a:r>
+              <a:rPr lang="en-CA" dirty="0" smtClean="0"/>
+              <a:t>Intuition makes sense that faster/better convergence leads to better recommendations.</a:t>
+            </a:r>
+          </a:p>
+          <a:p>
+            <a:r>
+              <a:rPr lang="en-CA" dirty="0" smtClean="0"/>
+              <a:t>But… to what extend does faster or better convergence correlated with </a:t>
+            </a:r>
+          </a:p>
+          <a:p>
+            <a:pPr lvl="1"/>
+            <a:r>
+              <a:rPr lang="en-CA" dirty="0" smtClean="0"/>
+              <a:t>higher </a:t>
+            </a:r>
+            <a:r>
+              <a:rPr lang="en-CA" dirty="0"/>
+              <a:t>productivity </a:t>
+            </a:r>
+            <a:r>
+              <a:rPr lang="en-CA" dirty="0" smtClean="0"/>
+              <a:t>of data scientists, or</a:t>
+            </a:r>
+          </a:p>
+          <a:p>
+            <a:pPr lvl="1"/>
+            <a:r>
+              <a:rPr lang="en-CA" dirty="0" smtClean="0"/>
+              <a:t>better recommendations? </a:t>
+            </a:r>
+          </a:p>
+          <a:p>
+            <a:r>
+              <a:rPr lang="en-CA" dirty="0" smtClean="0"/>
+              <a:t>Is there a sufficient, or “good-enough” bound</a:t>
+            </a:r>
+          </a:p>
+          <a:p>
+            <a:r>
+              <a:rPr lang="en-CA" dirty="0" smtClean="0"/>
+              <a:t>Approach: plug converged approx. into metrics, and compare: MRR, P@5, 1-call@5, etc.</a:t>
+            </a:r>
+          </a:p>
+        </p:txBody>
+      </p:sp>
+    </p:spTree>
+    <p:extLst>
+      <p:ext uri="{BB962C8B-B14F-4D97-AF65-F5344CB8AC3E}">
+        <p14:creationId xmlns:p14="http://schemas.microsoft.com/office/powerpoint/2010/main" val="2924231425"/>
+      </p:ext>
+    </p:extLst>
+  </p:cSld>
+  <p:clrMapOvr>
+    <a:masterClrMapping/>
+  </p:clrMapOvr>
+  <mc:AlternateContent xmlns:mc="http://schemas.openxmlformats.org/markup-compatibility/2006" xmlns:p14="http://schemas.microsoft.com/office/powerpoint/2010/main">
+    <mc:Choice Requires="p14">
+      <p:transition spd="slow" p14:dur="2000"/>
+    </mc:Choice>
+    <mc:Fallback xmlns="">
+      <p:transition spd="slow"/>
+    </mc:Fallback>
+  </mc:AlternateContent>
+  <p:timing>
+    <p:tnLst>
+      <p:par>
+        <p:cTn id="1" dur="indefinite" restart="never" nodeType="tmRoot"/>
+      </p:par>
+    </p:tnLst>
+  </p:timing>
+</p:sld>
+</file>
+
+<file path=ppt/slides/slide55.xml><?xml version="1.0" encoding="utf-8"?>
+<p:sld xmlns:a="http://schemas.openxmlformats.org/drawingml/2006/main" xmlns:r="http://schemas.openxmlformats.org/officeDocument/2006/relationships" xmlns:p="http://schemas.openxmlformats.org/presentationml/2006/main" show="0">
+  <p:cSld>
+    <p:spTree>
+      <p:nvGrpSpPr>
+        <p:cNvPr id="1" name=""/>
+        <p:cNvGrpSpPr/>
+        <p:nvPr/>
+      </p:nvGrpSpPr>
+      <p:grpSpPr>
+        <a:xfrm>
+          <a:off x="0" y="0"/>
+          <a:ext cx="0" cy="0"/>
+          <a:chOff x="0" y="0"/>
+          <a:chExt cx="0" cy="0"/>
+        </a:xfrm>
+      </p:grpSpPr>
+      <p:sp>
+        <p:nvSpPr>
+          <p:cNvPr id="2" name="Title 1"/>
+          <p:cNvSpPr>
+            <a:spLocks noGrp="1"/>
+          </p:cNvSpPr>
+          <p:nvPr>
+            <p:ph type="title"/>
+          </p:nvPr>
+        </p:nvSpPr>
+        <p:spPr/>
+        <p:txBody>
+          <a:bodyPr>
+            <a:normAutofit fontScale="90000"/>
+          </a:bodyPr>
+          <a:lstStyle/>
+          <a:p>
+            <a:r>
+              <a:rPr lang="en-CA" dirty="0" smtClean="0"/>
               <a:t>SAG-MF+</a:t>
             </a:r>
             <a:br>
@@ -37197,7 +37492,7 @@
 </p:sld>
 </file>
 
-<file path=ppt/slides/slide55.xml><?xml version="1.0" encoding="utf-8"?>
+<file path=ppt/slides/slide56.xml><?xml version="1.0" encoding="utf-8"?>
 <p:sld xmlns:a="http://schemas.openxmlformats.org/drawingml/2006/main" xmlns:r="http://schemas.openxmlformats.org/officeDocument/2006/relationships" xmlns:p="http://schemas.openxmlformats.org/presentationml/2006/main">
   <p:cSld>
     <p:spTree>

--- a/cs534L-SAGmf.pptx
+++ b/cs534L-SAGmf.pptx
@@ -6471,8 +6471,8 @@
           </p:sp>
         </mc:Fallback>
       </mc:AlternateContent>
-      <mc:AlternateContent xmlns:mc="http://schemas.openxmlformats.org/markup-compatibility/2006">
-        <mc:Choice xmlns:a14="http://schemas.microsoft.com/office/drawing/2010/main" Requires="a14">
+      <mc:AlternateContent xmlns:mc="http://schemas.openxmlformats.org/markup-compatibility/2006" xmlns:a14="http://schemas.microsoft.com/office/drawing/2010/main">
+        <mc:Choice Requires="a14">
           <p:sp>
             <p:nvSpPr>
               <p:cNvPr id="3" name="Content Placeholder 2"/>
@@ -6881,11 +6881,7 @@
                 </a:r>
                 <a:r>
                   <a:rPr lang="en-US" sz="2800" smtClean="0"/>
-                  <a:t>latent dimensions</a:t>
-                </a:r>
-                <a:r>
-                  <a:rPr lang="en-US" sz="2800" smtClean="0"/>
-                  <a:t> </a:t>
+                  <a:t>latent dimensions </a:t>
                 </a:r>
                 <a:r>
                   <a:rPr lang="en-US" sz="2800" i="1" dirty="0" err="1" smtClean="0"/>
@@ -7701,7 +7697,7 @@
             </p:txBody>
           </p:sp>
         </mc:Choice>
-        <mc:Fallback>
+        <mc:Fallback xmlns="">
           <p:sp>
             <p:nvSpPr>
               <p:cNvPr id="3" name="Content Placeholder 2"/>
@@ -19531,26 +19527,14 @@
           <a:p>
             <a:r>
               <a:rPr lang="en-CA" dirty="0" smtClean="0"/>
-              <a:t>many model-based Recommender </a:t>
-            </a:r>
-            <a:r>
-              <a:rPr lang="en-CA" dirty="0" smtClean="0"/>
-              <a:t>Systems</a:t>
-            </a:r>
-            <a:r>
-              <a:rPr lang="en-CA" dirty="0" smtClean="0"/>
-              <a:t/>
+              <a:t>many model-based Recommender Systems</a:t>
             </a:r>
             <a:br>
               <a:rPr lang="en-CA" dirty="0" smtClean="0"/>
             </a:br>
             <a:r>
               <a:rPr lang="en-CA" dirty="0" smtClean="0"/>
-              <a:t>e.g. </a:t>
-            </a:r>
-            <a:r>
-              <a:rPr lang="en-CA" dirty="0" smtClean="0"/>
-              <a:t>in Collaborative Filtering we’ve </a:t>
+              <a:t>e.g. in Collaborative Filtering we’ve </a:t>
             </a:r>
             <a:r>
               <a:rPr lang="en-CA" dirty="0" err="1" smtClean="0"/>
@@ -19566,26 +19550,13 @@
             </a:r>
             <a:r>
               <a:rPr lang="en-CA" dirty="0" smtClean="0"/>
-              <a:t>, MNAR</a:t>
-            </a:r>
+              <a:t>, MNAR… etc.</a:t>
+            </a:r>
+          </a:p>
+          <a:p>
             <a:r>
               <a:rPr lang="en-CA" dirty="0" smtClean="0"/>
-              <a:t>… etc.</a:t>
-            </a:r>
-            <a:endParaRPr lang="en-CA" dirty="0" smtClean="0"/>
-          </a:p>
-          <a:p>
-            <a:r>
-              <a:rPr lang="en-CA" dirty="0" smtClean="0"/>
-              <a:t>many Unsupervised Learning </a:t>
-            </a:r>
-            <a:r>
-              <a:rPr lang="en-CA" dirty="0" smtClean="0"/>
-              <a:t>methods</a:t>
-            </a:r>
-            <a:r>
-              <a:rPr lang="en-CA" dirty="0" smtClean="0"/>
-              <a:t/>
+              <a:t>many Unsupervised Learning methods</a:t>
             </a:r>
             <a:br>
               <a:rPr lang="en-CA" dirty="0" smtClean="0"/>
@@ -20130,6 +20101,13 @@
   <p:clrMapOvr>
     <a:masterClrMapping/>
   </p:clrMapOvr>
+  <p:timing>
+    <p:tnLst>
+      <p:par>
+        <p:cTn id="1" dur="indefinite" restart="never" nodeType="tmRoot"/>
+      </p:par>
+    </p:tnLst>
+  </p:timing>
 </p:sld>
 </file>
 
@@ -21998,11 +21976,7 @@
             </a:br>
             <a:r>
               <a:rPr lang="en-CA" dirty="0" smtClean="0"/>
-              <a:t>Attempt #</a:t>
-            </a:r>
-            <a:r>
-              <a:rPr lang="en-CA" dirty="0" smtClean="0"/>
-              <a:t>1: borrow a trick from SAG</a:t>
+              <a:t>Attempt #1: borrow a trick from SAG</a:t>
             </a:r>
             <a:endParaRPr lang="en-CA" dirty="0"/>
           </a:p>
@@ -29608,11 +29582,7 @@
             <a:pPr algn="ctr"/>
             <a:r>
               <a:rPr lang="en-CA" dirty="0" smtClean="0"/>
-              <a:t>Stochastic Gradient </a:t>
-            </a:r>
-            <a:r>
-              <a:rPr lang="en-CA" dirty="0" smtClean="0"/>
-              <a:t>(SG)</a:t>
+              <a:t>Stochastic Gradient (SG)</a:t>
             </a:r>
             <a:endParaRPr lang="en-CA" dirty="0"/>
           </a:p>
@@ -29675,11 +29645,7 @@
             </a:r>
             <a:r>
               <a:rPr lang="en-CA" dirty="0" smtClean="0"/>
-              <a:t>SG </a:t>
-            </a:r>
-            <a:r>
-              <a:rPr lang="en-CA" dirty="0" smtClean="0"/>
-              <a:t>may </a:t>
+              <a:t>SG may </a:t>
             </a:r>
             <a:r>
               <a:rPr lang="en-CA" dirty="0"/>
@@ -29781,11 +29747,7 @@
           <a:p>
             <a:r>
               <a:rPr lang="en-CA" dirty="0" smtClean="0"/>
-              <a:t>What if we want </a:t>
-            </a:r>
-            <a:r>
-              <a:rPr lang="en-CA" dirty="0" smtClean="0"/>
-              <a:t>both </a:t>
+              <a:t>What if we want both </a:t>
             </a:r>
             <a:r>
               <a:rPr lang="en-CA" b="1" dirty="0" smtClean="0"/>
@@ -29801,15 +29763,7 @@
             </a:r>
             <a:r>
               <a:rPr lang="en-CA" dirty="0" smtClean="0"/>
-              <a:t> </a:t>
-            </a:r>
-            <a:r>
-              <a:rPr lang="en-CA" dirty="0" smtClean="0"/>
-              <a:t>in </a:t>
-            </a:r>
-            <a:r>
-              <a:rPr lang="en-CA" dirty="0" smtClean="0"/>
-              <a:t>MF?</a:t>
+              <a:t> in MF?</a:t>
             </a:r>
           </a:p>
           <a:p>
@@ -30883,8 +30837,8 @@
           </a:p>
         </p:txBody>
       </p:sp>
-      <mc:AlternateContent xmlns:mc="http://schemas.openxmlformats.org/markup-compatibility/2006">
-        <mc:Choice xmlns:a14="http://schemas.microsoft.com/office/drawing/2010/main" Requires="a14">
+      <mc:AlternateContent xmlns:mc="http://schemas.openxmlformats.org/markup-compatibility/2006" xmlns:a14="http://schemas.microsoft.com/office/drawing/2010/main">
+        <mc:Choice Requires="a14">
           <p:sp>
             <p:nvSpPr>
               <p:cNvPr id="3" name="Content Placeholder 2"/>
@@ -31523,7 +31477,6 @@
                   <a:rPr lang="en-CA" sz="2700" dirty="0" smtClean="0"/>
                   <a:t>full deterministic gradient</a:t>
                 </a:r>
-                <a:endParaRPr lang="en-CA" sz="2700" dirty="0" smtClean="0"/>
               </a:p>
               <a:p>
                 <a:pPr marL="914400" lvl="1" indent="-514350">
@@ -32061,7 +32014,7 @@
             </p:txBody>
           </p:sp>
         </mc:Choice>
-        <mc:Fallback>
+        <mc:Fallback xmlns="">
           <p:sp>
             <p:nvSpPr>
               <p:cNvPr id="3" name="Content Placeholder 2"/>
@@ -35047,11 +35000,11 @@
   <p:clrMapOvr>
     <a:masterClrMapping/>
   </p:clrMapOvr>
-  <mc:AlternateContent xmlns:mc="http://schemas.openxmlformats.org/markup-compatibility/2006">
-    <mc:Choice xmlns:p14="http://schemas.microsoft.com/office/powerpoint/2010/main" Requires="p14">
+  <mc:AlternateContent xmlns:mc="http://schemas.openxmlformats.org/markup-compatibility/2006" xmlns:p14="http://schemas.microsoft.com/office/powerpoint/2010/main">
+    <mc:Choice Requires="p14">
       <p:transition spd="slow" p14:dur="2000"/>
     </mc:Choice>
-    <mc:Fallback>
+    <mc:Fallback xmlns="">
       <p:transition spd="slow"/>
     </mc:Fallback>
   </mc:AlternateContent>
@@ -36320,15 +36273,15 @@
               <a:p>
                 <a:r>
                   <a:rPr lang="en-CA" sz="2700" dirty="0" smtClean="0"/>
-                  <a:t>Approx. accuracy is better with Full Gradient at 1</a:t>
-                </a:r>
-                <a:r>
-                  <a:rPr lang="en-CA" sz="2700" baseline="30000" dirty="0" smtClean="0"/>
-                  <a:t>st</a:t>
+                  <a:t>Cold start </a:t>
+                </a:r>
+                <a:r>
+                  <a:rPr lang="en-CA" sz="2700" smtClean="0"/>
+                  <a:t>(SAG) is </a:t>
                 </a:r>
                 <a:r>
                   <a:rPr lang="en-CA" sz="2700" dirty="0" smtClean="0"/>
-                  <a:t> iteration</a:t>
+                  <a:t>not as good as warm start (SAG-MF)</a:t>
                 </a:r>
               </a:p>
               <a:p>
@@ -36361,7 +36314,7 @@
               <a:blipFill rotWithShape="0">
                 <a:blip r:embed="rId2"/>
                 <a:stretch>
-                  <a:fillRect l="-1704" t="-1617" b="-1887"/>
+                  <a:fillRect l="-1704" t="-1617"/>
                 </a:stretch>
               </a:blipFill>
             </p:spPr>
@@ -36460,11 +36413,11 @@
   <p:clrMapOvr>
     <a:masterClrMapping/>
   </p:clrMapOvr>
-  <mc:AlternateContent xmlns:mc="http://schemas.openxmlformats.org/markup-compatibility/2006">
-    <mc:Choice xmlns:p14="http://schemas.microsoft.com/office/powerpoint/2010/main" Requires="p14">
+  <mc:AlternateContent xmlns:mc="http://schemas.openxmlformats.org/markup-compatibility/2006" xmlns:p14="http://schemas.microsoft.com/office/powerpoint/2010/main">
+    <mc:Choice Requires="p14">
       <p:transition spd="slow" p14:dur="2000"/>
     </mc:Choice>
-    <mc:Fallback>
+    <mc:Fallback xmlns="">
       <p:transition spd="slow"/>
     </mc:Fallback>
   </mc:AlternateContent>
@@ -40756,11 +40709,7 @@
             </a:r>
             <a:r>
               <a:rPr lang="en-CA" dirty="0" smtClean="0"/>
-              <a:t>incremental </a:t>
-            </a:r>
-            <a:r>
-              <a:rPr lang="en-CA" dirty="0" smtClean="0"/>
-              <a:t>iteration yields </a:t>
+              <a:t>incremental iteration yields </a:t>
             </a:r>
             <a:r>
               <a:rPr lang="en-CA" dirty="0"/>
@@ -40768,11 +40717,7 @@
             </a:r>
             <a:r>
               <a:rPr lang="en-CA" dirty="0" smtClean="0"/>
-              <a:t>better </a:t>
-            </a:r>
-            <a:r>
-              <a:rPr lang="en-CA" dirty="0" smtClean="0"/>
-              <a:t>approximation than previous iteration.</a:t>
+              <a:t>better approximation than previous iteration.</a:t>
             </a:r>
             <a:endParaRPr lang="en-CA" dirty="0"/>
           </a:p>
@@ -40858,33 +40803,20 @@
             </a:r>
             <a:r>
               <a:rPr lang="en-CA" dirty="0" smtClean="0"/>
-              <a:t>both SG@5000 and </a:t>
-            </a:r>
+              <a:t>both SG@5000 and FG@500</a:t>
+            </a:r>
+            <a:endParaRPr lang="en-CA" dirty="0"/>
+          </a:p>
+          <a:p>
             <a:r>
               <a:rPr lang="en-CA" dirty="0" smtClean="0"/>
-              <a:t>FG@500</a:t>
-            </a:r>
-            <a:endParaRPr lang="en-CA" dirty="0"/>
+              <a:t>SG@5000 yielded similar or slightly better approx. than FG@500</a:t>
+            </a:r>
           </a:p>
           <a:p>
             <a:r>
               <a:rPr lang="en-CA" dirty="0" smtClean="0"/>
-              <a:t>SG@5000 yielded similar or slightly better approx. than </a:t>
-            </a:r>
-            <a:r>
-              <a:rPr lang="en-CA" dirty="0" smtClean="0"/>
-              <a:t>FG@500</a:t>
-            </a:r>
-            <a:endParaRPr lang="en-CA" dirty="0" smtClean="0"/>
-          </a:p>
-          <a:p>
-            <a:r>
-              <a:rPr lang="en-CA" dirty="0" smtClean="0"/>
-              <a:t>Both SG and SAG are faster and better than </a:t>
-            </a:r>
-            <a:r>
-              <a:rPr lang="en-CA" dirty="0" smtClean="0"/>
-              <a:t>FG</a:t>
+              <a:t>Both SG and SAG are faster and better than FG</a:t>
             </a:r>
           </a:p>
         </p:txBody>
@@ -42706,8 +42638,8 @@
           </a:p>
         </p:txBody>
       </p:sp>
-      <mc:AlternateContent xmlns:mc="http://schemas.openxmlformats.org/markup-compatibility/2006">
-        <mc:Choice xmlns:a14="http://schemas.microsoft.com/office/drawing/2010/main" Requires="a14">
+      <mc:AlternateContent xmlns:mc="http://schemas.openxmlformats.org/markup-compatibility/2006" xmlns:a14="http://schemas.microsoft.com/office/drawing/2010/main">
+        <mc:Choice Requires="a14">
           <p:sp>
             <p:nvSpPr>
               <p:cNvPr id="3" name="Content Placeholder 2"/>
@@ -42771,17 +42703,8 @@
                 </a:r>
                 <a:r>
                   <a:rPr lang="en-CA" sz="2800" dirty="0" smtClean="0"/>
-                  <a:t>recommendations: Better </a:t>
-                </a:r>
-                <a:r>
-                  <a:rPr lang="en-CA" sz="2800" dirty="0" smtClean="0"/>
-                  <a:t>objective function vs. better convergence vs. better hyper-parameter </a:t>
-                </a:r>
-                <a:r>
-                  <a:rPr lang="en-CA" sz="2800" dirty="0" smtClean="0"/>
-                  <a:t>selection?</a:t>
-                </a:r>
-                <a:endParaRPr lang="en-CA" sz="2800" dirty="0" smtClean="0"/>
+                  <a:t>recommendations: Better objective function vs. better convergence vs. better hyper-parameter selection?</a:t>
+                </a:r>
               </a:p>
               <a:p>
                 <a:pPr marL="514350" indent="-514350">
@@ -43054,7 +42977,7 @@
             </p:txBody>
           </p:sp>
         </mc:Choice>
-        <mc:Fallback>
+        <mc:Fallback xmlns="">
           <p:sp>
             <p:nvSpPr>
               <p:cNvPr id="3" name="Content Placeholder 2"/>
@@ -44148,11 +44071,11 @@
   <p:clrMapOvr>
     <a:masterClrMapping/>
   </p:clrMapOvr>
-  <mc:AlternateContent xmlns:mc="http://schemas.openxmlformats.org/markup-compatibility/2006">
-    <mc:Choice xmlns:p14="http://schemas.microsoft.com/office/powerpoint/2010/main" Requires="p14">
+  <mc:AlternateContent xmlns:mc="http://schemas.openxmlformats.org/markup-compatibility/2006" xmlns:p14="http://schemas.microsoft.com/office/powerpoint/2010/main">
+    <mc:Choice Requires="p14">
       <p:transition spd="slow" p14:dur="2000"/>
     </mc:Choice>
-    <mc:Fallback>
+    <mc:Fallback xmlns="">
       <p:transition spd="slow"/>
     </mc:Fallback>
   </mc:AlternateContent>
@@ -44395,11 +44318,11 @@
   <p:clrMapOvr>
     <a:masterClrMapping/>
   </p:clrMapOvr>
-  <mc:AlternateContent xmlns:mc="http://schemas.openxmlformats.org/markup-compatibility/2006">
-    <mc:Choice xmlns:p14="http://schemas.microsoft.com/office/powerpoint/2010/main" Requires="p14">
+  <mc:AlternateContent xmlns:mc="http://schemas.openxmlformats.org/markup-compatibility/2006" xmlns:p14="http://schemas.microsoft.com/office/powerpoint/2010/main">
+    <mc:Choice Requires="p14">
       <p:transition spd="slow" p14:dur="2000"/>
     </mc:Choice>
-    <mc:Fallback>
+    <mc:Fallback xmlns="">
       <p:transition spd="slow"/>
     </mc:Fallback>
   </mc:AlternateContent>
@@ -44493,19 +44416,7 @@
             </a:pPr>
             <a:r>
               <a:rPr lang="en-US" sz="2800" dirty="0" smtClean="0"/>
-              <a:t>Extend </a:t>
-            </a:r>
-            <a:r>
-              <a:rPr lang="en-US" sz="2800" dirty="0" smtClean="0"/>
-              <a:t>SAG, </a:t>
-            </a:r>
-            <a:r>
-              <a:rPr lang="en-US" sz="2800" dirty="0" smtClean="0"/>
-              <a:t>design </a:t>
-            </a:r>
-            <a:r>
-              <a:rPr lang="en-US" sz="2800" dirty="0" smtClean="0"/>
-              <a:t>the SAG-MF algorithm for faster, better convergence in Matrix Factorization</a:t>
+              <a:t>Extend SAG, design the SAG-MF algorithm for faster, better convergence in Matrix Factorization</a:t>
             </a:r>
           </a:p>
           <a:p>
@@ -44518,23 +44429,7 @@
             </a:pPr>
             <a:r>
               <a:rPr lang="en-US" sz="2800" dirty="0" smtClean="0"/>
-              <a:t>Extensively </a:t>
-            </a:r>
-            <a:r>
-              <a:rPr lang="en-US" sz="2800" dirty="0" smtClean="0"/>
-              <a:t>evaluate </a:t>
-            </a:r>
-            <a:r>
-              <a:rPr lang="en-US" sz="2800" dirty="0" smtClean="0"/>
-              <a:t>and </a:t>
-            </a:r>
-            <a:r>
-              <a:rPr lang="en-US" sz="2800" dirty="0" smtClean="0"/>
-              <a:t>compare </a:t>
-            </a:r>
-            <a:r>
-              <a:rPr lang="en-US" sz="2800" dirty="0" smtClean="0"/>
-              <a:t>SAG-MF across multiple objective functions and datasets</a:t>
+              <a:t>Extensively evaluate and compare SAG-MF across multiple objective functions and datasets</a:t>
             </a:r>
           </a:p>
           <a:p>
@@ -44547,33 +44442,8 @@
             </a:pPr>
             <a:r>
               <a:rPr lang="en-US" sz="2800" dirty="0" smtClean="0"/>
-              <a:t>Demonstrate </a:t>
-            </a:r>
-            <a:r>
-              <a:rPr lang="en-US" sz="2800" dirty="0" smtClean="0"/>
-              <a:t>that SAG-MF can yield </a:t>
-            </a:r>
-            <a:r>
-              <a:rPr lang="en-US" sz="2800" dirty="0" smtClean="0"/>
-              <a:t>faster, better </a:t>
-            </a:r>
-            <a:r>
-              <a:rPr lang="en-US" sz="2800" dirty="0" smtClean="0"/>
-              <a:t>convergence… while memory usage is similar to </a:t>
-            </a:r>
-            <a:r>
-              <a:rPr lang="en-US" sz="2800" dirty="0" smtClean="0"/>
-              <a:t>Full Deterministic </a:t>
-            </a:r>
-            <a:r>
-              <a:rPr lang="en-US" sz="2800" dirty="0" smtClean="0"/>
-              <a:t>and Stochastic </a:t>
-            </a:r>
-            <a:r>
-              <a:rPr lang="en-US" sz="2800" dirty="0" smtClean="0"/>
-              <a:t>gradient.</a:t>
-            </a:r>
-            <a:endParaRPr lang="en-US" sz="2800" dirty="0" smtClean="0"/>
+              <a:t>Demonstrate that SAG-MF can yield faster, better convergence… while memory usage is similar to Full Deterministic and Stochastic gradient.</a:t>
+            </a:r>
           </a:p>
         </p:txBody>
       </p:sp>

--- a/cs534L-SAGmf.pptx
+++ b/cs534L-SAGmf.pptx
@@ -1363,6 +1363,10 @@
           <a:bodyPr/>
           <a:lstStyle/>
           <a:p>
+            <a:r>
+              <a:rPr lang="en-CA" dirty="0" smtClean="0"/>
+              <a:t>Justify why these objective functions are chosen.</a:t>
+            </a:r>
             <a:endParaRPr lang="en-CA" dirty="0"/>
           </a:p>
         </p:txBody>
@@ -2532,6 +2536,174 @@
 </p:notes>
 </file>
 
+<file path=ppt/notesSlides/notesSlide28.xml><?xml version="1.0" encoding="utf-8"?>
+<p:notes xmlns:a="http://schemas.openxmlformats.org/drawingml/2006/main" xmlns:r="http://schemas.openxmlformats.org/officeDocument/2006/relationships" xmlns:p="http://schemas.openxmlformats.org/presentationml/2006/main">
+  <p:cSld>
+    <p:spTree>
+      <p:nvGrpSpPr>
+        <p:cNvPr id="1" name=""/>
+        <p:cNvGrpSpPr/>
+        <p:nvPr/>
+      </p:nvGrpSpPr>
+      <p:grpSpPr>
+        <a:xfrm>
+          <a:off x="0" y="0"/>
+          <a:ext cx="0" cy="0"/>
+          <a:chOff x="0" y="0"/>
+          <a:chExt cx="0" cy="0"/>
+        </a:xfrm>
+      </p:grpSpPr>
+      <p:sp>
+        <p:nvSpPr>
+          <p:cNvPr id="2" name="Slide Image Placeholder 1"/>
+          <p:cNvSpPr>
+            <a:spLocks noGrp="1" noRot="1" noChangeAspect="1"/>
+          </p:cNvSpPr>
+          <p:nvPr>
+            <p:ph type="sldImg"/>
+          </p:nvPr>
+        </p:nvSpPr>
+        <p:spPr/>
+      </p:sp>
+      <p:sp>
+        <p:nvSpPr>
+          <p:cNvPr id="3" name="Notes Placeholder 2"/>
+          <p:cNvSpPr>
+            <a:spLocks noGrp="1"/>
+          </p:cNvSpPr>
+          <p:nvPr>
+            <p:ph type="body" idx="1"/>
+          </p:nvPr>
+        </p:nvSpPr>
+        <p:spPr/>
+        <p:txBody>
+          <a:bodyPr/>
+          <a:lstStyle/>
+          <a:p>
+            <a:endParaRPr lang="en-CA" dirty="0"/>
+          </a:p>
+        </p:txBody>
+      </p:sp>
+      <p:sp>
+        <p:nvSpPr>
+          <p:cNvPr id="4" name="Slide Number Placeholder 3"/>
+          <p:cNvSpPr>
+            <a:spLocks noGrp="1"/>
+          </p:cNvSpPr>
+          <p:nvPr>
+            <p:ph type="sldNum" sz="quarter" idx="10"/>
+          </p:nvPr>
+        </p:nvSpPr>
+        <p:spPr/>
+        <p:txBody>
+          <a:bodyPr/>
+          <a:lstStyle/>
+          <a:p>
+            <a:fld id="{EA5C61F1-C4D7-4183-9419-26D6C7EA246C}" type="slidenum">
+              <a:rPr lang="en-US" smtClean="0"/>
+              <a:t>56</a:t>
+            </a:fld>
+            <a:endParaRPr lang="en-US"/>
+          </a:p>
+        </p:txBody>
+      </p:sp>
+    </p:spTree>
+    <p:extLst>
+      <p:ext uri="{BB962C8B-B14F-4D97-AF65-F5344CB8AC3E}">
+        <p14:creationId xmlns:p14="http://schemas.microsoft.com/office/powerpoint/2010/main" val="3466805603"/>
+      </p:ext>
+    </p:extLst>
+  </p:cSld>
+  <p:clrMapOvr>
+    <a:masterClrMapping/>
+  </p:clrMapOvr>
+</p:notes>
+</file>
+
+<file path=ppt/notesSlides/notesSlide29.xml><?xml version="1.0" encoding="utf-8"?>
+<p:notes xmlns:a="http://schemas.openxmlformats.org/drawingml/2006/main" xmlns:r="http://schemas.openxmlformats.org/officeDocument/2006/relationships" xmlns:p="http://schemas.openxmlformats.org/presentationml/2006/main">
+  <p:cSld>
+    <p:spTree>
+      <p:nvGrpSpPr>
+        <p:cNvPr id="1" name=""/>
+        <p:cNvGrpSpPr/>
+        <p:nvPr/>
+      </p:nvGrpSpPr>
+      <p:grpSpPr>
+        <a:xfrm>
+          <a:off x="0" y="0"/>
+          <a:ext cx="0" cy="0"/>
+          <a:chOff x="0" y="0"/>
+          <a:chExt cx="0" cy="0"/>
+        </a:xfrm>
+      </p:grpSpPr>
+      <p:sp>
+        <p:nvSpPr>
+          <p:cNvPr id="2" name="Slide Image Placeholder 1"/>
+          <p:cNvSpPr>
+            <a:spLocks noGrp="1" noRot="1" noChangeAspect="1"/>
+          </p:cNvSpPr>
+          <p:nvPr>
+            <p:ph type="sldImg"/>
+          </p:nvPr>
+        </p:nvSpPr>
+        <p:spPr/>
+      </p:sp>
+      <p:sp>
+        <p:nvSpPr>
+          <p:cNvPr id="3" name="Notes Placeholder 2"/>
+          <p:cNvSpPr>
+            <a:spLocks noGrp="1"/>
+          </p:cNvSpPr>
+          <p:nvPr>
+            <p:ph type="body" idx="1"/>
+          </p:nvPr>
+        </p:nvSpPr>
+        <p:spPr/>
+        <p:txBody>
+          <a:bodyPr/>
+          <a:lstStyle/>
+          <a:p>
+            <a:endParaRPr lang="en-CA" dirty="0"/>
+          </a:p>
+        </p:txBody>
+      </p:sp>
+      <p:sp>
+        <p:nvSpPr>
+          <p:cNvPr id="4" name="Slide Number Placeholder 3"/>
+          <p:cNvSpPr>
+            <a:spLocks noGrp="1"/>
+          </p:cNvSpPr>
+          <p:nvPr>
+            <p:ph type="sldNum" sz="quarter" idx="10"/>
+          </p:nvPr>
+        </p:nvSpPr>
+        <p:spPr/>
+        <p:txBody>
+          <a:bodyPr/>
+          <a:lstStyle/>
+          <a:p>
+            <a:fld id="{EA5C61F1-C4D7-4183-9419-26D6C7EA246C}" type="slidenum">
+              <a:rPr lang="en-US" smtClean="0"/>
+              <a:t>59</a:t>
+            </a:fld>
+            <a:endParaRPr lang="en-US"/>
+          </a:p>
+        </p:txBody>
+      </p:sp>
+    </p:spTree>
+    <p:extLst>
+      <p:ext uri="{BB962C8B-B14F-4D97-AF65-F5344CB8AC3E}">
+        <p14:creationId xmlns:p14="http://schemas.microsoft.com/office/powerpoint/2010/main" val="1441265553"/>
+      </p:ext>
+    </p:extLst>
+  </p:cSld>
+  <p:clrMapOvr>
+    <a:masterClrMapping/>
+  </p:clrMapOvr>
+</p:notes>
+</file>
+
 <file path=ppt/notesSlides/notesSlide3.xml><?xml version="1.0" encoding="utf-8"?>
 <p:notes xmlns:a="http://schemas.openxmlformats.org/drawingml/2006/main" xmlns:r="http://schemas.openxmlformats.org/officeDocument/2006/relationships" xmlns:p="http://schemas.openxmlformats.org/presentationml/2006/main">
   <p:cSld>
@@ -2758,6 +2930,14 @@
           <a:bodyPr/>
           <a:lstStyle/>
           <a:p>
+            <a:r>
+              <a:rPr lang="en-CA" dirty="0" smtClean="0"/>
+              <a:t>Datasets</a:t>
+            </a:r>
+            <a:r>
+              <a:rPr lang="en-CA" baseline="0" dirty="0" smtClean="0"/>
+              <a:t> are updating</a:t>
+            </a:r>
             <a:endParaRPr lang="en-CA" dirty="0"/>
           </a:p>
         </p:txBody>
@@ -30741,6 +30921,13 @@
       <p:transition spd="slow"/>
     </mc:Fallback>
   </mc:AlternateContent>
+  <p:timing>
+    <p:tnLst>
+      <p:par>
+        <p:cTn id="1" dur="indefinite" restart="never" nodeType="tmRoot"/>
+      </p:par>
+    </p:tnLst>
+  </p:timing>
 </p:sld>
 </file>
 
@@ -34016,7 +34203,7 @@
 </file>
 
 <file path=ppt/slides/slide35.xml><?xml version="1.0" encoding="utf-8"?>
-<p:sld xmlns:a="http://schemas.openxmlformats.org/drawingml/2006/main" xmlns:r="http://schemas.openxmlformats.org/officeDocument/2006/relationships" xmlns:p="http://schemas.openxmlformats.org/presentationml/2006/main">
+<p:sld xmlns:a="http://schemas.openxmlformats.org/drawingml/2006/main" xmlns:r="http://schemas.openxmlformats.org/officeDocument/2006/relationships" xmlns:p="http://schemas.openxmlformats.org/presentationml/2006/main" show="0">
   <p:cSld>
     <p:spTree>
       <p:nvGrpSpPr>
@@ -35393,7 +35580,7 @@
 </file>
 
 <file path=ppt/slides/slide37.xml><?xml version="1.0" encoding="utf-8"?>
-<p:sld xmlns:a="http://schemas.openxmlformats.org/drawingml/2006/main" xmlns:r="http://schemas.openxmlformats.org/officeDocument/2006/relationships" xmlns:p="http://schemas.openxmlformats.org/presentationml/2006/main">
+<p:sld xmlns:a="http://schemas.openxmlformats.org/drawingml/2006/main" xmlns:r="http://schemas.openxmlformats.org/officeDocument/2006/relationships" xmlns:p="http://schemas.openxmlformats.org/presentationml/2006/main" show="0">
   <p:cSld>
     <p:spTree>
       <p:nvGrpSpPr>
@@ -36460,12 +36647,22 @@
         </p:nvSpPr>
         <p:spPr/>
         <p:txBody>
-          <a:bodyPr/>
+          <a:bodyPr>
+            <a:normAutofit fontScale="90000"/>
+          </a:bodyPr>
           <a:lstStyle/>
           <a:p>
             <a:r>
               <a:rPr lang="en-CA" dirty="0" smtClean="0"/>
-              <a:t>Summary: Total Space Complexity</a:t>
+              <a:t>Summary: </a:t>
+            </a:r>
+            <a:r>
+              <a:rPr lang="en-CA" dirty="0" smtClean="0"/>
+              <a:t>Time &amp; </a:t>
+            </a:r>
+            <a:r>
+              <a:rPr lang="en-CA" dirty="0" smtClean="0"/>
+              <a:t>Space Complexity</a:t>
             </a:r>
             <a:endParaRPr lang="en-CA" dirty="0"/>
           </a:p>
@@ -37447,12 +37644,22 @@
         </p:nvSpPr>
         <p:spPr/>
         <p:txBody>
-          <a:bodyPr/>
+          <a:bodyPr>
+            <a:normAutofit fontScale="90000"/>
+          </a:bodyPr>
           <a:lstStyle/>
           <a:p>
             <a:r>
               <a:rPr lang="en-CA" dirty="0" smtClean="0"/>
-              <a:t>Summary: Total Space Complexity</a:t>
+              <a:t>Summary: </a:t>
+            </a:r>
+            <a:r>
+              <a:rPr lang="en-CA" dirty="0" smtClean="0"/>
+              <a:t>Time &amp; Space </a:t>
+            </a:r>
+            <a:r>
+              <a:rPr lang="en-CA" dirty="0" smtClean="0"/>
+              <a:t>Complexity</a:t>
             </a:r>
             <a:endParaRPr lang="en-CA" dirty="0"/>
           </a:p>
@@ -38965,7 +39172,7 @@
         </p:blipFill>
         <p:spPr>
           <a:xfrm>
-            <a:off x="-36512" y="-27384"/>
+            <a:off x="-36512" y="-747464"/>
             <a:ext cx="9180512" cy="6916824"/>
           </a:xfrm>
           <a:prstGeom prst="rect">
@@ -41674,6 +41881,13 @@
   <p:clrMapOvr>
     <a:masterClrMapping/>
   </p:clrMapOvr>
+  <p:timing>
+    <p:tnLst>
+      <p:par>
+        <p:cTn id="1" dur="indefinite" restart="never" nodeType="tmRoot"/>
+      </p:par>
+    </p:tnLst>
+  </p:timing>
 </p:sld>
 </file>
 
@@ -42588,6 +42802,14 @@
   <p:clrMapOvr>
     <a:masterClrMapping/>
   </p:clrMapOvr>
+  <mc:AlternateContent xmlns:mc="http://schemas.openxmlformats.org/markup-compatibility/2006">
+    <mc:Choice xmlns:p14="http://schemas.microsoft.com/office/powerpoint/2010/main" Requires="p14">
+      <p:transition spd="slow" p14:dur="2000"/>
+    </mc:Choice>
+    <mc:Fallback>
+      <p:transition spd="slow"/>
+    </mc:Fallback>
+  </mc:AlternateContent>
   <p:timing>
     <p:tnLst>
       <p:par>
@@ -42650,7 +42872,9 @@
                 <p:ph idx="1"/>
               </p:nvPr>
             </p:nvSpPr>
-            <p:spPr/>
+            <p:spPr>
+              <a:noFill/>
+            </p:spPr>
             <p:txBody>
               <a:bodyPr>
                 <a:normAutofit fontScale="92500" lnSpcReduction="20000"/>
@@ -42694,15 +42918,15 @@
                   <a:buAutoNum type="arabicPeriod"/>
                 </a:pPr>
                 <a:r>
-                  <a:rPr lang="en-CA" sz="2800" dirty="0" smtClean="0"/>
+                  <a:rPr lang="en-CA" sz="2800" u="sng" dirty="0" smtClean="0"/>
                   <a:t>Which </a:t>
                 </a:r>
                 <a:r>
-                  <a:rPr lang="en-CA" sz="2800" dirty="0"/>
+                  <a:rPr lang="en-CA" sz="2800" u="sng" dirty="0"/>
                   <a:t>yields higher quality </a:t>
                 </a:r>
                 <a:r>
-                  <a:rPr lang="en-CA" sz="2800" dirty="0" smtClean="0"/>
+                  <a:rPr lang="en-CA" sz="2800" u="sng" dirty="0" smtClean="0"/>
                   <a:t>recommendations: Better objective function vs. better convergence vs. better hyper-parameter selection?</a:t>
                 </a:r>
               </a:p>
@@ -42733,7 +42957,15 @@
                 </a:pPr>
                 <a:r>
                   <a:rPr lang="en-CA" sz="2800" dirty="0" smtClean="0"/>
-                  <a:t>SAG-MF knows the indices ahead, can we store </a:t>
+                  <a:t>SAG-MF knows the indices </a:t>
+                </a:r>
+                <a:r>
+                  <a:rPr lang="en-CA" sz="2800" dirty="0"/>
+                  <a:t>ahead</a:t>
+                </a:r>
+                <a:r>
+                  <a:rPr lang="en-CA" sz="2800" dirty="0" smtClean="0"/>
+                  <a:t>, can we store </a:t>
                 </a:r>
                 <a14:m>
                   <m:oMath xmlns:m="http://schemas.openxmlformats.org/officeDocument/2006/math">
@@ -43411,6 +43643,14 @@
   <p:clrMapOvr>
     <a:masterClrMapping/>
   </p:clrMapOvr>
+  <mc:AlternateContent xmlns:mc="http://schemas.openxmlformats.org/markup-compatibility/2006">
+    <mc:Choice xmlns:p14="http://schemas.microsoft.com/office/powerpoint/2010/main" Requires="p14">
+      <p:transition spd="slow" p14:dur="2000"/>
+    </mc:Choice>
+    <mc:Fallback>
+      <p:transition spd="slow"/>
+    </mc:Fallback>
+  </mc:AlternateContent>
   <p:timing>
     <p:tnLst>
       <p:par>
@@ -43618,7 +43858,7 @@
 </file>
 
 <file path=ppt/slides/slide54.xml><?xml version="1.0" encoding="utf-8"?>
-<p:sld xmlns:a="http://schemas.openxmlformats.org/drawingml/2006/main" xmlns:r="http://schemas.openxmlformats.org/officeDocument/2006/relationships" xmlns:p="http://schemas.openxmlformats.org/presentationml/2006/main" show="0">
+<p:sld xmlns:a="http://schemas.openxmlformats.org/drawingml/2006/main" xmlns:r="http://schemas.openxmlformats.org/officeDocument/2006/relationships" xmlns:p="http://schemas.openxmlformats.org/presentationml/2006/main">
   <p:cSld>
     <p:spTree>
       <p:nvGrpSpPr>
@@ -45180,7 +45420,7 @@
             </a:pPr>
             <a:r>
               <a:rPr lang="en-CA" dirty="0" smtClean="0"/>
-              <a:t>Even with re-computing, SAG-MF is still faster/better than both Full Deterministic (FG) and Stochastic Gradient (SG).</a:t>
+              <a:t>Even with re-computing, SAG-MF is still faster, better than both Full Deterministic (FG) and Stochastic Gradient (SG).</a:t>
             </a:r>
             <a:endParaRPr lang="en-CA" dirty="0"/>
           </a:p>
@@ -45266,6 +45506,13 @@
   <p:clrMapOvr>
     <a:masterClrMapping/>
   </p:clrMapOvr>
+  <p:timing>
+    <p:tnLst>
+      <p:par>
+        <p:cTn id="1" dur="indefinite" restart="never" nodeType="tmRoot"/>
+      </p:par>
+    </p:tnLst>
+  </p:timing>
 </p:sld>
 </file>
 
@@ -45591,6 +45838,13 @@
   <p:clrMapOvr>
     <a:masterClrMapping/>
   </p:clrMapOvr>
+  <p:timing>
+    <p:tnLst>
+      <p:par>
+        <p:cTn id="1" dur="indefinite" restart="never" nodeType="tmRoot"/>
+      </p:par>
+    </p:tnLst>
+  </p:timing>
 </p:sld>
 </file>
 

--- a/cs534L-SAGmf.pptx
+++ b/cs534L-SAGmf.pptx
@@ -375,7 +375,7 @@
           <a:p>
             <a:fld id="{2A931F9A-C6D5-4EB2-9441-7E80231123F5}" type="datetimeFigureOut">
               <a:rPr lang="en-US" smtClean="0"/>
-              <a:t>12/16/2014</a:t>
+              <a:t>12/17/2014</a:t>
             </a:fld>
             <a:endParaRPr lang="en-US"/>
           </a:p>
@@ -3495,7 +3495,7 @@
           <a:p>
             <a:fld id="{DF492EC1-EEE0-449A-809A-6F4F5093FCCA}" type="datetime1">
               <a:rPr lang="en-US" smtClean="0"/>
-              <a:t>12/16/2014</a:t>
+              <a:t>12/17/2014</a:t>
             </a:fld>
             <a:endParaRPr lang="en-US"/>
           </a:p>
@@ -3669,7 +3669,7 @@
           <a:p>
             <a:fld id="{EA1158E1-82B7-442E-A2BA-1724CA133B48}" type="datetime1">
               <a:rPr lang="en-US" smtClean="0"/>
-              <a:t>12/16/2014</a:t>
+              <a:t>12/17/2014</a:t>
             </a:fld>
             <a:endParaRPr lang="en-US"/>
           </a:p>
@@ -3853,7 +3853,7 @@
           <a:p>
             <a:fld id="{D04766DE-4A9F-49C5-92E4-2BE7503D5CAE}" type="datetime1">
               <a:rPr lang="en-US" smtClean="0"/>
-              <a:t>12/16/2014</a:t>
+              <a:t>12/17/2014</a:t>
             </a:fld>
             <a:endParaRPr lang="en-US"/>
           </a:p>
@@ -4027,7 +4027,7 @@
           <a:p>
             <a:fld id="{0E9411E9-9145-4168-929E-407C4A1C0F93}" type="datetime1">
               <a:rPr lang="en-US" smtClean="0"/>
-              <a:t>12/16/2014</a:t>
+              <a:t>12/17/2014</a:t>
             </a:fld>
             <a:endParaRPr lang="en-US"/>
           </a:p>
@@ -4282,7 +4282,7 @@
           <a:p>
             <a:fld id="{26866823-3CA7-41AF-9FCD-78AAF7D68015}" type="datetime1">
               <a:rPr lang="en-US" smtClean="0"/>
-              <a:t>12/16/2014</a:t>
+              <a:t>12/17/2014</a:t>
             </a:fld>
             <a:endParaRPr lang="en-US"/>
           </a:p>
@@ -4574,7 +4574,7 @@
           <a:p>
             <a:fld id="{F46CC9E4-F458-4DF9-A1A7-60AEE5B66F84}" type="datetime1">
               <a:rPr lang="en-US" smtClean="0"/>
-              <a:t>12/16/2014</a:t>
+              <a:t>12/17/2014</a:t>
             </a:fld>
             <a:endParaRPr lang="en-US"/>
           </a:p>
@@ -5000,7 +5000,7 @@
           <a:p>
             <a:fld id="{726D1808-46D7-4FD2-A7D3-54F1A9022A66}" type="datetime1">
               <a:rPr lang="en-US" smtClean="0"/>
-              <a:t>12/16/2014</a:t>
+              <a:t>12/17/2014</a:t>
             </a:fld>
             <a:endParaRPr lang="en-US"/>
           </a:p>
@@ -5122,7 +5122,7 @@
           <a:p>
             <a:fld id="{13366D53-ECF1-4A20-A256-58888B4D19F2}" type="datetime1">
               <a:rPr lang="en-US" smtClean="0"/>
-              <a:t>12/16/2014</a:t>
+              <a:t>12/17/2014</a:t>
             </a:fld>
             <a:endParaRPr lang="en-US"/>
           </a:p>
@@ -5221,7 +5221,7 @@
           <a:p>
             <a:fld id="{AD1F0192-46DC-414B-8DC6-25D44FB190B1}" type="datetime1">
               <a:rPr lang="en-US" smtClean="0"/>
-              <a:t>12/16/2014</a:t>
+              <a:t>12/17/2014</a:t>
             </a:fld>
             <a:endParaRPr lang="en-US"/>
           </a:p>
@@ -5502,7 +5502,7 @@
           <a:p>
             <a:fld id="{2233E2AF-1688-49B4-9494-CDDFF50A98ED}" type="datetime1">
               <a:rPr lang="en-US" smtClean="0"/>
-              <a:t>12/16/2014</a:t>
+              <a:t>12/17/2014</a:t>
             </a:fld>
             <a:endParaRPr lang="en-US"/>
           </a:p>
@@ -5759,7 +5759,7 @@
           <a:p>
             <a:fld id="{196CDEFC-E511-4EB4-A8DD-3F5550DC95AE}" type="datetime1">
               <a:rPr lang="en-US" smtClean="0"/>
-              <a:t>12/16/2014</a:t>
+              <a:t>12/17/2014</a:t>
             </a:fld>
             <a:endParaRPr lang="en-US"/>
           </a:p>
@@ -5976,7 +5976,7 @@
           <a:p>
             <a:fld id="{894A0710-4487-4A60-9640-C796AE7AFDB1}" type="datetime1">
               <a:rPr lang="en-US" smtClean="0"/>
-              <a:t>12/16/2014</a:t>
+              <a:t>12/17/2014</a:t>
             </a:fld>
             <a:endParaRPr lang="en-US"/>
           </a:p>
@@ -7928,7 +7928,7 @@
           <a:p>
             <a:fld id="{7A61B9E6-FE59-4A99-B2A5-E7F0116A092C}" type="datetime1">
               <a:rPr lang="en-US" smtClean="0"/>
-              <a:t>12/16/2014</a:t>
+              <a:t>12/17/2014</a:t>
             </a:fld>
             <a:endParaRPr lang="en-US"/>
           </a:p>
@@ -10026,7 +10026,7 @@
           <a:p>
             <a:fld id="{20C28C14-8B5E-4DD8-9548-84A45A28E12E}" type="datetime1">
               <a:rPr lang="en-US" smtClean="0"/>
-              <a:t>12/16/2014</a:t>
+              <a:t>12/17/2014</a:t>
             </a:fld>
             <a:endParaRPr lang="en-US"/>
           </a:p>
@@ -12334,7 +12334,7 @@
           <a:p>
             <a:fld id="{0DB794CF-6635-4524-BD03-E037C51538DF}" type="datetime1">
               <a:rPr lang="en-US" smtClean="0"/>
-              <a:t>12/16/2014</a:t>
+              <a:t>12/17/2014</a:t>
             </a:fld>
             <a:endParaRPr lang="en-US"/>
           </a:p>
@@ -13416,7 +13416,7 @@
           <a:p>
             <a:fld id="{5DED8440-E361-489C-9788-ECCCCF83B73A}" type="datetime1">
               <a:rPr lang="en-US" smtClean="0"/>
-              <a:t>12/16/2014</a:t>
+              <a:t>12/17/2014</a:t>
             </a:fld>
             <a:endParaRPr lang="en-US"/>
           </a:p>
@@ -14501,7 +14501,7 @@
           <a:p>
             <a:fld id="{FCCB8915-BABA-43C3-B348-D27F4B843CEC}" type="datetime1">
               <a:rPr lang="en-US" smtClean="0"/>
-              <a:t>12/16/2014</a:t>
+              <a:t>12/17/2014</a:t>
             </a:fld>
             <a:endParaRPr lang="en-US"/>
           </a:p>
@@ -15327,7 +15327,7 @@
           <a:p>
             <a:fld id="{99E698A7-28BD-4E1B-85C1-0FC6AA5A457D}" type="datetime1">
               <a:rPr lang="en-US" smtClean="0"/>
-              <a:t>12/16/2014</a:t>
+              <a:t>12/17/2014</a:t>
             </a:fld>
             <a:endParaRPr lang="en-US"/>
           </a:p>
@@ -15505,7 +15505,7 @@
           <a:p>
             <a:fld id="{D65DBC27-F2C9-47CE-AD90-C274EAA0EBBD}" type="datetime1">
               <a:rPr lang="en-US" smtClean="0"/>
-              <a:t>12/16/2014</a:t>
+              <a:t>12/17/2014</a:t>
             </a:fld>
             <a:endParaRPr lang="en-US"/>
           </a:p>
@@ -17801,7 +17801,7 @@
           <a:p>
             <a:fld id="{05942C22-6F12-4C4C-811E-3551C20778E3}" type="datetime1">
               <a:rPr lang="en-US" smtClean="0"/>
-              <a:t>12/16/2014</a:t>
+              <a:t>12/17/2014</a:t>
             </a:fld>
             <a:endParaRPr lang="en-US"/>
           </a:p>
@@ -19345,7 +19345,7 @@
           <a:p>
             <a:fld id="{14EF0C0C-4741-482E-B240-C6CA876008AF}" type="datetime1">
               <a:rPr lang="en-US" smtClean="0"/>
-              <a:t>12/16/2014</a:t>
+              <a:t>12/17/2014</a:t>
             </a:fld>
             <a:endParaRPr lang="en-US"/>
           </a:p>
@@ -19568,7 +19568,7 @@
           <a:p>
             <a:fld id="{C6622626-F3CF-4766-B866-EE4BF464B6F4}" type="datetime1">
               <a:rPr lang="en-US" smtClean="0"/>
-              <a:t>12/16/2014</a:t>
+              <a:t>12/17/2014</a:t>
             </a:fld>
             <a:endParaRPr lang="en-US"/>
           </a:p>
@@ -19768,7 +19768,7 @@
           <a:p>
             <a:fld id="{1EBFA097-BA54-4A20-AE80-8475FCFD0726}" type="datetime1">
               <a:rPr lang="en-US" smtClean="0"/>
-              <a:t>12/16/2014</a:t>
+              <a:t>12/17/2014</a:t>
             </a:fld>
             <a:endParaRPr lang="en-US"/>
           </a:p>
@@ -20218,7 +20218,7 @@
           <a:p>
             <a:fld id="{EDA68DC3-9BE5-4A66-AB58-E4E3F9AD6BBF}" type="datetime1">
               <a:rPr lang="en-US" smtClean="0"/>
-              <a:t>12/16/2014</a:t>
+              <a:t>12/17/2014</a:t>
             </a:fld>
             <a:endParaRPr lang="en-US"/>
           </a:p>
@@ -21643,7 +21643,7 @@
           <a:p>
             <a:fld id="{53FD3568-5C9A-4DF8-AA1B-9946C4E3D86E}" type="datetime1">
               <a:rPr lang="en-US" smtClean="0"/>
-              <a:t>12/16/2014</a:t>
+              <a:t>12/17/2014</a:t>
             </a:fld>
             <a:endParaRPr lang="en-US"/>
           </a:p>
@@ -21836,7 +21836,7 @@
           <a:p>
             <a:fld id="{C479E85E-A3BC-4483-ACAA-B66D91B5D02A}" type="datetime1">
               <a:rPr lang="en-US" smtClean="0"/>
-              <a:t>12/16/2014</a:t>
+              <a:t>12/17/2014</a:t>
             </a:fld>
             <a:endParaRPr lang="en-US"/>
           </a:p>
@@ -22032,7 +22032,7 @@
           <a:p>
             <a:fld id="{02F9A8D4-C19D-46E1-BD5D-1EBE3C721D42}" type="datetime1">
               <a:rPr lang="en-US" smtClean="0"/>
-              <a:t>12/16/2014</a:t>
+              <a:t>12/17/2014</a:t>
             </a:fld>
             <a:endParaRPr lang="en-US"/>
           </a:p>
@@ -22974,7 +22974,7 @@
           <a:p>
             <a:fld id="{4C1C6DA5-CC52-4D86-A1F9-FBC082D05027}" type="datetime1">
               <a:rPr lang="en-US" smtClean="0"/>
-              <a:t>12/16/2014</a:t>
+              <a:t>12/17/2014</a:t>
             </a:fld>
             <a:endParaRPr lang="en-US"/>
           </a:p>
@@ -24566,7 +24566,7 @@
           <a:p>
             <a:fld id="{F42875A4-E86A-4A62-8BAC-9C351A275554}" type="datetime1">
               <a:rPr lang="en-US" smtClean="0"/>
-              <a:t>12/16/2014</a:t>
+              <a:t>12/17/2014</a:t>
             </a:fld>
             <a:endParaRPr lang="en-US"/>
           </a:p>
@@ -26126,7 +26126,7 @@
           <a:p>
             <a:fld id="{4471327D-3123-4F10-B234-B3D641057774}" type="datetime1">
               <a:rPr lang="en-US" smtClean="0"/>
-              <a:t>12/16/2014</a:t>
+              <a:t>12/17/2014</a:t>
             </a:fld>
             <a:endParaRPr lang="en-US"/>
           </a:p>
@@ -26884,7 +26884,7 @@
           <a:p>
             <a:fld id="{770D8689-CBA1-4DA9-9155-C954A6C0F64E}" type="datetime1">
               <a:rPr lang="en-US" smtClean="0"/>
-              <a:t>12/16/2014</a:t>
+              <a:t>12/17/2014</a:t>
             </a:fld>
             <a:endParaRPr lang="en-US"/>
           </a:p>
@@ -27598,7 +27598,7 @@
           <a:p>
             <a:fld id="{5A540F47-EA3B-4028-964D-95CAA8E7E0E8}" type="datetime1">
               <a:rPr lang="en-US" smtClean="0"/>
-              <a:t>12/16/2014</a:t>
+              <a:t>12/17/2014</a:t>
             </a:fld>
             <a:endParaRPr lang="en-US"/>
           </a:p>
@@ -29242,7 +29242,7 @@
           <a:p>
             <a:fld id="{0E89C9AE-76F8-4426-B716-FA2CA7535C40}" type="datetime1">
               <a:rPr lang="en-US" smtClean="0"/>
-              <a:t>12/16/2014</a:t>
+              <a:t>12/17/2014</a:t>
             </a:fld>
             <a:endParaRPr lang="en-US"/>
           </a:p>
@@ -29971,7 +29971,7 @@
           <a:p>
             <a:fld id="{A798235E-B806-4F46-99CF-E2CD3E919450}" type="datetime1">
               <a:rPr lang="en-US" smtClean="0"/>
-              <a:t>12/16/2014</a:t>
+              <a:t>12/17/2014</a:t>
             </a:fld>
             <a:endParaRPr lang="en-US"/>
           </a:p>
@@ -30487,7 +30487,7 @@
           <a:p>
             <a:fld id="{25794A3B-A36C-4627-BD9A-12EB427433C0}" type="datetime1">
               <a:rPr lang="en-US" smtClean="0"/>
-              <a:t>12/16/2014</a:t>
+              <a:t>12/17/2014</a:t>
             </a:fld>
             <a:endParaRPr lang="en-US"/>
           </a:p>
@@ -30850,7 +30850,7 @@
           <a:p>
             <a:fld id="{DD230464-F284-4D03-A51E-B15453724E30}" type="datetime1">
               <a:rPr lang="en-US" smtClean="0"/>
-              <a:t>12/16/2014</a:t>
+              <a:t>12/17/2014</a:t>
             </a:fld>
             <a:endParaRPr lang="en-US"/>
           </a:p>
@@ -32256,7 +32256,7 @@
           <a:p>
             <a:fld id="{72A54D80-B52D-4D9F-A31B-9B93AD49F4A0}" type="datetime1">
               <a:rPr lang="en-US" smtClean="0"/>
-              <a:t>12/16/2014</a:t>
+              <a:t>12/17/2014</a:t>
             </a:fld>
             <a:endParaRPr lang="en-US"/>
           </a:p>
@@ -33094,7 +33094,7 @@
           <a:p>
             <a:fld id="{B11DCA0E-0E4A-44F4-A518-41810BDEDF2F}" type="datetime1">
               <a:rPr lang="en-US" smtClean="0"/>
-              <a:t>12/16/2014</a:t>
+              <a:t>12/17/2014</a:t>
             </a:fld>
             <a:endParaRPr lang="en-US"/>
           </a:p>
@@ -34130,7 +34130,7 @@
           <a:p>
             <a:fld id="{8EBE0CDF-C031-4C1B-86C9-9821DA7D7AA8}" type="datetime1">
               <a:rPr lang="en-US" smtClean="0"/>
-              <a:t>12/16/2014</a:t>
+              <a:t>12/17/2014</a:t>
             </a:fld>
             <a:endParaRPr lang="en-US"/>
           </a:p>
@@ -34591,7 +34591,7 @@
           <a:p>
             <a:fld id="{0FF19A64-DDC0-44D0-A19E-30F99823CD73}" type="datetime1">
               <a:rPr lang="en-US" smtClean="0"/>
-              <a:t>12/16/2014</a:t>
+              <a:t>12/17/2014</a:t>
             </a:fld>
             <a:endParaRPr lang="en-US"/>
           </a:p>
@@ -35124,7 +35124,7 @@
           <a:p>
             <a:fld id="{9DEB4A8C-4344-4047-969E-A4FED800E34A}" type="datetime1">
               <a:rPr lang="en-US" smtClean="0"/>
-              <a:t>12/16/2014</a:t>
+              <a:t>12/17/2014</a:t>
             </a:fld>
             <a:endParaRPr lang="en-US"/>
           </a:p>
@@ -36537,7 +36537,7 @@
           <a:p>
             <a:fld id="{E9B42E54-1F54-4156-8D0D-7A86AC01CCA7}" type="datetime1">
               <a:rPr lang="en-US" smtClean="0"/>
-              <a:t>12/16/2014</a:t>
+              <a:t>12/17/2014</a:t>
             </a:fld>
             <a:endParaRPr lang="en-US"/>
           </a:p>
@@ -36654,15 +36654,7 @@
           <a:p>
             <a:r>
               <a:rPr lang="en-CA" dirty="0" smtClean="0"/>
-              <a:t>Summary: </a:t>
-            </a:r>
-            <a:r>
-              <a:rPr lang="en-CA" dirty="0" smtClean="0"/>
-              <a:t>Time &amp; </a:t>
-            </a:r>
-            <a:r>
-              <a:rPr lang="en-CA" dirty="0" smtClean="0"/>
-              <a:t>Space Complexity</a:t>
+              <a:t>Summary: Time &amp; Space Complexity</a:t>
             </a:r>
             <a:endParaRPr lang="en-CA" dirty="0"/>
           </a:p>
@@ -37542,7 +37534,7 @@
           <a:p>
             <a:fld id="{9AEFE3DF-CDE2-4BDE-96BC-521291A77E37}" type="datetime1">
               <a:rPr lang="en-US" smtClean="0"/>
-              <a:t>12/16/2014</a:t>
+              <a:t>12/17/2014</a:t>
             </a:fld>
             <a:endParaRPr lang="en-US"/>
           </a:p>
@@ -37651,15 +37643,7 @@
           <a:p>
             <a:r>
               <a:rPr lang="en-CA" dirty="0" smtClean="0"/>
-              <a:t>Summary: </a:t>
-            </a:r>
-            <a:r>
-              <a:rPr lang="en-CA" dirty="0" smtClean="0"/>
-              <a:t>Time &amp; Space </a:t>
-            </a:r>
-            <a:r>
-              <a:rPr lang="en-CA" dirty="0" smtClean="0"/>
-              <a:t>Complexity</a:t>
+              <a:t>Summary: Time &amp; Space Complexity</a:t>
             </a:r>
             <a:endParaRPr lang="en-CA" dirty="0"/>
           </a:p>
@@ -39066,7 +39050,7 @@
           <a:p>
             <a:fld id="{D7672A5B-2114-4435-AD8E-0CDF474A713C}" type="datetime1">
               <a:rPr lang="en-US" smtClean="0"/>
-              <a:t>12/16/2014</a:t>
+              <a:t>12/17/2014</a:t>
             </a:fld>
             <a:endParaRPr lang="en-US"/>
           </a:p>
@@ -39197,7 +39181,7 @@
           <a:p>
             <a:fld id="{503978C3-7BAC-497F-A59E-CD932418DAA5}" type="datetime1">
               <a:rPr lang="en-US" smtClean="0"/>
-              <a:t>12/16/2014</a:t>
+              <a:t>12/17/2014</a:t>
             </a:fld>
             <a:endParaRPr lang="en-US"/>
           </a:p>
@@ -39456,7 +39440,7 @@
           <a:p>
             <a:fld id="{522B1430-2EC3-4EA2-81D4-F4223589D89F}" type="datetime1">
               <a:rPr lang="en-US" smtClean="0"/>
-              <a:t>12/16/2014</a:t>
+              <a:t>12/17/2014</a:t>
             </a:fld>
             <a:endParaRPr lang="en-US"/>
           </a:p>
@@ -39700,7 +39684,7 @@
           <a:p>
             <a:fld id="{3C6C4214-6076-4467-8C38-06897B9F9482}" type="datetime1">
               <a:rPr lang="en-US" smtClean="0"/>
-              <a:t>12/16/2014</a:t>
+              <a:t>12/17/2014</a:t>
             </a:fld>
             <a:endParaRPr lang="en-US"/>
           </a:p>
@@ -40014,7 +39998,7 @@
           <a:p>
             <a:fld id="{202AF3F4-62EF-4C6C-A751-FEE1B8D468FD}" type="datetime1">
               <a:rPr lang="en-US" smtClean="0"/>
-              <a:t>12/16/2014</a:t>
+              <a:t>12/17/2014</a:t>
             </a:fld>
             <a:endParaRPr lang="en-US"/>
           </a:p>
@@ -40570,7 +40554,7 @@
           <a:p>
             <a:fld id="{1460A78C-C7DF-4DCC-9D79-AD6986D18462}" type="datetime1">
               <a:rPr lang="en-US" smtClean="0"/>
-              <a:t>12/16/2014</a:t>
+              <a:t>12/17/2014</a:t>
             </a:fld>
             <a:endParaRPr lang="en-US"/>
           </a:p>
@@ -40758,7 +40742,7 @@
           <a:p>
             <a:fld id="{071EC497-8234-4845-B121-F8B8A5820764}" type="datetime1">
               <a:rPr lang="en-US" smtClean="0"/>
-              <a:t>12/16/2014</a:t>
+              <a:t>12/17/2014</a:t>
             </a:fld>
             <a:endParaRPr lang="en-US"/>
           </a:p>
@@ -41045,7 +41029,7 @@
           <a:p>
             <a:fld id="{AF49D6E6-CF30-4E7B-96F4-0645ACCEB9CE}" type="datetime1">
               <a:rPr lang="en-US" smtClean="0"/>
-              <a:t>12/16/2014</a:t>
+              <a:t>12/17/2014</a:t>
             </a:fld>
             <a:endParaRPr lang="en-US"/>
           </a:p>
@@ -41175,7 +41159,7 @@
           <a:p>
             <a:fld id="{1031FEF8-7538-4B85-9FB3-C4EDBD04EF2C}" type="datetime1">
               <a:rPr lang="en-US" smtClean="0"/>
-              <a:t>12/16/2014</a:t>
+              <a:t>12/17/2014</a:t>
             </a:fld>
             <a:endParaRPr lang="en-US"/>
           </a:p>
@@ -41818,7 +41802,7 @@
           <a:p>
             <a:fld id="{CB46D6F6-CBB4-43BF-8DC6-005A4E9FE69D}" type="datetime1">
               <a:rPr lang="en-US" smtClean="0"/>
-              <a:t>12/16/2014</a:t>
+              <a:t>12/17/2014</a:t>
             </a:fld>
             <a:endParaRPr lang="en-US"/>
           </a:p>
@@ -42008,7 +41992,7 @@
           <a:p>
             <a:fld id="{A06F5D4F-F650-4AF4-8EEA-3657229B6EC2}" type="datetime1">
               <a:rPr lang="en-US" smtClean="0"/>
-              <a:t>12/16/2014</a:t>
+              <a:t>12/17/2014</a:t>
             </a:fld>
             <a:endParaRPr lang="en-US"/>
           </a:p>
@@ -42233,7 +42217,7 @@
           <a:p>
             <a:fld id="{27C32169-1297-451F-AE81-C7522BFF28CF}" type="datetime1">
               <a:rPr lang="en-US" smtClean="0"/>
-              <a:t>12/16/2014</a:t>
+              <a:t>12/17/2014</a:t>
             </a:fld>
             <a:endParaRPr lang="en-US"/>
           </a:p>
@@ -42402,7 +42386,7 @@
           <a:p>
             <a:fld id="{852D2C97-8C09-4D5F-A8B1-46FE465ACE8E}" type="datetime1">
               <a:rPr lang="en-US" smtClean="0"/>
-              <a:t>12/16/2014</a:t>
+              <a:t>12/17/2014</a:t>
             </a:fld>
             <a:endParaRPr lang="en-US"/>
           </a:p>
@@ -42740,7 +42724,7 @@
           <a:p>
             <a:fld id="{9AF47EA0-3946-4AF1-9B42-BB210D4AF6BA}" type="datetime1">
               <a:rPr lang="en-US" smtClean="0"/>
-              <a:t>12/16/2014</a:t>
+              <a:t>12/17/2014</a:t>
             </a:fld>
             <a:endParaRPr lang="en-US"/>
           </a:p>
@@ -42802,11 +42786,11 @@
   <p:clrMapOvr>
     <a:masterClrMapping/>
   </p:clrMapOvr>
-  <mc:AlternateContent xmlns:mc="http://schemas.openxmlformats.org/markup-compatibility/2006">
-    <mc:Choice xmlns:p14="http://schemas.microsoft.com/office/powerpoint/2010/main" Requires="p14">
+  <mc:AlternateContent xmlns:mc="http://schemas.openxmlformats.org/markup-compatibility/2006" xmlns:p14="http://schemas.microsoft.com/office/powerpoint/2010/main">
+    <mc:Choice Requires="p14">
       <p:transition spd="slow" p14:dur="2000"/>
     </mc:Choice>
-    <mc:Fallback>
+    <mc:Fallback xmlns="">
       <p:transition spd="slow"/>
     </mc:Fallback>
   </mc:AlternateContent>
@@ -43260,7 +43244,7 @@
           <a:p>
             <a:fld id="{BA6EB610-700A-4303-9009-D4FA4124567B}" type="datetime1">
               <a:rPr lang="en-US" smtClean="0"/>
-              <a:t>12/16/2014</a:t>
+              <a:t>12/17/2014</a:t>
             </a:fld>
             <a:endParaRPr lang="en-US"/>
           </a:p>
@@ -43581,7 +43565,7 @@
           <a:p>
             <a:fld id="{9AAE4055-AAA3-4DF1-AD86-A0F77C1516F1}" type="datetime1">
               <a:rPr lang="en-US" smtClean="0"/>
-              <a:t>12/16/2014</a:t>
+              <a:t>12/17/2014</a:t>
             </a:fld>
             <a:endParaRPr lang="en-US"/>
           </a:p>
@@ -43643,11 +43627,11 @@
   <p:clrMapOvr>
     <a:masterClrMapping/>
   </p:clrMapOvr>
-  <mc:AlternateContent xmlns:mc="http://schemas.openxmlformats.org/markup-compatibility/2006">
-    <mc:Choice xmlns:p14="http://schemas.microsoft.com/office/powerpoint/2010/main" Requires="p14">
+  <mc:AlternateContent xmlns:mc="http://schemas.openxmlformats.org/markup-compatibility/2006" xmlns:p14="http://schemas.microsoft.com/office/powerpoint/2010/main">
+    <mc:Choice Requires="p14">
       <p:transition spd="slow" p14:dur="2000"/>
     </mc:Choice>
-    <mc:Fallback>
+    <mc:Fallback xmlns="">
       <p:transition spd="slow"/>
     </mc:Fallback>
   </mc:AlternateContent>
@@ -43776,7 +43760,7 @@
           <a:p>
             <a:fld id="{8BA1A8EE-ECC4-4724-9033-6E8BCB3D1C70}" type="datetime1">
               <a:rPr lang="en-US" smtClean="0"/>
-              <a:t>12/16/2014</a:t>
+              <a:t>12/17/2014</a:t>
             </a:fld>
             <a:endParaRPr lang="en-US"/>
           </a:p>
@@ -44248,7 +44232,7 @@
           <a:p>
             <a:fld id="{A6D2FF2F-6EDE-46D9-8ECF-C7879CEFEEFC}" type="datetime1">
               <a:rPr lang="en-US" smtClean="0"/>
-              <a:t>12/16/2014</a:t>
+              <a:t>12/17/2014</a:t>
             </a:fld>
             <a:endParaRPr lang="en-US"/>
           </a:p>
@@ -44495,7 +44479,7 @@
           <a:p>
             <a:fld id="{B0E6F7FE-AE32-4032-A59B-FD4AF51E54C6}" type="datetime1">
               <a:rPr lang="en-US" smtClean="0"/>
-              <a:t>12/16/2014</a:t>
+              <a:t>12/17/2014</a:t>
             </a:fld>
             <a:endParaRPr lang="en-US"/>
           </a:p>
@@ -44704,7 +44688,7 @@
           <a:p>
             <a:fld id="{8048CAF8-D0B1-47E9-B28A-0955F2A43041}" type="datetime1">
               <a:rPr lang="en-US" smtClean="0"/>
-              <a:t>12/16/2014</a:t>
+              <a:t>12/17/2014</a:t>
             </a:fld>
             <a:endParaRPr lang="en-US"/>
           </a:p>
@@ -45076,7 +45060,7 @@
           <a:p>
             <a:fld id="{A8E0BB3E-4C18-4EF0-99B0-BDF0AA3C6DE0}" type="datetime1">
               <a:rPr lang="en-US" smtClean="0"/>
-              <a:t>12/16/2014</a:t>
+              <a:t>12/17/2014</a:t>
             </a:fld>
             <a:endParaRPr lang="en-US"/>
           </a:p>
@@ -45258,7 +45242,7 @@
           <a:p>
             <a:fld id="{64F3B072-3995-4AC7-9796-B14F8F21FF3D}" type="datetime1">
               <a:rPr lang="en-US" smtClean="0"/>
-              <a:t>12/16/2014</a:t>
+              <a:t>12/17/2014</a:t>
             </a:fld>
             <a:endParaRPr lang="en-US"/>
           </a:p>
@@ -45443,7 +45427,7 @@
           <a:p>
             <a:fld id="{0E9411E9-9145-4168-929E-407C4A1C0F93}" type="datetime1">
               <a:rPr lang="en-US" smtClean="0"/>
-              <a:t>12/16/2014</a:t>
+              <a:t>12/17/2014</a:t>
             </a:fld>
             <a:endParaRPr lang="en-US"/>
           </a:p>
@@ -45688,7 +45672,7 @@
           <a:p>
             <a:fld id="{8C922735-0001-40D6-951E-F8BC8BF39B41}" type="datetime1">
               <a:rPr lang="en-US" smtClean="0"/>
-              <a:t>12/16/2014</a:t>
+              <a:t>12/17/2014</a:t>
             </a:fld>
             <a:endParaRPr lang="en-US"/>
           </a:p>
@@ -46029,7 +46013,7 @@
           <a:p>
             <a:fld id="{4C325705-6228-4020-AA4F-3186FB0C7BD8}" type="datetime1">
               <a:rPr lang="en-US" smtClean="0"/>
-              <a:t>12/16/2014</a:t>
+              <a:t>12/17/2014</a:t>
             </a:fld>
             <a:endParaRPr lang="en-US"/>
           </a:p>
@@ -46292,7 +46276,7 @@
           <a:p>
             <a:fld id="{5828BB62-177D-4AD7-9054-7BAFCA65BF3E}" type="datetime1">
               <a:rPr lang="en-US" smtClean="0"/>
-              <a:t>12/16/2014</a:t>
+              <a:t>12/17/2014</a:t>
             </a:fld>
             <a:endParaRPr lang="en-US"/>
           </a:p>
@@ -46535,7 +46519,7 @@
           <a:p>
             <a:fld id="{F3975F3D-0BFF-44F2-8415-33E2F3B349BE}" type="datetime1">
               <a:rPr lang="en-US" smtClean="0"/>
-              <a:t>12/16/2014</a:t>
+              <a:t>12/17/2014</a:t>
             </a:fld>
             <a:endParaRPr lang="en-US"/>
           </a:p>

--- a/cs534L-SAGmf.pptx
+++ b/cs534L-SAGmf.pptx
@@ -375,7 +375,7 @@
           <a:p>
             <a:fld id="{2A931F9A-C6D5-4EB2-9441-7E80231123F5}" type="datetimeFigureOut">
               <a:rPr lang="en-US" smtClean="0"/>
-              <a:t>12/17/2014</a:t>
+              <a:t>12/18/2014</a:t>
             </a:fld>
             <a:endParaRPr lang="en-US"/>
           </a:p>
@@ -3495,7 +3495,7 @@
           <a:p>
             <a:fld id="{DF492EC1-EEE0-449A-809A-6F4F5093FCCA}" type="datetime1">
               <a:rPr lang="en-US" smtClean="0"/>
-              <a:t>12/17/2014</a:t>
+              <a:t>12/18/2014</a:t>
             </a:fld>
             <a:endParaRPr lang="en-US"/>
           </a:p>
@@ -3669,7 +3669,7 @@
           <a:p>
             <a:fld id="{EA1158E1-82B7-442E-A2BA-1724CA133B48}" type="datetime1">
               <a:rPr lang="en-US" smtClean="0"/>
-              <a:t>12/17/2014</a:t>
+              <a:t>12/18/2014</a:t>
             </a:fld>
             <a:endParaRPr lang="en-US"/>
           </a:p>
@@ -3853,7 +3853,7 @@
           <a:p>
             <a:fld id="{D04766DE-4A9F-49C5-92E4-2BE7503D5CAE}" type="datetime1">
               <a:rPr lang="en-US" smtClean="0"/>
-              <a:t>12/17/2014</a:t>
+              <a:t>12/18/2014</a:t>
             </a:fld>
             <a:endParaRPr lang="en-US"/>
           </a:p>
@@ -4027,7 +4027,7 @@
           <a:p>
             <a:fld id="{0E9411E9-9145-4168-929E-407C4A1C0F93}" type="datetime1">
               <a:rPr lang="en-US" smtClean="0"/>
-              <a:t>12/17/2014</a:t>
+              <a:t>12/18/2014</a:t>
             </a:fld>
             <a:endParaRPr lang="en-US"/>
           </a:p>
@@ -4282,7 +4282,7 @@
           <a:p>
             <a:fld id="{26866823-3CA7-41AF-9FCD-78AAF7D68015}" type="datetime1">
               <a:rPr lang="en-US" smtClean="0"/>
-              <a:t>12/17/2014</a:t>
+              <a:t>12/18/2014</a:t>
             </a:fld>
             <a:endParaRPr lang="en-US"/>
           </a:p>
@@ -4574,7 +4574,7 @@
           <a:p>
             <a:fld id="{F46CC9E4-F458-4DF9-A1A7-60AEE5B66F84}" type="datetime1">
               <a:rPr lang="en-US" smtClean="0"/>
-              <a:t>12/17/2014</a:t>
+              <a:t>12/18/2014</a:t>
             </a:fld>
             <a:endParaRPr lang="en-US"/>
           </a:p>
@@ -5000,7 +5000,7 @@
           <a:p>
             <a:fld id="{726D1808-46D7-4FD2-A7D3-54F1A9022A66}" type="datetime1">
               <a:rPr lang="en-US" smtClean="0"/>
-              <a:t>12/17/2014</a:t>
+              <a:t>12/18/2014</a:t>
             </a:fld>
             <a:endParaRPr lang="en-US"/>
           </a:p>
@@ -5122,7 +5122,7 @@
           <a:p>
             <a:fld id="{13366D53-ECF1-4A20-A256-58888B4D19F2}" type="datetime1">
               <a:rPr lang="en-US" smtClean="0"/>
-              <a:t>12/17/2014</a:t>
+              <a:t>12/18/2014</a:t>
             </a:fld>
             <a:endParaRPr lang="en-US"/>
           </a:p>
@@ -5221,7 +5221,7 @@
           <a:p>
             <a:fld id="{AD1F0192-46DC-414B-8DC6-25D44FB190B1}" type="datetime1">
               <a:rPr lang="en-US" smtClean="0"/>
-              <a:t>12/17/2014</a:t>
+              <a:t>12/18/2014</a:t>
             </a:fld>
             <a:endParaRPr lang="en-US"/>
           </a:p>
@@ -5502,7 +5502,7 @@
           <a:p>
             <a:fld id="{2233E2AF-1688-49B4-9494-CDDFF50A98ED}" type="datetime1">
               <a:rPr lang="en-US" smtClean="0"/>
-              <a:t>12/17/2014</a:t>
+              <a:t>12/18/2014</a:t>
             </a:fld>
             <a:endParaRPr lang="en-US"/>
           </a:p>
@@ -5759,7 +5759,7 @@
           <a:p>
             <a:fld id="{196CDEFC-E511-4EB4-A8DD-3F5550DC95AE}" type="datetime1">
               <a:rPr lang="en-US" smtClean="0"/>
-              <a:t>12/17/2014</a:t>
+              <a:t>12/18/2014</a:t>
             </a:fld>
             <a:endParaRPr lang="en-US"/>
           </a:p>
@@ -5976,7 +5976,7 @@
           <a:p>
             <a:fld id="{894A0710-4487-4A60-9640-C796AE7AFDB1}" type="datetime1">
               <a:rPr lang="en-US" smtClean="0"/>
-              <a:t>12/17/2014</a:t>
+              <a:t>12/18/2014</a:t>
             </a:fld>
             <a:endParaRPr lang="en-US"/>
           </a:p>
@@ -7928,7 +7928,7 @@
           <a:p>
             <a:fld id="{7A61B9E6-FE59-4A99-B2A5-E7F0116A092C}" type="datetime1">
               <a:rPr lang="en-US" smtClean="0"/>
-              <a:t>12/17/2014</a:t>
+              <a:t>12/18/2014</a:t>
             </a:fld>
             <a:endParaRPr lang="en-US"/>
           </a:p>
@@ -10026,7 +10026,7 @@
           <a:p>
             <a:fld id="{20C28C14-8B5E-4DD8-9548-84A45A28E12E}" type="datetime1">
               <a:rPr lang="en-US" smtClean="0"/>
-              <a:t>12/17/2014</a:t>
+              <a:t>12/18/2014</a:t>
             </a:fld>
             <a:endParaRPr lang="en-US"/>
           </a:p>
@@ -12334,7 +12334,7 @@
           <a:p>
             <a:fld id="{0DB794CF-6635-4524-BD03-E037C51538DF}" type="datetime1">
               <a:rPr lang="en-US" smtClean="0"/>
-              <a:t>12/17/2014</a:t>
+              <a:t>12/18/2014</a:t>
             </a:fld>
             <a:endParaRPr lang="en-US"/>
           </a:p>
@@ -13416,7 +13416,7 @@
           <a:p>
             <a:fld id="{5DED8440-E361-489C-9788-ECCCCF83B73A}" type="datetime1">
               <a:rPr lang="en-US" smtClean="0"/>
-              <a:t>12/17/2014</a:t>
+              <a:t>12/18/2014</a:t>
             </a:fld>
             <a:endParaRPr lang="en-US"/>
           </a:p>
@@ -14501,7 +14501,7 @@
           <a:p>
             <a:fld id="{FCCB8915-BABA-43C3-B348-D27F4B843CEC}" type="datetime1">
               <a:rPr lang="en-US" smtClean="0"/>
-              <a:t>12/17/2014</a:t>
+              <a:t>12/18/2014</a:t>
             </a:fld>
             <a:endParaRPr lang="en-US"/>
           </a:p>
@@ -15327,7 +15327,7 @@
           <a:p>
             <a:fld id="{99E698A7-28BD-4E1B-85C1-0FC6AA5A457D}" type="datetime1">
               <a:rPr lang="en-US" smtClean="0"/>
-              <a:t>12/17/2014</a:t>
+              <a:t>12/18/2014</a:t>
             </a:fld>
             <a:endParaRPr lang="en-US"/>
           </a:p>
@@ -15505,7 +15505,7 @@
           <a:p>
             <a:fld id="{D65DBC27-F2C9-47CE-AD90-C274EAA0EBBD}" type="datetime1">
               <a:rPr lang="en-US" smtClean="0"/>
-              <a:t>12/17/2014</a:t>
+              <a:t>12/18/2014</a:t>
             </a:fld>
             <a:endParaRPr lang="en-US"/>
           </a:p>
@@ -17801,7 +17801,7 @@
           <a:p>
             <a:fld id="{05942C22-6F12-4C4C-811E-3551C20778E3}" type="datetime1">
               <a:rPr lang="en-US" smtClean="0"/>
-              <a:t>12/17/2014</a:t>
+              <a:t>12/18/2014</a:t>
             </a:fld>
             <a:endParaRPr lang="en-US"/>
           </a:p>
@@ -19345,7 +19345,7 @@
           <a:p>
             <a:fld id="{14EF0C0C-4741-482E-B240-C6CA876008AF}" type="datetime1">
               <a:rPr lang="en-US" smtClean="0"/>
-              <a:t>12/17/2014</a:t>
+              <a:t>12/18/2014</a:t>
             </a:fld>
             <a:endParaRPr lang="en-US"/>
           </a:p>
@@ -19568,7 +19568,7 @@
           <a:p>
             <a:fld id="{C6622626-F3CF-4766-B866-EE4BF464B6F4}" type="datetime1">
               <a:rPr lang="en-US" smtClean="0"/>
-              <a:t>12/17/2014</a:t>
+              <a:t>12/18/2014</a:t>
             </a:fld>
             <a:endParaRPr lang="en-US"/>
           </a:p>
@@ -19768,7 +19768,7 @@
           <a:p>
             <a:fld id="{1EBFA097-BA54-4A20-AE80-8475FCFD0726}" type="datetime1">
               <a:rPr lang="en-US" smtClean="0"/>
-              <a:t>12/17/2014</a:t>
+              <a:t>12/18/2014</a:t>
             </a:fld>
             <a:endParaRPr lang="en-US"/>
           </a:p>
@@ -20218,7 +20218,7 @@
           <a:p>
             <a:fld id="{EDA68DC3-9BE5-4A66-AB58-E4E3F9AD6BBF}" type="datetime1">
               <a:rPr lang="en-US" smtClean="0"/>
-              <a:t>12/17/2014</a:t>
+              <a:t>12/18/2014</a:t>
             </a:fld>
             <a:endParaRPr lang="en-US"/>
           </a:p>
@@ -21643,7 +21643,7 @@
           <a:p>
             <a:fld id="{53FD3568-5C9A-4DF8-AA1B-9946C4E3D86E}" type="datetime1">
               <a:rPr lang="en-US" smtClean="0"/>
-              <a:t>12/17/2014</a:t>
+              <a:t>12/18/2014</a:t>
             </a:fld>
             <a:endParaRPr lang="en-US"/>
           </a:p>
@@ -21836,7 +21836,7 @@
           <a:p>
             <a:fld id="{C479E85E-A3BC-4483-ACAA-B66D91B5D02A}" type="datetime1">
               <a:rPr lang="en-US" smtClean="0"/>
-              <a:t>12/17/2014</a:t>
+              <a:t>12/18/2014</a:t>
             </a:fld>
             <a:endParaRPr lang="en-US"/>
           </a:p>
@@ -22032,7 +22032,7 @@
           <a:p>
             <a:fld id="{02F9A8D4-C19D-46E1-BD5D-1EBE3C721D42}" type="datetime1">
               <a:rPr lang="en-US" smtClean="0"/>
-              <a:t>12/17/2014</a:t>
+              <a:t>12/18/2014</a:t>
             </a:fld>
             <a:endParaRPr lang="en-US"/>
           </a:p>
@@ -22974,7 +22974,7 @@
           <a:p>
             <a:fld id="{4C1C6DA5-CC52-4D86-A1F9-FBC082D05027}" type="datetime1">
               <a:rPr lang="en-US" smtClean="0"/>
-              <a:t>12/17/2014</a:t>
+              <a:t>12/18/2014</a:t>
             </a:fld>
             <a:endParaRPr lang="en-US"/>
           </a:p>
@@ -24566,7 +24566,7 @@
           <a:p>
             <a:fld id="{F42875A4-E86A-4A62-8BAC-9C351A275554}" type="datetime1">
               <a:rPr lang="en-US" smtClean="0"/>
-              <a:t>12/17/2014</a:t>
+              <a:t>12/18/2014</a:t>
             </a:fld>
             <a:endParaRPr lang="en-US"/>
           </a:p>
@@ -26126,7 +26126,7 @@
           <a:p>
             <a:fld id="{4471327D-3123-4F10-B234-B3D641057774}" type="datetime1">
               <a:rPr lang="en-US" smtClean="0"/>
-              <a:t>12/17/2014</a:t>
+              <a:t>12/18/2014</a:t>
             </a:fld>
             <a:endParaRPr lang="en-US"/>
           </a:p>
@@ -26884,7 +26884,7 @@
           <a:p>
             <a:fld id="{770D8689-CBA1-4DA9-9155-C954A6C0F64E}" type="datetime1">
               <a:rPr lang="en-US" smtClean="0"/>
-              <a:t>12/17/2014</a:t>
+              <a:t>12/18/2014</a:t>
             </a:fld>
             <a:endParaRPr lang="en-US"/>
           </a:p>
@@ -27598,7 +27598,7 @@
           <a:p>
             <a:fld id="{5A540F47-EA3B-4028-964D-95CAA8E7E0E8}" type="datetime1">
               <a:rPr lang="en-US" smtClean="0"/>
-              <a:t>12/17/2014</a:t>
+              <a:t>12/18/2014</a:t>
             </a:fld>
             <a:endParaRPr lang="en-US"/>
           </a:p>
@@ -29242,7 +29242,7 @@
           <a:p>
             <a:fld id="{0E89C9AE-76F8-4426-B716-FA2CA7535C40}" type="datetime1">
               <a:rPr lang="en-US" smtClean="0"/>
-              <a:t>12/17/2014</a:t>
+              <a:t>12/18/2014</a:t>
             </a:fld>
             <a:endParaRPr lang="en-US"/>
           </a:p>
@@ -29971,7 +29971,7 @@
           <a:p>
             <a:fld id="{A798235E-B806-4F46-99CF-E2CD3E919450}" type="datetime1">
               <a:rPr lang="en-US" smtClean="0"/>
-              <a:t>12/17/2014</a:t>
+              <a:t>12/18/2014</a:t>
             </a:fld>
             <a:endParaRPr lang="en-US"/>
           </a:p>
@@ -30487,7 +30487,7 @@
           <a:p>
             <a:fld id="{25794A3B-A36C-4627-BD9A-12EB427433C0}" type="datetime1">
               <a:rPr lang="en-US" smtClean="0"/>
-              <a:t>12/17/2014</a:t>
+              <a:t>12/18/2014</a:t>
             </a:fld>
             <a:endParaRPr lang="en-US"/>
           </a:p>
@@ -30850,7 +30850,7 @@
           <a:p>
             <a:fld id="{DD230464-F284-4D03-A51E-B15453724E30}" type="datetime1">
               <a:rPr lang="en-US" smtClean="0"/>
-              <a:t>12/17/2014</a:t>
+              <a:t>12/18/2014</a:t>
             </a:fld>
             <a:endParaRPr lang="en-US"/>
           </a:p>
@@ -32256,7 +32256,7 @@
           <a:p>
             <a:fld id="{72A54D80-B52D-4D9F-A31B-9B93AD49F4A0}" type="datetime1">
               <a:rPr lang="en-US" smtClean="0"/>
-              <a:t>12/17/2014</a:t>
+              <a:t>12/18/2014</a:t>
             </a:fld>
             <a:endParaRPr lang="en-US"/>
           </a:p>
@@ -33094,7 +33094,7 @@
           <a:p>
             <a:fld id="{B11DCA0E-0E4A-44F4-A518-41810BDEDF2F}" type="datetime1">
               <a:rPr lang="en-US" smtClean="0"/>
-              <a:t>12/17/2014</a:t>
+              <a:t>12/18/2014</a:t>
             </a:fld>
             <a:endParaRPr lang="en-US"/>
           </a:p>
@@ -34130,7 +34130,7 @@
           <a:p>
             <a:fld id="{8EBE0CDF-C031-4C1B-86C9-9821DA7D7AA8}" type="datetime1">
               <a:rPr lang="en-US" smtClean="0"/>
-              <a:t>12/17/2014</a:t>
+              <a:t>12/18/2014</a:t>
             </a:fld>
             <a:endParaRPr lang="en-US"/>
           </a:p>
@@ -34591,7 +34591,7 @@
           <a:p>
             <a:fld id="{0FF19A64-DDC0-44D0-A19E-30F99823CD73}" type="datetime1">
               <a:rPr lang="en-US" smtClean="0"/>
-              <a:t>12/17/2014</a:t>
+              <a:t>12/18/2014</a:t>
             </a:fld>
             <a:endParaRPr lang="en-US"/>
           </a:p>
@@ -35124,7 +35124,7 @@
           <a:p>
             <a:fld id="{9DEB4A8C-4344-4047-969E-A4FED800E34A}" type="datetime1">
               <a:rPr lang="en-US" smtClean="0"/>
-              <a:t>12/17/2014</a:t>
+              <a:t>12/18/2014</a:t>
             </a:fld>
             <a:endParaRPr lang="en-US"/>
           </a:p>
@@ -36537,7 +36537,7 @@
           <a:p>
             <a:fld id="{E9B42E54-1F54-4156-8D0D-7A86AC01CCA7}" type="datetime1">
               <a:rPr lang="en-US" smtClean="0"/>
-              <a:t>12/17/2014</a:t>
+              <a:t>12/18/2014</a:t>
             </a:fld>
             <a:endParaRPr lang="en-US"/>
           </a:p>
@@ -37534,7 +37534,7 @@
           <a:p>
             <a:fld id="{9AEFE3DF-CDE2-4BDE-96BC-521291A77E37}" type="datetime1">
               <a:rPr lang="en-US" smtClean="0"/>
-              <a:t>12/17/2014</a:t>
+              <a:t>12/18/2014</a:t>
             </a:fld>
             <a:endParaRPr lang="en-US"/>
           </a:p>
@@ -39050,7 +39050,7 @@
           <a:p>
             <a:fld id="{D7672A5B-2114-4435-AD8E-0CDF474A713C}" type="datetime1">
               <a:rPr lang="en-US" smtClean="0"/>
-              <a:t>12/17/2014</a:t>
+              <a:t>12/18/2014</a:t>
             </a:fld>
             <a:endParaRPr lang="en-US"/>
           </a:p>
@@ -39181,7 +39181,7 @@
           <a:p>
             <a:fld id="{503978C3-7BAC-497F-A59E-CD932418DAA5}" type="datetime1">
               <a:rPr lang="en-US" smtClean="0"/>
-              <a:t>12/17/2014</a:t>
+              <a:t>12/18/2014</a:t>
             </a:fld>
             <a:endParaRPr lang="en-US"/>
           </a:p>
@@ -39440,7 +39440,7 @@
           <a:p>
             <a:fld id="{522B1430-2EC3-4EA2-81D4-F4223589D89F}" type="datetime1">
               <a:rPr lang="en-US" smtClean="0"/>
-              <a:t>12/17/2014</a:t>
+              <a:t>12/18/2014</a:t>
             </a:fld>
             <a:endParaRPr lang="en-US"/>
           </a:p>
@@ -39684,7 +39684,7 @@
           <a:p>
             <a:fld id="{3C6C4214-6076-4467-8C38-06897B9F9482}" type="datetime1">
               <a:rPr lang="en-US" smtClean="0"/>
-              <a:t>12/17/2014</a:t>
+              <a:t>12/18/2014</a:t>
             </a:fld>
             <a:endParaRPr lang="en-US"/>
           </a:p>
@@ -39998,7 +39998,7 @@
           <a:p>
             <a:fld id="{202AF3F4-62EF-4C6C-A751-FEE1B8D468FD}" type="datetime1">
               <a:rPr lang="en-US" smtClean="0"/>
-              <a:t>12/17/2014</a:t>
+              <a:t>12/18/2014</a:t>
             </a:fld>
             <a:endParaRPr lang="en-US"/>
           </a:p>
@@ -40554,7 +40554,7 @@
           <a:p>
             <a:fld id="{1460A78C-C7DF-4DCC-9D79-AD6986D18462}" type="datetime1">
               <a:rPr lang="en-US" smtClean="0"/>
-              <a:t>12/17/2014</a:t>
+              <a:t>12/18/2014</a:t>
             </a:fld>
             <a:endParaRPr lang="en-US"/>
           </a:p>
@@ -40742,7 +40742,7 @@
           <a:p>
             <a:fld id="{071EC497-8234-4845-B121-F8B8A5820764}" type="datetime1">
               <a:rPr lang="en-US" smtClean="0"/>
-              <a:t>12/17/2014</a:t>
+              <a:t>12/18/2014</a:t>
             </a:fld>
             <a:endParaRPr lang="en-US"/>
           </a:p>
@@ -41029,7 +41029,7 @@
           <a:p>
             <a:fld id="{AF49D6E6-CF30-4E7B-96F4-0645ACCEB9CE}" type="datetime1">
               <a:rPr lang="en-US" smtClean="0"/>
-              <a:t>12/17/2014</a:t>
+              <a:t>12/18/2014</a:t>
             </a:fld>
             <a:endParaRPr lang="en-US"/>
           </a:p>
@@ -41159,7 +41159,7 @@
           <a:p>
             <a:fld id="{1031FEF8-7538-4B85-9FB3-C4EDBD04EF2C}" type="datetime1">
               <a:rPr lang="en-US" smtClean="0"/>
-              <a:t>12/17/2014</a:t>
+              <a:t>12/18/2014</a:t>
             </a:fld>
             <a:endParaRPr lang="en-US"/>
           </a:p>
@@ -41802,7 +41802,7 @@
           <a:p>
             <a:fld id="{CB46D6F6-CBB4-43BF-8DC6-005A4E9FE69D}" type="datetime1">
               <a:rPr lang="en-US" smtClean="0"/>
-              <a:t>12/17/2014</a:t>
+              <a:t>12/18/2014</a:t>
             </a:fld>
             <a:endParaRPr lang="en-US"/>
           </a:p>
@@ -41992,7 +41992,7 @@
           <a:p>
             <a:fld id="{A06F5D4F-F650-4AF4-8EEA-3657229B6EC2}" type="datetime1">
               <a:rPr lang="en-US" smtClean="0"/>
-              <a:t>12/17/2014</a:t>
+              <a:t>12/18/2014</a:t>
             </a:fld>
             <a:endParaRPr lang="en-US"/>
           </a:p>
@@ -42217,7 +42217,7 @@
           <a:p>
             <a:fld id="{27C32169-1297-451F-AE81-C7522BFF28CF}" type="datetime1">
               <a:rPr lang="en-US" smtClean="0"/>
-              <a:t>12/17/2014</a:t>
+              <a:t>12/18/2014</a:t>
             </a:fld>
             <a:endParaRPr lang="en-US"/>
           </a:p>
@@ -42386,7 +42386,7 @@
           <a:p>
             <a:fld id="{852D2C97-8C09-4D5F-A8B1-46FE465ACE8E}" type="datetime1">
               <a:rPr lang="en-US" smtClean="0"/>
-              <a:t>12/17/2014</a:t>
+              <a:t>12/18/2014</a:t>
             </a:fld>
             <a:endParaRPr lang="en-US"/>
           </a:p>
@@ -42724,7 +42724,7 @@
           <a:p>
             <a:fld id="{9AF47EA0-3946-4AF1-9B42-BB210D4AF6BA}" type="datetime1">
               <a:rPr lang="en-US" smtClean="0"/>
-              <a:t>12/17/2014</a:t>
+              <a:t>12/18/2014</a:t>
             </a:fld>
             <a:endParaRPr lang="en-US"/>
           </a:p>
@@ -43244,7 +43244,7 @@
           <a:p>
             <a:fld id="{BA6EB610-700A-4303-9009-D4FA4124567B}" type="datetime1">
               <a:rPr lang="en-US" smtClean="0"/>
-              <a:t>12/17/2014</a:t>
+              <a:t>12/18/2014</a:t>
             </a:fld>
             <a:endParaRPr lang="en-US"/>
           </a:p>
@@ -43565,7 +43565,7 @@
           <a:p>
             <a:fld id="{9AAE4055-AAA3-4DF1-AD86-A0F77C1516F1}" type="datetime1">
               <a:rPr lang="en-US" smtClean="0"/>
-              <a:t>12/17/2014</a:t>
+              <a:t>12/18/2014</a:t>
             </a:fld>
             <a:endParaRPr lang="en-US"/>
           </a:p>
@@ -43760,7 +43760,7 @@
           <a:p>
             <a:fld id="{8BA1A8EE-ECC4-4724-9033-6E8BCB3D1C70}" type="datetime1">
               <a:rPr lang="en-US" smtClean="0"/>
-              <a:t>12/17/2014</a:t>
+              <a:t>12/18/2014</a:t>
             </a:fld>
             <a:endParaRPr lang="en-US"/>
           </a:p>
@@ -44232,7 +44232,7 @@
           <a:p>
             <a:fld id="{A6D2FF2F-6EDE-46D9-8ECF-C7879CEFEEFC}" type="datetime1">
               <a:rPr lang="en-US" smtClean="0"/>
-              <a:t>12/17/2014</a:t>
+              <a:t>12/18/2014</a:t>
             </a:fld>
             <a:endParaRPr lang="en-US"/>
           </a:p>
@@ -44416,7 +44416,11 @@
             </a:pPr>
             <a:r>
               <a:rPr lang="en-US" dirty="0" smtClean="0"/>
-              <a:t>Large Scale Matrix Factorization with Distributed Stochastic Gradient Descent</a:t>
+              <a:t>Large </a:t>
+            </a:r>
+            <a:r>
+              <a:rPr lang="en-US" dirty="0" smtClean="0"/>
+              <a:t>Scale Matrix Factorization with Distributed Stochastic Gradient Descent</a:t>
             </a:r>
             <a:br>
               <a:rPr lang="en-US" dirty="0" smtClean="0"/>
@@ -44431,6 +44435,15 @@
               <a:rPr lang="en-US" sz="1800" dirty="0" smtClean="0"/>
               <a:t> </a:t>
             </a:r>
+            <a:endParaRPr lang="en-US" sz="1800" dirty="0" smtClean="0"/>
+          </a:p>
+          <a:p>
+            <a:pPr marL="1314450" lvl="2" indent="-514350"/>
+            <a:r>
+              <a:rPr lang="en-US" sz="1400" dirty="0" smtClean="0"/>
+              <a:t>Focus on large scale matrices, we focus on prototyping.  </a:t>
+            </a:r>
+            <a:endParaRPr lang="en-US" sz="1400" dirty="0" smtClean="0"/>
           </a:p>
           <a:p>
             <a:pPr marL="914400" lvl="1" indent="-514350">
@@ -44479,7 +44492,7 @@
           <a:p>
             <a:fld id="{B0E6F7FE-AE32-4032-A59B-FD4AF51E54C6}" type="datetime1">
               <a:rPr lang="en-US" smtClean="0"/>
-              <a:t>12/17/2014</a:t>
+              <a:t>12/18/2014</a:t>
             </a:fld>
             <a:endParaRPr lang="en-US"/>
           </a:p>
@@ -44688,7 +44701,7 @@
           <a:p>
             <a:fld id="{8048CAF8-D0B1-47E9-B28A-0955F2A43041}" type="datetime1">
               <a:rPr lang="en-US" smtClean="0"/>
-              <a:t>12/17/2014</a:t>
+              <a:t>12/18/2014</a:t>
             </a:fld>
             <a:endParaRPr lang="en-US"/>
           </a:p>
@@ -45060,7 +45073,7 @@
           <a:p>
             <a:fld id="{A8E0BB3E-4C18-4EF0-99B0-BDF0AA3C6DE0}" type="datetime1">
               <a:rPr lang="en-US" smtClean="0"/>
-              <a:t>12/17/2014</a:t>
+              <a:t>12/18/2014</a:t>
             </a:fld>
             <a:endParaRPr lang="en-US"/>
           </a:p>
@@ -45242,7 +45255,7 @@
           <a:p>
             <a:fld id="{64F3B072-3995-4AC7-9796-B14F8F21FF3D}" type="datetime1">
               <a:rPr lang="en-US" smtClean="0"/>
-              <a:t>12/17/2014</a:t>
+              <a:t>12/18/2014</a:t>
             </a:fld>
             <a:endParaRPr lang="en-US"/>
           </a:p>
@@ -45427,7 +45440,7 @@
           <a:p>
             <a:fld id="{0E9411E9-9145-4168-929E-407C4A1C0F93}" type="datetime1">
               <a:rPr lang="en-US" smtClean="0"/>
-              <a:t>12/17/2014</a:t>
+              <a:t>12/18/2014</a:t>
             </a:fld>
             <a:endParaRPr lang="en-US"/>
           </a:p>
@@ -45672,7 +45685,7 @@
           <a:p>
             <a:fld id="{8C922735-0001-40D6-951E-F8BC8BF39B41}" type="datetime1">
               <a:rPr lang="en-US" smtClean="0"/>
-              <a:t>12/17/2014</a:t>
+              <a:t>12/18/2014</a:t>
             </a:fld>
             <a:endParaRPr lang="en-US"/>
           </a:p>
@@ -46013,7 +46026,7 @@
           <a:p>
             <a:fld id="{4C325705-6228-4020-AA4F-3186FB0C7BD8}" type="datetime1">
               <a:rPr lang="en-US" smtClean="0"/>
-              <a:t>12/17/2014</a:t>
+              <a:t>12/18/2014</a:t>
             </a:fld>
             <a:endParaRPr lang="en-US"/>
           </a:p>
@@ -46276,7 +46289,7 @@
           <a:p>
             <a:fld id="{5828BB62-177D-4AD7-9054-7BAFCA65BF3E}" type="datetime1">
               <a:rPr lang="en-US" smtClean="0"/>
-              <a:t>12/17/2014</a:t>
+              <a:t>12/18/2014</a:t>
             </a:fld>
             <a:endParaRPr lang="en-US"/>
           </a:p>
@@ -46519,7 +46532,7 @@
           <a:p>
             <a:fld id="{F3975F3D-0BFF-44F2-8415-33E2F3B349BE}" type="datetime1">
               <a:rPr lang="en-US" smtClean="0"/>
-              <a:t>12/17/2014</a:t>
+              <a:t>12/18/2014</a:t>
             </a:fld>
             <a:endParaRPr lang="en-US"/>
           </a:p>

--- a/cs534L-SAGmf.pptx
+++ b/cs534L-SAGmf.pptx
@@ -44416,11 +44416,7 @@
             </a:pPr>
             <a:r>
               <a:rPr lang="en-US" dirty="0" smtClean="0"/>
-              <a:t>Large </a:t>
-            </a:r>
-            <a:r>
-              <a:rPr lang="en-US" dirty="0" smtClean="0"/>
-              <a:t>Scale Matrix Factorization with Distributed Stochastic Gradient Descent</a:t>
+              <a:t>Large Scale Matrix Factorization with Distributed Stochastic Gradient Descent</a:t>
             </a:r>
             <a:br>
               <a:rPr lang="en-US" dirty="0" smtClean="0"/>
@@ -44435,7 +44431,6 @@
               <a:rPr lang="en-US" sz="1800" dirty="0" smtClean="0"/>
               <a:t> </a:t>
             </a:r>
-            <a:endParaRPr lang="en-US" sz="1800" dirty="0" smtClean="0"/>
           </a:p>
           <a:p>
             <a:pPr marL="1314450" lvl="2" indent="-514350"/>
@@ -44443,7 +44438,6 @@
               <a:rPr lang="en-US" sz="1400" dirty="0" smtClean="0"/>
               <a:t>Focus on large scale matrices, we focus on prototyping.  </a:t>
             </a:r>
-            <a:endParaRPr lang="en-US" sz="1400" dirty="0" smtClean="0"/>
           </a:p>
           <a:p>
             <a:pPr marL="914400" lvl="1" indent="-514350">
